--- a/ONIP/onip_b1_methodes_numeriques/seance4_classes/B1_3_Classes_et_objets.pptx
+++ b/ONIP/onip_b1_methodes_numeriques/seance4_classes/B1_3_Classes_et_objets.pptx
@@ -208,7 +208,7 @@
           <a:p>
             <a:fld id="{95F60532-AC81-4152-B45E-E054A978F780}" type="datetimeFigureOut">
               <a:rPr lang="fr-FR" smtClean="0"/>
-              <a:t>05/05/2023</a:t>
+              <a:t>30/08/2023</a:t>
             </a:fld>
             <a:endParaRPr lang="fr-FR"/>
           </a:p>
@@ -799,7 +799,7 @@
           <a:p>
             <a:fld id="{02AC24A9-CCB6-4F8D-B8DB-C2F3692CFA5A}" type="datetimeFigureOut">
               <a:rPr lang="en-US" smtClean="0"/>
-              <a:t>5/5/2023</a:t>
+              <a:t>8/30/2023</a:t>
             </a:fld>
             <a:endParaRPr lang="en-US" dirty="0"/>
           </a:p>
@@ -1169,7 +1169,7 @@
           <a:p>
             <a:fld id="{02AC24A9-CCB6-4F8D-B8DB-C2F3692CFA5A}" type="datetimeFigureOut">
               <a:rPr lang="en-US" smtClean="0"/>
-              <a:t>5/5/2023</a:t>
+              <a:t>8/30/2023</a:t>
             </a:fld>
             <a:endParaRPr lang="en-US"/>
           </a:p>
@@ -1378,7 +1378,7 @@
           <a:p>
             <a:fld id="{02AC24A9-CCB6-4F8D-B8DB-C2F3692CFA5A}" type="datetimeFigureOut">
               <a:rPr lang="en-US" smtClean="0"/>
-              <a:t>5/5/2023</a:t>
+              <a:t>8/30/2023</a:t>
             </a:fld>
             <a:endParaRPr lang="en-US"/>
           </a:p>
@@ -1848,7 +1848,7 @@
           <a:p>
             <a:fld id="{02AC24A9-CCB6-4F8D-B8DB-C2F3692CFA5A}" type="datetimeFigureOut">
               <a:rPr lang="en-US" smtClean="0"/>
-              <a:t>5/5/2023</a:t>
+              <a:t>8/30/2023</a:t>
             </a:fld>
             <a:endParaRPr lang="en-US"/>
           </a:p>
@@ -2302,7 +2302,7 @@
           <a:p>
             <a:fld id="{02AC24A9-CCB6-4F8D-B8DB-C2F3692CFA5A}" type="datetimeFigureOut">
               <a:rPr lang="en-US" smtClean="0"/>
-              <a:t>5/5/2023</a:t>
+              <a:t>8/30/2023</a:t>
             </a:fld>
             <a:endParaRPr lang="en-US"/>
           </a:p>
@@ -2834,7 +2834,7 @@
           <a:p>
             <a:fld id="{02AC24A9-CCB6-4F8D-B8DB-C2F3692CFA5A}" type="datetimeFigureOut">
               <a:rPr lang="en-US" smtClean="0"/>
-              <a:t>5/5/2023</a:t>
+              <a:t>8/30/2023</a:t>
             </a:fld>
             <a:endParaRPr lang="en-US"/>
           </a:p>
@@ -3533,7 +3533,7 @@
           <a:p>
             <a:fld id="{02AC24A9-CCB6-4F8D-B8DB-C2F3692CFA5A}" type="datetimeFigureOut">
               <a:rPr lang="en-US" smtClean="0"/>
-              <a:t>5/5/2023</a:t>
+              <a:t>8/30/2023</a:t>
             </a:fld>
             <a:endParaRPr lang="en-US"/>
           </a:p>
@@ -3862,7 +3862,7 @@
           <a:p>
             <a:fld id="{02AC24A9-CCB6-4F8D-B8DB-C2F3692CFA5A}" type="datetimeFigureOut">
               <a:rPr lang="en-US" smtClean="0"/>
-              <a:t>5/5/2023</a:t>
+              <a:t>8/30/2023</a:t>
             </a:fld>
             <a:endParaRPr lang="en-US"/>
           </a:p>
@@ -3975,7 +3975,7 @@
           <a:p>
             <a:fld id="{02AC24A9-CCB6-4F8D-B8DB-C2F3692CFA5A}" type="datetimeFigureOut">
               <a:rPr lang="en-US" smtClean="0"/>
-              <a:t>5/5/2023</a:t>
+              <a:t>8/30/2023</a:t>
             </a:fld>
             <a:endParaRPr lang="en-US"/>
           </a:p>
@@ -4470,7 +4470,7 @@
           <a:p>
             <a:fld id="{02AC24A9-CCB6-4F8D-B8DB-C2F3692CFA5A}" type="datetimeFigureOut">
               <a:rPr lang="en-US" smtClean="0"/>
-              <a:t>5/5/2023</a:t>
+              <a:t>8/30/2023</a:t>
             </a:fld>
             <a:endParaRPr lang="en-US" dirty="0"/>
           </a:p>
@@ -4947,7 +4947,7 @@
           <a:p>
             <a:fld id="{02AC24A9-CCB6-4F8D-B8DB-C2F3692CFA5A}" type="datetimeFigureOut">
               <a:rPr lang="en-US" smtClean="0"/>
-              <a:t>5/5/2023</a:t>
+              <a:t>8/30/2023</a:t>
             </a:fld>
             <a:endParaRPr lang="en-US"/>
           </a:p>
@@ -5190,7 +5190,7 @@
           <a:p>
             <a:fld id="{02AC24A9-CCB6-4F8D-B8DB-C2F3692CFA5A}" type="datetimeFigureOut">
               <a:rPr lang="en-US" smtClean="0"/>
-              <a:t>5/5/2023</a:t>
+              <a:t>8/30/2023</a:t>
             </a:fld>
             <a:endParaRPr lang="en-US"/>
           </a:p>
@@ -7182,7 +7182,7 @@
           <a:p>
             <a:r>
               <a:rPr lang="fr-FR" dirty="0"/>
-              <a:t>TODO</a:t>
+              <a:t>Des objets qui interagissent</a:t>
             </a:r>
           </a:p>
         </p:txBody>
@@ -7223,6 +7223,270 @@
           </a:prstGeom>
         </p:spPr>
       </p:pic>
+      <p:pic>
+        <p:nvPicPr>
+          <p:cNvPr id="1026" name="Picture 2">
+            <a:extLst>
+              <a:ext uri="{FF2B5EF4-FFF2-40B4-BE49-F238E27FC236}">
+                <a16:creationId xmlns:a16="http://schemas.microsoft.com/office/drawing/2014/main" id="{CE808304-C51F-0582-3AA5-5E8D676FA608}"/>
+              </a:ext>
+            </a:extLst>
+          </p:cNvPr>
+          <p:cNvPicPr>
+            <a:picLocks noChangeAspect="1" noChangeArrowheads="1"/>
+          </p:cNvPicPr>
+          <p:nvPr/>
+        </p:nvPicPr>
+        <p:blipFill>
+          <a:blip r:embed="rId3">
+            <a:extLst>
+              <a:ext uri="{28A0092B-C50C-407E-A947-70E740481C1C}">
+                <a14:useLocalDpi xmlns:a14="http://schemas.microsoft.com/office/drawing/2010/main" val="0"/>
+              </a:ext>
+            </a:extLst>
+          </a:blip>
+          <a:srcRect/>
+          <a:stretch>
+            <a:fillRect/>
+          </a:stretch>
+        </p:blipFill>
+        <p:spPr bwMode="auto">
+          <a:xfrm>
+            <a:off x="8002869" y="3311701"/>
+            <a:ext cx="3365527" cy="2622755"/>
+          </a:xfrm>
+          <a:prstGeom prst="rect">
+            <a:avLst/>
+          </a:prstGeom>
+          <a:noFill/>
+          <a:extLst>
+            <a:ext uri="{909E8E84-426E-40DD-AFC4-6F175D3DCCD1}">
+              <a14:hiddenFill xmlns:a14="http://schemas.microsoft.com/office/drawing/2010/main">
+                <a:solidFill>
+                  <a:srgbClr val="FFFFFF"/>
+                </a:solidFill>
+              </a14:hiddenFill>
+            </a:ext>
+          </a:extLst>
+        </p:spPr>
+      </p:pic>
+      <p:sp>
+        <p:nvSpPr>
+          <p:cNvPr id="6" name="ZoneTexte 5">
+            <a:extLst>
+              <a:ext uri="{FF2B5EF4-FFF2-40B4-BE49-F238E27FC236}">
+                <a16:creationId xmlns:a16="http://schemas.microsoft.com/office/drawing/2014/main" id="{640D37D6-80BE-E97D-B427-645E522B0AC0}"/>
+              </a:ext>
+            </a:extLst>
+          </p:cNvPr>
+          <p:cNvSpPr txBox="1"/>
+          <p:nvPr/>
+        </p:nvSpPr>
+        <p:spPr>
+          <a:xfrm>
+            <a:off x="7246374" y="6422654"/>
+            <a:ext cx="6096000" cy="261610"/>
+          </a:xfrm>
+          <a:prstGeom prst="rect">
+            <a:avLst/>
+          </a:prstGeom>
+          <a:noFill/>
+        </p:spPr>
+        <p:txBody>
+          <a:bodyPr wrap="square">
+            <a:spAutoFit/>
+          </a:bodyPr>
+          <a:lstStyle/>
+          <a:p>
+            <a:r>
+              <a:rPr lang="fr-FR" sz="1100" dirty="0">
+                <a:solidFill>
+                  <a:schemeClr val="bg1">
+                    <a:lumMod val="65000"/>
+                  </a:schemeClr>
+                </a:solidFill>
+              </a:rPr>
+              <a:t>https://www.maxicours.com/se/cours/les-diagrammes-objet-interaction/</a:t>
+            </a:r>
+          </a:p>
+        </p:txBody>
+      </p:sp>
+      <p:pic>
+        <p:nvPicPr>
+          <p:cNvPr id="1028" name="Picture 4" descr="dessin objets trouvés">
+            <a:extLst>
+              <a:ext uri="{FF2B5EF4-FFF2-40B4-BE49-F238E27FC236}">
+                <a16:creationId xmlns:a16="http://schemas.microsoft.com/office/drawing/2014/main" id="{4FAB4EBF-8600-BC7D-1B88-0C569F1A22AF}"/>
+              </a:ext>
+            </a:extLst>
+          </p:cNvPr>
+          <p:cNvPicPr>
+            <a:picLocks noChangeAspect="1" noChangeArrowheads="1"/>
+          </p:cNvPicPr>
+          <p:nvPr/>
+        </p:nvPicPr>
+        <p:blipFill>
+          <a:blip r:embed="rId4">
+            <a:extLst>
+              <a:ext uri="{28A0092B-C50C-407E-A947-70E740481C1C}">
+                <a14:useLocalDpi xmlns:a14="http://schemas.microsoft.com/office/drawing/2010/main" val="0"/>
+              </a:ext>
+            </a:extLst>
+          </a:blip>
+          <a:srcRect/>
+          <a:stretch>
+            <a:fillRect/>
+          </a:stretch>
+        </p:blipFill>
+        <p:spPr bwMode="auto">
+          <a:xfrm>
+            <a:off x="9091893" y="173736"/>
+            <a:ext cx="1906096" cy="1666069"/>
+          </a:xfrm>
+          <a:prstGeom prst="rect">
+            <a:avLst/>
+          </a:prstGeom>
+          <a:noFill/>
+          <a:extLst>
+            <a:ext uri="{909E8E84-426E-40DD-AFC4-6F175D3DCCD1}">
+              <a14:hiddenFill xmlns:a14="http://schemas.microsoft.com/office/drawing/2010/main">
+                <a:solidFill>
+                  <a:srgbClr val="FFFFFF"/>
+                </a:solidFill>
+              </a14:hiddenFill>
+            </a:ext>
+          </a:extLst>
+        </p:spPr>
+      </p:pic>
+      <p:pic>
+        <p:nvPicPr>
+          <p:cNvPr id="1030" name="Picture 6">
+            <a:extLst>
+              <a:ext uri="{FF2B5EF4-FFF2-40B4-BE49-F238E27FC236}">
+                <a16:creationId xmlns:a16="http://schemas.microsoft.com/office/drawing/2014/main" id="{E7D15BC2-D0C4-67BB-7185-7CFA4C2A7286}"/>
+              </a:ext>
+            </a:extLst>
+          </p:cNvPr>
+          <p:cNvPicPr>
+            <a:picLocks noChangeAspect="1" noChangeArrowheads="1"/>
+          </p:cNvPicPr>
+          <p:nvPr/>
+        </p:nvPicPr>
+        <p:blipFill>
+          <a:blip r:embed="rId5">
+            <a:extLst>
+              <a:ext uri="{28A0092B-C50C-407E-A947-70E740481C1C}">
+                <a14:useLocalDpi xmlns:a14="http://schemas.microsoft.com/office/drawing/2010/main" val="0"/>
+              </a:ext>
+            </a:extLst>
+          </a:blip>
+          <a:srcRect/>
+          <a:stretch>
+            <a:fillRect/>
+          </a:stretch>
+        </p:blipFill>
+        <p:spPr bwMode="auto">
+          <a:xfrm>
+            <a:off x="1115567" y="3193445"/>
+            <a:ext cx="6286500" cy="2733675"/>
+          </a:xfrm>
+          <a:prstGeom prst="rect">
+            <a:avLst/>
+          </a:prstGeom>
+          <a:noFill/>
+          <a:extLst>
+            <a:ext uri="{909E8E84-426E-40DD-AFC4-6F175D3DCCD1}">
+              <a14:hiddenFill xmlns:a14="http://schemas.microsoft.com/office/drawing/2010/main">
+                <a:solidFill>
+                  <a:srgbClr val="FFFFFF"/>
+                </a:solidFill>
+              </a14:hiddenFill>
+            </a:ext>
+          </a:extLst>
+        </p:spPr>
+      </p:pic>
+      <p:sp>
+        <p:nvSpPr>
+          <p:cNvPr id="8" name="ZoneTexte 7">
+            <a:extLst>
+              <a:ext uri="{FF2B5EF4-FFF2-40B4-BE49-F238E27FC236}">
+                <a16:creationId xmlns:a16="http://schemas.microsoft.com/office/drawing/2014/main" id="{7AEDF02C-01A4-42CC-4130-D41A78D297E7}"/>
+              </a:ext>
+            </a:extLst>
+          </p:cNvPr>
+          <p:cNvSpPr txBox="1"/>
+          <p:nvPr/>
+        </p:nvSpPr>
+        <p:spPr>
+          <a:xfrm>
+            <a:off x="3014446" y="5916945"/>
+            <a:ext cx="6671186" cy="261610"/>
+          </a:xfrm>
+          <a:prstGeom prst="rect">
+            <a:avLst/>
+          </a:prstGeom>
+          <a:noFill/>
+        </p:spPr>
+        <p:txBody>
+          <a:bodyPr wrap="square">
+            <a:spAutoFit/>
+          </a:bodyPr>
+          <a:lstStyle/>
+          <a:p>
+            <a:r>
+              <a:rPr lang="fr-FR" sz="1100" dirty="0">
+                <a:solidFill>
+                  <a:schemeClr val="bg1">
+                    <a:lumMod val="65000"/>
+                  </a:schemeClr>
+                </a:solidFill>
+              </a:rPr>
+              <a:t>https://www.lepoint.fr/dossiers/societe/velo-libre-service-velib/</a:t>
+            </a:r>
+          </a:p>
+        </p:txBody>
+      </p:sp>
+      <p:sp>
+        <p:nvSpPr>
+          <p:cNvPr id="10" name="ZoneTexte 9">
+            <a:extLst>
+              <a:ext uri="{FF2B5EF4-FFF2-40B4-BE49-F238E27FC236}">
+                <a16:creationId xmlns:a16="http://schemas.microsoft.com/office/drawing/2014/main" id="{27659C81-78E9-598C-A413-7A9690518BE2}"/>
+              </a:ext>
+            </a:extLst>
+          </p:cNvPr>
+          <p:cNvSpPr txBox="1"/>
+          <p:nvPr/>
+        </p:nvSpPr>
+        <p:spPr>
+          <a:xfrm>
+            <a:off x="9421762" y="2051002"/>
+            <a:ext cx="2671915" cy="261610"/>
+          </a:xfrm>
+          <a:prstGeom prst="rect">
+            <a:avLst/>
+          </a:prstGeom>
+          <a:noFill/>
+        </p:spPr>
+        <p:txBody>
+          <a:bodyPr wrap="square">
+            <a:spAutoFit/>
+          </a:bodyPr>
+          <a:lstStyle/>
+          <a:p>
+            <a:r>
+              <a:rPr lang="fr-FR" sz="1050" dirty="0">
+                <a:solidFill>
+                  <a:schemeClr val="bg1">
+                    <a:lumMod val="65000"/>
+                  </a:schemeClr>
+                </a:solidFill>
+              </a:rPr>
+              <a:t>https://masevaux.fr/objets_trouves/</a:t>
+            </a:r>
+          </a:p>
+        </p:txBody>
+      </p:sp>
     </p:spTree>
     <p:extLst>
       <p:ext uri="{BB962C8B-B14F-4D97-AF65-F5344CB8AC3E}">
@@ -7297,14 +7561,19 @@
             <p:ph sz="half" idx="1"/>
           </p:nvPr>
         </p:nvSpPr>
-        <p:spPr/>
+        <p:spPr>
+          <a:xfrm>
+            <a:off x="1115568" y="2478024"/>
+            <a:ext cx="5344226" cy="3694176"/>
+          </a:xfrm>
+        </p:spPr>
         <p:txBody>
           <a:bodyPr/>
           <a:lstStyle/>
           <a:p>
             <a:r>
               <a:rPr lang="fr-FR" dirty="0"/>
-              <a:t>TODO</a:t>
+              <a:t>Mise en œuvre informatique</a:t>
             </a:r>
           </a:p>
         </p:txBody>
@@ -7367,14 +7636,102 @@
         </p:blipFill>
         <p:spPr>
           <a:xfrm>
-            <a:off x="5796284" y="3102470"/>
-            <a:ext cx="5624806" cy="2445283"/>
+            <a:off x="972500" y="3762167"/>
+            <a:ext cx="4873700" cy="2118753"/>
           </a:xfrm>
           <a:prstGeom prst="rect">
             <a:avLst/>
           </a:prstGeom>
         </p:spPr>
       </p:pic>
+      <p:pic>
+        <p:nvPicPr>
+          <p:cNvPr id="2050" name="Picture 2">
+            <a:extLst>
+              <a:ext uri="{FF2B5EF4-FFF2-40B4-BE49-F238E27FC236}">
+                <a16:creationId xmlns:a16="http://schemas.microsoft.com/office/drawing/2014/main" id="{9D885C64-E2BC-CBB0-EEDE-062889DD079C}"/>
+              </a:ext>
+            </a:extLst>
+          </p:cNvPr>
+          <p:cNvPicPr>
+            <a:picLocks noChangeAspect="1" noChangeArrowheads="1"/>
+          </p:cNvPicPr>
+          <p:nvPr/>
+        </p:nvPicPr>
+        <p:blipFill>
+          <a:blip r:embed="rId4">
+            <a:extLst>
+              <a:ext uri="{28A0092B-C50C-407E-A947-70E740481C1C}">
+                <a14:useLocalDpi xmlns:a14="http://schemas.microsoft.com/office/drawing/2010/main" val="0"/>
+              </a:ext>
+            </a:extLst>
+          </a:blip>
+          <a:srcRect/>
+          <a:stretch>
+            <a:fillRect/>
+          </a:stretch>
+        </p:blipFill>
+        <p:spPr bwMode="auto">
+          <a:xfrm>
+            <a:off x="6602862" y="2220930"/>
+            <a:ext cx="5141249" cy="4481138"/>
+          </a:xfrm>
+          <a:prstGeom prst="rect">
+            <a:avLst/>
+          </a:prstGeom>
+          <a:noFill/>
+          <a:extLst>
+            <a:ext uri="{909E8E84-426E-40DD-AFC4-6F175D3DCCD1}">
+              <a14:hiddenFill xmlns:a14="http://schemas.microsoft.com/office/drawing/2010/main">
+                <a:solidFill>
+                  <a:srgbClr val="FFFFFF"/>
+                </a:solidFill>
+              </a14:hiddenFill>
+            </a:ext>
+          </a:extLst>
+        </p:spPr>
+      </p:pic>
+      <p:sp>
+        <p:nvSpPr>
+          <p:cNvPr id="6" name="ZoneTexte 5">
+            <a:extLst>
+              <a:ext uri="{FF2B5EF4-FFF2-40B4-BE49-F238E27FC236}">
+                <a16:creationId xmlns:a16="http://schemas.microsoft.com/office/drawing/2014/main" id="{75CCEE1C-7657-3A68-2741-60D43D501772}"/>
+              </a:ext>
+            </a:extLst>
+          </p:cNvPr>
+          <p:cNvSpPr txBox="1"/>
+          <p:nvPr/>
+        </p:nvSpPr>
+        <p:spPr>
+          <a:xfrm>
+            <a:off x="8029399" y="6596390"/>
+            <a:ext cx="4162601" cy="261610"/>
+          </a:xfrm>
+          <a:prstGeom prst="rect">
+            <a:avLst/>
+          </a:prstGeom>
+          <a:noFill/>
+        </p:spPr>
+        <p:txBody>
+          <a:bodyPr wrap="square">
+            <a:spAutoFit/>
+          </a:bodyPr>
+          <a:lstStyle/>
+          <a:p>
+            <a:r>
+              <a:rPr lang="fr-FR" sz="1100" dirty="0">
+                <a:solidFill>
+                  <a:schemeClr val="bg1">
+                    <a:lumMod val="65000"/>
+                  </a:schemeClr>
+                </a:solidFill>
+              </a:rPr>
+              <a:t>https://python3.info/design-patterns/uml/class-diagram.html</a:t>
+            </a:r>
+          </a:p>
+        </p:txBody>
+      </p:sp>
     </p:spTree>
     <p:extLst>
       <p:ext uri="{BB962C8B-B14F-4D97-AF65-F5344CB8AC3E}">

--- a/ONIP/onip_b1_methodes_numeriques/seance4_classes/B1_3_Classes_et_objets.pptx
+++ b/ONIP/onip_b1_methodes_numeriques/seance4_classes/B1_3_Classes_et_objets.pptx
@@ -5,21 +5,30 @@
     <p:sldMasterId id="2147483711" r:id="rId1"/>
   </p:sldMasterIdLst>
   <p:notesMasterIdLst>
-    <p:notesMasterId r:id="rId14"/>
+    <p:notesMasterId r:id="rId23"/>
   </p:notesMasterIdLst>
   <p:sldIdLst>
     <p:sldId id="256" r:id="rId2"/>
     <p:sldId id="257" r:id="rId3"/>
     <p:sldId id="260" r:id="rId4"/>
-    <p:sldId id="261" r:id="rId5"/>
-    <p:sldId id="262" r:id="rId6"/>
-    <p:sldId id="263" r:id="rId7"/>
-    <p:sldId id="264" r:id="rId8"/>
-    <p:sldId id="258" r:id="rId9"/>
-    <p:sldId id="265" r:id="rId10"/>
-    <p:sldId id="266" r:id="rId11"/>
-    <p:sldId id="259" r:id="rId12"/>
-    <p:sldId id="267" r:id="rId13"/>
+    <p:sldId id="269" r:id="rId5"/>
+    <p:sldId id="268" r:id="rId6"/>
+    <p:sldId id="271" r:id="rId7"/>
+    <p:sldId id="272" r:id="rId8"/>
+    <p:sldId id="274" r:id="rId9"/>
+    <p:sldId id="275" r:id="rId10"/>
+    <p:sldId id="273" r:id="rId11"/>
+    <p:sldId id="270" r:id="rId12"/>
+    <p:sldId id="261" r:id="rId13"/>
+    <p:sldId id="262" r:id="rId14"/>
+    <p:sldId id="276" r:id="rId15"/>
+    <p:sldId id="263" r:id="rId16"/>
+    <p:sldId id="264" r:id="rId17"/>
+    <p:sldId id="258" r:id="rId18"/>
+    <p:sldId id="265" r:id="rId19"/>
+    <p:sldId id="266" r:id="rId20"/>
+    <p:sldId id="259" r:id="rId21"/>
+    <p:sldId id="267" r:id="rId22"/>
   </p:sldIdLst>
   <p:sldSz cx="12192000" cy="6858000"/>
   <p:notesSz cx="6858000" cy="9144000"/>
@@ -120,7 +129,7 @@
   </p:defaultTextStyle>
   <p:extLst>
     <p:ext uri="{EFAFB233-063F-42B5-8137-9DF3F51BA10A}">
-      <p15:sldGuideLst xmlns:p15="http://schemas.microsoft.com/office/powerpoint/2012/main"/>
+      <p15:sldGuideLst xmlns:p15="http://schemas.microsoft.com/office/powerpoint/2012/main" xmlns=""/>
     </p:ext>
   </p:extLst>
 </p:presentation>
@@ -208,7 +217,7 @@
           <a:p>
             <a:fld id="{95F60532-AC81-4152-B45E-E054A978F780}" type="datetimeFigureOut">
               <a:rPr lang="fr-FR" smtClean="0"/>
-              <a:t>30/08/2023</a:t>
+              <a:t>17/09/2023</a:t>
             </a:fld>
             <a:endParaRPr lang="fr-FR"/>
           </a:p>
@@ -506,7 +515,7 @@
       </p:sp>
       <p:sp>
         <p:nvSpPr>
-          <p:cNvPr id="3" name="Espace réservé des notes 2"/>
+          <p:cNvPr id="3" name="Espace réservé des commentaires 2"/>
           <p:cNvSpPr>
             <a:spLocks noGrp="1"/>
           </p:cNvSpPr>
@@ -530,7 +539,7 @@
             <a:spLocks noGrp="1"/>
           </p:cNvSpPr>
           <p:nvPr>
-            <p:ph type="sldNum" sz="quarter" idx="5"/>
+            <p:ph type="sldNum" sz="quarter" idx="10"/>
           </p:nvPr>
         </p:nvSpPr>
         <p:spPr/>
@@ -540,7 +549,7 @@
           <a:p>
             <a:fld id="{ED1A4448-0F40-450F-9A3E-C9B9A6927FAC}" type="slidenum">
               <a:rPr lang="fr-FR" smtClean="0"/>
-              <a:t>11</a:t>
+              <a:t>9</a:t>
             </a:fld>
             <a:endParaRPr lang="fr-FR"/>
           </a:p>
@@ -549,7 +558,7 @@
     </p:spTree>
     <p:extLst>
       <p:ext uri="{BB962C8B-B14F-4D97-AF65-F5344CB8AC3E}">
-        <p14:creationId xmlns:p14="http://schemas.microsoft.com/office/powerpoint/2010/main" val="906748686"/>
+        <p14:creationId xmlns:p14="http://schemas.microsoft.com/office/powerpoint/2010/main" val="1937338328"/>
       </p:ext>
     </p:extLst>
   </p:cSld>
@@ -624,7 +633,91 @@
           <a:p>
             <a:fld id="{ED1A4448-0F40-450F-9A3E-C9B9A6927FAC}" type="slidenum">
               <a:rPr lang="fr-FR" smtClean="0"/>
-              <a:t>12</a:t>
+              <a:t>20</a:t>
+            </a:fld>
+            <a:endParaRPr lang="fr-FR"/>
+          </a:p>
+        </p:txBody>
+      </p:sp>
+    </p:spTree>
+    <p:extLst>
+      <p:ext uri="{BB962C8B-B14F-4D97-AF65-F5344CB8AC3E}">
+        <p14:creationId xmlns:p14="http://schemas.microsoft.com/office/powerpoint/2010/main" val="906748686"/>
+      </p:ext>
+    </p:extLst>
+  </p:cSld>
+  <p:clrMapOvr>
+    <a:masterClrMapping/>
+  </p:clrMapOvr>
+</p:notes>
+</file>
+
+<file path=ppt/notesSlides/notesSlide3.xml><?xml version="1.0" encoding="utf-8"?>
+<p:notes xmlns:a="http://schemas.openxmlformats.org/drawingml/2006/main" xmlns:r="http://schemas.openxmlformats.org/officeDocument/2006/relationships" xmlns:p="http://schemas.openxmlformats.org/presentationml/2006/main">
+  <p:cSld>
+    <p:spTree>
+      <p:nvGrpSpPr>
+        <p:cNvPr id="1" name=""/>
+        <p:cNvGrpSpPr/>
+        <p:nvPr/>
+      </p:nvGrpSpPr>
+      <p:grpSpPr>
+        <a:xfrm>
+          <a:off x="0" y="0"/>
+          <a:ext cx="0" cy="0"/>
+          <a:chOff x="0" y="0"/>
+          <a:chExt cx="0" cy="0"/>
+        </a:xfrm>
+      </p:grpSpPr>
+      <p:sp>
+        <p:nvSpPr>
+          <p:cNvPr id="2" name="Espace réservé de l'image des diapositives 1"/>
+          <p:cNvSpPr>
+            <a:spLocks noGrp="1" noRot="1" noChangeAspect="1"/>
+          </p:cNvSpPr>
+          <p:nvPr>
+            <p:ph type="sldImg"/>
+          </p:nvPr>
+        </p:nvSpPr>
+        <p:spPr/>
+      </p:sp>
+      <p:sp>
+        <p:nvSpPr>
+          <p:cNvPr id="3" name="Espace réservé des notes 2"/>
+          <p:cNvSpPr>
+            <a:spLocks noGrp="1"/>
+          </p:cNvSpPr>
+          <p:nvPr>
+            <p:ph type="body" idx="1"/>
+          </p:nvPr>
+        </p:nvSpPr>
+        <p:spPr/>
+        <p:txBody>
+          <a:bodyPr/>
+          <a:lstStyle/>
+          <a:p>
+            <a:endParaRPr lang="fr-FR" dirty="0"/>
+          </a:p>
+        </p:txBody>
+      </p:sp>
+      <p:sp>
+        <p:nvSpPr>
+          <p:cNvPr id="4" name="Espace réservé du numéro de diapositive 3"/>
+          <p:cNvSpPr>
+            <a:spLocks noGrp="1"/>
+          </p:cNvSpPr>
+          <p:nvPr>
+            <p:ph type="sldNum" sz="quarter" idx="5"/>
+          </p:nvPr>
+        </p:nvSpPr>
+        <p:spPr/>
+        <p:txBody>
+          <a:bodyPr/>
+          <a:lstStyle/>
+          <a:p>
+            <a:fld id="{ED1A4448-0F40-450F-9A3E-C9B9A6927FAC}" type="slidenum">
+              <a:rPr lang="fr-FR" smtClean="0"/>
+              <a:t>21</a:t>
             </a:fld>
             <a:endParaRPr lang="fr-FR"/>
           </a:p>
@@ -665,7 +758,7 @@
           <p:cNvPr id="2" name="Title 1">
             <a:extLst>
               <a:ext uri="{FF2B5EF4-FFF2-40B4-BE49-F238E27FC236}">
-                <a16:creationId xmlns:a16="http://schemas.microsoft.com/office/drawing/2014/main" id="{E0EB8136-4330-4480-80D9-0F6FD970617C}"/>
+                <a16:creationId xmlns:a16="http://schemas.microsoft.com/office/drawing/2014/main" xmlns="" id="{E0EB8136-4330-4480-80D9-0F6FD970617C}"/>
               </a:ext>
             </a:extLst>
           </p:cNvPr>
@@ -704,7 +797,7 @@
           <p:cNvPr id="3" name="Subtitle 2">
             <a:extLst>
               <a:ext uri="{FF2B5EF4-FFF2-40B4-BE49-F238E27FC236}">
-                <a16:creationId xmlns:a16="http://schemas.microsoft.com/office/drawing/2014/main" id="{566E5739-DD96-45FB-B609-3E3447A52FED}"/>
+                <a16:creationId xmlns:a16="http://schemas.microsoft.com/office/drawing/2014/main" xmlns="" id="{566E5739-DD96-45FB-B609-3E3447A52FED}"/>
               </a:ext>
             </a:extLst>
           </p:cNvPr>
@@ -776,7 +869,7 @@
           <p:cNvPr id="4" name="Date Placeholder 3">
             <a:extLst>
               <a:ext uri="{FF2B5EF4-FFF2-40B4-BE49-F238E27FC236}">
-                <a16:creationId xmlns:a16="http://schemas.microsoft.com/office/drawing/2014/main" id="{1B9FF558-51F9-42A2-9944-DBE23DA8B224}"/>
+                <a16:creationId xmlns:a16="http://schemas.microsoft.com/office/drawing/2014/main" xmlns="" id="{1B9FF558-51F9-42A2-9944-DBE23DA8B224}"/>
               </a:ext>
             </a:extLst>
           </p:cNvPr>
@@ -799,7 +892,7 @@
           <a:p>
             <a:fld id="{02AC24A9-CCB6-4F8D-B8DB-C2F3692CFA5A}" type="datetimeFigureOut">
               <a:rPr lang="en-US" smtClean="0"/>
-              <a:t>8/30/2023</a:t>
+              <a:t>9/17/2023</a:t>
             </a:fld>
             <a:endParaRPr lang="en-US" dirty="0"/>
           </a:p>
@@ -810,7 +903,7 @@
           <p:cNvPr id="5" name="Footer Placeholder 4">
             <a:extLst>
               <a:ext uri="{FF2B5EF4-FFF2-40B4-BE49-F238E27FC236}">
-                <a16:creationId xmlns:a16="http://schemas.microsoft.com/office/drawing/2014/main" id="{8B8C0E86-A7F7-4BDC-A637-254E5252DED5}"/>
+                <a16:creationId xmlns:a16="http://schemas.microsoft.com/office/drawing/2014/main" xmlns="" id="{8B8C0E86-A7F7-4BDC-A637-254E5252DED5}"/>
               </a:ext>
             </a:extLst>
           </p:cNvPr>
@@ -835,7 +928,7 @@
           <p:cNvPr id="6" name="Slide Number Placeholder 5">
             <a:extLst>
               <a:ext uri="{FF2B5EF4-FFF2-40B4-BE49-F238E27FC236}">
-                <a16:creationId xmlns:a16="http://schemas.microsoft.com/office/drawing/2014/main" id="{C3D10ADE-E9DA-4E57-BF57-1CCB65219839}"/>
+                <a16:creationId xmlns:a16="http://schemas.microsoft.com/office/drawing/2014/main" xmlns="" id="{C3D10ADE-E9DA-4E57-BF57-1CCB65219839}"/>
               </a:ext>
             </a:extLst>
           </p:cNvPr>
@@ -869,7 +962,7 @@
           <p:cNvPr id="8" name="Rectangle 7">
             <a:extLst>
               <a:ext uri="{FF2B5EF4-FFF2-40B4-BE49-F238E27FC236}">
-                <a16:creationId xmlns:a16="http://schemas.microsoft.com/office/drawing/2014/main" id="{8D06CE56-3881-4ADA-8CEF-D18B02C242A3}"/>
+                <a16:creationId xmlns:a16="http://schemas.microsoft.com/office/drawing/2014/main" xmlns="" id="{8D06CE56-3881-4ADA-8CEF-D18B02C242A3}"/>
               </a:ext>
             </a:extLst>
           </p:cNvPr>
@@ -950,7 +1043,7 @@
           <p:cNvPr id="10" name="Rectangle 9">
             <a:extLst>
               <a:ext uri="{FF2B5EF4-FFF2-40B4-BE49-F238E27FC236}">
-                <a16:creationId xmlns:a16="http://schemas.microsoft.com/office/drawing/2014/main" id="{79F3C543-62EC-4433-9C93-A2CD8764E9B4}"/>
+                <a16:creationId xmlns:a16="http://schemas.microsoft.com/office/drawing/2014/main" xmlns="" id="{79F3C543-62EC-4433-9C93-A2CD8764E9B4}"/>
               </a:ext>
             </a:extLst>
           </p:cNvPr>
@@ -1065,7 +1158,7 @@
           <p:cNvPr id="2" name="Title 1">
             <a:extLst>
               <a:ext uri="{FF2B5EF4-FFF2-40B4-BE49-F238E27FC236}">
-                <a16:creationId xmlns:a16="http://schemas.microsoft.com/office/drawing/2014/main" id="{90B32C18-E430-4EC7-BD7C-99D86D012231}"/>
+                <a16:creationId xmlns:a16="http://schemas.microsoft.com/office/drawing/2014/main" xmlns="" id="{90B32C18-E430-4EC7-BD7C-99D86D012231}"/>
               </a:ext>
             </a:extLst>
           </p:cNvPr>
@@ -1094,7 +1187,7 @@
           <p:cNvPr id="3" name="Vertical Text Placeholder 2">
             <a:extLst>
               <a:ext uri="{FF2B5EF4-FFF2-40B4-BE49-F238E27FC236}">
-                <a16:creationId xmlns:a16="http://schemas.microsoft.com/office/drawing/2014/main" id="{8FC5012F-7119-4D94-9717-3862E1C9384E}"/>
+                <a16:creationId xmlns:a16="http://schemas.microsoft.com/office/drawing/2014/main" xmlns="" id="{8FC5012F-7119-4D94-9717-3862E1C9384E}"/>
               </a:ext>
             </a:extLst>
           </p:cNvPr>
@@ -1151,7 +1244,7 @@
           <p:cNvPr id="4" name="Date Placeholder 3">
             <a:extLst>
               <a:ext uri="{FF2B5EF4-FFF2-40B4-BE49-F238E27FC236}">
-                <a16:creationId xmlns:a16="http://schemas.microsoft.com/office/drawing/2014/main" id="{19ED9A4A-D287-4207-9037-70DB007A1707}"/>
+                <a16:creationId xmlns:a16="http://schemas.microsoft.com/office/drawing/2014/main" xmlns="" id="{19ED9A4A-D287-4207-9037-70DB007A1707}"/>
               </a:ext>
             </a:extLst>
           </p:cNvPr>
@@ -1169,7 +1262,7 @@
           <a:p>
             <a:fld id="{02AC24A9-CCB6-4F8D-B8DB-C2F3692CFA5A}" type="datetimeFigureOut">
               <a:rPr lang="en-US" smtClean="0"/>
-              <a:t>8/30/2023</a:t>
+              <a:t>9/17/2023</a:t>
             </a:fld>
             <a:endParaRPr lang="en-US"/>
           </a:p>
@@ -1180,7 +1273,7 @@
           <p:cNvPr id="5" name="Footer Placeholder 4">
             <a:extLst>
               <a:ext uri="{FF2B5EF4-FFF2-40B4-BE49-F238E27FC236}">
-                <a16:creationId xmlns:a16="http://schemas.microsoft.com/office/drawing/2014/main" id="{61ECFCAC-80DB-43BB-B3F1-AC22BACEE360}"/>
+                <a16:creationId xmlns:a16="http://schemas.microsoft.com/office/drawing/2014/main" xmlns="" id="{61ECFCAC-80DB-43BB-B3F1-AC22BACEE360}"/>
               </a:ext>
             </a:extLst>
           </p:cNvPr>
@@ -1205,7 +1298,7 @@
           <p:cNvPr id="6" name="Slide Number Placeholder 5">
             <a:extLst>
               <a:ext uri="{FF2B5EF4-FFF2-40B4-BE49-F238E27FC236}">
-                <a16:creationId xmlns:a16="http://schemas.microsoft.com/office/drawing/2014/main" id="{D7679730-3487-4D94-A0DC-C21684963AB3}"/>
+                <a16:creationId xmlns:a16="http://schemas.microsoft.com/office/drawing/2014/main" xmlns="" id="{D7679730-3487-4D94-A0DC-C21684963AB3}"/>
               </a:ext>
             </a:extLst>
           </p:cNvPr>
@@ -1264,7 +1357,7 @@
           <p:cNvPr id="2" name="Vertical Title 1">
             <a:extLst>
               <a:ext uri="{FF2B5EF4-FFF2-40B4-BE49-F238E27FC236}">
-                <a16:creationId xmlns:a16="http://schemas.microsoft.com/office/drawing/2014/main" id="{B543C89D-929E-4CD1-BCCC-72A14C0335D6}"/>
+                <a16:creationId xmlns:a16="http://schemas.microsoft.com/office/drawing/2014/main" xmlns="" id="{B543C89D-929E-4CD1-BCCC-72A14C0335D6}"/>
               </a:ext>
             </a:extLst>
           </p:cNvPr>
@@ -1298,7 +1391,7 @@
           <p:cNvPr id="3" name="Vertical Text Placeholder 2">
             <a:extLst>
               <a:ext uri="{FF2B5EF4-FFF2-40B4-BE49-F238E27FC236}">
-                <a16:creationId xmlns:a16="http://schemas.microsoft.com/office/drawing/2014/main" id="{FED450EA-A577-4B76-A12F-650BEB20FD8D}"/>
+                <a16:creationId xmlns:a16="http://schemas.microsoft.com/office/drawing/2014/main" xmlns="" id="{FED450EA-A577-4B76-A12F-650BEB20FD8D}"/>
               </a:ext>
             </a:extLst>
           </p:cNvPr>
@@ -1360,7 +1453,7 @@
           <p:cNvPr id="4" name="Date Placeholder 3">
             <a:extLst>
               <a:ext uri="{FF2B5EF4-FFF2-40B4-BE49-F238E27FC236}">
-                <a16:creationId xmlns:a16="http://schemas.microsoft.com/office/drawing/2014/main" id="{41D2603B-9ACE-4FA9-805B-9B91EB63DF7D}"/>
+                <a16:creationId xmlns:a16="http://schemas.microsoft.com/office/drawing/2014/main" xmlns="" id="{41D2603B-9ACE-4FA9-805B-9B91EB63DF7D}"/>
               </a:ext>
             </a:extLst>
           </p:cNvPr>
@@ -1378,7 +1471,7 @@
           <a:p>
             <a:fld id="{02AC24A9-CCB6-4F8D-B8DB-C2F3692CFA5A}" type="datetimeFigureOut">
               <a:rPr lang="en-US" smtClean="0"/>
-              <a:t>8/30/2023</a:t>
+              <a:t>9/17/2023</a:t>
             </a:fld>
             <a:endParaRPr lang="en-US"/>
           </a:p>
@@ -1389,7 +1482,7 @@
           <p:cNvPr id="5" name="Footer Placeholder 4">
             <a:extLst>
               <a:ext uri="{FF2B5EF4-FFF2-40B4-BE49-F238E27FC236}">
-                <a16:creationId xmlns:a16="http://schemas.microsoft.com/office/drawing/2014/main" id="{7ECE18AC-D6A9-4A61-885D-68E2B684A438}"/>
+                <a16:creationId xmlns:a16="http://schemas.microsoft.com/office/drawing/2014/main" xmlns="" id="{7ECE18AC-D6A9-4A61-885D-68E2B684A438}"/>
               </a:ext>
             </a:extLst>
           </p:cNvPr>
@@ -1414,7 +1507,7 @@
           <p:cNvPr id="6" name="Slide Number Placeholder 5">
             <a:extLst>
               <a:ext uri="{FF2B5EF4-FFF2-40B4-BE49-F238E27FC236}">
-                <a16:creationId xmlns:a16="http://schemas.microsoft.com/office/drawing/2014/main" id="{75197AE4-AA47-4E14-8FFE-171FAE47F49E}"/>
+                <a16:creationId xmlns:a16="http://schemas.microsoft.com/office/drawing/2014/main" xmlns="" id="{75197AE4-AA47-4E14-8FFE-171FAE47F49E}"/>
               </a:ext>
             </a:extLst>
           </p:cNvPr>
@@ -1473,7 +1566,7 @@
           <p:cNvPr id="8" name="Rectangle 7">
             <a:extLst>
               <a:ext uri="{FF2B5EF4-FFF2-40B4-BE49-F238E27FC236}">
-                <a16:creationId xmlns:a16="http://schemas.microsoft.com/office/drawing/2014/main" id="{2D6FBB9D-1CAA-4D05-AB33-BABDFE17B843}"/>
+                <a16:creationId xmlns:a16="http://schemas.microsoft.com/office/drawing/2014/main" xmlns="" id="{2D6FBB9D-1CAA-4D05-AB33-BABDFE17B843}"/>
               </a:ext>
             </a:extLst>
           </p:cNvPr>
@@ -1564,7 +1657,7 @@
           <p:cNvPr id="10" name="Rectangle 9">
             <a:extLst>
               <a:ext uri="{FF2B5EF4-FFF2-40B4-BE49-F238E27FC236}">
-                <a16:creationId xmlns:a16="http://schemas.microsoft.com/office/drawing/2014/main" id="{04727B71-B4B6-4823-80A1-68C40B475118}"/>
+                <a16:creationId xmlns:a16="http://schemas.microsoft.com/office/drawing/2014/main" xmlns="" id="{04727B71-B4B6-4823-80A1-68C40B475118}"/>
               </a:ext>
             </a:extLst>
           </p:cNvPr>
@@ -1643,7 +1736,7 @@
           <p:cNvPr id="12" name="Rectangle 11">
             <a:extLst>
               <a:ext uri="{FF2B5EF4-FFF2-40B4-BE49-F238E27FC236}">
-                <a16:creationId xmlns:a16="http://schemas.microsoft.com/office/drawing/2014/main" id="{79A6DB05-9FB5-4B07-8675-74C23D4FD89D}"/>
+                <a16:creationId xmlns:a16="http://schemas.microsoft.com/office/drawing/2014/main" xmlns="" id="{79A6DB05-9FB5-4B07-8675-74C23D4FD89D}"/>
               </a:ext>
             </a:extLst>
           </p:cNvPr>
@@ -1724,7 +1817,7 @@
           <p:cNvPr id="2" name="Title 1">
             <a:extLst>
               <a:ext uri="{FF2B5EF4-FFF2-40B4-BE49-F238E27FC236}">
-                <a16:creationId xmlns:a16="http://schemas.microsoft.com/office/drawing/2014/main" id="{48D358CF-0758-490A-A084-C46443B9ABE8}"/>
+                <a16:creationId xmlns:a16="http://schemas.microsoft.com/office/drawing/2014/main" xmlns="" id="{48D358CF-0758-490A-A084-C46443B9ABE8}"/>
               </a:ext>
             </a:extLst>
           </p:cNvPr>
@@ -1763,7 +1856,7 @@
           <p:cNvPr id="3" name="Content Placeholder 2">
             <a:extLst>
               <a:ext uri="{FF2B5EF4-FFF2-40B4-BE49-F238E27FC236}">
-                <a16:creationId xmlns:a16="http://schemas.microsoft.com/office/drawing/2014/main" id="{21671183-B3CE-4F45-92FB-98290CA0E2CA}"/>
+                <a16:creationId xmlns:a16="http://schemas.microsoft.com/office/drawing/2014/main" xmlns="" id="{21671183-B3CE-4F45-92FB-98290CA0E2CA}"/>
               </a:ext>
             </a:extLst>
           </p:cNvPr>
@@ -1825,7 +1918,7 @@
           <p:cNvPr id="4" name="Date Placeholder 3">
             <a:extLst>
               <a:ext uri="{FF2B5EF4-FFF2-40B4-BE49-F238E27FC236}">
-                <a16:creationId xmlns:a16="http://schemas.microsoft.com/office/drawing/2014/main" id="{3D7DED67-27EC-4D43-A21C-093C1DB04813}"/>
+                <a16:creationId xmlns:a16="http://schemas.microsoft.com/office/drawing/2014/main" xmlns="" id="{3D7DED67-27EC-4D43-A21C-093C1DB04813}"/>
               </a:ext>
             </a:extLst>
           </p:cNvPr>
@@ -1848,7 +1941,7 @@
           <a:p>
             <a:fld id="{02AC24A9-CCB6-4F8D-B8DB-C2F3692CFA5A}" type="datetimeFigureOut">
               <a:rPr lang="en-US" smtClean="0"/>
-              <a:t>8/30/2023</a:t>
+              <a:t>9/17/2023</a:t>
             </a:fld>
             <a:endParaRPr lang="en-US"/>
           </a:p>
@@ -1859,7 +1952,7 @@
           <p:cNvPr id="5" name="Footer Placeholder 4">
             <a:extLst>
               <a:ext uri="{FF2B5EF4-FFF2-40B4-BE49-F238E27FC236}">
-                <a16:creationId xmlns:a16="http://schemas.microsoft.com/office/drawing/2014/main" id="{36747CE3-4890-4BC1-94DB-5D49D02C9933}"/>
+                <a16:creationId xmlns:a16="http://schemas.microsoft.com/office/drawing/2014/main" xmlns="" id="{36747CE3-4890-4BC1-94DB-5D49D02C9933}"/>
               </a:ext>
             </a:extLst>
           </p:cNvPr>
@@ -1884,7 +1977,7 @@
           <p:cNvPr id="6" name="Slide Number Placeholder 5">
             <a:extLst>
               <a:ext uri="{FF2B5EF4-FFF2-40B4-BE49-F238E27FC236}">
-                <a16:creationId xmlns:a16="http://schemas.microsoft.com/office/drawing/2014/main" id="{093C5AD3-D79A-4D46-B25B-822FE0252511}"/>
+                <a16:creationId xmlns:a16="http://schemas.microsoft.com/office/drawing/2014/main" xmlns="" id="{093C5AD3-D79A-4D46-B25B-822FE0252511}"/>
               </a:ext>
             </a:extLst>
           </p:cNvPr>
@@ -1948,7 +2041,7 @@
           <p:cNvPr id="8" name="Rectangle 7">
             <a:extLst>
               <a:ext uri="{FF2B5EF4-FFF2-40B4-BE49-F238E27FC236}">
-                <a16:creationId xmlns:a16="http://schemas.microsoft.com/office/drawing/2014/main" id="{85AEDC5C-2E87-49C6-AB07-A95E5F39ED8E}"/>
+                <a16:creationId xmlns:a16="http://schemas.microsoft.com/office/drawing/2014/main" xmlns="" id="{85AEDC5C-2E87-49C6-AB07-A95E5F39ED8E}"/>
               </a:ext>
             </a:extLst>
           </p:cNvPr>
@@ -2039,7 +2132,7 @@
           <p:cNvPr id="10" name="Rectangle 9">
             <a:extLst>
               <a:ext uri="{FF2B5EF4-FFF2-40B4-BE49-F238E27FC236}">
-                <a16:creationId xmlns:a16="http://schemas.microsoft.com/office/drawing/2014/main" id="{A57D88DE-E462-4C8A-BF99-609390DFB781}"/>
+                <a16:creationId xmlns:a16="http://schemas.microsoft.com/office/drawing/2014/main" xmlns="" id="{A57D88DE-E462-4C8A-BF99-609390DFB781}"/>
               </a:ext>
             </a:extLst>
           </p:cNvPr>
@@ -2120,7 +2213,7 @@
           <p:cNvPr id="2" name="Title 1">
             <a:extLst>
               <a:ext uri="{FF2B5EF4-FFF2-40B4-BE49-F238E27FC236}">
-                <a16:creationId xmlns:a16="http://schemas.microsoft.com/office/drawing/2014/main" id="{B8E44900-E8BF-4B12-8BCB-41076E2B68C7}"/>
+                <a16:creationId xmlns:a16="http://schemas.microsoft.com/office/drawing/2014/main" xmlns="" id="{B8E44900-E8BF-4B12-8BCB-41076E2B68C7}"/>
               </a:ext>
             </a:extLst>
           </p:cNvPr>
@@ -2159,7 +2252,7 @@
           <p:cNvPr id="3" name="Text Placeholder 2">
             <a:extLst>
               <a:ext uri="{FF2B5EF4-FFF2-40B4-BE49-F238E27FC236}">
-                <a16:creationId xmlns:a16="http://schemas.microsoft.com/office/drawing/2014/main" id="{917741F9-B00F-4463-A257-6B66DABD9B4E}"/>
+                <a16:creationId xmlns:a16="http://schemas.microsoft.com/office/drawing/2014/main" xmlns="" id="{917741F9-B00F-4463-A257-6B66DABD9B4E}"/>
               </a:ext>
             </a:extLst>
           </p:cNvPr>
@@ -2284,7 +2377,7 @@
           <p:cNvPr id="4" name="Date Placeholder 3">
             <a:extLst>
               <a:ext uri="{FF2B5EF4-FFF2-40B4-BE49-F238E27FC236}">
-                <a16:creationId xmlns:a16="http://schemas.microsoft.com/office/drawing/2014/main" id="{D48BFA7D-4401-4285-802B-1579165F0D6D}"/>
+                <a16:creationId xmlns:a16="http://schemas.microsoft.com/office/drawing/2014/main" xmlns="" id="{D48BFA7D-4401-4285-802B-1579165F0D6D}"/>
               </a:ext>
             </a:extLst>
           </p:cNvPr>
@@ -2302,7 +2395,7 @@
           <a:p>
             <a:fld id="{02AC24A9-CCB6-4F8D-B8DB-C2F3692CFA5A}" type="datetimeFigureOut">
               <a:rPr lang="en-US" smtClean="0"/>
-              <a:t>8/30/2023</a:t>
+              <a:t>9/17/2023</a:t>
             </a:fld>
             <a:endParaRPr lang="en-US"/>
           </a:p>
@@ -2313,7 +2406,7 @@
           <p:cNvPr id="5" name="Footer Placeholder 4">
             <a:extLst>
               <a:ext uri="{FF2B5EF4-FFF2-40B4-BE49-F238E27FC236}">
-                <a16:creationId xmlns:a16="http://schemas.microsoft.com/office/drawing/2014/main" id="{49A909C5-AA19-4195-8376-9002D5DF4651}"/>
+                <a16:creationId xmlns:a16="http://schemas.microsoft.com/office/drawing/2014/main" xmlns="" id="{49A909C5-AA19-4195-8376-9002D5DF4651}"/>
               </a:ext>
             </a:extLst>
           </p:cNvPr>
@@ -2338,7 +2431,7 @@
           <p:cNvPr id="6" name="Slide Number Placeholder 5">
             <a:extLst>
               <a:ext uri="{FF2B5EF4-FFF2-40B4-BE49-F238E27FC236}">
-                <a16:creationId xmlns:a16="http://schemas.microsoft.com/office/drawing/2014/main" id="{53AC3F32-46E0-47C8-8565-5969A475FDB0}"/>
+                <a16:creationId xmlns:a16="http://schemas.microsoft.com/office/drawing/2014/main" xmlns="" id="{53AC3F32-46E0-47C8-8565-5969A475FDB0}"/>
               </a:ext>
             </a:extLst>
           </p:cNvPr>
@@ -2397,7 +2490,7 @@
           <p:cNvPr id="9" name="Rectangle 8">
             <a:extLst>
               <a:ext uri="{FF2B5EF4-FFF2-40B4-BE49-F238E27FC236}">
-                <a16:creationId xmlns:a16="http://schemas.microsoft.com/office/drawing/2014/main" id="{2076262E-36A0-40C6-ADE6-90CD9FB9B9EA}"/>
+                <a16:creationId xmlns:a16="http://schemas.microsoft.com/office/drawing/2014/main" xmlns="" id="{2076262E-36A0-40C6-ADE6-90CD9FB9B9EA}"/>
               </a:ext>
             </a:extLst>
           </p:cNvPr>
@@ -2488,7 +2581,7 @@
           <p:cNvPr id="11" name="Rectangle 10">
             <a:extLst>
               <a:ext uri="{FF2B5EF4-FFF2-40B4-BE49-F238E27FC236}">
-                <a16:creationId xmlns:a16="http://schemas.microsoft.com/office/drawing/2014/main" id="{42677A9B-4D1D-4D80-912C-24570140A650}"/>
+                <a16:creationId xmlns:a16="http://schemas.microsoft.com/office/drawing/2014/main" xmlns="" id="{42677A9B-4D1D-4D80-912C-24570140A650}"/>
               </a:ext>
             </a:extLst>
           </p:cNvPr>
@@ -2567,7 +2660,7 @@
           <p:cNvPr id="13" name="Rectangle 12">
             <a:extLst>
               <a:ext uri="{FF2B5EF4-FFF2-40B4-BE49-F238E27FC236}">
-                <a16:creationId xmlns:a16="http://schemas.microsoft.com/office/drawing/2014/main" id="{03DC8C98-510F-48C9-82B2-9E4F760A68DF}"/>
+                <a16:creationId xmlns:a16="http://schemas.microsoft.com/office/drawing/2014/main" xmlns="" id="{03DC8C98-510F-48C9-82B2-9E4F760A68DF}"/>
               </a:ext>
             </a:extLst>
           </p:cNvPr>
@@ -2648,7 +2741,7 @@
           <p:cNvPr id="2" name="Title 1">
             <a:extLst>
               <a:ext uri="{FF2B5EF4-FFF2-40B4-BE49-F238E27FC236}">
-                <a16:creationId xmlns:a16="http://schemas.microsoft.com/office/drawing/2014/main" id="{17A078AE-0BC3-48F9-87EC-2DB0CCE7E2AE}"/>
+                <a16:creationId xmlns:a16="http://schemas.microsoft.com/office/drawing/2014/main" xmlns="" id="{17A078AE-0BC3-48F9-87EC-2DB0CCE7E2AE}"/>
               </a:ext>
             </a:extLst>
           </p:cNvPr>
@@ -2687,7 +2780,7 @@
           <p:cNvPr id="3" name="Content Placeholder 2">
             <a:extLst>
               <a:ext uri="{FF2B5EF4-FFF2-40B4-BE49-F238E27FC236}">
-                <a16:creationId xmlns:a16="http://schemas.microsoft.com/office/drawing/2014/main" id="{292A20DF-0829-4336-B59F-FF9D7AA9D8B6}"/>
+                <a16:creationId xmlns:a16="http://schemas.microsoft.com/office/drawing/2014/main" xmlns="" id="{292A20DF-0829-4336-B59F-FF9D7AA9D8B6}"/>
               </a:ext>
             </a:extLst>
           </p:cNvPr>
@@ -2749,7 +2842,7 @@
           <p:cNvPr id="4" name="Content Placeholder 3">
             <a:extLst>
               <a:ext uri="{FF2B5EF4-FFF2-40B4-BE49-F238E27FC236}">
-                <a16:creationId xmlns:a16="http://schemas.microsoft.com/office/drawing/2014/main" id="{7935D01C-CF67-4DF6-B96C-FFC9D5BF847B}"/>
+                <a16:creationId xmlns:a16="http://schemas.microsoft.com/office/drawing/2014/main" xmlns="" id="{7935D01C-CF67-4DF6-B96C-FFC9D5BF847B}"/>
               </a:ext>
             </a:extLst>
           </p:cNvPr>
@@ -2811,7 +2904,7 @@
           <p:cNvPr id="5" name="Date Placeholder 4">
             <a:extLst>
               <a:ext uri="{FF2B5EF4-FFF2-40B4-BE49-F238E27FC236}">
-                <a16:creationId xmlns:a16="http://schemas.microsoft.com/office/drawing/2014/main" id="{29BBD797-6031-4F82-8726-EAB757027FF5}"/>
+                <a16:creationId xmlns:a16="http://schemas.microsoft.com/office/drawing/2014/main" xmlns="" id="{29BBD797-6031-4F82-8726-EAB757027FF5}"/>
               </a:ext>
             </a:extLst>
           </p:cNvPr>
@@ -2834,7 +2927,7 @@
           <a:p>
             <a:fld id="{02AC24A9-CCB6-4F8D-B8DB-C2F3692CFA5A}" type="datetimeFigureOut">
               <a:rPr lang="en-US" smtClean="0"/>
-              <a:t>8/30/2023</a:t>
+              <a:t>9/17/2023</a:t>
             </a:fld>
             <a:endParaRPr lang="en-US"/>
           </a:p>
@@ -2845,7 +2938,7 @@
           <p:cNvPr id="6" name="Footer Placeholder 5">
             <a:extLst>
               <a:ext uri="{FF2B5EF4-FFF2-40B4-BE49-F238E27FC236}">
-                <a16:creationId xmlns:a16="http://schemas.microsoft.com/office/drawing/2014/main" id="{76B3F71C-B897-4909-A75E-8716AD49C156}"/>
+                <a16:creationId xmlns:a16="http://schemas.microsoft.com/office/drawing/2014/main" xmlns="" id="{76B3F71C-B897-4909-A75E-8716AD49C156}"/>
               </a:ext>
             </a:extLst>
           </p:cNvPr>
@@ -2870,7 +2963,7 @@
           <p:cNvPr id="7" name="Slide Number Placeholder 6">
             <a:extLst>
               <a:ext uri="{FF2B5EF4-FFF2-40B4-BE49-F238E27FC236}">
-                <a16:creationId xmlns:a16="http://schemas.microsoft.com/office/drawing/2014/main" id="{4F78BC14-5BB1-405F-A6F3-C07230F085C8}"/>
+                <a16:creationId xmlns:a16="http://schemas.microsoft.com/office/drawing/2014/main" xmlns="" id="{4F78BC14-5BB1-405F-A6F3-C07230F085C8}"/>
               </a:ext>
             </a:extLst>
           </p:cNvPr>
@@ -2934,7 +3027,7 @@
           <p:cNvPr id="11" name="Rectangle 10">
             <a:extLst>
               <a:ext uri="{FF2B5EF4-FFF2-40B4-BE49-F238E27FC236}">
-                <a16:creationId xmlns:a16="http://schemas.microsoft.com/office/drawing/2014/main" id="{6B671BDE-E45C-41A1-9B98-4A607D703855}"/>
+                <a16:creationId xmlns:a16="http://schemas.microsoft.com/office/drawing/2014/main" xmlns="" id="{6B671BDE-E45C-41A1-9B98-4A607D703855}"/>
               </a:ext>
             </a:extLst>
           </p:cNvPr>
@@ -3025,7 +3118,7 @@
           <p:cNvPr id="13" name="Rectangle 12">
             <a:extLst>
               <a:ext uri="{FF2B5EF4-FFF2-40B4-BE49-F238E27FC236}">
-                <a16:creationId xmlns:a16="http://schemas.microsoft.com/office/drawing/2014/main" id="{299500CE-917A-4D03-A7DF-71D8EBBC1537}"/>
+                <a16:creationId xmlns:a16="http://schemas.microsoft.com/office/drawing/2014/main" xmlns="" id="{299500CE-917A-4D03-A7DF-71D8EBBC1537}"/>
               </a:ext>
             </a:extLst>
           </p:cNvPr>
@@ -3104,7 +3197,7 @@
           <p:cNvPr id="15" name="Rectangle 14">
             <a:extLst>
               <a:ext uri="{FF2B5EF4-FFF2-40B4-BE49-F238E27FC236}">
-                <a16:creationId xmlns:a16="http://schemas.microsoft.com/office/drawing/2014/main" id="{C3D0D377-28B0-417D-886B-9483AF064975}"/>
+                <a16:creationId xmlns:a16="http://schemas.microsoft.com/office/drawing/2014/main" xmlns="" id="{C3D0D377-28B0-417D-886B-9483AF064975}"/>
               </a:ext>
             </a:extLst>
           </p:cNvPr>
@@ -3185,7 +3278,7 @@
           <p:cNvPr id="2" name="Title 1">
             <a:extLst>
               <a:ext uri="{FF2B5EF4-FFF2-40B4-BE49-F238E27FC236}">
-                <a16:creationId xmlns:a16="http://schemas.microsoft.com/office/drawing/2014/main" id="{0F8F91F8-0767-40B5-A3AA-72931FC192EA}"/>
+                <a16:creationId xmlns:a16="http://schemas.microsoft.com/office/drawing/2014/main" xmlns="" id="{0F8F91F8-0767-40B5-A3AA-72931FC192EA}"/>
               </a:ext>
             </a:extLst>
           </p:cNvPr>
@@ -3224,7 +3317,7 @@
           <p:cNvPr id="3" name="Text Placeholder 2">
             <a:extLst>
               <a:ext uri="{FF2B5EF4-FFF2-40B4-BE49-F238E27FC236}">
-                <a16:creationId xmlns:a16="http://schemas.microsoft.com/office/drawing/2014/main" id="{AAAE0554-8BEE-4BF6-9519-51B8475D35E1}"/>
+                <a16:creationId xmlns:a16="http://schemas.microsoft.com/office/drawing/2014/main" xmlns="" id="{AAAE0554-8BEE-4BF6-9519-51B8475D35E1}"/>
               </a:ext>
             </a:extLst>
           </p:cNvPr>
@@ -3295,7 +3388,7 @@
           <p:cNvPr id="4" name="Content Placeholder 3">
             <a:extLst>
               <a:ext uri="{FF2B5EF4-FFF2-40B4-BE49-F238E27FC236}">
-                <a16:creationId xmlns:a16="http://schemas.microsoft.com/office/drawing/2014/main" id="{FD4A358D-C930-48E0-B372-06A826B74C47}"/>
+                <a16:creationId xmlns:a16="http://schemas.microsoft.com/office/drawing/2014/main" xmlns="" id="{FD4A358D-C930-48E0-B372-06A826B74C47}"/>
               </a:ext>
             </a:extLst>
           </p:cNvPr>
@@ -3367,7 +3460,7 @@
           <p:cNvPr id="5" name="Text Placeholder 4">
             <a:extLst>
               <a:ext uri="{FF2B5EF4-FFF2-40B4-BE49-F238E27FC236}">
-                <a16:creationId xmlns:a16="http://schemas.microsoft.com/office/drawing/2014/main" id="{83B6615E-4966-4150-83B6-C47591B36383}"/>
+                <a16:creationId xmlns:a16="http://schemas.microsoft.com/office/drawing/2014/main" xmlns="" id="{83B6615E-4966-4150-83B6-C47591B36383}"/>
               </a:ext>
             </a:extLst>
           </p:cNvPr>
@@ -3438,7 +3531,7 @@
           <p:cNvPr id="6" name="Content Placeholder 5">
             <a:extLst>
               <a:ext uri="{FF2B5EF4-FFF2-40B4-BE49-F238E27FC236}">
-                <a16:creationId xmlns:a16="http://schemas.microsoft.com/office/drawing/2014/main" id="{BD409F6B-C17B-4B4F-9F35-5068BDC4E2FD}"/>
+                <a16:creationId xmlns:a16="http://schemas.microsoft.com/office/drawing/2014/main" xmlns="" id="{BD409F6B-C17B-4B4F-9F35-5068BDC4E2FD}"/>
               </a:ext>
             </a:extLst>
           </p:cNvPr>
@@ -3510,7 +3603,7 @@
           <p:cNvPr id="7" name="Date Placeholder 6">
             <a:extLst>
               <a:ext uri="{FF2B5EF4-FFF2-40B4-BE49-F238E27FC236}">
-                <a16:creationId xmlns:a16="http://schemas.microsoft.com/office/drawing/2014/main" id="{C8BC356D-052B-4A9B-8B2F-6665FD325AB3}"/>
+                <a16:creationId xmlns:a16="http://schemas.microsoft.com/office/drawing/2014/main" xmlns="" id="{C8BC356D-052B-4A9B-8B2F-6665FD325AB3}"/>
               </a:ext>
             </a:extLst>
           </p:cNvPr>
@@ -3533,7 +3626,7 @@
           <a:p>
             <a:fld id="{02AC24A9-CCB6-4F8D-B8DB-C2F3692CFA5A}" type="datetimeFigureOut">
               <a:rPr lang="en-US" smtClean="0"/>
-              <a:t>8/30/2023</a:t>
+              <a:t>9/17/2023</a:t>
             </a:fld>
             <a:endParaRPr lang="en-US"/>
           </a:p>
@@ -3544,7 +3637,7 @@
           <p:cNvPr id="8" name="Footer Placeholder 7">
             <a:extLst>
               <a:ext uri="{FF2B5EF4-FFF2-40B4-BE49-F238E27FC236}">
-                <a16:creationId xmlns:a16="http://schemas.microsoft.com/office/drawing/2014/main" id="{69C5E5FA-26A9-467C-93E3-8476142D1D46}"/>
+                <a16:creationId xmlns:a16="http://schemas.microsoft.com/office/drawing/2014/main" xmlns="" id="{69C5E5FA-26A9-467C-93E3-8476142D1D46}"/>
               </a:ext>
             </a:extLst>
           </p:cNvPr>
@@ -3569,7 +3662,7 @@
           <p:cNvPr id="9" name="Slide Number Placeholder 8">
             <a:extLst>
               <a:ext uri="{FF2B5EF4-FFF2-40B4-BE49-F238E27FC236}">
-                <a16:creationId xmlns:a16="http://schemas.microsoft.com/office/drawing/2014/main" id="{D279E50C-1E40-4B48-871B-E392428D20A3}"/>
+                <a16:creationId xmlns:a16="http://schemas.microsoft.com/office/drawing/2014/main" xmlns="" id="{D279E50C-1E40-4B48-871B-E392428D20A3}"/>
               </a:ext>
             </a:extLst>
           </p:cNvPr>
@@ -3633,7 +3726,7 @@
           <p:cNvPr id="7" name="Rectangle 6">
             <a:extLst>
               <a:ext uri="{FF2B5EF4-FFF2-40B4-BE49-F238E27FC236}">
-                <a16:creationId xmlns:a16="http://schemas.microsoft.com/office/drawing/2014/main" id="{8C0689C4-0DB3-408B-A956-40326B4AE4C4}"/>
+                <a16:creationId xmlns:a16="http://schemas.microsoft.com/office/drawing/2014/main" xmlns="" id="{8C0689C4-0DB3-408B-A956-40326B4AE4C4}"/>
               </a:ext>
             </a:extLst>
           </p:cNvPr>
@@ -3724,7 +3817,7 @@
           <p:cNvPr id="9" name="Rectangle 8">
             <a:extLst>
               <a:ext uri="{FF2B5EF4-FFF2-40B4-BE49-F238E27FC236}">
-                <a16:creationId xmlns:a16="http://schemas.microsoft.com/office/drawing/2014/main" id="{56E1D10E-1C30-41BF-8C3B-C460C9B5597B}"/>
+                <a16:creationId xmlns:a16="http://schemas.microsoft.com/office/drawing/2014/main" xmlns="" id="{56E1D10E-1C30-41BF-8C3B-C460C9B5597B}"/>
               </a:ext>
             </a:extLst>
           </p:cNvPr>
@@ -3805,7 +3898,7 @@
           <p:cNvPr id="2" name="Title 1">
             <a:extLst>
               <a:ext uri="{FF2B5EF4-FFF2-40B4-BE49-F238E27FC236}">
-                <a16:creationId xmlns:a16="http://schemas.microsoft.com/office/drawing/2014/main" id="{779454F2-0EE5-4888-AF4C-82F825E6226E}"/>
+                <a16:creationId xmlns:a16="http://schemas.microsoft.com/office/drawing/2014/main" xmlns="" id="{779454F2-0EE5-4888-AF4C-82F825E6226E}"/>
               </a:ext>
             </a:extLst>
           </p:cNvPr>
@@ -3844,7 +3937,7 @@
           <p:cNvPr id="3" name="Date Placeholder 2">
             <a:extLst>
               <a:ext uri="{FF2B5EF4-FFF2-40B4-BE49-F238E27FC236}">
-                <a16:creationId xmlns:a16="http://schemas.microsoft.com/office/drawing/2014/main" id="{67C91241-A315-4643-91E5-CF2C25CC903A}"/>
+                <a16:creationId xmlns:a16="http://schemas.microsoft.com/office/drawing/2014/main" xmlns="" id="{67C91241-A315-4643-91E5-CF2C25CC903A}"/>
               </a:ext>
             </a:extLst>
           </p:cNvPr>
@@ -3862,7 +3955,7 @@
           <a:p>
             <a:fld id="{02AC24A9-CCB6-4F8D-B8DB-C2F3692CFA5A}" type="datetimeFigureOut">
               <a:rPr lang="en-US" smtClean="0"/>
-              <a:t>8/30/2023</a:t>
+              <a:t>9/17/2023</a:t>
             </a:fld>
             <a:endParaRPr lang="en-US"/>
           </a:p>
@@ -3873,7 +3966,7 @@
           <p:cNvPr id="4" name="Footer Placeholder 3">
             <a:extLst>
               <a:ext uri="{FF2B5EF4-FFF2-40B4-BE49-F238E27FC236}">
-                <a16:creationId xmlns:a16="http://schemas.microsoft.com/office/drawing/2014/main" id="{22706D86-5479-487D-94C8-76093D84F377}"/>
+                <a16:creationId xmlns:a16="http://schemas.microsoft.com/office/drawing/2014/main" xmlns="" id="{22706D86-5479-487D-94C8-76093D84F377}"/>
               </a:ext>
             </a:extLst>
           </p:cNvPr>
@@ -3898,7 +3991,7 @@
           <p:cNvPr id="5" name="Slide Number Placeholder 4">
             <a:extLst>
               <a:ext uri="{FF2B5EF4-FFF2-40B4-BE49-F238E27FC236}">
-                <a16:creationId xmlns:a16="http://schemas.microsoft.com/office/drawing/2014/main" id="{A7739411-CED6-43D4-868D-A65C4161A72B}"/>
+                <a16:creationId xmlns:a16="http://schemas.microsoft.com/office/drawing/2014/main" xmlns="" id="{A7739411-CED6-43D4-868D-A65C4161A72B}"/>
               </a:ext>
             </a:extLst>
           </p:cNvPr>
@@ -3957,7 +4050,7 @@
           <p:cNvPr id="2" name="Date Placeholder 1">
             <a:extLst>
               <a:ext uri="{FF2B5EF4-FFF2-40B4-BE49-F238E27FC236}">
-                <a16:creationId xmlns:a16="http://schemas.microsoft.com/office/drawing/2014/main" id="{EAC447E0-1D4D-4EF2-B81B-4B2400EE3EDB}"/>
+                <a16:creationId xmlns:a16="http://schemas.microsoft.com/office/drawing/2014/main" xmlns="" id="{EAC447E0-1D4D-4EF2-B81B-4B2400EE3EDB}"/>
               </a:ext>
             </a:extLst>
           </p:cNvPr>
@@ -3975,7 +4068,7 @@
           <a:p>
             <a:fld id="{02AC24A9-CCB6-4F8D-B8DB-C2F3692CFA5A}" type="datetimeFigureOut">
               <a:rPr lang="en-US" smtClean="0"/>
-              <a:t>8/30/2023</a:t>
+              <a:t>9/17/2023</a:t>
             </a:fld>
             <a:endParaRPr lang="en-US"/>
           </a:p>
@@ -3986,7 +4079,7 @@
           <p:cNvPr id="3" name="Footer Placeholder 2">
             <a:extLst>
               <a:ext uri="{FF2B5EF4-FFF2-40B4-BE49-F238E27FC236}">
-                <a16:creationId xmlns:a16="http://schemas.microsoft.com/office/drawing/2014/main" id="{C9984CA0-2A78-4600-9F3D-19B09E790FE8}"/>
+                <a16:creationId xmlns:a16="http://schemas.microsoft.com/office/drawing/2014/main" xmlns="" id="{C9984CA0-2A78-4600-9F3D-19B09E790FE8}"/>
               </a:ext>
             </a:extLst>
           </p:cNvPr>
@@ -4011,7 +4104,7 @@
           <p:cNvPr id="4" name="Slide Number Placeholder 3">
             <a:extLst>
               <a:ext uri="{FF2B5EF4-FFF2-40B4-BE49-F238E27FC236}">
-                <a16:creationId xmlns:a16="http://schemas.microsoft.com/office/drawing/2014/main" id="{38440955-B18E-49D3-AE7B-B331200E34C5}"/>
+                <a16:creationId xmlns:a16="http://schemas.microsoft.com/office/drawing/2014/main" xmlns="" id="{38440955-B18E-49D3-AE7B-B331200E34C5}"/>
               </a:ext>
             </a:extLst>
           </p:cNvPr>
@@ -4070,7 +4163,7 @@
           <p:cNvPr id="9" name="Rectangle 8">
             <a:extLst>
               <a:ext uri="{FF2B5EF4-FFF2-40B4-BE49-F238E27FC236}">
-                <a16:creationId xmlns:a16="http://schemas.microsoft.com/office/drawing/2014/main" id="{1FA417FE-CD1A-486F-A4AC-E4000A2FB18E}"/>
+                <a16:creationId xmlns:a16="http://schemas.microsoft.com/office/drawing/2014/main" xmlns="" id="{1FA417FE-CD1A-486F-A4AC-E4000A2FB18E}"/>
               </a:ext>
             </a:extLst>
           </p:cNvPr>
@@ -4161,7 +4254,7 @@
           <p:cNvPr id="11" name="Rectangle 10">
             <a:extLst>
               <a:ext uri="{FF2B5EF4-FFF2-40B4-BE49-F238E27FC236}">
-                <a16:creationId xmlns:a16="http://schemas.microsoft.com/office/drawing/2014/main" id="{1318F0F5-812B-472C-9408-B80F2553F5E0}"/>
+                <a16:creationId xmlns:a16="http://schemas.microsoft.com/office/drawing/2014/main" xmlns="" id="{1318F0F5-812B-472C-9408-B80F2553F5E0}"/>
               </a:ext>
             </a:extLst>
           </p:cNvPr>
@@ -4242,7 +4335,7 @@
           <p:cNvPr id="2" name="Title 1">
             <a:extLst>
               <a:ext uri="{FF2B5EF4-FFF2-40B4-BE49-F238E27FC236}">
-                <a16:creationId xmlns:a16="http://schemas.microsoft.com/office/drawing/2014/main" id="{47F7751B-CD8F-4F5B-A903-1DCE5D1E8306}"/>
+                <a16:creationId xmlns:a16="http://schemas.microsoft.com/office/drawing/2014/main" xmlns="" id="{47F7751B-CD8F-4F5B-A903-1DCE5D1E8306}"/>
               </a:ext>
             </a:extLst>
           </p:cNvPr>
@@ -4284,7 +4377,7 @@
           <p:cNvPr id="3" name="Content Placeholder 2">
             <a:extLst>
               <a:ext uri="{FF2B5EF4-FFF2-40B4-BE49-F238E27FC236}">
-                <a16:creationId xmlns:a16="http://schemas.microsoft.com/office/drawing/2014/main" id="{EFA55C8A-A0BB-441D-976F-EB56D4382DB6}"/>
+                <a16:creationId xmlns:a16="http://schemas.microsoft.com/office/drawing/2014/main" xmlns="" id="{EFA55C8A-A0BB-441D-976F-EB56D4382DB6}"/>
               </a:ext>
             </a:extLst>
           </p:cNvPr>
@@ -4374,7 +4467,7 @@
           <p:cNvPr id="4" name="Text Placeholder 3">
             <a:extLst>
               <a:ext uri="{FF2B5EF4-FFF2-40B4-BE49-F238E27FC236}">
-                <a16:creationId xmlns:a16="http://schemas.microsoft.com/office/drawing/2014/main" id="{37DE6A51-A2E5-4BFA-B571-9FDFE1BBFB44}"/>
+                <a16:creationId xmlns:a16="http://schemas.microsoft.com/office/drawing/2014/main" xmlns="" id="{37DE6A51-A2E5-4BFA-B571-9FDFE1BBFB44}"/>
               </a:ext>
             </a:extLst>
           </p:cNvPr>
@@ -4447,7 +4540,7 @@
           <p:cNvPr id="5" name="Date Placeholder 4">
             <a:extLst>
               <a:ext uri="{FF2B5EF4-FFF2-40B4-BE49-F238E27FC236}">
-                <a16:creationId xmlns:a16="http://schemas.microsoft.com/office/drawing/2014/main" id="{3D92778A-DD4C-4651-9C53-8B0C44CD8805}"/>
+                <a16:creationId xmlns:a16="http://schemas.microsoft.com/office/drawing/2014/main" xmlns="" id="{3D92778A-DD4C-4651-9C53-8B0C44CD8805}"/>
               </a:ext>
             </a:extLst>
           </p:cNvPr>
@@ -4470,7 +4563,7 @@
           <a:p>
             <a:fld id="{02AC24A9-CCB6-4F8D-B8DB-C2F3692CFA5A}" type="datetimeFigureOut">
               <a:rPr lang="en-US" smtClean="0"/>
-              <a:t>8/30/2023</a:t>
+              <a:t>9/17/2023</a:t>
             </a:fld>
             <a:endParaRPr lang="en-US" dirty="0"/>
           </a:p>
@@ -4481,7 +4574,7 @@
           <p:cNvPr id="6" name="Footer Placeholder 5">
             <a:extLst>
               <a:ext uri="{FF2B5EF4-FFF2-40B4-BE49-F238E27FC236}">
-                <a16:creationId xmlns:a16="http://schemas.microsoft.com/office/drawing/2014/main" id="{9D6C7F66-2DFA-4146-BE1A-CE2890FE45E2}"/>
+                <a16:creationId xmlns:a16="http://schemas.microsoft.com/office/drawing/2014/main" xmlns="" id="{9D6C7F66-2DFA-4146-BE1A-CE2890FE45E2}"/>
               </a:ext>
             </a:extLst>
           </p:cNvPr>
@@ -4506,7 +4599,7 @@
           <p:cNvPr id="7" name="Slide Number Placeholder 6">
             <a:extLst>
               <a:ext uri="{FF2B5EF4-FFF2-40B4-BE49-F238E27FC236}">
-                <a16:creationId xmlns:a16="http://schemas.microsoft.com/office/drawing/2014/main" id="{D285D185-B1B6-4D62-81BE-BE82C80ACA6C}"/>
+                <a16:creationId xmlns:a16="http://schemas.microsoft.com/office/drawing/2014/main" xmlns="" id="{D285D185-B1B6-4D62-81BE-BE82C80ACA6C}"/>
               </a:ext>
             </a:extLst>
           </p:cNvPr>
@@ -4565,7 +4658,7 @@
           <p:cNvPr id="9" name="Rectangle 8">
             <a:extLst>
               <a:ext uri="{FF2B5EF4-FFF2-40B4-BE49-F238E27FC236}">
-                <a16:creationId xmlns:a16="http://schemas.microsoft.com/office/drawing/2014/main" id="{168B77B5-211C-456E-B79F-306CC3619347}"/>
+                <a16:creationId xmlns:a16="http://schemas.microsoft.com/office/drawing/2014/main" xmlns="" id="{168B77B5-211C-456E-B79F-306CC3619347}"/>
               </a:ext>
             </a:extLst>
           </p:cNvPr>
@@ -4656,7 +4749,7 @@
           <p:cNvPr id="11" name="Rectangle 10">
             <a:extLst>
               <a:ext uri="{FF2B5EF4-FFF2-40B4-BE49-F238E27FC236}">
-                <a16:creationId xmlns:a16="http://schemas.microsoft.com/office/drawing/2014/main" id="{3B63C338-194D-4F23-ABEC-60A7EA96F302}"/>
+                <a16:creationId xmlns:a16="http://schemas.microsoft.com/office/drawing/2014/main" xmlns="" id="{3B63C338-194D-4F23-ABEC-60A7EA96F302}"/>
               </a:ext>
             </a:extLst>
           </p:cNvPr>
@@ -4737,7 +4830,7 @@
           <p:cNvPr id="2" name="Title 1">
             <a:extLst>
               <a:ext uri="{FF2B5EF4-FFF2-40B4-BE49-F238E27FC236}">
-                <a16:creationId xmlns:a16="http://schemas.microsoft.com/office/drawing/2014/main" id="{A0C04DCC-0E3E-4F05-9FAC-9FA6CA4B2BAE}"/>
+                <a16:creationId xmlns:a16="http://schemas.microsoft.com/office/drawing/2014/main" xmlns="" id="{A0C04DCC-0E3E-4F05-9FAC-9FA6CA4B2BAE}"/>
               </a:ext>
             </a:extLst>
           </p:cNvPr>
@@ -4779,7 +4872,7 @@
           <p:cNvPr id="3" name="Picture Placeholder 2">
             <a:extLst>
               <a:ext uri="{FF2B5EF4-FFF2-40B4-BE49-F238E27FC236}">
-                <a16:creationId xmlns:a16="http://schemas.microsoft.com/office/drawing/2014/main" id="{EBA29649-B19F-499E-8E9A-3577EAC8F031}"/>
+                <a16:creationId xmlns:a16="http://schemas.microsoft.com/office/drawing/2014/main" xmlns="" id="{EBA29649-B19F-499E-8E9A-3577EAC8F031}"/>
               </a:ext>
             </a:extLst>
           </p:cNvPr>
@@ -4851,7 +4944,7 @@
           <p:cNvPr id="4" name="Text Placeholder 3">
             <a:extLst>
               <a:ext uri="{FF2B5EF4-FFF2-40B4-BE49-F238E27FC236}">
-                <a16:creationId xmlns:a16="http://schemas.microsoft.com/office/drawing/2014/main" id="{1BC9EF2E-A8CD-41A1-B11A-0D8842797A98}"/>
+                <a16:creationId xmlns:a16="http://schemas.microsoft.com/office/drawing/2014/main" xmlns="" id="{1BC9EF2E-A8CD-41A1-B11A-0D8842797A98}"/>
               </a:ext>
             </a:extLst>
           </p:cNvPr>
@@ -4924,7 +5017,7 @@
           <p:cNvPr id="5" name="Date Placeholder 4">
             <a:extLst>
               <a:ext uri="{FF2B5EF4-FFF2-40B4-BE49-F238E27FC236}">
-                <a16:creationId xmlns:a16="http://schemas.microsoft.com/office/drawing/2014/main" id="{B44257B5-0DE0-401F-9171-E8687A97DBA7}"/>
+                <a16:creationId xmlns:a16="http://schemas.microsoft.com/office/drawing/2014/main" xmlns="" id="{B44257B5-0DE0-401F-9171-E8687A97DBA7}"/>
               </a:ext>
             </a:extLst>
           </p:cNvPr>
@@ -4947,7 +5040,7 @@
           <a:p>
             <a:fld id="{02AC24A9-CCB6-4F8D-B8DB-C2F3692CFA5A}" type="datetimeFigureOut">
               <a:rPr lang="en-US" smtClean="0"/>
-              <a:t>8/30/2023</a:t>
+              <a:t>9/17/2023</a:t>
             </a:fld>
             <a:endParaRPr lang="en-US"/>
           </a:p>
@@ -4958,7 +5051,7 @@
           <p:cNvPr id="6" name="Footer Placeholder 5">
             <a:extLst>
               <a:ext uri="{FF2B5EF4-FFF2-40B4-BE49-F238E27FC236}">
-                <a16:creationId xmlns:a16="http://schemas.microsoft.com/office/drawing/2014/main" id="{788CD9AD-D667-4FD4-AA34-428AA0BCD09E}"/>
+                <a16:creationId xmlns:a16="http://schemas.microsoft.com/office/drawing/2014/main" xmlns="" id="{788CD9AD-D667-4FD4-AA34-428AA0BCD09E}"/>
               </a:ext>
             </a:extLst>
           </p:cNvPr>
@@ -4983,7 +5076,7 @@
           <p:cNvPr id="7" name="Slide Number Placeholder 6">
             <a:extLst>
               <a:ext uri="{FF2B5EF4-FFF2-40B4-BE49-F238E27FC236}">
-                <a16:creationId xmlns:a16="http://schemas.microsoft.com/office/drawing/2014/main" id="{18770FB6-F273-4BA6-8B97-9835AC537871}"/>
+                <a16:creationId xmlns:a16="http://schemas.microsoft.com/office/drawing/2014/main" xmlns="" id="{18770FB6-F273-4BA6-8B97-9835AC537871}"/>
               </a:ext>
             </a:extLst>
           </p:cNvPr>
@@ -5047,7 +5140,7 @@
           <p:cNvPr id="2" name="Title Placeholder 1">
             <a:extLst>
               <a:ext uri="{FF2B5EF4-FFF2-40B4-BE49-F238E27FC236}">
-                <a16:creationId xmlns:a16="http://schemas.microsoft.com/office/drawing/2014/main" id="{BB325BDE-35A4-4AAD-960B-C1415864ADD9}"/>
+                <a16:creationId xmlns:a16="http://schemas.microsoft.com/office/drawing/2014/main" xmlns="" id="{BB325BDE-35A4-4AAD-960B-C1415864ADD9}"/>
               </a:ext>
             </a:extLst>
           </p:cNvPr>
@@ -5086,7 +5179,7 @@
           <p:cNvPr id="3" name="Text Placeholder 2">
             <a:extLst>
               <a:ext uri="{FF2B5EF4-FFF2-40B4-BE49-F238E27FC236}">
-                <a16:creationId xmlns:a16="http://schemas.microsoft.com/office/drawing/2014/main" id="{BE459C78-0CC4-4552-93DD-49B4194D005D}"/>
+                <a16:creationId xmlns:a16="http://schemas.microsoft.com/office/drawing/2014/main" xmlns="" id="{BE459C78-0CC4-4552-93DD-49B4194D005D}"/>
               </a:ext>
             </a:extLst>
           </p:cNvPr>
@@ -5154,7 +5247,7 @@
           <p:cNvPr id="4" name="Date Placeholder 3">
             <a:extLst>
               <a:ext uri="{FF2B5EF4-FFF2-40B4-BE49-F238E27FC236}">
-                <a16:creationId xmlns:a16="http://schemas.microsoft.com/office/drawing/2014/main" id="{06744A3C-9C54-46A6-B3EF-5B36362423EB}"/>
+                <a16:creationId xmlns:a16="http://schemas.microsoft.com/office/drawing/2014/main" xmlns="" id="{06744A3C-9C54-46A6-B3EF-5B36362423EB}"/>
               </a:ext>
             </a:extLst>
           </p:cNvPr>
@@ -5190,7 +5283,7 @@
           <a:p>
             <a:fld id="{02AC24A9-CCB6-4F8D-B8DB-C2F3692CFA5A}" type="datetimeFigureOut">
               <a:rPr lang="en-US" smtClean="0"/>
-              <a:t>8/30/2023</a:t>
+              <a:t>9/17/2023</a:t>
             </a:fld>
             <a:endParaRPr lang="en-US"/>
           </a:p>
@@ -5201,7 +5294,7 @@
           <p:cNvPr id="5" name="Footer Placeholder 4">
             <a:extLst>
               <a:ext uri="{FF2B5EF4-FFF2-40B4-BE49-F238E27FC236}">
-                <a16:creationId xmlns:a16="http://schemas.microsoft.com/office/drawing/2014/main" id="{07D5A696-7B4B-4181-A961-7D66556D507F}"/>
+                <a16:creationId xmlns:a16="http://schemas.microsoft.com/office/drawing/2014/main" xmlns="" id="{07D5A696-7B4B-4181-A961-7D66556D507F}"/>
               </a:ext>
             </a:extLst>
           </p:cNvPr>
@@ -5244,7 +5337,7 @@
           <p:cNvPr id="6" name="Slide Number Placeholder 5">
             <a:extLst>
               <a:ext uri="{FF2B5EF4-FFF2-40B4-BE49-F238E27FC236}">
-                <a16:creationId xmlns:a16="http://schemas.microsoft.com/office/drawing/2014/main" id="{23038CB5-8F4A-401D-A3A9-B27DC15B7A81}"/>
+                <a16:creationId xmlns:a16="http://schemas.microsoft.com/office/drawing/2014/main" xmlns="" id="{23038CB5-8F4A-401D-A3A9-B27DC15B7A81}"/>
               </a:ext>
             </a:extLst>
           </p:cNvPr>
@@ -5620,10 +5713,10 @@
           <p:cNvPr id="9" name="Rectangle 8">
             <a:extLst>
               <a:ext uri="{FF2B5EF4-FFF2-40B4-BE49-F238E27FC236}">
-                <a16:creationId xmlns:a16="http://schemas.microsoft.com/office/drawing/2014/main" id="{526E0BFB-CDF1-4990-8C11-AC849311E0A8}"/>
+                <a16:creationId xmlns:a16="http://schemas.microsoft.com/office/drawing/2014/main" xmlns="" id="{526E0BFB-CDF1-4990-8C11-AC849311E0A8}"/>
               </a:ext>
               <a:ext uri="{C183D7F6-B498-43B3-948B-1728B52AA6E4}">
-                <adec:decorative xmlns:adec="http://schemas.microsoft.com/office/drawing/2017/decorative" val="1"/>
+                <adec:decorative xmlns:adec="http://schemas.microsoft.com/office/drawing/2017/decorative" xmlns="" val="1"/>
               </a:ext>
             </a:extLst>
           </p:cNvPr>
@@ -5633,7 +5726,7 @@
           <p:nvPr>
             <p:extLst>
               <p:ext uri="{386F3935-93C4-4BCD-93E2-E3B085C9AB24}">
-                <p16:designElem xmlns:p16="http://schemas.microsoft.com/office/powerpoint/2015/main" val="1"/>
+                <p16:designElem xmlns:p16="http://schemas.microsoft.com/office/powerpoint/2015/main" xmlns="" val="1"/>
               </p:ext>
             </p:extLst>
           </p:nvPr>
@@ -5680,7 +5773,7 @@
           <p:cNvPr id="4" name="Picture 3">
             <a:extLst>
               <a:ext uri="{FF2B5EF4-FFF2-40B4-BE49-F238E27FC236}">
-                <a16:creationId xmlns:a16="http://schemas.microsoft.com/office/drawing/2014/main" id="{4C72F330-992B-B125-739B-F8303ED3A097}"/>
+                <a16:creationId xmlns:a16="http://schemas.microsoft.com/office/drawing/2014/main" xmlns="" id="{4C72F330-992B-B125-739B-F8303ED3A097}"/>
               </a:ext>
             </a:extLst>
           </p:cNvPr>
@@ -5709,10 +5802,10 @@
           <p:cNvPr id="11" name="Rectangle 10">
             <a:extLst>
               <a:ext uri="{FF2B5EF4-FFF2-40B4-BE49-F238E27FC236}">
-                <a16:creationId xmlns:a16="http://schemas.microsoft.com/office/drawing/2014/main" id="{6069A1F8-9BEB-4786-9694-FC48B2D75D21}"/>
+                <a16:creationId xmlns:a16="http://schemas.microsoft.com/office/drawing/2014/main" xmlns="" id="{6069A1F8-9BEB-4786-9694-FC48B2D75D21}"/>
               </a:ext>
               <a:ext uri="{C183D7F6-B498-43B3-948B-1728B52AA6E4}">
-                <adec:decorative xmlns:adec="http://schemas.microsoft.com/office/drawing/2017/decorative" val="1"/>
+                <adec:decorative xmlns:adec="http://schemas.microsoft.com/office/drawing/2017/decorative" xmlns="" val="1"/>
               </a:ext>
             </a:extLst>
           </p:cNvPr>
@@ -5722,7 +5815,7 @@
           <p:nvPr>
             <p:extLst>
               <p:ext uri="{386F3935-93C4-4BCD-93E2-E3B085C9AB24}">
-                <p16:designElem xmlns:p16="http://schemas.microsoft.com/office/powerpoint/2015/main" val="1"/>
+                <p16:designElem xmlns:p16="http://schemas.microsoft.com/office/powerpoint/2015/main" xmlns="" val="1"/>
               </p:ext>
             </p:extLst>
           </p:nvPr>
@@ -5790,7 +5883,7 @@
           <p:cNvPr id="2" name="Titre 1">
             <a:extLst>
               <a:ext uri="{FF2B5EF4-FFF2-40B4-BE49-F238E27FC236}">
-                <a16:creationId xmlns:a16="http://schemas.microsoft.com/office/drawing/2014/main" id="{CF8D1EB8-F6E7-EB54-1CC8-28472070B9FC}"/>
+                <a16:creationId xmlns:a16="http://schemas.microsoft.com/office/drawing/2014/main" xmlns="" id="{CF8D1EB8-F6E7-EB54-1CC8-28472070B9FC}"/>
               </a:ext>
             </a:extLst>
           </p:cNvPr>
@@ -5825,7 +5918,7 @@
           <p:cNvPr id="3" name="Sous-titre 2">
             <a:extLst>
               <a:ext uri="{FF2B5EF4-FFF2-40B4-BE49-F238E27FC236}">
-                <a16:creationId xmlns:a16="http://schemas.microsoft.com/office/drawing/2014/main" id="{BDFEFAEF-AB6A-BE8F-01E7-845FB609FA07}"/>
+                <a16:creationId xmlns:a16="http://schemas.microsoft.com/office/drawing/2014/main" xmlns="" id="{BDFEFAEF-AB6A-BE8F-01E7-845FB609FA07}"/>
               </a:ext>
             </a:extLst>
           </p:cNvPr>
@@ -5865,10 +5958,10 @@
           <p:cNvPr id="32" name="Rectangle 12">
             <a:extLst>
               <a:ext uri="{FF2B5EF4-FFF2-40B4-BE49-F238E27FC236}">
-                <a16:creationId xmlns:a16="http://schemas.microsoft.com/office/drawing/2014/main" id="{AF2F604E-43BE-4DC3-B983-E071523364F8}"/>
+                <a16:creationId xmlns:a16="http://schemas.microsoft.com/office/drawing/2014/main" xmlns="" id="{AF2F604E-43BE-4DC3-B983-E071523364F8}"/>
               </a:ext>
               <a:ext uri="{C183D7F6-B498-43B3-948B-1728B52AA6E4}">
-                <adec:decorative xmlns:adec="http://schemas.microsoft.com/office/drawing/2017/decorative" val="1"/>
+                <adec:decorative xmlns:adec="http://schemas.microsoft.com/office/drawing/2017/decorative" xmlns="" val="1"/>
               </a:ext>
             </a:extLst>
           </p:cNvPr>
@@ -5878,7 +5971,7 @@
           <p:nvPr>
             <p:extLst>
               <p:ext uri="{386F3935-93C4-4BCD-93E2-E3B085C9AB24}">
-                <p16:designElem xmlns:p16="http://schemas.microsoft.com/office/powerpoint/2015/main" val="1"/>
+                <p16:designElem xmlns:p16="http://schemas.microsoft.com/office/powerpoint/2015/main" xmlns="" val="1"/>
               </p:ext>
             </p:extLst>
           </p:nvPr>
@@ -5957,10 +6050,10 @@
           <p:cNvPr id="33" name="Rectangle 14">
             <a:extLst>
               <a:ext uri="{FF2B5EF4-FFF2-40B4-BE49-F238E27FC236}">
-                <a16:creationId xmlns:a16="http://schemas.microsoft.com/office/drawing/2014/main" id="{08C9B587-E65E-4B52-B37C-ABEBB6E87928}"/>
+                <a16:creationId xmlns:a16="http://schemas.microsoft.com/office/drawing/2014/main" xmlns="" id="{08C9B587-E65E-4B52-B37C-ABEBB6E87928}"/>
               </a:ext>
               <a:ext uri="{C183D7F6-B498-43B3-948B-1728B52AA6E4}">
-                <adec:decorative xmlns:adec="http://schemas.microsoft.com/office/drawing/2017/decorative" val="1"/>
+                <adec:decorative xmlns:adec="http://schemas.microsoft.com/office/drawing/2017/decorative" xmlns="" val="1"/>
               </a:ext>
             </a:extLst>
           </p:cNvPr>
@@ -5970,7 +6063,7 @@
           <p:nvPr>
             <p:extLst>
               <p:ext uri="{386F3935-93C4-4BCD-93E2-E3B085C9AB24}">
-                <p16:designElem xmlns:p16="http://schemas.microsoft.com/office/powerpoint/2015/main" val="1"/>
+                <p16:designElem xmlns:p16="http://schemas.microsoft.com/office/powerpoint/2015/main" xmlns="" val="1"/>
               </p:ext>
             </p:extLst>
           </p:nvPr>
@@ -6050,7 +6143,7 @@
           <p:cNvPr id="5" name="Image 4" descr="Une image contenant texte&#10;&#10;Description générée automatiquement">
             <a:extLst>
               <a:ext uri="{FF2B5EF4-FFF2-40B4-BE49-F238E27FC236}">
-                <a16:creationId xmlns:a16="http://schemas.microsoft.com/office/drawing/2014/main" id="{3037BA79-FF20-6017-2C77-6E9611892AF9}"/>
+                <a16:creationId xmlns:a16="http://schemas.microsoft.com/office/drawing/2014/main" xmlns="" id="{3037BA79-FF20-6017-2C77-6E9611892AF9}"/>
               </a:ext>
             </a:extLst>
           </p:cNvPr>
@@ -6116,7 +6209,7 @@
           <p:cNvPr id="2" name="Titre 1">
             <a:extLst>
               <a:ext uri="{FF2B5EF4-FFF2-40B4-BE49-F238E27FC236}">
-                <a16:creationId xmlns:a16="http://schemas.microsoft.com/office/drawing/2014/main" id="{90162AE8-C1B0-5C56-8313-DEE494F38273}"/>
+                <a16:creationId xmlns:a16="http://schemas.microsoft.com/office/drawing/2014/main" xmlns="" id="{90162AE8-C1B0-5C56-8313-DEE494F38273}"/>
               </a:ext>
             </a:extLst>
           </p:cNvPr>
@@ -6133,9 +6226,10 @@
           <a:lstStyle/>
           <a:p>
             <a:r>
-              <a:rPr lang="fr-FR" dirty="0"/>
-              <a:t>Exemple d’une classe</a:t>
-            </a:r>
+              <a:rPr lang="fr-FR" dirty="0" smtClean="0"/>
+              <a:t>C’est quoi cette syntaxe ???</a:t>
+            </a:r>
+            <a:endParaRPr lang="fr-FR" dirty="0"/>
           </a:p>
         </p:txBody>
       </p:sp>
@@ -6144,7 +6238,7 @@
           <p:cNvPr id="5" name="Image 4" descr="Une image contenant texte&#10;&#10;Description générée automatiquement">
             <a:extLst>
               <a:ext uri="{FF2B5EF4-FFF2-40B4-BE49-F238E27FC236}">
-                <a16:creationId xmlns:a16="http://schemas.microsoft.com/office/drawing/2014/main" id="{66D2630B-81F4-A4EB-21BA-8B90CF30BD92}"/>
+                <a16:creationId xmlns:a16="http://schemas.microsoft.com/office/drawing/2014/main" xmlns="" id="{66D2630B-81F4-A4EB-21BA-8B90CF30BD92}"/>
               </a:ext>
             </a:extLst>
           </p:cNvPr>
@@ -6154,7 +6248,7 @@
           <p:nvPr/>
         </p:nvPicPr>
         <p:blipFill>
-          <a:blip r:embed="rId2">
+          <a:blip r:embed="rId2" cstate="print">
             <a:extLst>
               <a:ext uri="{28A0092B-C50C-407E-A947-70E740481C1C}">
                 <a14:useLocalDpi xmlns:a14="http://schemas.microsoft.com/office/drawing/2010/main" val="0"/>
@@ -6177,10 +6271,10 @@
       </p:pic>
       <p:sp>
         <p:nvSpPr>
-          <p:cNvPr id="4" name="ZoneTexte 3">
-            <a:extLst>
-              <a:ext uri="{FF2B5EF4-FFF2-40B4-BE49-F238E27FC236}">
-                <a16:creationId xmlns:a16="http://schemas.microsoft.com/office/drawing/2014/main" id="{F774ABD6-8234-F5A7-FE8B-F5F1F3489EF3}"/>
+          <p:cNvPr id="6" name="ZoneTexte 5">
+            <a:extLst>
+              <a:ext uri="{FF2B5EF4-FFF2-40B4-BE49-F238E27FC236}">
+                <a16:creationId xmlns:a16="http://schemas.microsoft.com/office/drawing/2014/main" xmlns="" id="{75CCEE1C-7657-3A68-2741-60D43D501772}"/>
               </a:ext>
             </a:extLst>
           </p:cNvPr>
@@ -6189,8 +6283,8 @@
         </p:nvSpPr>
         <p:spPr>
           <a:xfrm>
-            <a:off x="8288594" y="48320"/>
-            <a:ext cx="3282565" cy="307777"/>
+            <a:off x="7272069" y="6596390"/>
+            <a:ext cx="4919932" cy="261610"/>
           </a:xfrm>
           <a:prstGeom prst="rect">
             <a:avLst/>
@@ -6204,21 +6298,365 @@
           <a:lstStyle/>
           <a:p>
             <a:r>
-              <a:rPr lang="fr-FR" sz="1400" dirty="0"/>
-              <a:t>B0_31_classe_simple_redefinition.py</a:t>
-            </a:r>
+              <a:rPr lang="fr-FR" sz="1100" dirty="0">
+                <a:solidFill>
+                  <a:schemeClr val="bg1">
+                    <a:lumMod val="65000"/>
+                  </a:schemeClr>
+                </a:solidFill>
+              </a:rPr>
+              <a:t>https://numpy.org/doc/stable/reference/generated/numpy.ndarray.html</a:t>
+            </a:r>
+            <a:endParaRPr lang="fr-FR" sz="1100" dirty="0">
+              <a:solidFill>
+                <a:schemeClr val="bg1">
+                  <a:lumMod val="65000"/>
+                </a:schemeClr>
+              </a:solidFill>
+            </a:endParaRPr>
+          </a:p>
+        </p:txBody>
+      </p:sp>
+      <p:sp>
+        <p:nvSpPr>
+          <p:cNvPr id="8" name="ZoneTexte 7">
+            <a:extLst>
+              <a:ext uri="{FF2B5EF4-FFF2-40B4-BE49-F238E27FC236}">
+                <a16:creationId xmlns:a16="http://schemas.microsoft.com/office/drawing/2014/main" xmlns="" id="{6791B4E9-865B-BC73-B7D5-34201D8E7E81}"/>
+              </a:ext>
+            </a:extLst>
+          </p:cNvPr>
+          <p:cNvSpPr txBox="1"/>
+          <p:nvPr/>
+        </p:nvSpPr>
+        <p:spPr>
+          <a:xfrm>
+            <a:off x="822959" y="2301712"/>
+            <a:ext cx="4765173" cy="369332"/>
+          </a:xfrm>
+          <a:prstGeom prst="rect">
+            <a:avLst/>
+          </a:prstGeom>
+          <a:solidFill>
+            <a:schemeClr val="accent1">
+              <a:lumMod val="40000"/>
+              <a:lumOff val="60000"/>
+            </a:schemeClr>
+          </a:solidFill>
+        </p:spPr>
+        <p:txBody>
+          <a:bodyPr wrap="square" rtlCol="0">
+            <a:spAutoFit/>
+          </a:bodyPr>
+          <a:lstStyle/>
+          <a:p>
+            <a:r>
+              <a:rPr lang="fr-FR" b="1" dirty="0" smtClean="0"/>
+              <a:t>import</a:t>
+            </a:r>
+            <a:r>
+              <a:rPr lang="fr-FR" dirty="0" smtClean="0"/>
+              <a:t> </a:t>
+            </a:r>
+            <a:r>
+              <a:rPr lang="fr-FR" dirty="0" err="1" smtClean="0"/>
+              <a:t>numpy</a:t>
+            </a:r>
+            <a:endParaRPr lang="fr-FR" dirty="0" smtClean="0"/>
+          </a:p>
+        </p:txBody>
+      </p:sp>
+      <p:sp>
+        <p:nvSpPr>
+          <p:cNvPr id="12" name="ZoneTexte 11">
+            <a:extLst>
+              <a:ext uri="{FF2B5EF4-FFF2-40B4-BE49-F238E27FC236}">
+                <a16:creationId xmlns:a16="http://schemas.microsoft.com/office/drawing/2014/main" xmlns="" id="{6791B4E9-865B-BC73-B7D5-34201D8E7E81}"/>
+              </a:ext>
+            </a:extLst>
+          </p:cNvPr>
+          <p:cNvSpPr txBox="1"/>
+          <p:nvPr/>
+        </p:nvSpPr>
+        <p:spPr>
+          <a:xfrm>
+            <a:off x="822960" y="3687046"/>
+            <a:ext cx="4765173" cy="369332"/>
+          </a:xfrm>
+          <a:prstGeom prst="rect">
+            <a:avLst/>
+          </a:prstGeom>
+          <a:solidFill>
+            <a:schemeClr val="accent1">
+              <a:lumMod val="40000"/>
+              <a:lumOff val="60000"/>
+            </a:schemeClr>
+          </a:solidFill>
+        </p:spPr>
+        <p:txBody>
+          <a:bodyPr wrap="square" rtlCol="0">
+            <a:spAutoFit/>
+          </a:bodyPr>
+          <a:lstStyle/>
+          <a:p>
+            <a:r>
+              <a:rPr lang="fr-FR" dirty="0" smtClean="0"/>
+              <a:t>v </a:t>
+            </a:r>
+            <a:r>
+              <a:rPr lang="fr-FR" b="1" dirty="0" smtClean="0"/>
+              <a:t>=</a:t>
+            </a:r>
+            <a:r>
+              <a:rPr lang="fr-FR" dirty="0" smtClean="0"/>
+              <a:t> </a:t>
+            </a:r>
+            <a:r>
+              <a:rPr lang="fr-FR" b="1" dirty="0" err="1" smtClean="0"/>
+              <a:t>numpy</a:t>
+            </a:r>
+            <a:r>
+              <a:rPr lang="fr-FR" dirty="0" err="1" smtClean="0"/>
+              <a:t>.</a:t>
+            </a:r>
+            <a:r>
+              <a:rPr lang="fr-FR" b="1" dirty="0" err="1" smtClean="0"/>
+              <a:t>array</a:t>
+            </a:r>
+            <a:r>
+              <a:rPr lang="fr-FR" dirty="0" smtClean="0"/>
+              <a:t>([1, 2, 3])</a:t>
+            </a:r>
+            <a:endParaRPr lang="fr-FR" dirty="0"/>
+          </a:p>
+        </p:txBody>
+      </p:sp>
+      <p:sp>
+        <p:nvSpPr>
+          <p:cNvPr id="14" name="ZoneTexte 13">
+            <a:extLst>
+              <a:ext uri="{FF2B5EF4-FFF2-40B4-BE49-F238E27FC236}">
+                <a16:creationId xmlns:a16="http://schemas.microsoft.com/office/drawing/2014/main" xmlns="" id="{E7888D5E-D8DF-E8FF-AF96-96B55D22CC5A}"/>
+              </a:ext>
+            </a:extLst>
+          </p:cNvPr>
+          <p:cNvSpPr txBox="1"/>
+          <p:nvPr/>
+        </p:nvSpPr>
+        <p:spPr>
+          <a:xfrm>
+            <a:off x="1391037" y="4153245"/>
+            <a:ext cx="4197096" cy="646331"/>
+          </a:xfrm>
+          <a:prstGeom prst="rect">
+            <a:avLst/>
+          </a:prstGeom>
+          <a:solidFill>
+            <a:schemeClr val="accent6">
+              <a:lumMod val="40000"/>
+              <a:lumOff val="60000"/>
+            </a:schemeClr>
+          </a:solidFill>
+        </p:spPr>
+        <p:txBody>
+          <a:bodyPr wrap="square" rtlCol="0">
+            <a:spAutoFit/>
+          </a:bodyPr>
+          <a:lstStyle/>
+          <a:p>
+            <a:r>
+              <a:rPr lang="fr-FR" b="1" i="1" dirty="0" err="1" smtClean="0"/>
+              <a:t>array</a:t>
+            </a:r>
+            <a:r>
+              <a:rPr lang="fr-FR" dirty="0" smtClean="0"/>
+              <a:t> est une méthode de la bibliothèque </a:t>
+            </a:r>
+            <a:r>
+              <a:rPr lang="fr-FR" dirty="0" err="1" smtClean="0"/>
+              <a:t>Numpy</a:t>
+            </a:r>
+            <a:endParaRPr lang="fr-FR" dirty="0"/>
+          </a:p>
+        </p:txBody>
+      </p:sp>
+      <p:sp>
+        <p:nvSpPr>
+          <p:cNvPr id="11" name="ZoneTexte 10">
+            <a:extLst>
+              <a:ext uri="{FF2B5EF4-FFF2-40B4-BE49-F238E27FC236}">
+                <a16:creationId xmlns:a16="http://schemas.microsoft.com/office/drawing/2014/main" xmlns="" id="{6791B4E9-865B-BC73-B7D5-34201D8E7E81}"/>
+              </a:ext>
+            </a:extLst>
+          </p:cNvPr>
+          <p:cNvSpPr txBox="1"/>
+          <p:nvPr/>
+        </p:nvSpPr>
+        <p:spPr>
+          <a:xfrm>
+            <a:off x="822960" y="4870178"/>
+            <a:ext cx="4765173" cy="369332"/>
+          </a:xfrm>
+          <a:prstGeom prst="rect">
+            <a:avLst/>
+          </a:prstGeom>
+          <a:solidFill>
+            <a:schemeClr val="accent1">
+              <a:lumMod val="40000"/>
+              <a:lumOff val="60000"/>
+            </a:schemeClr>
+          </a:solidFill>
+        </p:spPr>
+        <p:txBody>
+          <a:bodyPr wrap="square" rtlCol="0">
+            <a:spAutoFit/>
+          </a:bodyPr>
+          <a:lstStyle/>
+          <a:p>
+            <a:r>
+              <a:rPr lang="fr-FR" b="1" dirty="0" err="1" smtClean="0"/>
+              <a:t>print</a:t>
+            </a:r>
+            <a:r>
+              <a:rPr lang="fr-FR" dirty="0" smtClean="0"/>
+              <a:t>( </a:t>
+            </a:r>
+            <a:r>
+              <a:rPr lang="fr-FR" b="1" dirty="0" smtClean="0"/>
+              <a:t>type</a:t>
+            </a:r>
+            <a:r>
+              <a:rPr lang="fr-FR" dirty="0" smtClean="0"/>
+              <a:t>( </a:t>
+            </a:r>
+            <a:r>
+              <a:rPr lang="fr-FR" i="1" dirty="0" smtClean="0"/>
+              <a:t>v</a:t>
+            </a:r>
+            <a:r>
+              <a:rPr lang="fr-FR" dirty="0" smtClean="0"/>
+              <a:t> ) )</a:t>
+            </a:r>
+            <a:endParaRPr lang="fr-FR" dirty="0"/>
+          </a:p>
+        </p:txBody>
+      </p:sp>
+      <p:sp>
+        <p:nvSpPr>
+          <p:cNvPr id="9" name="Rectangle 8"/>
+          <p:cNvSpPr/>
+          <p:nvPr/>
+        </p:nvSpPr>
+        <p:spPr>
+          <a:xfrm>
+            <a:off x="6232584" y="3624584"/>
+            <a:ext cx="99203" cy="2860520"/>
+          </a:xfrm>
+          <a:prstGeom prst="rect">
+            <a:avLst/>
+          </a:prstGeom>
+          <a:solidFill>
+            <a:srgbClr val="0070C0"/>
+          </a:solidFill>
+          <a:ln>
+            <a:solidFill>
+              <a:schemeClr val="bg1"/>
+            </a:solidFill>
+          </a:ln>
+        </p:spPr>
+        <p:style>
+          <a:lnRef idx="2">
+            <a:schemeClr val="accent1">
+              <a:shade val="50000"/>
+            </a:schemeClr>
+          </a:lnRef>
+          <a:fillRef idx="1">
+            <a:schemeClr val="accent1"/>
+          </a:fillRef>
+          <a:effectRef idx="0">
+            <a:schemeClr val="accent1"/>
+          </a:effectRef>
+          <a:fontRef idx="minor">
+            <a:schemeClr val="lt1"/>
+          </a:fontRef>
+        </p:style>
+        <p:txBody>
+          <a:bodyPr rtlCol="0" anchor="ctr"/>
+          <a:lstStyle/>
+          <a:p>
+            <a:pPr algn="ctr"/>
+            <a:endParaRPr lang="fr-FR"/>
+          </a:p>
+        </p:txBody>
+      </p:sp>
+      <p:sp>
+        <p:nvSpPr>
+          <p:cNvPr id="16" name="ZoneTexte 15">
+            <a:extLst>
+              <a:ext uri="{FF2B5EF4-FFF2-40B4-BE49-F238E27FC236}">
+                <a16:creationId xmlns:a16="http://schemas.microsoft.com/office/drawing/2014/main" xmlns="" id="{E7888D5E-D8DF-E8FF-AF96-96B55D22CC5A}"/>
+              </a:ext>
+            </a:extLst>
+          </p:cNvPr>
+          <p:cNvSpPr txBox="1"/>
+          <p:nvPr/>
+        </p:nvSpPr>
+        <p:spPr>
+          <a:xfrm>
+            <a:off x="1391036" y="5349681"/>
+            <a:ext cx="4197096" cy="584775"/>
+          </a:xfrm>
+          <a:prstGeom prst="rect">
+            <a:avLst/>
+          </a:prstGeom>
+          <a:solidFill>
+            <a:schemeClr val="accent6">
+              <a:lumMod val="40000"/>
+              <a:lumOff val="60000"/>
+            </a:schemeClr>
+          </a:solidFill>
+        </p:spPr>
+        <p:txBody>
+          <a:bodyPr wrap="square" rtlCol="0">
+            <a:spAutoFit/>
+          </a:bodyPr>
+          <a:lstStyle/>
+          <a:p>
+            <a:r>
+              <a:rPr lang="fr-FR" b="1" i="1" dirty="0" smtClean="0"/>
+              <a:t>v</a:t>
+            </a:r>
+            <a:r>
+              <a:rPr lang="fr-FR" dirty="0" smtClean="0"/>
+              <a:t> est un objet de type </a:t>
+            </a:r>
+            <a:r>
+              <a:rPr lang="fr-FR" b="1" dirty="0" err="1" smtClean="0"/>
+              <a:t>ndarray</a:t>
+            </a:r>
+            <a:r>
+              <a:rPr lang="fr-FR" dirty="0" smtClean="0"/>
+              <a:t> </a:t>
+            </a:r>
+            <a:r>
+              <a:rPr lang="fr-FR" sz="1400" dirty="0" smtClean="0"/>
+              <a:t>(dont la définition est donnée dans la bibliothèque </a:t>
+            </a:r>
+            <a:r>
+              <a:rPr lang="fr-FR" sz="1400" dirty="0" err="1" smtClean="0"/>
+              <a:t>Numpy</a:t>
+            </a:r>
+            <a:r>
+              <a:rPr lang="fr-FR" sz="1400" dirty="0" smtClean="0"/>
+              <a:t>)</a:t>
+            </a:r>
+            <a:endParaRPr lang="fr-FR" sz="1400" dirty="0"/>
           </a:p>
         </p:txBody>
       </p:sp>
       <p:pic>
         <p:nvPicPr>
-          <p:cNvPr id="6" name="Picture 4" descr="Résultat de recherche d'images pour &quot;python logo&quot;">
-            <a:extLst>
-              <a:ext uri="{FF2B5EF4-FFF2-40B4-BE49-F238E27FC236}">
-                <a16:creationId xmlns:a16="http://schemas.microsoft.com/office/drawing/2014/main" id="{8B1F0A85-DA63-24F9-22B9-C24EECD9E3A1}"/>
-              </a:ext>
-            </a:extLst>
-          </p:cNvPr>
+          <p:cNvPr id="2051" name="Picture 3"/>
           <p:cNvPicPr>
             <a:picLocks noChangeAspect="1" noChangeArrowheads="1"/>
           </p:cNvPicPr>
@@ -6239,184 +6677,172 @@
         </p:blipFill>
         <p:spPr bwMode="auto">
           <a:xfrm>
-            <a:off x="7896167" y="56024"/>
-            <a:ext cx="272970" cy="300073"/>
+            <a:off x="6887573" y="4858097"/>
+            <a:ext cx="4685691" cy="1567941"/>
           </a:xfrm>
           <a:prstGeom prst="rect">
             <a:avLst/>
           </a:prstGeom>
           <a:noFill/>
+          <a:ln>
+            <a:noFill/>
+          </a:ln>
+          <a:effectLst/>
           <a:extLst>
             <a:ext uri="{909E8E84-426E-40DD-AFC4-6F175D3DCCD1}">
               <a14:hiddenFill xmlns:a14="http://schemas.microsoft.com/office/drawing/2010/main">
                 <a:solidFill>
-                  <a:srgbClr val="FFFFFF"/>
+                  <a:schemeClr val="accent1"/>
                 </a:solidFill>
               </a14:hiddenFill>
             </a:ext>
+            <a:ext uri="{91240B29-F687-4F45-9708-019B960494DF}">
+              <a14:hiddenLine xmlns:a14="http://schemas.microsoft.com/office/drawing/2010/main" w="9525">
+                <a:solidFill>
+                  <a:schemeClr val="tx1"/>
+                </a:solidFill>
+                <a:miter lim="800000"/>
+                <a:headEnd/>
+                <a:tailEnd/>
+              </a14:hiddenLine>
+            </a:ext>
+            <a:ext uri="{AF507438-7753-43E0-B8FC-AC1667EBCBE1}">
+              <a14:hiddenEffects xmlns:a14="http://schemas.microsoft.com/office/drawing/2010/main">
+                <a:effectLst>
+                  <a:outerShdw dist="35921" dir="2700000" algn="ctr" rotWithShape="0">
+                    <a:schemeClr val="bg2"/>
+                  </a:outerShdw>
+                </a:effectLst>
+              </a14:hiddenEffects>
+            </a:ext>
           </a:extLst>
         </p:spPr>
       </p:pic>
-      <p:sp>
-        <p:nvSpPr>
-          <p:cNvPr id="12" name="ZoneTexte 11">
-            <a:extLst>
-              <a:ext uri="{FF2B5EF4-FFF2-40B4-BE49-F238E27FC236}">
-                <a16:creationId xmlns:a16="http://schemas.microsoft.com/office/drawing/2014/main" id="{42848A34-1B6F-4BFE-4C5D-B3DEA92B3B79}"/>
-              </a:ext>
-            </a:extLst>
-          </p:cNvPr>
-          <p:cNvSpPr txBox="1"/>
-          <p:nvPr/>
-        </p:nvSpPr>
-        <p:spPr>
-          <a:xfrm>
-            <a:off x="2702794" y="5822490"/>
-            <a:ext cx="5585800" cy="861774"/>
-          </a:xfrm>
-          <a:prstGeom prst="rect">
-            <a:avLst/>
-          </a:prstGeom>
-          <a:solidFill>
-            <a:schemeClr val="bg1">
-              <a:lumMod val="95000"/>
-            </a:schemeClr>
-          </a:solidFill>
-          <a:ln>
-            <a:solidFill>
-              <a:schemeClr val="accent1"/>
-            </a:solidFill>
-          </a:ln>
-        </p:spPr>
-        <p:txBody>
-          <a:bodyPr wrap="square">
-            <a:spAutoFit/>
-          </a:bodyPr>
-          <a:lstStyle/>
-          <a:p>
-            <a:r>
-              <a:rPr lang="en-US" sz="1600" dirty="0"/>
-              <a:t>Animal 1 Name =  Hello</a:t>
-            </a:r>
-          </a:p>
-          <a:p>
-            <a:r>
-              <a:rPr lang="en-US" sz="1600" dirty="0"/>
-              <a:t>Animal 2 Name =  Garfield</a:t>
-            </a:r>
-          </a:p>
-          <a:p>
-            <a:r>
-              <a:rPr lang="en-US" sz="1600" dirty="0"/>
-              <a:t>Animal [ Hello ] born in 2000</a:t>
-            </a:r>
-            <a:endParaRPr lang="fr-FR" sz="1600" dirty="0"/>
-          </a:p>
-        </p:txBody>
-      </p:sp>
-      <p:sp>
-        <p:nvSpPr>
-          <p:cNvPr id="14" name="ZoneTexte 13">
-            <a:extLst>
-              <a:ext uri="{FF2B5EF4-FFF2-40B4-BE49-F238E27FC236}">
-                <a16:creationId xmlns:a16="http://schemas.microsoft.com/office/drawing/2014/main" id="{31680013-F002-2396-80D1-8E5E3F67061D}"/>
-              </a:ext>
-            </a:extLst>
-          </p:cNvPr>
-          <p:cNvSpPr txBox="1"/>
-          <p:nvPr/>
-        </p:nvSpPr>
-        <p:spPr>
-          <a:xfrm>
-            <a:off x="1572224" y="1361430"/>
-            <a:ext cx="6096000" cy="646331"/>
-          </a:xfrm>
-          <a:prstGeom prst="rect">
-            <a:avLst/>
-          </a:prstGeom>
-          <a:noFill/>
-        </p:spPr>
-        <p:txBody>
-          <a:bodyPr wrap="square">
-            <a:spAutoFit/>
-          </a:bodyPr>
-          <a:lstStyle/>
-          <a:p>
-            <a:r>
-              <a:rPr lang="fr-FR" sz="1800" b="1" dirty="0"/>
-              <a:t>Redéfinition</a:t>
-            </a:r>
-            <a:r>
-              <a:rPr lang="fr-FR" sz="1800" dirty="0"/>
-              <a:t> : définir une méthode déjà existante dans une classe mère pour spécialiser cette nouvelle classe</a:t>
-            </a:r>
-          </a:p>
-        </p:txBody>
-      </p:sp>
       <p:pic>
         <p:nvPicPr>
-          <p:cNvPr id="8" name="Image 7">
-            <a:extLst>
-              <a:ext uri="{FF2B5EF4-FFF2-40B4-BE49-F238E27FC236}">
-                <a16:creationId xmlns:a16="http://schemas.microsoft.com/office/drawing/2014/main" id="{AC5E5C38-BF26-1BC1-E291-A441D576FC98}"/>
-              </a:ext>
-            </a:extLst>
-          </p:cNvPr>
+          <p:cNvPr id="2052" name="Picture 4"/>
           <p:cNvPicPr>
-            <a:picLocks noChangeAspect="1"/>
+            <a:picLocks noChangeAspect="1" noChangeArrowheads="1"/>
           </p:cNvPicPr>
           <p:nvPr/>
         </p:nvPicPr>
         <p:blipFill>
-          <a:blip r:embed="rId4"/>
+          <a:blip r:embed="rId4">
+            <a:extLst>
+              <a:ext uri="{28A0092B-C50C-407E-A947-70E740481C1C}">
+                <a14:useLocalDpi xmlns:a14="http://schemas.microsoft.com/office/drawing/2010/main" val="0"/>
+              </a:ext>
+            </a:extLst>
+          </a:blip>
+          <a:srcRect/>
           <a:stretch>
             <a:fillRect/>
           </a:stretch>
         </p:blipFill>
-        <p:spPr>
-          <a:xfrm>
-            <a:off x="571347" y="2442606"/>
-            <a:ext cx="7096418" cy="2296541"/>
-          </a:xfrm>
-          <a:prstGeom prst="rect">
-            <a:avLst/>
-          </a:prstGeom>
+        <p:spPr bwMode="auto">
+          <a:xfrm>
+            <a:off x="6887573" y="3551341"/>
+            <a:ext cx="3892969" cy="1191527"/>
+          </a:xfrm>
+          <a:prstGeom prst="rect">
+            <a:avLst/>
+          </a:prstGeom>
+          <a:noFill/>
+          <a:ln>
+            <a:noFill/>
+          </a:ln>
+          <a:effectLst/>
+          <a:extLst>
+            <a:ext uri="{909E8E84-426E-40DD-AFC4-6F175D3DCCD1}">
+              <a14:hiddenFill xmlns:a14="http://schemas.microsoft.com/office/drawing/2010/main">
+                <a:solidFill>
+                  <a:schemeClr val="accent1"/>
+                </a:solidFill>
+              </a14:hiddenFill>
+            </a:ext>
+            <a:ext uri="{91240B29-F687-4F45-9708-019B960494DF}">
+              <a14:hiddenLine xmlns:a14="http://schemas.microsoft.com/office/drawing/2010/main" w="9525">
+                <a:solidFill>
+                  <a:schemeClr val="tx1"/>
+                </a:solidFill>
+                <a:miter lim="800000"/>
+                <a:headEnd/>
+                <a:tailEnd/>
+              </a14:hiddenLine>
+            </a:ext>
+            <a:ext uri="{AF507438-7753-43E0-B8FC-AC1667EBCBE1}">
+              <a14:hiddenEffects xmlns:a14="http://schemas.microsoft.com/office/drawing/2010/main">
+                <a:effectLst>
+                  <a:outerShdw dist="35921" dir="2700000" algn="ctr" rotWithShape="0">
+                    <a:schemeClr val="bg2"/>
+                  </a:outerShdw>
+                </a:effectLst>
+              </a14:hiddenEffects>
+            </a:ext>
+          </a:extLst>
         </p:spPr>
       </p:pic>
-      <p:pic>
-        <p:nvPicPr>
-          <p:cNvPr id="11" name="Image 10">
-            <a:extLst>
-              <a:ext uri="{FF2B5EF4-FFF2-40B4-BE49-F238E27FC236}">
-                <a16:creationId xmlns:a16="http://schemas.microsoft.com/office/drawing/2014/main" id="{71A91070-0764-889C-C038-4B61C8792F7E}"/>
-              </a:ext>
-            </a:extLst>
-          </p:cNvPr>
-          <p:cNvPicPr>
-            <a:picLocks noChangeAspect="1"/>
-          </p:cNvPicPr>
+      <p:sp>
+        <p:nvSpPr>
+          <p:cNvPr id="18" name="ZoneTexte 17">
+            <a:extLst>
+              <a:ext uri="{FF2B5EF4-FFF2-40B4-BE49-F238E27FC236}">
+                <a16:creationId xmlns:a16="http://schemas.microsoft.com/office/drawing/2014/main" xmlns="" id="{E7888D5E-D8DF-E8FF-AF96-96B55D22CC5A}"/>
+              </a:ext>
+            </a:extLst>
+          </p:cNvPr>
+          <p:cNvSpPr txBox="1"/>
           <p:nvPr/>
-        </p:nvPicPr>
-        <p:blipFill>
-          <a:blip r:embed="rId5"/>
-          <a:stretch>
-            <a:fillRect/>
-          </a:stretch>
-        </p:blipFill>
-        <p:spPr>
-          <a:xfrm>
-            <a:off x="8598322" y="2231923"/>
-            <a:ext cx="2885699" cy="4626077"/>
-          </a:xfrm>
-          <a:prstGeom prst="rect">
-            <a:avLst/>
-          </a:prstGeom>
-        </p:spPr>
-      </p:pic>
+        </p:nvSpPr>
+        <p:spPr>
+          <a:xfrm>
+            <a:off x="1391036" y="2767872"/>
+            <a:ext cx="4197096" cy="646331"/>
+          </a:xfrm>
+          <a:prstGeom prst="rect">
+            <a:avLst/>
+          </a:prstGeom>
+          <a:solidFill>
+            <a:schemeClr val="accent6">
+              <a:lumMod val="40000"/>
+              <a:lumOff val="60000"/>
+            </a:schemeClr>
+          </a:solidFill>
+        </p:spPr>
+        <p:txBody>
+          <a:bodyPr wrap="square" rtlCol="0">
+            <a:spAutoFit/>
+          </a:bodyPr>
+          <a:lstStyle/>
+          <a:p>
+            <a:r>
+              <a:rPr lang="fr-FR" b="1" i="1" dirty="0" err="1" smtClean="0"/>
+              <a:t>Numpy</a:t>
+            </a:r>
+            <a:r>
+              <a:rPr lang="fr-FR" b="1" i="1" dirty="0" smtClean="0"/>
+              <a:t> </a:t>
+            </a:r>
+            <a:r>
+              <a:rPr lang="fr-FR" dirty="0" smtClean="0"/>
+              <a:t>est un </a:t>
+            </a:r>
+            <a:r>
+              <a:rPr lang="fr-FR" b="1" dirty="0" smtClean="0"/>
+              <a:t>ensemble de classes </a:t>
+            </a:r>
+            <a:r>
+              <a:rPr lang="fr-FR" dirty="0" smtClean="0"/>
+              <a:t>avec leurs attributs et méthodes</a:t>
+            </a:r>
+            <a:endParaRPr lang="fr-FR" sz="1400" dirty="0"/>
+          </a:p>
+        </p:txBody>
+      </p:sp>
     </p:spTree>
     <p:extLst>
       <p:ext uri="{BB962C8B-B14F-4D97-AF65-F5344CB8AC3E}">
-        <p14:creationId xmlns:p14="http://schemas.microsoft.com/office/powerpoint/2010/main" val="3042308415"/>
+        <p14:creationId xmlns:p14="http://schemas.microsoft.com/office/powerpoint/2010/main" val="571269059"/>
       </p:ext>
     </p:extLst>
   </p:cSld>
@@ -6429,6 +6855,14 @@
 <file path=ppt/slides/slide11.xml><?xml version="1.0" encoding="utf-8"?>
 <p:sld xmlns:a="http://schemas.openxmlformats.org/drawingml/2006/main" xmlns:r="http://schemas.openxmlformats.org/officeDocument/2006/relationships" xmlns:p="http://schemas.openxmlformats.org/presentationml/2006/main">
   <p:cSld>
+    <p:bg>
+      <p:bgPr>
+        <a:solidFill>
+          <a:schemeClr val="bg1"/>
+        </a:solidFill>
+        <a:effectLst/>
+      </p:bgPr>
+    </p:bg>
     <p:spTree>
       <p:nvGrpSpPr>
         <p:cNvPr id="1" name=""/>
@@ -6443,12 +6877,182 @@
           <a:chExt cx="0" cy="0"/>
         </a:xfrm>
       </p:grpSpPr>
+      <p:sp useBgFill="1">
+        <p:nvSpPr>
+          <p:cNvPr id="9" name="Rectangle 8">
+            <a:extLst>
+              <a:ext uri="{FF2B5EF4-FFF2-40B4-BE49-F238E27FC236}">
+                <a16:creationId xmlns:a16="http://schemas.microsoft.com/office/drawing/2014/main" xmlns="" id="{526E0BFB-CDF1-4990-8C11-AC849311E0A8}"/>
+              </a:ext>
+              <a:ext uri="{C183D7F6-B498-43B3-948B-1728B52AA6E4}">
+                <adec:decorative xmlns:adec="http://schemas.microsoft.com/office/drawing/2017/decorative" xmlns="" val="1"/>
+              </a:ext>
+            </a:extLst>
+          </p:cNvPr>
+          <p:cNvSpPr>
+            <a:spLocks noGrp="1" noRot="1" noChangeAspect="1" noMove="1" noResize="1" noEditPoints="1" noAdjustHandles="1" noChangeArrowheads="1" noChangeShapeType="1" noTextEdit="1"/>
+          </p:cNvSpPr>
+          <p:nvPr>
+            <p:extLst>
+              <p:ext uri="{386F3935-93C4-4BCD-93E2-E3B085C9AB24}">
+                <p16:designElem xmlns:p16="http://schemas.microsoft.com/office/powerpoint/2015/main" xmlns="" val="1"/>
+              </p:ext>
+            </p:extLst>
+          </p:nvPr>
+        </p:nvSpPr>
+        <p:spPr>
+          <a:xfrm>
+            <a:off x="0" y="0"/>
+            <a:ext cx="12192000" cy="6858000"/>
+          </a:xfrm>
+          <a:prstGeom prst="rect">
+            <a:avLst/>
+          </a:prstGeom>
+          <a:ln>
+            <a:noFill/>
+          </a:ln>
+        </p:spPr>
+        <p:style>
+          <a:lnRef idx="2">
+            <a:schemeClr val="accent1">
+              <a:shade val="50000"/>
+            </a:schemeClr>
+          </a:lnRef>
+          <a:fillRef idx="1">
+            <a:schemeClr val="accent1"/>
+          </a:fillRef>
+          <a:effectRef idx="0">
+            <a:schemeClr val="accent1"/>
+          </a:effectRef>
+          <a:fontRef idx="minor">
+            <a:schemeClr val="lt1"/>
+          </a:fontRef>
+        </p:style>
+        <p:txBody>
+          <a:bodyPr rtlCol="0" anchor="ctr"/>
+          <a:lstStyle/>
+          <a:p>
+            <a:pPr algn="ctr"/>
+            <a:endParaRPr lang="en-US"/>
+          </a:p>
+        </p:txBody>
+      </p:sp>
+      <p:pic>
+        <p:nvPicPr>
+          <p:cNvPr id="4" name="Picture 3">
+            <a:extLst>
+              <a:ext uri="{FF2B5EF4-FFF2-40B4-BE49-F238E27FC236}">
+                <a16:creationId xmlns:a16="http://schemas.microsoft.com/office/drawing/2014/main" xmlns="" id="{4C72F330-992B-B125-739B-F8303ED3A097}"/>
+              </a:ext>
+            </a:extLst>
+          </p:cNvPr>
+          <p:cNvPicPr>
+            <a:picLocks noChangeAspect="1"/>
+          </p:cNvPicPr>
+          <p:nvPr/>
+        </p:nvPicPr>
+        <p:blipFill rotWithShape="1">
+          <a:blip r:embed="rId2"/>
+          <a:srcRect t="11669" r="-1" b="426"/>
+          <a:stretch/>
+        </p:blipFill>
+        <p:spPr>
+          <a:xfrm>
+            <a:off x="-2" y="10"/>
+            <a:ext cx="8668512" cy="6857990"/>
+          </a:xfrm>
+          <a:prstGeom prst="rect">
+            <a:avLst/>
+          </a:prstGeom>
+        </p:spPr>
+      </p:pic>
+      <p:sp>
+        <p:nvSpPr>
+          <p:cNvPr id="11" name="Rectangle 10">
+            <a:extLst>
+              <a:ext uri="{FF2B5EF4-FFF2-40B4-BE49-F238E27FC236}">
+                <a16:creationId xmlns:a16="http://schemas.microsoft.com/office/drawing/2014/main" xmlns="" id="{6069A1F8-9BEB-4786-9694-FC48B2D75D21}"/>
+              </a:ext>
+              <a:ext uri="{C183D7F6-B498-43B3-948B-1728B52AA6E4}">
+                <adec:decorative xmlns:adec="http://schemas.microsoft.com/office/drawing/2017/decorative" xmlns="" val="1"/>
+              </a:ext>
+            </a:extLst>
+          </p:cNvPr>
+          <p:cNvSpPr>
+            <a:spLocks noGrp="1" noRot="1" noChangeAspect="1" noMove="1" noResize="1" noEditPoints="1" noAdjustHandles="1" noChangeArrowheads="1" noChangeShapeType="1" noTextEdit="1"/>
+          </p:cNvSpPr>
+          <p:nvPr>
+            <p:extLst>
+              <p:ext uri="{386F3935-93C4-4BCD-93E2-E3B085C9AB24}">
+                <p16:designElem xmlns:p16="http://schemas.microsoft.com/office/powerpoint/2015/main" xmlns="" val="1"/>
+              </p:ext>
+            </p:extLst>
+          </p:nvPr>
+        </p:nvSpPr>
+        <p:spPr>
+          <a:xfrm flipH="1">
+            <a:off x="2788244" y="0"/>
+            <a:ext cx="9403756" cy="6858000"/>
+          </a:xfrm>
+          <a:prstGeom prst="rect">
+            <a:avLst/>
+          </a:prstGeom>
+          <a:gradFill>
+            <a:gsLst>
+              <a:gs pos="58000">
+                <a:schemeClr val="bg1"/>
+              </a:gs>
+              <a:gs pos="30000">
+                <a:schemeClr val="bg1">
+                  <a:alpha val="64000"/>
+                </a:schemeClr>
+              </a:gs>
+              <a:gs pos="0">
+                <a:schemeClr val="bg1">
+                  <a:alpha val="0"/>
+                </a:schemeClr>
+              </a:gs>
+              <a:gs pos="100000">
+                <a:schemeClr val="bg1"/>
+              </a:gs>
+            </a:gsLst>
+            <a:lin ang="10800000" scaled="0"/>
+          </a:gradFill>
+          <a:ln>
+            <a:noFill/>
+          </a:ln>
+        </p:spPr>
+        <p:style>
+          <a:lnRef idx="2">
+            <a:schemeClr val="accent1">
+              <a:shade val="50000"/>
+            </a:schemeClr>
+          </a:lnRef>
+          <a:fillRef idx="1">
+            <a:schemeClr val="accent1"/>
+          </a:fillRef>
+          <a:effectRef idx="0">
+            <a:schemeClr val="accent1"/>
+          </a:effectRef>
+          <a:fontRef idx="minor">
+            <a:schemeClr val="lt1"/>
+          </a:fontRef>
+        </p:style>
+        <p:txBody>
+          <a:bodyPr rtlCol="0" anchor="ctr"/>
+          <a:lstStyle/>
+          <a:p>
+            <a:pPr algn="ctr"/>
+            <a:endParaRPr lang="en-US" dirty="0"/>
+          </a:p>
+        </p:txBody>
+      </p:sp>
       <p:sp>
         <p:nvSpPr>
           <p:cNvPr id="2" name="Titre 1">
             <a:extLst>
               <a:ext uri="{FF2B5EF4-FFF2-40B4-BE49-F238E27FC236}">
-                <a16:creationId xmlns:a16="http://schemas.microsoft.com/office/drawing/2014/main" id="{90162AE8-C1B0-5C56-8313-DEE494F38273}"/>
+                <a16:creationId xmlns:a16="http://schemas.microsoft.com/office/drawing/2014/main" xmlns="" id="{CF8D1EB8-F6E7-EB54-1CC8-28472070B9FC}"/>
               </a:ext>
             </a:extLst>
           </p:cNvPr>
@@ -6456,18 +7060,246 @@
             <a:spLocks noGrp="1"/>
           </p:cNvSpPr>
           <p:nvPr>
-            <p:ph type="title"/>
+            <p:ph type="ctrTitle"/>
           </p:nvPr>
         </p:nvSpPr>
-        <p:spPr/>
-        <p:txBody>
-          <a:bodyPr/>
-          <a:lstStyle/>
-          <a:p>
-            <a:r>
-              <a:rPr lang="fr-FR" dirty="0"/>
-              <a:t>Exemple de classes héritées</a:t>
-            </a:r>
+        <p:spPr>
+          <a:xfrm>
+            <a:off x="7848600" y="1122363"/>
+            <a:ext cx="4023360" cy="3204134"/>
+          </a:xfrm>
+        </p:spPr>
+        <p:txBody>
+          <a:bodyPr anchor="b">
+            <a:normAutofit/>
+          </a:bodyPr>
+          <a:lstStyle/>
+          <a:p>
+            <a:r>
+              <a:rPr lang="fr-FR" sz="4800" dirty="0" smtClean="0"/>
+              <a:t>Classes et objets en Python</a:t>
+            </a:r>
+            <a:endParaRPr lang="fr-FR" sz="4800" dirty="0"/>
+          </a:p>
+        </p:txBody>
+      </p:sp>
+      <p:sp>
+        <p:nvSpPr>
+          <p:cNvPr id="3" name="Sous-titre 2">
+            <a:extLst>
+              <a:ext uri="{FF2B5EF4-FFF2-40B4-BE49-F238E27FC236}">
+                <a16:creationId xmlns:a16="http://schemas.microsoft.com/office/drawing/2014/main" xmlns="" id="{BDFEFAEF-AB6A-BE8F-01E7-845FB609FA07}"/>
+              </a:ext>
+            </a:extLst>
+          </p:cNvPr>
+          <p:cNvSpPr>
+            <a:spLocks noGrp="1"/>
+          </p:cNvSpPr>
+          <p:nvPr>
+            <p:ph type="subTitle" idx="1"/>
+          </p:nvPr>
+        </p:nvSpPr>
+        <p:spPr>
+          <a:xfrm>
+            <a:off x="7848600" y="4872922"/>
+            <a:ext cx="4023360" cy="1208141"/>
+          </a:xfrm>
+        </p:spPr>
+        <p:txBody>
+          <a:bodyPr>
+            <a:normAutofit/>
+          </a:bodyPr>
+          <a:lstStyle/>
+          <a:p>
+            <a:r>
+              <a:rPr lang="fr-FR" sz="2000" dirty="0"/>
+              <a:t>Outils Numériques / Semestre 5 / Institut d’Optique / B0_3</a:t>
+            </a:r>
+          </a:p>
+        </p:txBody>
+      </p:sp>
+      <p:sp>
+        <p:nvSpPr>
+          <p:cNvPr id="32" name="Rectangle 12">
+            <a:extLst>
+              <a:ext uri="{FF2B5EF4-FFF2-40B4-BE49-F238E27FC236}">
+                <a16:creationId xmlns:a16="http://schemas.microsoft.com/office/drawing/2014/main" xmlns="" id="{AF2F604E-43BE-4DC3-B983-E071523364F8}"/>
+              </a:ext>
+              <a:ext uri="{C183D7F6-B498-43B3-948B-1728B52AA6E4}">
+                <adec:decorative xmlns:adec="http://schemas.microsoft.com/office/drawing/2017/decorative" xmlns="" val="1"/>
+              </a:ext>
+            </a:extLst>
+          </p:cNvPr>
+          <p:cNvSpPr>
+            <a:spLocks noGrp="1" noRot="1" noChangeAspect="1" noMove="1" noResize="1" noEditPoints="1" noAdjustHandles="1" noChangeArrowheads="1" noChangeShapeType="1" noTextEdit="1"/>
+          </p:cNvSpPr>
+          <p:nvPr>
+            <p:extLst>
+              <p:ext uri="{386F3935-93C4-4BCD-93E2-E3B085C9AB24}">
+                <p16:designElem xmlns:p16="http://schemas.microsoft.com/office/powerpoint/2015/main" xmlns="" val="1"/>
+              </p:ext>
+            </p:extLst>
+          </p:nvPr>
+        </p:nvSpPr>
+        <p:spPr>
+          <a:xfrm rot="5400000">
+            <a:off x="8130540" y="346791"/>
+            <a:ext cx="146304" cy="704088"/>
+          </a:xfrm>
+          <a:prstGeom prst="rect">
+            <a:avLst/>
+          </a:prstGeom>
+          <a:solidFill>
+            <a:schemeClr val="accent1"/>
+          </a:solidFill>
+          <a:ln>
+            <a:noFill/>
+          </a:ln>
+        </p:spPr>
+        <p:style>
+          <a:lnRef idx="2">
+            <a:schemeClr val="accent1">
+              <a:shade val="50000"/>
+            </a:schemeClr>
+          </a:lnRef>
+          <a:fillRef idx="1">
+            <a:schemeClr val="accent1"/>
+          </a:fillRef>
+          <a:effectRef idx="0">
+            <a:schemeClr val="accent1"/>
+          </a:effectRef>
+          <a:fontRef idx="minor">
+            <a:schemeClr val="lt1"/>
+          </a:fontRef>
+        </p:style>
+        <p:txBody>
+          <a:bodyPr rtlCol="0" anchor="ctr"/>
+          <a:lstStyle/>
+          <a:p>
+            <a:pPr marL="0" marR="0" lvl="0" indent="0" algn="ctr" defTabSz="914400" rtl="0" eaLnBrk="1" fontAlgn="auto" latinLnBrk="0" hangingPunct="1">
+              <a:lnSpc>
+                <a:spcPct val="100000"/>
+              </a:lnSpc>
+              <a:spcBef>
+                <a:spcPts val="0"/>
+              </a:spcBef>
+              <a:spcAft>
+                <a:spcPts val="0"/>
+              </a:spcAft>
+              <a:buClrTx/>
+              <a:buSzTx/>
+              <a:buFontTx/>
+              <a:buNone/>
+              <a:tabLst/>
+              <a:defRPr/>
+            </a:pPr>
+            <a:endParaRPr kumimoji="0" lang="en-US" sz="1800" b="0" i="0" u="none" strike="noStrike" kern="1200" cap="none" spc="0" normalizeH="0" baseline="0" noProof="0">
+              <a:ln>
+                <a:noFill/>
+              </a:ln>
+              <a:solidFill>
+                <a:prstClr val="white"/>
+              </a:solidFill>
+              <a:effectLst/>
+              <a:uLnTx/>
+              <a:uFillTx/>
+              <a:latin typeface="Calibri" panose="020F0502020204030204"/>
+              <a:ea typeface="+mn-ea"/>
+              <a:cs typeface="+mn-cs"/>
+            </a:endParaRPr>
+          </a:p>
+        </p:txBody>
+      </p:sp>
+      <p:sp>
+        <p:nvSpPr>
+          <p:cNvPr id="33" name="Rectangle 14">
+            <a:extLst>
+              <a:ext uri="{FF2B5EF4-FFF2-40B4-BE49-F238E27FC236}">
+                <a16:creationId xmlns:a16="http://schemas.microsoft.com/office/drawing/2014/main" xmlns="" id="{08C9B587-E65E-4B52-B37C-ABEBB6E87928}"/>
+              </a:ext>
+              <a:ext uri="{C183D7F6-B498-43B3-948B-1728B52AA6E4}">
+                <adec:decorative xmlns:adec="http://schemas.microsoft.com/office/drawing/2017/decorative" xmlns="" val="1"/>
+              </a:ext>
+            </a:extLst>
+          </p:cNvPr>
+          <p:cNvSpPr>
+            <a:spLocks noGrp="1" noRot="1" noChangeAspect="1" noMove="1" noResize="1" noEditPoints="1" noAdjustHandles="1" noChangeArrowheads="1" noChangeShapeType="1" noTextEdit="1"/>
+          </p:cNvSpPr>
+          <p:nvPr>
+            <p:extLst>
+              <p:ext uri="{386F3935-93C4-4BCD-93E2-E3B085C9AB24}">
+                <p16:designElem xmlns:p16="http://schemas.microsoft.com/office/powerpoint/2015/main" xmlns="" val="1"/>
+              </p:ext>
+            </p:extLst>
+          </p:nvPr>
+        </p:nvSpPr>
+        <p:spPr>
+          <a:xfrm>
+            <a:off x="7851648" y="4546920"/>
+            <a:ext cx="4023360" cy="18288"/>
+          </a:xfrm>
+          <a:prstGeom prst="rect">
+            <a:avLst/>
+          </a:prstGeom>
+          <a:solidFill>
+            <a:schemeClr val="tx1"/>
+          </a:solidFill>
+          <a:ln w="3175">
+            <a:noFill/>
+          </a:ln>
+          <a:effectLst/>
+        </p:spPr>
+        <p:style>
+          <a:lnRef idx="2">
+            <a:schemeClr val="accent1">
+              <a:shade val="50000"/>
+            </a:schemeClr>
+          </a:lnRef>
+          <a:fillRef idx="1">
+            <a:schemeClr val="accent1"/>
+          </a:fillRef>
+          <a:effectRef idx="0">
+            <a:schemeClr val="accent1"/>
+          </a:effectRef>
+          <a:fontRef idx="minor">
+            <a:schemeClr val="lt1"/>
+          </a:fontRef>
+        </p:style>
+        <p:txBody>
+          <a:bodyPr rtlCol="0" anchor="ctr"/>
+          <a:lstStyle/>
+          <a:p>
+            <a:pPr marL="0" marR="0" lvl="0" indent="0" algn="ctr" defTabSz="914400" rtl="0" eaLnBrk="1" fontAlgn="auto" latinLnBrk="0" hangingPunct="1">
+              <a:lnSpc>
+                <a:spcPct val="100000"/>
+              </a:lnSpc>
+              <a:spcBef>
+                <a:spcPts val="0"/>
+              </a:spcBef>
+              <a:spcAft>
+                <a:spcPts val="0"/>
+              </a:spcAft>
+              <a:buClrTx/>
+              <a:buSzTx/>
+              <a:buFontTx/>
+              <a:buNone/>
+              <a:tabLst/>
+              <a:defRPr/>
+            </a:pPr>
+            <a:endParaRPr kumimoji="0" lang="en-US" sz="1800" b="0" i="0" u="none" strike="noStrike" kern="1200" cap="none" spc="0" normalizeH="0" baseline="0" noProof="0">
+              <a:ln>
+                <a:noFill/>
+              </a:ln>
+              <a:solidFill>
+                <a:prstClr val="white"/>
+              </a:solidFill>
+              <a:effectLst/>
+              <a:uLnTx/>
+              <a:uFillTx/>
+              <a:latin typeface="Calibri" panose="020F0502020204030204"/>
+              <a:ea typeface="+mn-ea"/>
+              <a:cs typeface="+mn-cs"/>
+            </a:endParaRPr>
           </a:p>
         </p:txBody>
       </p:sp>
@@ -6476,7 +7308,7 @@
           <p:cNvPr id="5" name="Image 4" descr="Une image contenant texte&#10;&#10;Description générée automatiquement">
             <a:extLst>
               <a:ext uri="{FF2B5EF4-FFF2-40B4-BE49-F238E27FC236}">
-                <a16:creationId xmlns:a16="http://schemas.microsoft.com/office/drawing/2014/main" id="{66D2630B-81F4-A4EB-21BA-8B90CF30BD92}"/>
+                <a16:creationId xmlns:a16="http://schemas.microsoft.com/office/drawing/2014/main" xmlns="" id="{3037BA79-FF20-6017-2C77-6E9611892AF9}"/>
               </a:ext>
             </a:extLst>
           </p:cNvPr>
@@ -6499,189 +7331,8 @@
         </p:blipFill>
         <p:spPr>
           <a:xfrm>
-            <a:off x="202922" y="5934456"/>
-            <a:ext cx="1825291" cy="749808"/>
-          </a:xfrm>
-          <a:prstGeom prst="rect">
-            <a:avLst/>
-          </a:prstGeom>
-        </p:spPr>
-      </p:pic>
-      <p:pic>
-        <p:nvPicPr>
-          <p:cNvPr id="7" name="Image 6">
-            <a:extLst>
-              <a:ext uri="{FF2B5EF4-FFF2-40B4-BE49-F238E27FC236}">
-                <a16:creationId xmlns:a16="http://schemas.microsoft.com/office/drawing/2014/main" id="{96F3459D-2016-92EA-09A7-3F4D09B44BAC}"/>
-              </a:ext>
-            </a:extLst>
-          </p:cNvPr>
-          <p:cNvPicPr>
-            <a:picLocks noChangeAspect="1"/>
-          </p:cNvPicPr>
-          <p:nvPr/>
-        </p:nvPicPr>
-        <p:blipFill>
-          <a:blip r:embed="rId4"/>
-          <a:stretch>
-            <a:fillRect/>
-          </a:stretch>
-        </p:blipFill>
-        <p:spPr>
-          <a:xfrm>
-            <a:off x="9074293" y="2506625"/>
-            <a:ext cx="2311854" cy="3901254"/>
-          </a:xfrm>
-          <a:prstGeom prst="rect">
-            <a:avLst/>
-          </a:prstGeom>
-        </p:spPr>
-      </p:pic>
-      <p:sp>
-        <p:nvSpPr>
-          <p:cNvPr id="6" name="ZoneTexte 5">
-            <a:extLst>
-              <a:ext uri="{FF2B5EF4-FFF2-40B4-BE49-F238E27FC236}">
-                <a16:creationId xmlns:a16="http://schemas.microsoft.com/office/drawing/2014/main" id="{72334FF7-F2D3-207F-79ED-1D5B1DF061DE}"/>
-              </a:ext>
-            </a:extLst>
-          </p:cNvPr>
-          <p:cNvSpPr txBox="1"/>
-          <p:nvPr/>
-        </p:nvSpPr>
-        <p:spPr>
-          <a:xfrm>
-            <a:off x="1396180" y="1405050"/>
-            <a:ext cx="6096000" cy="646331"/>
-          </a:xfrm>
-          <a:prstGeom prst="rect">
-            <a:avLst/>
-          </a:prstGeom>
-          <a:noFill/>
-        </p:spPr>
-        <p:txBody>
-          <a:bodyPr wrap="square">
-            <a:spAutoFit/>
-          </a:bodyPr>
-          <a:lstStyle/>
-          <a:p>
-            <a:r>
-              <a:rPr lang="fr-FR" sz="1800" b="1" dirty="0"/>
-              <a:t>Héritage</a:t>
-            </a:r>
-            <a:r>
-              <a:rPr lang="fr-FR" sz="1800" dirty="0"/>
-              <a:t> : arborescence de classes permettant la spécialisation</a:t>
-            </a:r>
-          </a:p>
-        </p:txBody>
-      </p:sp>
-      <p:sp>
-        <p:nvSpPr>
-          <p:cNvPr id="8" name="ZoneTexte 7">
-            <a:extLst>
-              <a:ext uri="{FF2B5EF4-FFF2-40B4-BE49-F238E27FC236}">
-                <a16:creationId xmlns:a16="http://schemas.microsoft.com/office/drawing/2014/main" id="{70994535-A8CD-FB07-03D8-29D3B75CD766}"/>
-              </a:ext>
-            </a:extLst>
-          </p:cNvPr>
-          <p:cNvSpPr txBox="1"/>
-          <p:nvPr/>
-        </p:nvSpPr>
-        <p:spPr>
-          <a:xfrm>
-            <a:off x="8288594" y="48320"/>
-            <a:ext cx="3282565" cy="307777"/>
-          </a:xfrm>
-          <a:prstGeom prst="rect">
-            <a:avLst/>
-          </a:prstGeom>
-          <a:noFill/>
-        </p:spPr>
-        <p:txBody>
-          <a:bodyPr wrap="square">
-            <a:spAutoFit/>
-          </a:bodyPr>
-          <a:lstStyle/>
-          <a:p>
-            <a:r>
-              <a:rPr lang="fr-FR" sz="1400" dirty="0"/>
-              <a:t>B0_32_classe_heritage.py</a:t>
-            </a:r>
-          </a:p>
-        </p:txBody>
-      </p:sp>
-      <p:pic>
-        <p:nvPicPr>
-          <p:cNvPr id="9" name="Picture 4" descr="Résultat de recherche d'images pour &quot;python logo&quot;">
-            <a:extLst>
-              <a:ext uri="{FF2B5EF4-FFF2-40B4-BE49-F238E27FC236}">
-                <a16:creationId xmlns:a16="http://schemas.microsoft.com/office/drawing/2014/main" id="{E8DAB57A-7268-2E35-EC9B-86B1CFD15E4C}"/>
-              </a:ext>
-            </a:extLst>
-          </p:cNvPr>
-          <p:cNvPicPr>
-            <a:picLocks noChangeAspect="1" noChangeArrowheads="1"/>
-          </p:cNvPicPr>
-          <p:nvPr/>
-        </p:nvPicPr>
-        <p:blipFill>
-          <a:blip r:embed="rId5">
-            <a:extLst>
-              <a:ext uri="{28A0092B-C50C-407E-A947-70E740481C1C}">
-                <a14:useLocalDpi xmlns:a14="http://schemas.microsoft.com/office/drawing/2010/main" val="0"/>
-              </a:ext>
-            </a:extLst>
-          </a:blip>
-          <a:srcRect/>
-          <a:stretch>
-            <a:fillRect/>
-          </a:stretch>
-        </p:blipFill>
-        <p:spPr bwMode="auto">
-          <a:xfrm>
-            <a:off x="7896167" y="56024"/>
-            <a:ext cx="272970" cy="300073"/>
-          </a:xfrm>
-          <a:prstGeom prst="rect">
-            <a:avLst/>
-          </a:prstGeom>
-          <a:noFill/>
-          <a:extLst>
-            <a:ext uri="{909E8E84-426E-40DD-AFC4-6F175D3DCCD1}">
-              <a14:hiddenFill xmlns:a14="http://schemas.microsoft.com/office/drawing/2010/main">
-                <a:solidFill>
-                  <a:srgbClr val="FFFFFF"/>
-                </a:solidFill>
-              </a14:hiddenFill>
-            </a:ext>
-          </a:extLst>
-        </p:spPr>
-      </p:pic>
-      <p:pic>
-        <p:nvPicPr>
-          <p:cNvPr id="15" name="Image 14">
-            <a:extLst>
-              <a:ext uri="{FF2B5EF4-FFF2-40B4-BE49-F238E27FC236}">
-                <a16:creationId xmlns:a16="http://schemas.microsoft.com/office/drawing/2014/main" id="{6878AEA6-2CEB-A25F-CD09-8848D4696FC8}"/>
-              </a:ext>
-            </a:extLst>
-          </p:cNvPr>
-          <p:cNvPicPr>
-            <a:picLocks noChangeAspect="1"/>
-          </p:cNvPicPr>
-          <p:nvPr/>
-        </p:nvPicPr>
-        <p:blipFill>
-          <a:blip r:embed="rId6"/>
-          <a:stretch>
-            <a:fillRect/>
-          </a:stretch>
-        </p:blipFill>
-        <p:spPr>
-          <a:xfrm>
-            <a:off x="538162" y="2236286"/>
-            <a:ext cx="7750432" cy="3513264"/>
+            <a:off x="168033" y="195172"/>
+            <a:ext cx="2452178" cy="1007326"/>
           </a:xfrm>
           <a:prstGeom prst="rect">
             <a:avLst/>
@@ -6691,12 +7342,12 @@
     </p:spTree>
     <p:extLst>
       <p:ext uri="{BB962C8B-B14F-4D97-AF65-F5344CB8AC3E}">
-        <p14:creationId xmlns:p14="http://schemas.microsoft.com/office/powerpoint/2010/main" val="2667257945"/>
+        <p14:creationId xmlns:p14="http://schemas.microsoft.com/office/powerpoint/2010/main" val="485964432"/>
       </p:ext>
     </p:extLst>
   </p:cSld>
   <p:clrMapOvr>
-    <a:masterClrMapping/>
+    <a:overrideClrMapping bg1="dk1" tx1="lt1" bg2="dk2" tx2="lt2" accent1="accent1" accent2="accent2" accent3="accent3" accent4="accent4" accent5="accent5" accent6="accent6" hlink="hlink" folHlink="folHlink"/>
   </p:clrMapOvr>
 </p:sld>
 </file>
@@ -6723,7 +7374,7 @@
           <p:cNvPr id="2" name="Titre 1">
             <a:extLst>
               <a:ext uri="{FF2B5EF4-FFF2-40B4-BE49-F238E27FC236}">
-                <a16:creationId xmlns:a16="http://schemas.microsoft.com/office/drawing/2014/main" id="{90162AE8-C1B0-5C56-8313-DEE494F38273}"/>
+                <a16:creationId xmlns:a16="http://schemas.microsoft.com/office/drawing/2014/main" xmlns="" id="{90162AE8-C1B0-5C56-8313-DEE494F38273}"/>
               </a:ext>
             </a:extLst>
           </p:cNvPr>
@@ -6741,7 +7392,89 @@
           <a:p>
             <a:r>
               <a:rPr lang="fr-FR" dirty="0"/>
-              <a:t>Exemple de classes héritées</a:t>
+              <a:t>Programmation orientée objet</a:t>
+            </a:r>
+          </a:p>
+        </p:txBody>
+      </p:sp>
+      <p:sp>
+        <p:nvSpPr>
+          <p:cNvPr id="3" name="Espace réservé du contenu 2">
+            <a:extLst>
+              <a:ext uri="{FF2B5EF4-FFF2-40B4-BE49-F238E27FC236}">
+                <a16:creationId xmlns:a16="http://schemas.microsoft.com/office/drawing/2014/main" xmlns="" id="{E0BBB9DE-019C-C741-F224-494739D4B752}"/>
+              </a:ext>
+            </a:extLst>
+          </p:cNvPr>
+          <p:cNvSpPr>
+            <a:spLocks noGrp="1"/>
+          </p:cNvSpPr>
+          <p:nvPr>
+            <p:ph sz="half" idx="1"/>
+          </p:nvPr>
+        </p:nvSpPr>
+        <p:spPr/>
+        <p:txBody>
+          <a:bodyPr>
+            <a:normAutofit/>
+          </a:bodyPr>
+          <a:lstStyle/>
+          <a:p>
+            <a:pPr marL="0" indent="0">
+              <a:buNone/>
+            </a:pPr>
+            <a:r>
+              <a:rPr lang="fr-FR" b="1" dirty="0"/>
+              <a:t>Eléments de base</a:t>
+            </a:r>
+          </a:p>
+          <a:p>
+            <a:r>
+              <a:rPr lang="fr-FR" sz="2000" b="1" dirty="0">
+                <a:solidFill>
+                  <a:srgbClr val="00B0F0"/>
+                </a:solidFill>
+              </a:rPr>
+              <a:t>Classe</a:t>
+            </a:r>
+            <a:r>
+              <a:rPr lang="fr-FR" sz="2000" dirty="0"/>
+              <a:t> : rassemblement de </a:t>
+            </a:r>
+            <a:r>
+              <a:rPr lang="fr-FR" sz="2000" dirty="0" smtClean="0"/>
+              <a:t>différents </a:t>
+            </a:r>
+            <a:r>
+              <a:rPr lang="fr-FR" sz="2000" b="1" dirty="0" smtClean="0"/>
+              <a:t>attributs</a:t>
+            </a:r>
+            <a:r>
+              <a:rPr lang="fr-FR" sz="2000" dirty="0" smtClean="0"/>
+              <a:t> (état d’un objet) et </a:t>
+            </a:r>
+            <a:r>
+              <a:rPr lang="fr-FR" sz="2000" b="1" dirty="0" smtClean="0"/>
+              <a:t>méthodes</a:t>
+            </a:r>
+            <a:r>
+              <a:rPr lang="fr-FR" sz="2000" dirty="0" smtClean="0"/>
+              <a:t> (actions possibles d’un objet)</a:t>
+            </a:r>
+            <a:endParaRPr lang="fr-FR" sz="2000" dirty="0"/>
+          </a:p>
+          <a:p>
+            <a:r>
+              <a:rPr lang="fr-FR" sz="2000" b="1" dirty="0">
+                <a:solidFill>
+                  <a:srgbClr val="00B0F0"/>
+                </a:solidFill>
+              </a:rPr>
+              <a:t>Objet</a:t>
+            </a:r>
+            <a:r>
+              <a:rPr lang="fr-FR" sz="2000" dirty="0"/>
+              <a:t> : instance d'une classe</a:t>
             </a:r>
           </a:p>
         </p:txBody>
@@ -6751,7 +7484,7 @@
           <p:cNvPr id="5" name="Image 4" descr="Une image contenant texte&#10;&#10;Description générée automatiquement">
             <a:extLst>
               <a:ext uri="{FF2B5EF4-FFF2-40B4-BE49-F238E27FC236}">
-                <a16:creationId xmlns:a16="http://schemas.microsoft.com/office/drawing/2014/main" id="{66D2630B-81F4-A4EB-21BA-8B90CF30BD92}"/>
+                <a16:creationId xmlns:a16="http://schemas.microsoft.com/office/drawing/2014/main" xmlns="" id="{66D2630B-81F4-A4EB-21BA-8B90CF30BD92}"/>
               </a:ext>
             </a:extLst>
           </p:cNvPr>
@@ -6761,7 +7494,7 @@
           <p:nvPr/>
         </p:nvPicPr>
         <p:blipFill>
-          <a:blip r:embed="rId3">
+          <a:blip r:embed="rId2" cstate="print">
             <a:extLst>
               <a:ext uri="{28A0092B-C50C-407E-A947-70E740481C1C}">
                 <a14:useLocalDpi xmlns:a14="http://schemas.microsoft.com/office/drawing/2010/main" val="0"/>
@@ -6784,10 +7517,1195 @@
       </p:pic>
       <p:pic>
         <p:nvPicPr>
+          <p:cNvPr id="6" name="Image 5">
+            <a:extLst>
+              <a:ext uri="{FF2B5EF4-FFF2-40B4-BE49-F238E27FC236}">
+                <a16:creationId xmlns:a16="http://schemas.microsoft.com/office/drawing/2014/main" xmlns="" id="{F53BA022-8508-E77A-0C30-0DCF4103FD21}"/>
+              </a:ext>
+            </a:extLst>
+          </p:cNvPr>
+          <p:cNvPicPr>
+            <a:picLocks noChangeAspect="1"/>
+          </p:cNvPicPr>
+          <p:nvPr/>
+        </p:nvPicPr>
+        <p:blipFill>
+          <a:blip r:embed="rId3"/>
+          <a:stretch>
+            <a:fillRect/>
+          </a:stretch>
+        </p:blipFill>
+        <p:spPr>
+          <a:xfrm>
+            <a:off x="7461853" y="2547887"/>
+            <a:ext cx="3821843" cy="3761473"/>
+          </a:xfrm>
+          <a:prstGeom prst="rect">
+            <a:avLst/>
+          </a:prstGeom>
+        </p:spPr>
+      </p:pic>
+    </p:spTree>
+    <p:extLst>
+      <p:ext uri="{BB962C8B-B14F-4D97-AF65-F5344CB8AC3E}">
+        <p14:creationId xmlns:p14="http://schemas.microsoft.com/office/powerpoint/2010/main" val="2547691626"/>
+      </p:ext>
+    </p:extLst>
+  </p:cSld>
+  <p:clrMapOvr>
+    <a:masterClrMapping/>
+  </p:clrMapOvr>
+</p:sld>
+</file>
+
+<file path=ppt/slides/slide13.xml><?xml version="1.0" encoding="utf-8"?>
+<p:sld xmlns:a="http://schemas.openxmlformats.org/drawingml/2006/main" xmlns:r="http://schemas.openxmlformats.org/officeDocument/2006/relationships" xmlns:p="http://schemas.openxmlformats.org/presentationml/2006/main">
+  <p:cSld>
+    <p:spTree>
+      <p:nvGrpSpPr>
+        <p:cNvPr id="1" name=""/>
+        <p:cNvGrpSpPr/>
+        <p:nvPr/>
+      </p:nvGrpSpPr>
+      <p:grpSpPr>
+        <a:xfrm>
+          <a:off x="0" y="0"/>
+          <a:ext cx="0" cy="0"/>
+          <a:chOff x="0" y="0"/>
+          <a:chExt cx="0" cy="0"/>
+        </a:xfrm>
+      </p:grpSpPr>
+      <p:sp>
+        <p:nvSpPr>
+          <p:cNvPr id="2" name="Titre 1">
+            <a:extLst>
+              <a:ext uri="{FF2B5EF4-FFF2-40B4-BE49-F238E27FC236}">
+                <a16:creationId xmlns:a16="http://schemas.microsoft.com/office/drawing/2014/main" xmlns="" id="{90162AE8-C1B0-5C56-8313-DEE494F38273}"/>
+              </a:ext>
+            </a:extLst>
+          </p:cNvPr>
+          <p:cNvSpPr>
+            <a:spLocks noGrp="1"/>
+          </p:cNvSpPr>
+          <p:nvPr>
+            <p:ph type="title"/>
+          </p:nvPr>
+        </p:nvSpPr>
+        <p:spPr/>
+        <p:txBody>
+          <a:bodyPr/>
+          <a:lstStyle/>
+          <a:p>
+            <a:r>
+              <a:rPr lang="fr-FR" dirty="0"/>
+              <a:t>Programmation orientée objet</a:t>
+            </a:r>
+          </a:p>
+        </p:txBody>
+      </p:sp>
+      <p:sp>
+        <p:nvSpPr>
+          <p:cNvPr id="3" name="Espace réservé du contenu 2">
+            <a:extLst>
+              <a:ext uri="{FF2B5EF4-FFF2-40B4-BE49-F238E27FC236}">
+                <a16:creationId xmlns:a16="http://schemas.microsoft.com/office/drawing/2014/main" xmlns="" id="{E0BBB9DE-019C-C741-F224-494739D4B752}"/>
+              </a:ext>
+            </a:extLst>
+          </p:cNvPr>
+          <p:cNvSpPr>
+            <a:spLocks noGrp="1"/>
+          </p:cNvSpPr>
+          <p:nvPr>
+            <p:ph sz="half" idx="1"/>
+          </p:nvPr>
+        </p:nvSpPr>
+        <p:spPr/>
+        <p:txBody>
+          <a:bodyPr>
+            <a:normAutofit/>
+          </a:bodyPr>
+          <a:lstStyle/>
+          <a:p>
+            <a:pPr marL="0" indent="0">
+              <a:buNone/>
+            </a:pPr>
+            <a:r>
+              <a:rPr lang="fr-FR" b="1" dirty="0"/>
+              <a:t>Concepts fondamentaux</a:t>
+            </a:r>
+          </a:p>
+          <a:p>
+            <a:r>
+              <a:rPr lang="fr-FR" sz="2000" b="1" dirty="0"/>
+              <a:t>Encapsulation</a:t>
+            </a:r>
+            <a:r>
+              <a:rPr lang="fr-FR" sz="2000" dirty="0"/>
+              <a:t> : regroupement de différentes données et fonctions sous une même entité</a:t>
+            </a:r>
+          </a:p>
+          <a:p>
+            <a:r>
+              <a:rPr lang="fr-FR" sz="2000" b="1" dirty="0">
+                <a:solidFill>
+                  <a:schemeClr val="bg1">
+                    <a:lumMod val="75000"/>
+                  </a:schemeClr>
+                </a:solidFill>
+              </a:rPr>
+              <a:t>Héritage</a:t>
+            </a:r>
+            <a:r>
+              <a:rPr lang="fr-FR" sz="2000" dirty="0">
+                <a:solidFill>
+                  <a:schemeClr val="bg1">
+                    <a:lumMod val="75000"/>
+                  </a:schemeClr>
+                </a:solidFill>
+              </a:rPr>
+              <a:t> : arborescence de classes permettant la spécialisation</a:t>
+            </a:r>
+          </a:p>
+          <a:p>
+            <a:r>
+              <a:rPr lang="fr-FR" sz="2000" b="1" dirty="0">
+                <a:solidFill>
+                  <a:schemeClr val="bg1">
+                    <a:lumMod val="75000"/>
+                  </a:schemeClr>
+                </a:solidFill>
+              </a:rPr>
+              <a:t>Polymorphisme</a:t>
+            </a:r>
+            <a:r>
+              <a:rPr lang="fr-FR" sz="2000" dirty="0">
+                <a:solidFill>
+                  <a:schemeClr val="bg1">
+                    <a:lumMod val="75000"/>
+                  </a:schemeClr>
+                </a:solidFill>
+              </a:rPr>
+              <a:t> : réaction différente de deux objets (de classe différente) à une même procédure</a:t>
+            </a:r>
+          </a:p>
+          <a:p>
+            <a:endParaRPr lang="fr-FR" sz="2000" dirty="0"/>
+          </a:p>
+        </p:txBody>
+      </p:sp>
+      <p:pic>
+        <p:nvPicPr>
+          <p:cNvPr id="5" name="Image 4" descr="Une image contenant texte&#10;&#10;Description générée automatiquement">
+            <a:extLst>
+              <a:ext uri="{FF2B5EF4-FFF2-40B4-BE49-F238E27FC236}">
+                <a16:creationId xmlns:a16="http://schemas.microsoft.com/office/drawing/2014/main" xmlns="" id="{66D2630B-81F4-A4EB-21BA-8B90CF30BD92}"/>
+              </a:ext>
+            </a:extLst>
+          </p:cNvPr>
+          <p:cNvPicPr>
+            <a:picLocks noChangeAspect="1"/>
+          </p:cNvPicPr>
+          <p:nvPr/>
+        </p:nvPicPr>
+        <p:blipFill>
+          <a:blip r:embed="rId2" cstate="print">
+            <a:extLst>
+              <a:ext uri="{28A0092B-C50C-407E-A947-70E740481C1C}">
+                <a14:useLocalDpi xmlns:a14="http://schemas.microsoft.com/office/drawing/2010/main" val="0"/>
+              </a:ext>
+            </a:extLst>
+          </a:blip>
+          <a:stretch>
+            <a:fillRect/>
+          </a:stretch>
+        </p:blipFill>
+        <p:spPr>
+          <a:xfrm>
+            <a:off x="202922" y="5934456"/>
+            <a:ext cx="1825291" cy="749808"/>
+          </a:xfrm>
+          <a:prstGeom prst="rect">
+            <a:avLst/>
+          </a:prstGeom>
+        </p:spPr>
+      </p:pic>
+      <p:pic>
+        <p:nvPicPr>
+          <p:cNvPr id="9" name="Image 8">
+            <a:extLst>
+              <a:ext uri="{FF2B5EF4-FFF2-40B4-BE49-F238E27FC236}">
+                <a16:creationId xmlns:a16="http://schemas.microsoft.com/office/drawing/2014/main" xmlns="" id="{4BF373FE-89DD-0DD2-F7BB-15E160443678}"/>
+              </a:ext>
+            </a:extLst>
+          </p:cNvPr>
+          <p:cNvPicPr>
+            <a:picLocks noChangeAspect="1"/>
+          </p:cNvPicPr>
+          <p:nvPr/>
+        </p:nvPicPr>
+        <p:blipFill>
+          <a:blip r:embed="rId3"/>
+          <a:stretch>
+            <a:fillRect/>
+          </a:stretch>
+        </p:blipFill>
+        <p:spPr>
+          <a:xfrm>
+            <a:off x="6676102" y="2888202"/>
+            <a:ext cx="5058390" cy="1436910"/>
+          </a:xfrm>
+          <a:prstGeom prst="rect">
+            <a:avLst/>
+          </a:prstGeom>
+        </p:spPr>
+      </p:pic>
+    </p:spTree>
+    <p:extLst>
+      <p:ext uri="{BB962C8B-B14F-4D97-AF65-F5344CB8AC3E}">
+        <p14:creationId xmlns:p14="http://schemas.microsoft.com/office/powerpoint/2010/main" val="4075081114"/>
+      </p:ext>
+    </p:extLst>
+  </p:cSld>
+  <p:clrMapOvr>
+    <a:masterClrMapping/>
+  </p:clrMapOvr>
+</p:sld>
+</file>
+
+<file path=ppt/slides/slide14.xml><?xml version="1.0" encoding="utf-8"?>
+<p:sld xmlns:a="http://schemas.openxmlformats.org/drawingml/2006/main" xmlns:r="http://schemas.openxmlformats.org/officeDocument/2006/relationships" xmlns:p="http://schemas.openxmlformats.org/presentationml/2006/main">
+  <p:cSld>
+    <p:spTree>
+      <p:nvGrpSpPr>
+        <p:cNvPr id="1" name=""/>
+        <p:cNvGrpSpPr/>
+        <p:nvPr/>
+      </p:nvGrpSpPr>
+      <p:grpSpPr>
+        <a:xfrm>
+          <a:off x="0" y="0"/>
+          <a:ext cx="0" cy="0"/>
+          <a:chOff x="0" y="0"/>
+          <a:chExt cx="0" cy="0"/>
+        </a:xfrm>
+      </p:grpSpPr>
+      <p:sp>
+        <p:nvSpPr>
+          <p:cNvPr id="2" name="Titre 1">
+            <a:extLst>
+              <a:ext uri="{FF2B5EF4-FFF2-40B4-BE49-F238E27FC236}">
+                <a16:creationId xmlns:a16="http://schemas.microsoft.com/office/drawing/2014/main" xmlns="" id="{90162AE8-C1B0-5C56-8313-DEE494F38273}"/>
+              </a:ext>
+            </a:extLst>
+          </p:cNvPr>
+          <p:cNvSpPr>
+            <a:spLocks noGrp="1"/>
+          </p:cNvSpPr>
+          <p:nvPr>
+            <p:ph type="title"/>
+          </p:nvPr>
+        </p:nvSpPr>
+        <p:spPr/>
+        <p:txBody>
+          <a:bodyPr/>
+          <a:lstStyle/>
+          <a:p>
+            <a:r>
+              <a:rPr lang="fr-FR" dirty="0"/>
+              <a:t>Programmation orientée objet</a:t>
+            </a:r>
+          </a:p>
+        </p:txBody>
+      </p:sp>
+      <p:sp>
+        <p:nvSpPr>
+          <p:cNvPr id="3" name="Espace réservé du contenu 2">
+            <a:extLst>
+              <a:ext uri="{FF2B5EF4-FFF2-40B4-BE49-F238E27FC236}">
+                <a16:creationId xmlns:a16="http://schemas.microsoft.com/office/drawing/2014/main" xmlns="" id="{E0BBB9DE-019C-C741-F224-494739D4B752}"/>
+              </a:ext>
+            </a:extLst>
+          </p:cNvPr>
+          <p:cNvSpPr>
+            <a:spLocks noGrp="1"/>
+          </p:cNvSpPr>
+          <p:nvPr>
+            <p:ph sz="half" idx="1"/>
+          </p:nvPr>
+        </p:nvSpPr>
+        <p:spPr/>
+        <p:txBody>
+          <a:bodyPr>
+            <a:normAutofit/>
+          </a:bodyPr>
+          <a:lstStyle/>
+          <a:p>
+            <a:pPr marL="0" indent="0">
+              <a:buNone/>
+            </a:pPr>
+            <a:r>
+              <a:rPr lang="fr-FR" b="1" dirty="0"/>
+              <a:t>Concepts fondamentaux</a:t>
+            </a:r>
+          </a:p>
+          <a:p>
+            <a:r>
+              <a:rPr lang="fr-FR" sz="2000" b="1" dirty="0"/>
+              <a:t>Encapsulation</a:t>
+            </a:r>
+            <a:r>
+              <a:rPr lang="fr-FR" sz="2000" dirty="0"/>
+              <a:t> : regroupement de différentes données et fonctions sous une même entité</a:t>
+            </a:r>
+          </a:p>
+          <a:p>
+            <a:r>
+              <a:rPr lang="fr-FR" sz="2000" b="1" dirty="0">
+                <a:solidFill>
+                  <a:schemeClr val="bg1">
+                    <a:lumMod val="75000"/>
+                  </a:schemeClr>
+                </a:solidFill>
+              </a:rPr>
+              <a:t>Héritage</a:t>
+            </a:r>
+            <a:r>
+              <a:rPr lang="fr-FR" sz="2000" dirty="0">
+                <a:solidFill>
+                  <a:schemeClr val="bg1">
+                    <a:lumMod val="75000"/>
+                  </a:schemeClr>
+                </a:solidFill>
+              </a:rPr>
+              <a:t> : arborescence de classes permettant la spécialisation</a:t>
+            </a:r>
+          </a:p>
+          <a:p>
+            <a:r>
+              <a:rPr lang="fr-FR" sz="2000" b="1" dirty="0">
+                <a:solidFill>
+                  <a:schemeClr val="bg1">
+                    <a:lumMod val="75000"/>
+                  </a:schemeClr>
+                </a:solidFill>
+              </a:rPr>
+              <a:t>Polymorphisme</a:t>
+            </a:r>
+            <a:r>
+              <a:rPr lang="fr-FR" sz="2000" dirty="0">
+                <a:solidFill>
+                  <a:schemeClr val="bg1">
+                    <a:lumMod val="75000"/>
+                  </a:schemeClr>
+                </a:solidFill>
+              </a:rPr>
+              <a:t> : réaction différente de deux objets (de classe différente) à une même procédure</a:t>
+            </a:r>
+          </a:p>
+          <a:p>
+            <a:endParaRPr lang="fr-FR" sz="2000" dirty="0"/>
+          </a:p>
+        </p:txBody>
+      </p:sp>
+      <p:pic>
+        <p:nvPicPr>
+          <p:cNvPr id="5" name="Image 4" descr="Une image contenant texte&#10;&#10;Description générée automatiquement">
+            <a:extLst>
+              <a:ext uri="{FF2B5EF4-FFF2-40B4-BE49-F238E27FC236}">
+                <a16:creationId xmlns:a16="http://schemas.microsoft.com/office/drawing/2014/main" xmlns="" id="{66D2630B-81F4-A4EB-21BA-8B90CF30BD92}"/>
+              </a:ext>
+            </a:extLst>
+          </p:cNvPr>
+          <p:cNvPicPr>
+            <a:picLocks noChangeAspect="1"/>
+          </p:cNvPicPr>
+          <p:nvPr/>
+        </p:nvPicPr>
+        <p:blipFill>
+          <a:blip r:embed="rId2" cstate="print">
+            <a:extLst>
+              <a:ext uri="{28A0092B-C50C-407E-A947-70E740481C1C}">
+                <a14:useLocalDpi xmlns:a14="http://schemas.microsoft.com/office/drawing/2010/main" val="0"/>
+              </a:ext>
+            </a:extLst>
+          </a:blip>
+          <a:stretch>
+            <a:fillRect/>
+          </a:stretch>
+        </p:blipFill>
+        <p:spPr>
+          <a:xfrm>
+            <a:off x="202922" y="5934456"/>
+            <a:ext cx="1825291" cy="749808"/>
+          </a:xfrm>
+          <a:prstGeom prst="rect">
+            <a:avLst/>
+          </a:prstGeom>
+        </p:spPr>
+      </p:pic>
+      <p:sp>
+        <p:nvSpPr>
+          <p:cNvPr id="6" name="ZoneTexte 5">
+            <a:extLst>
+              <a:ext uri="{FF2B5EF4-FFF2-40B4-BE49-F238E27FC236}">
+                <a16:creationId xmlns:a16="http://schemas.microsoft.com/office/drawing/2014/main" xmlns="" id="{8919C08D-4BD9-E355-43E2-5BD22F224950}"/>
+              </a:ext>
+            </a:extLst>
+          </p:cNvPr>
+          <p:cNvSpPr txBox="1"/>
+          <p:nvPr/>
+        </p:nvSpPr>
+        <p:spPr>
+          <a:xfrm>
+            <a:off x="6344971" y="4040712"/>
+            <a:ext cx="4765173" cy="2308324"/>
+          </a:xfrm>
+          <a:prstGeom prst="rect">
+            <a:avLst/>
+          </a:prstGeom>
+          <a:solidFill>
+            <a:schemeClr val="accent1">
+              <a:lumMod val="40000"/>
+              <a:lumOff val="60000"/>
+            </a:schemeClr>
+          </a:solidFill>
+        </p:spPr>
+        <p:txBody>
+          <a:bodyPr wrap="square" rtlCol="0">
+            <a:spAutoFit/>
+          </a:bodyPr>
+          <a:lstStyle/>
+          <a:p>
+            <a:r>
+              <a:rPr lang="fr-FR" dirty="0" smtClean="0"/>
+              <a:t>classe </a:t>
+            </a:r>
+            <a:r>
+              <a:rPr lang="fr-FR" b="1" i="1" dirty="0" err="1" smtClean="0"/>
+              <a:t>numpy.ndarray</a:t>
+            </a:r>
+            <a:endParaRPr lang="fr-FR" b="1" i="1" dirty="0" smtClean="0"/>
+          </a:p>
+          <a:p>
+            <a:r>
+              <a:rPr lang="fr-FR" b="1" i="1" dirty="0"/>
+              <a:t>	</a:t>
+            </a:r>
+            <a:r>
+              <a:rPr lang="fr-FR" i="1" dirty="0" smtClean="0"/>
+              <a:t>Attributs </a:t>
+            </a:r>
+          </a:p>
+          <a:p>
+            <a:r>
+              <a:rPr lang="fr-FR" b="1" i="1" dirty="0"/>
+              <a:t>	</a:t>
+            </a:r>
+            <a:r>
+              <a:rPr lang="fr-FR" b="1" i="1" dirty="0" smtClean="0"/>
+              <a:t>	</a:t>
+            </a:r>
+            <a:r>
+              <a:rPr lang="fr-FR" i="1" dirty="0" smtClean="0"/>
+              <a:t>- </a:t>
+            </a:r>
+            <a:r>
+              <a:rPr lang="fr-FR" i="1" dirty="0" err="1" smtClean="0"/>
+              <a:t>shape</a:t>
+            </a:r>
+            <a:r>
+              <a:rPr lang="fr-FR" i="1" dirty="0" smtClean="0"/>
+              <a:t> (</a:t>
+            </a:r>
+            <a:r>
+              <a:rPr lang="fr-FR" i="1" dirty="0" err="1" smtClean="0"/>
+              <a:t>Tuple</a:t>
+            </a:r>
+            <a:r>
+              <a:rPr lang="fr-FR" i="1" dirty="0" smtClean="0"/>
+              <a:t> d’entiers)</a:t>
+            </a:r>
+          </a:p>
+          <a:p>
+            <a:r>
+              <a:rPr lang="fr-FR" i="1" dirty="0"/>
+              <a:t>	</a:t>
+            </a:r>
+            <a:r>
+              <a:rPr lang="fr-FR" i="1" dirty="0" smtClean="0"/>
+              <a:t>	- data (buffer)</a:t>
+            </a:r>
+          </a:p>
+          <a:p>
+            <a:endParaRPr lang="fr-FR" i="1" dirty="0"/>
+          </a:p>
+          <a:p>
+            <a:r>
+              <a:rPr lang="fr-FR" i="1" dirty="0" smtClean="0"/>
+              <a:t>	Méthodes</a:t>
+            </a:r>
+          </a:p>
+          <a:p>
+            <a:r>
+              <a:rPr lang="fr-FR" i="1" dirty="0"/>
+              <a:t>	</a:t>
+            </a:r>
+            <a:r>
+              <a:rPr lang="fr-FR" i="1" dirty="0" smtClean="0"/>
+              <a:t>	- max ([axis…])</a:t>
+            </a:r>
+          </a:p>
+          <a:p>
+            <a:r>
+              <a:rPr lang="fr-FR" i="1" dirty="0"/>
+              <a:t>	</a:t>
+            </a:r>
+            <a:r>
+              <a:rPr lang="fr-FR" i="1" dirty="0" smtClean="0"/>
+              <a:t>	- </a:t>
+            </a:r>
+            <a:r>
+              <a:rPr lang="fr-FR" i="1" dirty="0" err="1" smtClean="0"/>
+              <a:t>resize</a:t>
+            </a:r>
+            <a:r>
+              <a:rPr lang="fr-FR" i="1" dirty="0" smtClean="0"/>
+              <a:t> (</a:t>
+            </a:r>
+            <a:r>
+              <a:rPr lang="fr-FR" i="1" dirty="0" err="1" smtClean="0"/>
+              <a:t>new_shape</a:t>
+            </a:r>
+            <a:r>
+              <a:rPr lang="fr-FR" i="1" dirty="0" smtClean="0"/>
+              <a:t>…)</a:t>
+            </a:r>
+            <a:endParaRPr lang="fr-FR" i="1" dirty="0"/>
+          </a:p>
+        </p:txBody>
+      </p:sp>
+      <p:pic>
+        <p:nvPicPr>
           <p:cNvPr id="7" name="Image 6">
             <a:extLst>
               <a:ext uri="{FF2B5EF4-FFF2-40B4-BE49-F238E27FC236}">
-                <a16:creationId xmlns:a16="http://schemas.microsoft.com/office/drawing/2014/main" id="{96F3459D-2016-92EA-09A7-3F4D09B44BAC}"/>
+                <a16:creationId xmlns:a16="http://schemas.microsoft.com/office/drawing/2014/main" xmlns="" id="{4BF373FE-89DD-0DD2-F7BB-15E160443678}"/>
+              </a:ext>
+            </a:extLst>
+          </p:cNvPr>
+          <p:cNvPicPr>
+            <a:picLocks noChangeAspect="1"/>
+          </p:cNvPicPr>
+          <p:nvPr/>
+        </p:nvPicPr>
+        <p:blipFill>
+          <a:blip r:embed="rId3"/>
+          <a:stretch>
+            <a:fillRect/>
+          </a:stretch>
+        </p:blipFill>
+        <p:spPr>
+          <a:xfrm>
+            <a:off x="8297136" y="2888202"/>
+            <a:ext cx="3437356" cy="976432"/>
+          </a:xfrm>
+          <a:prstGeom prst="rect">
+            <a:avLst/>
+          </a:prstGeom>
+        </p:spPr>
+      </p:pic>
+    </p:spTree>
+    <p:extLst>
+      <p:ext uri="{BB962C8B-B14F-4D97-AF65-F5344CB8AC3E}">
+        <p14:creationId xmlns:p14="http://schemas.microsoft.com/office/powerpoint/2010/main" val="780549579"/>
+      </p:ext>
+    </p:extLst>
+  </p:cSld>
+  <p:clrMapOvr>
+    <a:masterClrMapping/>
+  </p:clrMapOvr>
+</p:sld>
+</file>
+
+<file path=ppt/slides/slide15.xml><?xml version="1.0" encoding="utf-8"?>
+<p:sld xmlns:a="http://schemas.openxmlformats.org/drawingml/2006/main" xmlns:r="http://schemas.openxmlformats.org/officeDocument/2006/relationships" xmlns:p="http://schemas.openxmlformats.org/presentationml/2006/main">
+  <p:cSld>
+    <p:spTree>
+      <p:nvGrpSpPr>
+        <p:cNvPr id="1" name=""/>
+        <p:cNvGrpSpPr/>
+        <p:nvPr/>
+      </p:nvGrpSpPr>
+      <p:grpSpPr>
+        <a:xfrm>
+          <a:off x="0" y="0"/>
+          <a:ext cx="0" cy="0"/>
+          <a:chOff x="0" y="0"/>
+          <a:chExt cx="0" cy="0"/>
+        </a:xfrm>
+      </p:grpSpPr>
+      <p:sp>
+        <p:nvSpPr>
+          <p:cNvPr id="2" name="Titre 1">
+            <a:extLst>
+              <a:ext uri="{FF2B5EF4-FFF2-40B4-BE49-F238E27FC236}">
+                <a16:creationId xmlns:a16="http://schemas.microsoft.com/office/drawing/2014/main" xmlns="" id="{90162AE8-C1B0-5C56-8313-DEE494F38273}"/>
+              </a:ext>
+            </a:extLst>
+          </p:cNvPr>
+          <p:cNvSpPr>
+            <a:spLocks noGrp="1"/>
+          </p:cNvSpPr>
+          <p:nvPr>
+            <p:ph type="title"/>
+          </p:nvPr>
+        </p:nvSpPr>
+        <p:spPr/>
+        <p:txBody>
+          <a:bodyPr/>
+          <a:lstStyle/>
+          <a:p>
+            <a:r>
+              <a:rPr lang="fr-FR" dirty="0"/>
+              <a:t>Programmation orientée objet</a:t>
+            </a:r>
+          </a:p>
+        </p:txBody>
+      </p:sp>
+      <p:sp>
+        <p:nvSpPr>
+          <p:cNvPr id="3" name="Espace réservé du contenu 2">
+            <a:extLst>
+              <a:ext uri="{FF2B5EF4-FFF2-40B4-BE49-F238E27FC236}">
+                <a16:creationId xmlns:a16="http://schemas.microsoft.com/office/drawing/2014/main" xmlns="" id="{E0BBB9DE-019C-C741-F224-494739D4B752}"/>
+              </a:ext>
+            </a:extLst>
+          </p:cNvPr>
+          <p:cNvSpPr>
+            <a:spLocks noGrp="1"/>
+          </p:cNvSpPr>
+          <p:nvPr>
+            <p:ph sz="half" idx="1"/>
+          </p:nvPr>
+        </p:nvSpPr>
+        <p:spPr/>
+        <p:txBody>
+          <a:bodyPr>
+            <a:normAutofit/>
+          </a:bodyPr>
+          <a:lstStyle/>
+          <a:p>
+            <a:pPr marL="0" indent="0">
+              <a:buNone/>
+            </a:pPr>
+            <a:r>
+              <a:rPr lang="fr-FR" b="1" dirty="0"/>
+              <a:t>Concepts fondamentaux</a:t>
+            </a:r>
+          </a:p>
+          <a:p>
+            <a:r>
+              <a:rPr lang="fr-FR" sz="2000" b="1" dirty="0"/>
+              <a:t>Encapsulation</a:t>
+            </a:r>
+            <a:r>
+              <a:rPr lang="fr-FR" sz="2000" dirty="0"/>
+              <a:t> : regroupement de différentes données et fonctions sous une même entité</a:t>
+            </a:r>
+          </a:p>
+          <a:p>
+            <a:r>
+              <a:rPr lang="fr-FR" sz="2000" b="1" dirty="0"/>
+              <a:t>Héritage</a:t>
+            </a:r>
+            <a:r>
+              <a:rPr lang="fr-FR" sz="2000" dirty="0"/>
+              <a:t> : arborescence de classes permettant la spécialisation</a:t>
+            </a:r>
+          </a:p>
+          <a:p>
+            <a:r>
+              <a:rPr lang="fr-FR" sz="2000" b="1" dirty="0">
+                <a:solidFill>
+                  <a:schemeClr val="bg1">
+                    <a:lumMod val="75000"/>
+                  </a:schemeClr>
+                </a:solidFill>
+              </a:rPr>
+              <a:t>Polymorphisme</a:t>
+            </a:r>
+            <a:r>
+              <a:rPr lang="fr-FR" sz="2000" dirty="0">
+                <a:solidFill>
+                  <a:schemeClr val="bg1">
+                    <a:lumMod val="75000"/>
+                  </a:schemeClr>
+                </a:solidFill>
+              </a:rPr>
+              <a:t> : réaction différente de deux objets (de classe différente) à une même procédure</a:t>
+            </a:r>
+          </a:p>
+          <a:p>
+            <a:endParaRPr lang="fr-FR" sz="2000" dirty="0"/>
+          </a:p>
+        </p:txBody>
+      </p:sp>
+      <p:pic>
+        <p:nvPicPr>
+          <p:cNvPr id="5" name="Image 4" descr="Une image contenant texte&#10;&#10;Description générée automatiquement">
+            <a:extLst>
+              <a:ext uri="{FF2B5EF4-FFF2-40B4-BE49-F238E27FC236}">
+                <a16:creationId xmlns:a16="http://schemas.microsoft.com/office/drawing/2014/main" xmlns="" id="{66D2630B-81F4-A4EB-21BA-8B90CF30BD92}"/>
+              </a:ext>
+            </a:extLst>
+          </p:cNvPr>
+          <p:cNvPicPr>
+            <a:picLocks noChangeAspect="1"/>
+          </p:cNvPicPr>
+          <p:nvPr/>
+        </p:nvPicPr>
+        <p:blipFill>
+          <a:blip r:embed="rId2" cstate="print">
+            <a:extLst>
+              <a:ext uri="{28A0092B-C50C-407E-A947-70E740481C1C}">
+                <a14:useLocalDpi xmlns:a14="http://schemas.microsoft.com/office/drawing/2010/main" val="0"/>
+              </a:ext>
+            </a:extLst>
+          </a:blip>
+          <a:stretch>
+            <a:fillRect/>
+          </a:stretch>
+        </p:blipFill>
+        <p:spPr>
+          <a:xfrm>
+            <a:off x="202922" y="5934456"/>
+            <a:ext cx="1825291" cy="749808"/>
+          </a:xfrm>
+          <a:prstGeom prst="rect">
+            <a:avLst/>
+          </a:prstGeom>
+        </p:spPr>
+      </p:pic>
+      <p:sp>
+        <p:nvSpPr>
+          <p:cNvPr id="7" name="ZoneTexte 6">
+            <a:extLst>
+              <a:ext uri="{FF2B5EF4-FFF2-40B4-BE49-F238E27FC236}">
+                <a16:creationId xmlns:a16="http://schemas.microsoft.com/office/drawing/2014/main" xmlns="" id="{6E4C2DD6-4167-D9AB-BAAA-16890A961374}"/>
+              </a:ext>
+            </a:extLst>
+          </p:cNvPr>
+          <p:cNvSpPr txBox="1"/>
+          <p:nvPr/>
+        </p:nvSpPr>
+        <p:spPr>
+          <a:xfrm>
+            <a:off x="7516961" y="2108692"/>
+            <a:ext cx="1472519" cy="369332"/>
+          </a:xfrm>
+          <a:prstGeom prst="rect">
+            <a:avLst/>
+          </a:prstGeom>
+          <a:noFill/>
+        </p:spPr>
+        <p:txBody>
+          <a:bodyPr wrap="none" rtlCol="0">
+            <a:spAutoFit/>
+          </a:bodyPr>
+          <a:lstStyle/>
+          <a:p>
+            <a:r>
+              <a:rPr lang="fr-FR" dirty="0"/>
+              <a:t>Classe mère</a:t>
+            </a:r>
+          </a:p>
+        </p:txBody>
+      </p:sp>
+      <p:sp>
+        <p:nvSpPr>
+          <p:cNvPr id="8" name="ZoneTexte 7">
+            <a:extLst>
+              <a:ext uri="{FF2B5EF4-FFF2-40B4-BE49-F238E27FC236}">
+                <a16:creationId xmlns:a16="http://schemas.microsoft.com/office/drawing/2014/main" xmlns="" id="{6B559E04-5610-A54B-CCEE-4889A94D486C}"/>
+              </a:ext>
+            </a:extLst>
+          </p:cNvPr>
+          <p:cNvSpPr txBox="1"/>
+          <p:nvPr/>
+        </p:nvSpPr>
+        <p:spPr>
+          <a:xfrm>
+            <a:off x="7516961" y="6400800"/>
+            <a:ext cx="1503938" cy="369332"/>
+          </a:xfrm>
+          <a:prstGeom prst="rect">
+            <a:avLst/>
+          </a:prstGeom>
+          <a:noFill/>
+        </p:spPr>
+        <p:txBody>
+          <a:bodyPr wrap="none" rtlCol="0">
+            <a:spAutoFit/>
+          </a:bodyPr>
+          <a:lstStyle/>
+          <a:p>
+            <a:r>
+              <a:rPr lang="fr-FR" dirty="0"/>
+              <a:t>Classes filles</a:t>
+            </a:r>
+          </a:p>
+        </p:txBody>
+      </p:sp>
+      <p:pic>
+        <p:nvPicPr>
+          <p:cNvPr id="9" name="Image 8">
+            <a:extLst>
+              <a:ext uri="{FF2B5EF4-FFF2-40B4-BE49-F238E27FC236}">
+                <a16:creationId xmlns:a16="http://schemas.microsoft.com/office/drawing/2014/main" xmlns="" id="{2646E89C-E18C-4EAB-4395-11A4B5212BF5}"/>
+              </a:ext>
+            </a:extLst>
+          </p:cNvPr>
+          <p:cNvPicPr>
+            <a:picLocks noChangeAspect="1"/>
+          </p:cNvPicPr>
+          <p:nvPr/>
+        </p:nvPicPr>
+        <p:blipFill>
+          <a:blip r:embed="rId3"/>
+          <a:stretch>
+            <a:fillRect/>
+          </a:stretch>
+        </p:blipFill>
+        <p:spPr>
+          <a:xfrm>
+            <a:off x="7827202" y="2478025"/>
+            <a:ext cx="3628715" cy="3922776"/>
+          </a:xfrm>
+          <a:prstGeom prst="rect">
+            <a:avLst/>
+          </a:prstGeom>
+        </p:spPr>
+      </p:pic>
+    </p:spTree>
+    <p:extLst>
+      <p:ext uri="{BB962C8B-B14F-4D97-AF65-F5344CB8AC3E}">
+        <p14:creationId xmlns:p14="http://schemas.microsoft.com/office/powerpoint/2010/main" val="1826664692"/>
+      </p:ext>
+    </p:extLst>
+  </p:cSld>
+  <p:clrMapOvr>
+    <a:masterClrMapping/>
+  </p:clrMapOvr>
+</p:sld>
+</file>
+
+<file path=ppt/slides/slide16.xml><?xml version="1.0" encoding="utf-8"?>
+<p:sld xmlns:a="http://schemas.openxmlformats.org/drawingml/2006/main" xmlns:r="http://schemas.openxmlformats.org/officeDocument/2006/relationships" xmlns:p="http://schemas.openxmlformats.org/presentationml/2006/main">
+  <p:cSld>
+    <p:spTree>
+      <p:nvGrpSpPr>
+        <p:cNvPr id="1" name=""/>
+        <p:cNvGrpSpPr/>
+        <p:nvPr/>
+      </p:nvGrpSpPr>
+      <p:grpSpPr>
+        <a:xfrm>
+          <a:off x="0" y="0"/>
+          <a:ext cx="0" cy="0"/>
+          <a:chOff x="0" y="0"/>
+          <a:chExt cx="0" cy="0"/>
+        </a:xfrm>
+      </p:grpSpPr>
+      <p:sp>
+        <p:nvSpPr>
+          <p:cNvPr id="2" name="Titre 1">
+            <a:extLst>
+              <a:ext uri="{FF2B5EF4-FFF2-40B4-BE49-F238E27FC236}">
+                <a16:creationId xmlns:a16="http://schemas.microsoft.com/office/drawing/2014/main" xmlns="" id="{90162AE8-C1B0-5C56-8313-DEE494F38273}"/>
+              </a:ext>
+            </a:extLst>
+          </p:cNvPr>
+          <p:cNvSpPr>
+            <a:spLocks noGrp="1"/>
+          </p:cNvSpPr>
+          <p:nvPr>
+            <p:ph type="title"/>
+          </p:nvPr>
+        </p:nvSpPr>
+        <p:spPr/>
+        <p:txBody>
+          <a:bodyPr/>
+          <a:lstStyle/>
+          <a:p>
+            <a:r>
+              <a:rPr lang="fr-FR" dirty="0"/>
+              <a:t>Programmation orientée objet</a:t>
+            </a:r>
+          </a:p>
+        </p:txBody>
+      </p:sp>
+      <p:sp>
+        <p:nvSpPr>
+          <p:cNvPr id="3" name="Espace réservé du contenu 2">
+            <a:extLst>
+              <a:ext uri="{FF2B5EF4-FFF2-40B4-BE49-F238E27FC236}">
+                <a16:creationId xmlns:a16="http://schemas.microsoft.com/office/drawing/2014/main" xmlns="" id="{E0BBB9DE-019C-C741-F224-494739D4B752}"/>
+              </a:ext>
+            </a:extLst>
+          </p:cNvPr>
+          <p:cNvSpPr>
+            <a:spLocks noGrp="1"/>
+          </p:cNvSpPr>
+          <p:nvPr>
+            <p:ph sz="half" idx="1"/>
+          </p:nvPr>
+        </p:nvSpPr>
+        <p:spPr/>
+        <p:txBody>
+          <a:bodyPr>
+            <a:normAutofit/>
+          </a:bodyPr>
+          <a:lstStyle/>
+          <a:p>
+            <a:pPr marL="0" indent="0">
+              <a:buNone/>
+            </a:pPr>
+            <a:r>
+              <a:rPr lang="fr-FR" b="1" dirty="0"/>
+              <a:t>Concepts fondamentaux</a:t>
+            </a:r>
+          </a:p>
+          <a:p>
+            <a:r>
+              <a:rPr lang="fr-FR" sz="2000" b="1" dirty="0"/>
+              <a:t>Encapsulation</a:t>
+            </a:r>
+            <a:r>
+              <a:rPr lang="fr-FR" sz="2000" dirty="0"/>
+              <a:t> : regroupement de différentes données et fonctions sous une même entité</a:t>
+            </a:r>
+          </a:p>
+          <a:p>
+            <a:r>
+              <a:rPr lang="fr-FR" sz="2000" b="1" dirty="0"/>
+              <a:t>Héritage</a:t>
+            </a:r>
+            <a:r>
+              <a:rPr lang="fr-FR" sz="2000" dirty="0"/>
+              <a:t> : arborescence de classes permettant la spécialisation</a:t>
+            </a:r>
+          </a:p>
+          <a:p>
+            <a:r>
+              <a:rPr lang="fr-FR" sz="2000" b="1" dirty="0"/>
+              <a:t>Polymorphisme</a:t>
+            </a:r>
+            <a:r>
+              <a:rPr lang="fr-FR" sz="2000" dirty="0"/>
+              <a:t> : réaction différente de deux objets (de classe différente) à une même procédure</a:t>
+            </a:r>
+          </a:p>
+          <a:p>
+            <a:endParaRPr lang="fr-FR" sz="2000" dirty="0"/>
+          </a:p>
+        </p:txBody>
+      </p:sp>
+      <p:pic>
+        <p:nvPicPr>
+          <p:cNvPr id="5" name="Image 4" descr="Une image contenant texte&#10;&#10;Description générée automatiquement">
+            <a:extLst>
+              <a:ext uri="{FF2B5EF4-FFF2-40B4-BE49-F238E27FC236}">
+                <a16:creationId xmlns:a16="http://schemas.microsoft.com/office/drawing/2014/main" xmlns="" id="{66D2630B-81F4-A4EB-21BA-8B90CF30BD92}"/>
+              </a:ext>
+            </a:extLst>
+          </p:cNvPr>
+          <p:cNvPicPr>
+            <a:picLocks noChangeAspect="1"/>
+          </p:cNvPicPr>
+          <p:nvPr/>
+        </p:nvPicPr>
+        <p:blipFill>
+          <a:blip r:embed="rId2" cstate="print">
+            <a:extLst>
+              <a:ext uri="{28A0092B-C50C-407E-A947-70E740481C1C}">
+                <a14:useLocalDpi xmlns:a14="http://schemas.microsoft.com/office/drawing/2010/main" val="0"/>
+              </a:ext>
+            </a:extLst>
+          </a:blip>
+          <a:stretch>
+            <a:fillRect/>
+          </a:stretch>
+        </p:blipFill>
+        <p:spPr>
+          <a:xfrm>
+            <a:off x="202922" y="5934456"/>
+            <a:ext cx="1825291" cy="749808"/>
+          </a:xfrm>
+          <a:prstGeom prst="rect">
+            <a:avLst/>
+          </a:prstGeom>
+        </p:spPr>
+      </p:pic>
+      <p:pic>
+        <p:nvPicPr>
+          <p:cNvPr id="7" name="Image 6">
+            <a:extLst>
+              <a:ext uri="{FF2B5EF4-FFF2-40B4-BE49-F238E27FC236}">
+                <a16:creationId xmlns:a16="http://schemas.microsoft.com/office/drawing/2014/main" xmlns="" id="{2E82BFEB-FB14-40C0-8182-623109DC55FC}"/>
+              </a:ext>
+            </a:extLst>
+          </p:cNvPr>
+          <p:cNvPicPr>
+            <a:picLocks noChangeAspect="1"/>
+          </p:cNvPicPr>
+          <p:nvPr/>
+        </p:nvPicPr>
+        <p:blipFill>
+          <a:blip r:embed="rId3"/>
+          <a:stretch>
+            <a:fillRect/>
+          </a:stretch>
+        </p:blipFill>
+        <p:spPr>
+          <a:xfrm>
+            <a:off x="7118556" y="2821065"/>
+            <a:ext cx="4422826" cy="3008093"/>
+          </a:xfrm>
+          <a:prstGeom prst="rect">
+            <a:avLst/>
+          </a:prstGeom>
+        </p:spPr>
+      </p:pic>
+    </p:spTree>
+    <p:extLst>
+      <p:ext uri="{BB962C8B-B14F-4D97-AF65-F5344CB8AC3E}">
+        <p14:creationId xmlns:p14="http://schemas.microsoft.com/office/powerpoint/2010/main" val="3887491323"/>
+      </p:ext>
+    </p:extLst>
+  </p:cSld>
+  <p:clrMapOvr>
+    <a:masterClrMapping/>
+  </p:clrMapOvr>
+</p:sld>
+</file>
+
+<file path=ppt/slides/slide17.xml><?xml version="1.0" encoding="utf-8"?>
+<p:sld xmlns:a="http://schemas.openxmlformats.org/drawingml/2006/main" xmlns:r="http://schemas.openxmlformats.org/officeDocument/2006/relationships" xmlns:p="http://schemas.openxmlformats.org/presentationml/2006/main">
+  <p:cSld>
+    <p:spTree>
+      <p:nvGrpSpPr>
+        <p:cNvPr id="1" name=""/>
+        <p:cNvGrpSpPr/>
+        <p:nvPr/>
+      </p:nvGrpSpPr>
+      <p:grpSpPr>
+        <a:xfrm>
+          <a:off x="0" y="0"/>
+          <a:ext cx="0" cy="0"/>
+          <a:chOff x="0" y="0"/>
+          <a:chExt cx="0" cy="0"/>
+        </a:xfrm>
+      </p:grpSpPr>
+      <p:sp>
+        <p:nvSpPr>
+          <p:cNvPr id="2" name="Titre 1">
+            <a:extLst>
+              <a:ext uri="{FF2B5EF4-FFF2-40B4-BE49-F238E27FC236}">
+                <a16:creationId xmlns:a16="http://schemas.microsoft.com/office/drawing/2014/main" xmlns="" id="{90162AE8-C1B0-5C56-8313-DEE494F38273}"/>
+              </a:ext>
+            </a:extLst>
+          </p:cNvPr>
+          <p:cNvSpPr>
+            <a:spLocks noGrp="1"/>
+          </p:cNvSpPr>
+          <p:nvPr>
+            <p:ph type="title"/>
+          </p:nvPr>
+        </p:nvSpPr>
+        <p:spPr/>
+        <p:txBody>
+          <a:bodyPr/>
+          <a:lstStyle/>
+          <a:p>
+            <a:r>
+              <a:rPr lang="fr-FR" dirty="0"/>
+              <a:t>Exemple d’une classe</a:t>
+            </a:r>
+          </a:p>
+        </p:txBody>
+      </p:sp>
+      <p:pic>
+        <p:nvPicPr>
+          <p:cNvPr id="5" name="Image 4" descr="Une image contenant texte&#10;&#10;Description générée automatiquement">
+            <a:extLst>
+              <a:ext uri="{FF2B5EF4-FFF2-40B4-BE49-F238E27FC236}">
+                <a16:creationId xmlns:a16="http://schemas.microsoft.com/office/drawing/2014/main" xmlns="" id="{66D2630B-81F4-A4EB-21BA-8B90CF30BD92}"/>
+              </a:ext>
+            </a:extLst>
+          </p:cNvPr>
+          <p:cNvPicPr>
+            <a:picLocks noChangeAspect="1"/>
+          </p:cNvPicPr>
+          <p:nvPr/>
+        </p:nvPicPr>
+        <p:blipFill>
+          <a:blip r:embed="rId2" cstate="print">
+            <a:extLst>
+              <a:ext uri="{28A0092B-C50C-407E-A947-70E740481C1C}">
+                <a14:useLocalDpi xmlns:a14="http://schemas.microsoft.com/office/drawing/2010/main" val="0"/>
+              </a:ext>
+            </a:extLst>
+          </a:blip>
+          <a:stretch>
+            <a:fillRect/>
+          </a:stretch>
+        </p:blipFill>
+        <p:spPr>
+          <a:xfrm>
+            <a:off x="202922" y="5934456"/>
+            <a:ext cx="1825291" cy="749808"/>
+          </a:xfrm>
+          <a:prstGeom prst="rect">
+            <a:avLst/>
+          </a:prstGeom>
+        </p:spPr>
+      </p:pic>
+      <p:pic>
+        <p:nvPicPr>
+          <p:cNvPr id="7" name="Image 6">
+            <a:extLst>
+              <a:ext uri="{FF2B5EF4-FFF2-40B4-BE49-F238E27FC236}">
+                <a16:creationId xmlns:a16="http://schemas.microsoft.com/office/drawing/2014/main" xmlns="" id="{4EE9D1F9-48DE-00D5-8C6D-E8CA70E85E45}"/>
+              </a:ext>
+            </a:extLst>
+          </p:cNvPr>
+          <p:cNvPicPr>
+            <a:picLocks noChangeAspect="1"/>
+          </p:cNvPicPr>
+          <p:nvPr/>
+        </p:nvPicPr>
+        <p:blipFill>
+          <a:blip r:embed="rId3"/>
+          <a:stretch>
+            <a:fillRect/>
+          </a:stretch>
+        </p:blipFill>
+        <p:spPr>
+          <a:xfrm>
+            <a:off x="7805470" y="2805874"/>
+            <a:ext cx="3815183" cy="2877171"/>
+          </a:xfrm>
+          <a:prstGeom prst="rect">
+            <a:avLst/>
+          </a:prstGeom>
+        </p:spPr>
+      </p:pic>
+      <p:pic>
+        <p:nvPicPr>
+          <p:cNvPr id="11" name="Image 10">
+            <a:extLst>
+              <a:ext uri="{FF2B5EF4-FFF2-40B4-BE49-F238E27FC236}">
+                <a16:creationId xmlns:a16="http://schemas.microsoft.com/office/drawing/2014/main" xmlns="" id="{53BA09EB-64A4-1E81-5B3A-338E21CEF4FA}"/>
               </a:ext>
             </a:extLst>
           </p:cNvPr>
@@ -6804,8 +8722,8 @@
         </p:blipFill>
         <p:spPr>
           <a:xfrm>
-            <a:off x="9074293" y="2506625"/>
-            <a:ext cx="2311854" cy="3901254"/>
+            <a:off x="893214" y="2220751"/>
+            <a:ext cx="6750311" cy="3462294"/>
           </a:xfrm>
           <a:prstGeom prst="rect">
             <a:avLst/>
@@ -6814,10 +8732,10 @@
       </p:pic>
       <p:sp>
         <p:nvSpPr>
-          <p:cNvPr id="6" name="ZoneTexte 5">
-            <a:extLst>
-              <a:ext uri="{FF2B5EF4-FFF2-40B4-BE49-F238E27FC236}">
-                <a16:creationId xmlns:a16="http://schemas.microsoft.com/office/drawing/2014/main" id="{72334FF7-F2D3-207F-79ED-1D5B1DF061DE}"/>
+          <p:cNvPr id="17" name="ZoneTexte 16">
+            <a:extLst>
+              <a:ext uri="{FF2B5EF4-FFF2-40B4-BE49-F238E27FC236}">
+                <a16:creationId xmlns:a16="http://schemas.microsoft.com/office/drawing/2014/main" xmlns="" id="{9D86079A-6EF2-7CE4-3999-FAC855F10BA8}"/>
               </a:ext>
             </a:extLst>
           </p:cNvPr>
@@ -6826,7 +8744,7 @@
         </p:nvSpPr>
         <p:spPr>
           <a:xfrm>
-            <a:off x="1396180" y="1405050"/>
+            <a:off x="1572224" y="1361430"/>
             <a:ext cx="6096000" cy="646331"/>
           </a:xfrm>
           <a:prstGeom prst="rect">
@@ -6842,21 +8760,21 @@
           <a:p>
             <a:r>
               <a:rPr lang="fr-FR" sz="1800" b="1" dirty="0"/>
-              <a:t>Héritage</a:t>
+              <a:t>Encapsulation</a:t>
             </a:r>
             <a:r>
               <a:rPr lang="fr-FR" sz="1800" dirty="0"/>
-              <a:t> : arborescence de classes permettant la spécialisation</a:t>
-            </a:r>
-          </a:p>
-        </p:txBody>
-      </p:sp>
-      <p:sp>
-        <p:nvSpPr>
-          <p:cNvPr id="8" name="ZoneTexte 7">
-            <a:extLst>
-              <a:ext uri="{FF2B5EF4-FFF2-40B4-BE49-F238E27FC236}">
-                <a16:creationId xmlns:a16="http://schemas.microsoft.com/office/drawing/2014/main" id="{70994535-A8CD-FB07-03D8-29D3B75CD766}"/>
+              <a:t> : regroupement de différentes données et fonctions sous une même entité</a:t>
+            </a:r>
+          </a:p>
+        </p:txBody>
+      </p:sp>
+      <p:sp>
+        <p:nvSpPr>
+          <p:cNvPr id="18" name="ZoneTexte 17">
+            <a:extLst>
+              <a:ext uri="{FF2B5EF4-FFF2-40B4-BE49-F238E27FC236}">
+                <a16:creationId xmlns:a16="http://schemas.microsoft.com/office/drawing/2014/main" xmlns="" id="{F8564D49-2219-2F3F-E014-36FDAD769A33}"/>
               </a:ext>
             </a:extLst>
           </p:cNvPr>
@@ -6881,17 +8799,17 @@
           <a:p>
             <a:r>
               <a:rPr lang="fr-FR" sz="1400" dirty="0"/>
-              <a:t>B0_32_classe_heritage.py</a:t>
+              <a:t>B0_30_classe_simple.py</a:t>
             </a:r>
           </a:p>
         </p:txBody>
       </p:sp>
       <p:pic>
         <p:nvPicPr>
-          <p:cNvPr id="9" name="Picture 4" descr="Résultat de recherche d'images pour &quot;python logo&quot;">
-            <a:extLst>
-              <a:ext uri="{FF2B5EF4-FFF2-40B4-BE49-F238E27FC236}">
-                <a16:creationId xmlns:a16="http://schemas.microsoft.com/office/drawing/2014/main" id="{E8DAB57A-7268-2E35-EC9B-86B1CFD15E4C}"/>
+          <p:cNvPr id="19" name="Picture 4" descr="Résultat de recherche d'images pour &quot;python logo&quot;">
+            <a:extLst>
+              <a:ext uri="{FF2B5EF4-FFF2-40B4-BE49-F238E27FC236}">
+                <a16:creationId xmlns:a16="http://schemas.microsoft.com/office/drawing/2014/main" xmlns="" id="{8AC4168F-5DE7-5326-6D67-E7555E526E6B}"/>
               </a:ext>
             </a:extLst>
           </p:cNvPr>
@@ -6901,7 +8819,7 @@
           <p:nvPr/>
         </p:nvPicPr>
         <p:blipFill>
-          <a:blip r:embed="rId5">
+          <a:blip r:embed="rId5" cstate="print">
             <a:extLst>
               <a:ext uri="{28A0092B-C50C-407E-A947-70E740481C1C}">
                 <a14:useLocalDpi xmlns:a14="http://schemas.microsoft.com/office/drawing/2010/main" val="0"/>
@@ -6933,12 +8851,70 @@
           </a:extLst>
         </p:spPr>
       </p:pic>
+    </p:spTree>
+    <p:extLst>
+      <p:ext uri="{BB962C8B-B14F-4D97-AF65-F5344CB8AC3E}">
+        <p14:creationId xmlns:p14="http://schemas.microsoft.com/office/powerpoint/2010/main" val="851414231"/>
+      </p:ext>
+    </p:extLst>
+  </p:cSld>
+  <p:clrMapOvr>
+    <a:masterClrMapping/>
+  </p:clrMapOvr>
+</p:sld>
+</file>
+
+<file path=ppt/slides/slide18.xml><?xml version="1.0" encoding="utf-8"?>
+<p:sld xmlns:a="http://schemas.openxmlformats.org/drawingml/2006/main" xmlns:r="http://schemas.openxmlformats.org/officeDocument/2006/relationships" xmlns:p="http://schemas.openxmlformats.org/presentationml/2006/main">
+  <p:cSld>
+    <p:spTree>
+      <p:nvGrpSpPr>
+        <p:cNvPr id="1" name=""/>
+        <p:cNvGrpSpPr/>
+        <p:nvPr/>
+      </p:nvGrpSpPr>
+      <p:grpSpPr>
+        <a:xfrm>
+          <a:off x="0" y="0"/>
+          <a:ext cx="0" cy="0"/>
+          <a:chOff x="0" y="0"/>
+          <a:chExt cx="0" cy="0"/>
+        </a:xfrm>
+      </p:grpSpPr>
+      <p:sp>
+        <p:nvSpPr>
+          <p:cNvPr id="2" name="Titre 1">
+            <a:extLst>
+              <a:ext uri="{FF2B5EF4-FFF2-40B4-BE49-F238E27FC236}">
+                <a16:creationId xmlns:a16="http://schemas.microsoft.com/office/drawing/2014/main" xmlns="" id="{90162AE8-C1B0-5C56-8313-DEE494F38273}"/>
+              </a:ext>
+            </a:extLst>
+          </p:cNvPr>
+          <p:cNvSpPr>
+            <a:spLocks noGrp="1"/>
+          </p:cNvSpPr>
+          <p:nvPr>
+            <p:ph type="title"/>
+          </p:nvPr>
+        </p:nvSpPr>
+        <p:spPr/>
+        <p:txBody>
+          <a:bodyPr/>
+          <a:lstStyle/>
+          <a:p>
+            <a:r>
+              <a:rPr lang="fr-FR" dirty="0"/>
+              <a:t>Exemple d’une classe</a:t>
+            </a:r>
+          </a:p>
+        </p:txBody>
+      </p:sp>
       <p:pic>
         <p:nvPicPr>
-          <p:cNvPr id="4" name="Image 3">
-            <a:extLst>
-              <a:ext uri="{FF2B5EF4-FFF2-40B4-BE49-F238E27FC236}">
-                <a16:creationId xmlns:a16="http://schemas.microsoft.com/office/drawing/2014/main" id="{5A694F4C-198C-A50E-E7E0-F7868BFCF06C}"/>
+          <p:cNvPr id="5" name="Image 4" descr="Une image contenant texte&#10;&#10;Description générée automatiquement">
+            <a:extLst>
+              <a:ext uri="{FF2B5EF4-FFF2-40B4-BE49-F238E27FC236}">
+                <a16:creationId xmlns:a16="http://schemas.microsoft.com/office/drawing/2014/main" xmlns="" id="{66D2630B-81F4-A4EB-21BA-8B90CF30BD92}"/>
               </a:ext>
             </a:extLst>
           </p:cNvPr>
@@ -6948,27 +8924,93 @@
           <p:nvPr/>
         </p:nvPicPr>
         <p:blipFill>
-          <a:blip r:embed="rId6"/>
+          <a:blip r:embed="rId2" cstate="print">
+            <a:extLst>
+              <a:ext uri="{28A0092B-C50C-407E-A947-70E740481C1C}">
+                <a14:useLocalDpi xmlns:a14="http://schemas.microsoft.com/office/drawing/2010/main" val="0"/>
+              </a:ext>
+            </a:extLst>
+          </a:blip>
           <a:stretch>
             <a:fillRect/>
           </a:stretch>
         </p:blipFill>
         <p:spPr>
           <a:xfrm>
-            <a:off x="1280982" y="2506625"/>
-            <a:ext cx="3673451" cy="646331"/>
+            <a:off x="202922" y="5934456"/>
+            <a:ext cx="1825291" cy="749808"/>
           </a:xfrm>
           <a:prstGeom prst="rect">
             <a:avLst/>
           </a:prstGeom>
         </p:spPr>
       </p:pic>
-      <p:sp>
-        <p:nvSpPr>
-          <p:cNvPr id="10" name="ZoneTexte 9">
-            <a:extLst>
-              <a:ext uri="{FF2B5EF4-FFF2-40B4-BE49-F238E27FC236}">
-                <a16:creationId xmlns:a16="http://schemas.microsoft.com/office/drawing/2014/main" id="{CF44459B-6AB1-FC2F-52FB-F6173BDFD56F}"/>
+      <p:pic>
+        <p:nvPicPr>
+          <p:cNvPr id="7" name="Image 6">
+            <a:extLst>
+              <a:ext uri="{FF2B5EF4-FFF2-40B4-BE49-F238E27FC236}">
+                <a16:creationId xmlns:a16="http://schemas.microsoft.com/office/drawing/2014/main" xmlns="" id="{4EE9D1F9-48DE-00D5-8C6D-E8CA70E85E45}"/>
+              </a:ext>
+            </a:extLst>
+          </p:cNvPr>
+          <p:cNvPicPr>
+            <a:picLocks noChangeAspect="1"/>
+          </p:cNvPicPr>
+          <p:nvPr/>
+        </p:nvPicPr>
+        <p:blipFill>
+          <a:blip r:embed="rId3"/>
+          <a:stretch>
+            <a:fillRect/>
+          </a:stretch>
+        </p:blipFill>
+        <p:spPr>
+          <a:xfrm>
+            <a:off x="7805470" y="2805874"/>
+            <a:ext cx="3815183" cy="2877171"/>
+          </a:xfrm>
+          <a:prstGeom prst="rect">
+            <a:avLst/>
+          </a:prstGeom>
+        </p:spPr>
+      </p:pic>
+      <p:pic>
+        <p:nvPicPr>
+          <p:cNvPr id="9" name="Image 8">
+            <a:extLst>
+              <a:ext uri="{FF2B5EF4-FFF2-40B4-BE49-F238E27FC236}">
+                <a16:creationId xmlns:a16="http://schemas.microsoft.com/office/drawing/2014/main" xmlns="" id="{37D9B3BA-AEA6-1085-4FC3-B34FBD239F90}"/>
+              </a:ext>
+            </a:extLst>
+          </p:cNvPr>
+          <p:cNvPicPr>
+            <a:picLocks noChangeAspect="1"/>
+          </p:cNvPicPr>
+          <p:nvPr/>
+        </p:nvPicPr>
+        <p:blipFill>
+          <a:blip r:embed="rId4"/>
+          <a:stretch>
+            <a:fillRect/>
+          </a:stretch>
+        </p:blipFill>
+        <p:spPr>
+          <a:xfrm>
+            <a:off x="810767" y="2735935"/>
+            <a:ext cx="6430478" cy="2276537"/>
+          </a:xfrm>
+          <a:prstGeom prst="rect">
+            <a:avLst/>
+          </a:prstGeom>
+        </p:spPr>
+      </p:pic>
+      <p:sp>
+        <p:nvSpPr>
+          <p:cNvPr id="12" name="ZoneTexte 11">
+            <a:extLst>
+              <a:ext uri="{FF2B5EF4-FFF2-40B4-BE49-F238E27FC236}">
+                <a16:creationId xmlns:a16="http://schemas.microsoft.com/office/drawing/2014/main" xmlns="" id="{42848A34-1B6F-4BFE-4C5D-B3DEA92B3B79}"/>
               </a:ext>
             </a:extLst>
           </p:cNvPr>
@@ -6977,8 +9019,8 @@
         </p:nvSpPr>
         <p:spPr>
           <a:xfrm>
-            <a:off x="2702794" y="3806870"/>
-            <a:ext cx="5585800" cy="2800767"/>
+            <a:off x="2702794" y="5822490"/>
+            <a:ext cx="6096000" cy="861774"/>
           </a:xfrm>
           <a:prstGeom prst="rect">
             <a:avLst/>
@@ -7001,110 +9043,497 @@
           <a:lstStyle/>
           <a:p>
             <a:r>
-              <a:rPr lang="en-US" sz="1600" dirty="0"/>
+              <a:rPr lang="fr-FR" sz="1600" dirty="0"/>
               <a:t>Animal 1 Name =  Hello</a:t>
             </a:r>
           </a:p>
           <a:p>
             <a:r>
-              <a:rPr lang="en-US" sz="1600" dirty="0"/>
+              <a:rPr lang="fr-FR" sz="1600" dirty="0"/>
               <a:t>Animal 2 Name =  Garfield</a:t>
             </a:r>
           </a:p>
           <a:p>
             <a:r>
-              <a:rPr lang="en-US" sz="1600" dirty="0"/>
-              <a:t>Animal [ Garfield ] born in 2000</a:t>
-            </a:r>
-          </a:p>
-          <a:p>
-            <a:r>
-              <a:rPr lang="en-US" sz="1600" dirty="0"/>
-              <a:t>        [ Garfield ] is moving</a:t>
-            </a:r>
-          </a:p>
-          <a:p>
-            <a:r>
-              <a:rPr lang="en-US" sz="1600" dirty="0"/>
-              <a:t>        [ Garfield ] is saying ...</a:t>
-            </a:r>
-          </a:p>
-          <a:p>
-            <a:r>
-              <a:rPr lang="en-US" sz="1600" dirty="0"/>
-              <a:t>Animal/CAT [ </a:t>
-            </a:r>
-            <a:r>
-              <a:rPr lang="en-US" sz="1600" dirty="0" err="1"/>
-              <a:t>Tigrou</a:t>
-            </a:r>
-            <a:r>
-              <a:rPr lang="en-US" sz="1600" dirty="0"/>
-              <a:t> ] born in 2000</a:t>
-            </a:r>
-          </a:p>
-          <a:p>
-            <a:r>
-              <a:rPr lang="en-US" sz="1600" dirty="0"/>
-              <a:t>        [ </a:t>
-            </a:r>
-            <a:r>
-              <a:rPr lang="en-US" sz="1600" dirty="0" err="1"/>
-              <a:t>Tigrou</a:t>
-            </a:r>
-            <a:r>
-              <a:rPr lang="en-US" sz="1600" dirty="0"/>
-              <a:t> ] is moving</a:t>
-            </a:r>
-          </a:p>
-          <a:p>
-            <a:r>
-              <a:rPr lang="en-US" sz="1600" dirty="0"/>
-              <a:t>        [ </a:t>
-            </a:r>
-            <a:r>
-              <a:rPr lang="en-US" sz="1600" dirty="0" err="1"/>
-              <a:t>Tigrou</a:t>
-            </a:r>
-            <a:r>
-              <a:rPr lang="en-US" sz="1600" dirty="0"/>
-              <a:t> ] is saying </a:t>
-            </a:r>
-            <a:r>
-              <a:rPr lang="en-US" sz="1600" dirty="0" err="1"/>
-              <a:t>Miaouh</a:t>
-            </a:r>
-            <a:endParaRPr lang="en-US" sz="1600" dirty="0"/>
-          </a:p>
-          <a:p>
-            <a:r>
-              <a:rPr lang="en-US" sz="1600" dirty="0"/>
-              <a:t>Animal/DOG [ Ralph ] born in 2012</a:t>
-            </a:r>
-          </a:p>
-          <a:p>
-            <a:r>
-              <a:rPr lang="en-US" sz="1600" dirty="0"/>
-              <a:t>        [ Ralph ] is moving</a:t>
-            </a:r>
-          </a:p>
-          <a:p>
-            <a:r>
-              <a:rPr lang="en-US" sz="1600" dirty="0"/>
-              <a:t>        [ Ralph ] is saying </a:t>
-            </a:r>
-            <a:r>
-              <a:rPr lang="en-US" sz="1600" dirty="0" err="1"/>
-              <a:t>Wouaf</a:t>
-            </a:r>
-            <a:endParaRPr lang="fr-FR" sz="1600" dirty="0"/>
-          </a:p>
-        </p:txBody>
-      </p:sp>
+              <a:rPr lang="fr-FR" sz="1600" dirty="0"/>
+              <a:t>&lt;__</a:t>
+            </a:r>
+            <a:r>
+              <a:rPr lang="fr-FR" sz="1600" dirty="0" err="1"/>
+              <a:t>main__.Animal</a:t>
+            </a:r>
+            <a:r>
+              <a:rPr lang="fr-FR" sz="1600" dirty="0"/>
+              <a:t> </a:t>
+            </a:r>
+            <a:r>
+              <a:rPr lang="fr-FR" sz="1600" dirty="0" err="1"/>
+              <a:t>object</a:t>
+            </a:r>
+            <a:r>
+              <a:rPr lang="fr-FR" sz="1600" dirty="0"/>
+              <a:t> at 0x0000020C594D2F10&gt;</a:t>
+            </a:r>
+          </a:p>
+        </p:txBody>
+      </p:sp>
+      <p:sp>
+        <p:nvSpPr>
+          <p:cNvPr id="14" name="ZoneTexte 13">
+            <a:extLst>
+              <a:ext uri="{FF2B5EF4-FFF2-40B4-BE49-F238E27FC236}">
+                <a16:creationId xmlns:a16="http://schemas.microsoft.com/office/drawing/2014/main" xmlns="" id="{31680013-F002-2396-80D1-8E5E3F67061D}"/>
+              </a:ext>
+            </a:extLst>
+          </p:cNvPr>
+          <p:cNvSpPr txBox="1"/>
+          <p:nvPr/>
+        </p:nvSpPr>
+        <p:spPr>
+          <a:xfrm>
+            <a:off x="1572224" y="1361430"/>
+            <a:ext cx="6096000" cy="646331"/>
+          </a:xfrm>
+          <a:prstGeom prst="rect">
+            <a:avLst/>
+          </a:prstGeom>
+          <a:noFill/>
+        </p:spPr>
+        <p:txBody>
+          <a:bodyPr wrap="square">
+            <a:spAutoFit/>
+          </a:bodyPr>
+          <a:lstStyle/>
+          <a:p>
+            <a:r>
+              <a:rPr lang="fr-FR" sz="1800" b="1" dirty="0"/>
+              <a:t>Encapsulation</a:t>
+            </a:r>
+            <a:r>
+              <a:rPr lang="fr-FR" sz="1800" dirty="0"/>
+              <a:t> : regroupement de différentes données et fonctions sous une même entité</a:t>
+            </a:r>
+          </a:p>
+        </p:txBody>
+      </p:sp>
+      <p:sp>
+        <p:nvSpPr>
+          <p:cNvPr id="15" name="ZoneTexte 14">
+            <a:extLst>
+              <a:ext uri="{FF2B5EF4-FFF2-40B4-BE49-F238E27FC236}">
+                <a16:creationId xmlns:a16="http://schemas.microsoft.com/office/drawing/2014/main" xmlns="" id="{A6513F52-012B-663D-92DF-03EE8E063E1C}"/>
+              </a:ext>
+            </a:extLst>
+          </p:cNvPr>
+          <p:cNvSpPr txBox="1"/>
+          <p:nvPr/>
+        </p:nvSpPr>
+        <p:spPr>
+          <a:xfrm>
+            <a:off x="8288594" y="48320"/>
+            <a:ext cx="3282565" cy="307777"/>
+          </a:xfrm>
+          <a:prstGeom prst="rect">
+            <a:avLst/>
+          </a:prstGeom>
+          <a:noFill/>
+        </p:spPr>
+        <p:txBody>
+          <a:bodyPr wrap="square">
+            <a:spAutoFit/>
+          </a:bodyPr>
+          <a:lstStyle/>
+          <a:p>
+            <a:r>
+              <a:rPr lang="fr-FR" sz="1400" dirty="0"/>
+              <a:t>B0_30_classe_simple.py</a:t>
+            </a:r>
+          </a:p>
+        </p:txBody>
+      </p:sp>
+      <p:pic>
+        <p:nvPicPr>
+          <p:cNvPr id="16" name="Picture 4" descr="Résultat de recherche d'images pour &quot;python logo&quot;">
+            <a:extLst>
+              <a:ext uri="{FF2B5EF4-FFF2-40B4-BE49-F238E27FC236}">
+                <a16:creationId xmlns:a16="http://schemas.microsoft.com/office/drawing/2014/main" xmlns="" id="{DEBF61A3-B2AF-CC7F-0AB0-4ECBB5A2D49D}"/>
+              </a:ext>
+            </a:extLst>
+          </p:cNvPr>
+          <p:cNvPicPr>
+            <a:picLocks noChangeAspect="1" noChangeArrowheads="1"/>
+          </p:cNvPicPr>
+          <p:nvPr/>
+        </p:nvPicPr>
+        <p:blipFill>
+          <a:blip r:embed="rId5" cstate="print">
+            <a:extLst>
+              <a:ext uri="{28A0092B-C50C-407E-A947-70E740481C1C}">
+                <a14:useLocalDpi xmlns:a14="http://schemas.microsoft.com/office/drawing/2010/main" val="0"/>
+              </a:ext>
+            </a:extLst>
+          </a:blip>
+          <a:srcRect/>
+          <a:stretch>
+            <a:fillRect/>
+          </a:stretch>
+        </p:blipFill>
+        <p:spPr bwMode="auto">
+          <a:xfrm>
+            <a:off x="7896167" y="56024"/>
+            <a:ext cx="272970" cy="300073"/>
+          </a:xfrm>
+          <a:prstGeom prst="rect">
+            <a:avLst/>
+          </a:prstGeom>
+          <a:noFill/>
+          <a:extLst>
+            <a:ext uri="{909E8E84-426E-40DD-AFC4-6F175D3DCCD1}">
+              <a14:hiddenFill xmlns:a14="http://schemas.microsoft.com/office/drawing/2010/main">
+                <a:solidFill>
+                  <a:srgbClr val="FFFFFF"/>
+                </a:solidFill>
+              </a14:hiddenFill>
+            </a:ext>
+          </a:extLst>
+        </p:spPr>
+      </p:pic>
     </p:spTree>
     <p:extLst>
       <p:ext uri="{BB962C8B-B14F-4D97-AF65-F5344CB8AC3E}">
-        <p14:creationId xmlns:p14="http://schemas.microsoft.com/office/powerpoint/2010/main" val="2637479227"/>
+        <p14:creationId xmlns:p14="http://schemas.microsoft.com/office/powerpoint/2010/main" val="1631121772"/>
+      </p:ext>
+    </p:extLst>
+  </p:cSld>
+  <p:clrMapOvr>
+    <a:masterClrMapping/>
+  </p:clrMapOvr>
+</p:sld>
+</file>
+
+<file path=ppt/slides/slide19.xml><?xml version="1.0" encoding="utf-8"?>
+<p:sld xmlns:a="http://schemas.openxmlformats.org/drawingml/2006/main" xmlns:r="http://schemas.openxmlformats.org/officeDocument/2006/relationships" xmlns:p="http://schemas.openxmlformats.org/presentationml/2006/main">
+  <p:cSld>
+    <p:spTree>
+      <p:nvGrpSpPr>
+        <p:cNvPr id="1" name=""/>
+        <p:cNvGrpSpPr/>
+        <p:nvPr/>
+      </p:nvGrpSpPr>
+      <p:grpSpPr>
+        <a:xfrm>
+          <a:off x="0" y="0"/>
+          <a:ext cx="0" cy="0"/>
+          <a:chOff x="0" y="0"/>
+          <a:chExt cx="0" cy="0"/>
+        </a:xfrm>
+      </p:grpSpPr>
+      <p:sp>
+        <p:nvSpPr>
+          <p:cNvPr id="2" name="Titre 1">
+            <a:extLst>
+              <a:ext uri="{FF2B5EF4-FFF2-40B4-BE49-F238E27FC236}">
+                <a16:creationId xmlns:a16="http://schemas.microsoft.com/office/drawing/2014/main" xmlns="" id="{90162AE8-C1B0-5C56-8313-DEE494F38273}"/>
+              </a:ext>
+            </a:extLst>
+          </p:cNvPr>
+          <p:cNvSpPr>
+            <a:spLocks noGrp="1"/>
+          </p:cNvSpPr>
+          <p:nvPr>
+            <p:ph type="title"/>
+          </p:nvPr>
+        </p:nvSpPr>
+        <p:spPr/>
+        <p:txBody>
+          <a:bodyPr/>
+          <a:lstStyle/>
+          <a:p>
+            <a:r>
+              <a:rPr lang="fr-FR" dirty="0"/>
+              <a:t>Exemple d’une classe</a:t>
+            </a:r>
+          </a:p>
+        </p:txBody>
+      </p:sp>
+      <p:pic>
+        <p:nvPicPr>
+          <p:cNvPr id="5" name="Image 4" descr="Une image contenant texte&#10;&#10;Description générée automatiquement">
+            <a:extLst>
+              <a:ext uri="{FF2B5EF4-FFF2-40B4-BE49-F238E27FC236}">
+                <a16:creationId xmlns:a16="http://schemas.microsoft.com/office/drawing/2014/main" xmlns="" id="{66D2630B-81F4-A4EB-21BA-8B90CF30BD92}"/>
+              </a:ext>
+            </a:extLst>
+          </p:cNvPr>
+          <p:cNvPicPr>
+            <a:picLocks noChangeAspect="1"/>
+          </p:cNvPicPr>
+          <p:nvPr/>
+        </p:nvPicPr>
+        <p:blipFill>
+          <a:blip r:embed="rId2" cstate="print">
+            <a:extLst>
+              <a:ext uri="{28A0092B-C50C-407E-A947-70E740481C1C}">
+                <a14:useLocalDpi xmlns:a14="http://schemas.microsoft.com/office/drawing/2010/main" val="0"/>
+              </a:ext>
+            </a:extLst>
+          </a:blip>
+          <a:stretch>
+            <a:fillRect/>
+          </a:stretch>
+        </p:blipFill>
+        <p:spPr>
+          <a:xfrm>
+            <a:off x="202922" y="5934456"/>
+            <a:ext cx="1825291" cy="749808"/>
+          </a:xfrm>
+          <a:prstGeom prst="rect">
+            <a:avLst/>
+          </a:prstGeom>
+        </p:spPr>
+      </p:pic>
+      <p:sp>
+        <p:nvSpPr>
+          <p:cNvPr id="4" name="ZoneTexte 3">
+            <a:extLst>
+              <a:ext uri="{FF2B5EF4-FFF2-40B4-BE49-F238E27FC236}">
+                <a16:creationId xmlns:a16="http://schemas.microsoft.com/office/drawing/2014/main" xmlns="" id="{F774ABD6-8234-F5A7-FE8B-F5F1F3489EF3}"/>
+              </a:ext>
+            </a:extLst>
+          </p:cNvPr>
+          <p:cNvSpPr txBox="1"/>
+          <p:nvPr/>
+        </p:nvSpPr>
+        <p:spPr>
+          <a:xfrm>
+            <a:off x="8288594" y="48320"/>
+            <a:ext cx="3282565" cy="307777"/>
+          </a:xfrm>
+          <a:prstGeom prst="rect">
+            <a:avLst/>
+          </a:prstGeom>
+          <a:noFill/>
+        </p:spPr>
+        <p:txBody>
+          <a:bodyPr wrap="square">
+            <a:spAutoFit/>
+          </a:bodyPr>
+          <a:lstStyle/>
+          <a:p>
+            <a:r>
+              <a:rPr lang="fr-FR" sz="1400" dirty="0"/>
+              <a:t>B0_31_classe_simple_redefinition.py</a:t>
+            </a:r>
+          </a:p>
+        </p:txBody>
+      </p:sp>
+      <p:pic>
+        <p:nvPicPr>
+          <p:cNvPr id="6" name="Picture 4" descr="Résultat de recherche d'images pour &quot;python logo&quot;">
+            <a:extLst>
+              <a:ext uri="{FF2B5EF4-FFF2-40B4-BE49-F238E27FC236}">
+                <a16:creationId xmlns:a16="http://schemas.microsoft.com/office/drawing/2014/main" xmlns="" id="{8B1F0A85-DA63-24F9-22B9-C24EECD9E3A1}"/>
+              </a:ext>
+            </a:extLst>
+          </p:cNvPr>
+          <p:cNvPicPr>
+            <a:picLocks noChangeAspect="1" noChangeArrowheads="1"/>
+          </p:cNvPicPr>
+          <p:nvPr/>
+        </p:nvPicPr>
+        <p:blipFill>
+          <a:blip r:embed="rId3" cstate="print">
+            <a:extLst>
+              <a:ext uri="{28A0092B-C50C-407E-A947-70E740481C1C}">
+                <a14:useLocalDpi xmlns:a14="http://schemas.microsoft.com/office/drawing/2010/main" val="0"/>
+              </a:ext>
+            </a:extLst>
+          </a:blip>
+          <a:srcRect/>
+          <a:stretch>
+            <a:fillRect/>
+          </a:stretch>
+        </p:blipFill>
+        <p:spPr bwMode="auto">
+          <a:xfrm>
+            <a:off x="7896167" y="56024"/>
+            <a:ext cx="272970" cy="300073"/>
+          </a:xfrm>
+          <a:prstGeom prst="rect">
+            <a:avLst/>
+          </a:prstGeom>
+          <a:noFill/>
+          <a:extLst>
+            <a:ext uri="{909E8E84-426E-40DD-AFC4-6F175D3DCCD1}">
+              <a14:hiddenFill xmlns:a14="http://schemas.microsoft.com/office/drawing/2010/main">
+                <a:solidFill>
+                  <a:srgbClr val="FFFFFF"/>
+                </a:solidFill>
+              </a14:hiddenFill>
+            </a:ext>
+          </a:extLst>
+        </p:spPr>
+      </p:pic>
+      <p:sp>
+        <p:nvSpPr>
+          <p:cNvPr id="12" name="ZoneTexte 11">
+            <a:extLst>
+              <a:ext uri="{FF2B5EF4-FFF2-40B4-BE49-F238E27FC236}">
+                <a16:creationId xmlns:a16="http://schemas.microsoft.com/office/drawing/2014/main" xmlns="" id="{42848A34-1B6F-4BFE-4C5D-B3DEA92B3B79}"/>
+              </a:ext>
+            </a:extLst>
+          </p:cNvPr>
+          <p:cNvSpPr txBox="1"/>
+          <p:nvPr/>
+        </p:nvSpPr>
+        <p:spPr>
+          <a:xfrm>
+            <a:off x="2702794" y="5822490"/>
+            <a:ext cx="5585800" cy="861774"/>
+          </a:xfrm>
+          <a:prstGeom prst="rect">
+            <a:avLst/>
+          </a:prstGeom>
+          <a:solidFill>
+            <a:schemeClr val="bg1">
+              <a:lumMod val="95000"/>
+            </a:schemeClr>
+          </a:solidFill>
+          <a:ln>
+            <a:solidFill>
+              <a:schemeClr val="accent1"/>
+            </a:solidFill>
+          </a:ln>
+        </p:spPr>
+        <p:txBody>
+          <a:bodyPr wrap="square">
+            <a:spAutoFit/>
+          </a:bodyPr>
+          <a:lstStyle/>
+          <a:p>
+            <a:r>
+              <a:rPr lang="en-US" sz="1600" dirty="0"/>
+              <a:t>Animal 1 Name =  Hello</a:t>
+            </a:r>
+          </a:p>
+          <a:p>
+            <a:r>
+              <a:rPr lang="en-US" sz="1600" dirty="0"/>
+              <a:t>Animal 2 Name =  Garfield</a:t>
+            </a:r>
+          </a:p>
+          <a:p>
+            <a:r>
+              <a:rPr lang="en-US" sz="1600" dirty="0"/>
+              <a:t>Animal [ Hello ] born in 2000</a:t>
+            </a:r>
+            <a:endParaRPr lang="fr-FR" sz="1600" dirty="0"/>
+          </a:p>
+        </p:txBody>
+      </p:sp>
+      <p:sp>
+        <p:nvSpPr>
+          <p:cNvPr id="14" name="ZoneTexte 13">
+            <a:extLst>
+              <a:ext uri="{FF2B5EF4-FFF2-40B4-BE49-F238E27FC236}">
+                <a16:creationId xmlns:a16="http://schemas.microsoft.com/office/drawing/2014/main" xmlns="" id="{31680013-F002-2396-80D1-8E5E3F67061D}"/>
+              </a:ext>
+            </a:extLst>
+          </p:cNvPr>
+          <p:cNvSpPr txBox="1"/>
+          <p:nvPr/>
+        </p:nvSpPr>
+        <p:spPr>
+          <a:xfrm>
+            <a:off x="1572224" y="1361430"/>
+            <a:ext cx="6096000" cy="646331"/>
+          </a:xfrm>
+          <a:prstGeom prst="rect">
+            <a:avLst/>
+          </a:prstGeom>
+          <a:noFill/>
+        </p:spPr>
+        <p:txBody>
+          <a:bodyPr wrap="square">
+            <a:spAutoFit/>
+          </a:bodyPr>
+          <a:lstStyle/>
+          <a:p>
+            <a:r>
+              <a:rPr lang="fr-FR" sz="1800" b="1" dirty="0"/>
+              <a:t>Redéfinition</a:t>
+            </a:r>
+            <a:r>
+              <a:rPr lang="fr-FR" sz="1800" dirty="0"/>
+              <a:t> : définir une méthode déjà existante dans une classe mère pour spécialiser cette nouvelle classe</a:t>
+            </a:r>
+          </a:p>
+        </p:txBody>
+      </p:sp>
+      <p:pic>
+        <p:nvPicPr>
+          <p:cNvPr id="8" name="Image 7">
+            <a:extLst>
+              <a:ext uri="{FF2B5EF4-FFF2-40B4-BE49-F238E27FC236}">
+                <a16:creationId xmlns:a16="http://schemas.microsoft.com/office/drawing/2014/main" xmlns="" id="{AC5E5C38-BF26-1BC1-E291-A441D576FC98}"/>
+              </a:ext>
+            </a:extLst>
+          </p:cNvPr>
+          <p:cNvPicPr>
+            <a:picLocks noChangeAspect="1"/>
+          </p:cNvPicPr>
+          <p:nvPr/>
+        </p:nvPicPr>
+        <p:blipFill>
+          <a:blip r:embed="rId4"/>
+          <a:stretch>
+            <a:fillRect/>
+          </a:stretch>
+        </p:blipFill>
+        <p:spPr>
+          <a:xfrm>
+            <a:off x="571347" y="2442606"/>
+            <a:ext cx="7096418" cy="2296541"/>
+          </a:xfrm>
+          <a:prstGeom prst="rect">
+            <a:avLst/>
+          </a:prstGeom>
+        </p:spPr>
+      </p:pic>
+      <p:pic>
+        <p:nvPicPr>
+          <p:cNvPr id="11" name="Image 10">
+            <a:extLst>
+              <a:ext uri="{FF2B5EF4-FFF2-40B4-BE49-F238E27FC236}">
+                <a16:creationId xmlns:a16="http://schemas.microsoft.com/office/drawing/2014/main" xmlns="" id="{71A91070-0764-889C-C038-4B61C8792F7E}"/>
+              </a:ext>
+            </a:extLst>
+          </p:cNvPr>
+          <p:cNvPicPr>
+            <a:picLocks noChangeAspect="1"/>
+          </p:cNvPicPr>
+          <p:nvPr/>
+        </p:nvPicPr>
+        <p:blipFill>
+          <a:blip r:embed="rId5"/>
+          <a:stretch>
+            <a:fillRect/>
+          </a:stretch>
+        </p:blipFill>
+        <p:spPr>
+          <a:xfrm>
+            <a:off x="8598322" y="2231923"/>
+            <a:ext cx="2885699" cy="4626077"/>
+          </a:xfrm>
+          <a:prstGeom prst="rect">
+            <a:avLst/>
+          </a:prstGeom>
+        </p:spPr>
+      </p:pic>
+    </p:spTree>
+    <p:extLst>
+      <p:ext uri="{BB962C8B-B14F-4D97-AF65-F5344CB8AC3E}">
+        <p14:creationId xmlns:p14="http://schemas.microsoft.com/office/powerpoint/2010/main" val="3042308415"/>
       </p:ext>
     </p:extLst>
   </p:cSld>
@@ -7136,7 +9565,7 @@
           <p:cNvPr id="2" name="Titre 1">
             <a:extLst>
               <a:ext uri="{FF2B5EF4-FFF2-40B4-BE49-F238E27FC236}">
-                <a16:creationId xmlns:a16="http://schemas.microsoft.com/office/drawing/2014/main" id="{90162AE8-C1B0-5C56-8313-DEE494F38273}"/>
+                <a16:creationId xmlns:a16="http://schemas.microsoft.com/office/drawing/2014/main" xmlns="" id="{90162AE8-C1B0-5C56-8313-DEE494F38273}"/>
               </a:ext>
             </a:extLst>
           </p:cNvPr>
@@ -7164,7 +9593,7 @@
           <p:cNvPr id="3" name="Espace réservé du contenu 2">
             <a:extLst>
               <a:ext uri="{FF2B5EF4-FFF2-40B4-BE49-F238E27FC236}">
-                <a16:creationId xmlns:a16="http://schemas.microsoft.com/office/drawing/2014/main" id="{E0BBB9DE-019C-C741-F224-494739D4B752}"/>
+                <a16:creationId xmlns:a16="http://schemas.microsoft.com/office/drawing/2014/main" xmlns="" id="{E0BBB9DE-019C-C741-F224-494739D4B752}"/>
               </a:ext>
             </a:extLst>
           </p:cNvPr>
@@ -7192,7 +9621,7 @@
           <p:cNvPr id="5" name="Image 4" descr="Une image contenant texte&#10;&#10;Description générée automatiquement">
             <a:extLst>
               <a:ext uri="{FF2B5EF4-FFF2-40B4-BE49-F238E27FC236}">
-                <a16:creationId xmlns:a16="http://schemas.microsoft.com/office/drawing/2014/main" id="{66D2630B-81F4-A4EB-21BA-8B90CF30BD92}"/>
+                <a16:creationId xmlns:a16="http://schemas.microsoft.com/office/drawing/2014/main" xmlns="" id="{66D2630B-81F4-A4EB-21BA-8B90CF30BD92}"/>
               </a:ext>
             </a:extLst>
           </p:cNvPr>
@@ -7202,7 +9631,7 @@
           <p:nvPr/>
         </p:nvPicPr>
         <p:blipFill>
-          <a:blip r:embed="rId2">
+          <a:blip r:embed="rId2" cstate="print">
             <a:extLst>
               <a:ext uri="{28A0092B-C50C-407E-A947-70E740481C1C}">
                 <a14:useLocalDpi xmlns:a14="http://schemas.microsoft.com/office/drawing/2010/main" val="0"/>
@@ -7228,7 +9657,7 @@
           <p:cNvPr id="1026" name="Picture 2">
             <a:extLst>
               <a:ext uri="{FF2B5EF4-FFF2-40B4-BE49-F238E27FC236}">
-                <a16:creationId xmlns:a16="http://schemas.microsoft.com/office/drawing/2014/main" id="{CE808304-C51F-0582-3AA5-5E8D676FA608}"/>
+                <a16:creationId xmlns:a16="http://schemas.microsoft.com/office/drawing/2014/main" xmlns="" id="{CE808304-C51F-0582-3AA5-5E8D676FA608}"/>
               </a:ext>
             </a:extLst>
           </p:cNvPr>
@@ -7275,7 +9704,7 @@
           <p:cNvPr id="6" name="ZoneTexte 5">
             <a:extLst>
               <a:ext uri="{FF2B5EF4-FFF2-40B4-BE49-F238E27FC236}">
-                <a16:creationId xmlns:a16="http://schemas.microsoft.com/office/drawing/2014/main" id="{640D37D6-80BE-E97D-B427-645E522B0AC0}"/>
+                <a16:creationId xmlns:a16="http://schemas.microsoft.com/office/drawing/2014/main" xmlns="" id="{640D37D6-80BE-E97D-B427-645E522B0AC0}"/>
               </a:ext>
             </a:extLst>
           </p:cNvPr>
@@ -7316,7 +9745,7 @@
           <p:cNvPr id="1028" name="Picture 4" descr="dessin objets trouvés">
             <a:extLst>
               <a:ext uri="{FF2B5EF4-FFF2-40B4-BE49-F238E27FC236}">
-                <a16:creationId xmlns:a16="http://schemas.microsoft.com/office/drawing/2014/main" id="{4FAB4EBF-8600-BC7D-1B88-0C569F1A22AF}"/>
+                <a16:creationId xmlns:a16="http://schemas.microsoft.com/office/drawing/2014/main" xmlns="" id="{4FAB4EBF-8600-BC7D-1B88-0C569F1A22AF}"/>
               </a:ext>
             </a:extLst>
           </p:cNvPr>
@@ -7363,7 +9792,7 @@
           <p:cNvPr id="1030" name="Picture 6">
             <a:extLst>
               <a:ext uri="{FF2B5EF4-FFF2-40B4-BE49-F238E27FC236}">
-                <a16:creationId xmlns:a16="http://schemas.microsoft.com/office/drawing/2014/main" id="{E7D15BC2-D0C4-67BB-7185-7CFA4C2A7286}"/>
+                <a16:creationId xmlns:a16="http://schemas.microsoft.com/office/drawing/2014/main" xmlns="" id="{E7D15BC2-D0C4-67BB-7185-7CFA4C2A7286}"/>
               </a:ext>
             </a:extLst>
           </p:cNvPr>
@@ -7410,7 +9839,7 @@
           <p:cNvPr id="8" name="ZoneTexte 7">
             <a:extLst>
               <a:ext uri="{FF2B5EF4-FFF2-40B4-BE49-F238E27FC236}">
-                <a16:creationId xmlns:a16="http://schemas.microsoft.com/office/drawing/2014/main" id="{7AEDF02C-01A4-42CC-4130-D41A78D297E7}"/>
+                <a16:creationId xmlns:a16="http://schemas.microsoft.com/office/drawing/2014/main" xmlns="" id="{7AEDF02C-01A4-42CC-4130-D41A78D297E7}"/>
               </a:ext>
             </a:extLst>
           </p:cNvPr>
@@ -7451,7 +9880,7 @@
           <p:cNvPr id="10" name="ZoneTexte 9">
             <a:extLst>
               <a:ext uri="{FF2B5EF4-FFF2-40B4-BE49-F238E27FC236}">
-                <a16:creationId xmlns:a16="http://schemas.microsoft.com/office/drawing/2014/main" id="{27659C81-78E9-598C-A413-7A9690518BE2}"/>
+                <a16:creationId xmlns:a16="http://schemas.microsoft.com/office/drawing/2014/main" xmlns="" id="{27659C81-78E9-598C-A413-7A9690518BE2}"/>
               </a:ext>
             </a:extLst>
           </p:cNvPr>
@@ -7491,6 +9920,694 @@
     <p:extLst>
       <p:ext uri="{BB962C8B-B14F-4D97-AF65-F5344CB8AC3E}">
         <p14:creationId xmlns:p14="http://schemas.microsoft.com/office/powerpoint/2010/main" val="3231121590"/>
+      </p:ext>
+    </p:extLst>
+  </p:cSld>
+  <p:clrMapOvr>
+    <a:masterClrMapping/>
+  </p:clrMapOvr>
+</p:sld>
+</file>
+
+<file path=ppt/slides/slide20.xml><?xml version="1.0" encoding="utf-8"?>
+<p:sld xmlns:a="http://schemas.openxmlformats.org/drawingml/2006/main" xmlns:r="http://schemas.openxmlformats.org/officeDocument/2006/relationships" xmlns:p="http://schemas.openxmlformats.org/presentationml/2006/main">
+  <p:cSld>
+    <p:spTree>
+      <p:nvGrpSpPr>
+        <p:cNvPr id="1" name=""/>
+        <p:cNvGrpSpPr/>
+        <p:nvPr/>
+      </p:nvGrpSpPr>
+      <p:grpSpPr>
+        <a:xfrm>
+          <a:off x="0" y="0"/>
+          <a:ext cx="0" cy="0"/>
+          <a:chOff x="0" y="0"/>
+          <a:chExt cx="0" cy="0"/>
+        </a:xfrm>
+      </p:grpSpPr>
+      <p:sp>
+        <p:nvSpPr>
+          <p:cNvPr id="2" name="Titre 1">
+            <a:extLst>
+              <a:ext uri="{FF2B5EF4-FFF2-40B4-BE49-F238E27FC236}">
+                <a16:creationId xmlns:a16="http://schemas.microsoft.com/office/drawing/2014/main" xmlns="" id="{90162AE8-C1B0-5C56-8313-DEE494F38273}"/>
+              </a:ext>
+            </a:extLst>
+          </p:cNvPr>
+          <p:cNvSpPr>
+            <a:spLocks noGrp="1"/>
+          </p:cNvSpPr>
+          <p:nvPr>
+            <p:ph type="title"/>
+          </p:nvPr>
+        </p:nvSpPr>
+        <p:spPr/>
+        <p:txBody>
+          <a:bodyPr/>
+          <a:lstStyle/>
+          <a:p>
+            <a:r>
+              <a:rPr lang="fr-FR" dirty="0"/>
+              <a:t>Exemple de classes héritées</a:t>
+            </a:r>
+          </a:p>
+        </p:txBody>
+      </p:sp>
+      <p:pic>
+        <p:nvPicPr>
+          <p:cNvPr id="5" name="Image 4" descr="Une image contenant texte&#10;&#10;Description générée automatiquement">
+            <a:extLst>
+              <a:ext uri="{FF2B5EF4-FFF2-40B4-BE49-F238E27FC236}">
+                <a16:creationId xmlns:a16="http://schemas.microsoft.com/office/drawing/2014/main" xmlns="" id="{66D2630B-81F4-A4EB-21BA-8B90CF30BD92}"/>
+              </a:ext>
+            </a:extLst>
+          </p:cNvPr>
+          <p:cNvPicPr>
+            <a:picLocks noChangeAspect="1"/>
+          </p:cNvPicPr>
+          <p:nvPr/>
+        </p:nvPicPr>
+        <p:blipFill>
+          <a:blip r:embed="rId3" cstate="print">
+            <a:extLst>
+              <a:ext uri="{28A0092B-C50C-407E-A947-70E740481C1C}">
+                <a14:useLocalDpi xmlns:a14="http://schemas.microsoft.com/office/drawing/2010/main" val="0"/>
+              </a:ext>
+            </a:extLst>
+          </a:blip>
+          <a:stretch>
+            <a:fillRect/>
+          </a:stretch>
+        </p:blipFill>
+        <p:spPr>
+          <a:xfrm>
+            <a:off x="202922" y="5934456"/>
+            <a:ext cx="1825291" cy="749808"/>
+          </a:xfrm>
+          <a:prstGeom prst="rect">
+            <a:avLst/>
+          </a:prstGeom>
+        </p:spPr>
+      </p:pic>
+      <p:pic>
+        <p:nvPicPr>
+          <p:cNvPr id="7" name="Image 6">
+            <a:extLst>
+              <a:ext uri="{FF2B5EF4-FFF2-40B4-BE49-F238E27FC236}">
+                <a16:creationId xmlns:a16="http://schemas.microsoft.com/office/drawing/2014/main" xmlns="" id="{96F3459D-2016-92EA-09A7-3F4D09B44BAC}"/>
+              </a:ext>
+            </a:extLst>
+          </p:cNvPr>
+          <p:cNvPicPr>
+            <a:picLocks noChangeAspect="1"/>
+          </p:cNvPicPr>
+          <p:nvPr/>
+        </p:nvPicPr>
+        <p:blipFill>
+          <a:blip r:embed="rId4"/>
+          <a:stretch>
+            <a:fillRect/>
+          </a:stretch>
+        </p:blipFill>
+        <p:spPr>
+          <a:xfrm>
+            <a:off x="9074293" y="2506625"/>
+            <a:ext cx="2311854" cy="3901254"/>
+          </a:xfrm>
+          <a:prstGeom prst="rect">
+            <a:avLst/>
+          </a:prstGeom>
+        </p:spPr>
+      </p:pic>
+      <p:sp>
+        <p:nvSpPr>
+          <p:cNvPr id="6" name="ZoneTexte 5">
+            <a:extLst>
+              <a:ext uri="{FF2B5EF4-FFF2-40B4-BE49-F238E27FC236}">
+                <a16:creationId xmlns:a16="http://schemas.microsoft.com/office/drawing/2014/main" xmlns="" id="{72334FF7-F2D3-207F-79ED-1D5B1DF061DE}"/>
+              </a:ext>
+            </a:extLst>
+          </p:cNvPr>
+          <p:cNvSpPr txBox="1"/>
+          <p:nvPr/>
+        </p:nvSpPr>
+        <p:spPr>
+          <a:xfrm>
+            <a:off x="1396180" y="1405050"/>
+            <a:ext cx="6096000" cy="646331"/>
+          </a:xfrm>
+          <a:prstGeom prst="rect">
+            <a:avLst/>
+          </a:prstGeom>
+          <a:noFill/>
+        </p:spPr>
+        <p:txBody>
+          <a:bodyPr wrap="square">
+            <a:spAutoFit/>
+          </a:bodyPr>
+          <a:lstStyle/>
+          <a:p>
+            <a:r>
+              <a:rPr lang="fr-FR" sz="1800" b="1" dirty="0"/>
+              <a:t>Héritage</a:t>
+            </a:r>
+            <a:r>
+              <a:rPr lang="fr-FR" sz="1800" dirty="0"/>
+              <a:t> : arborescence de classes permettant la spécialisation</a:t>
+            </a:r>
+          </a:p>
+        </p:txBody>
+      </p:sp>
+      <p:sp>
+        <p:nvSpPr>
+          <p:cNvPr id="8" name="ZoneTexte 7">
+            <a:extLst>
+              <a:ext uri="{FF2B5EF4-FFF2-40B4-BE49-F238E27FC236}">
+                <a16:creationId xmlns:a16="http://schemas.microsoft.com/office/drawing/2014/main" xmlns="" id="{70994535-A8CD-FB07-03D8-29D3B75CD766}"/>
+              </a:ext>
+            </a:extLst>
+          </p:cNvPr>
+          <p:cNvSpPr txBox="1"/>
+          <p:nvPr/>
+        </p:nvSpPr>
+        <p:spPr>
+          <a:xfrm>
+            <a:off x="8288594" y="48320"/>
+            <a:ext cx="3282565" cy="307777"/>
+          </a:xfrm>
+          <a:prstGeom prst="rect">
+            <a:avLst/>
+          </a:prstGeom>
+          <a:noFill/>
+        </p:spPr>
+        <p:txBody>
+          <a:bodyPr wrap="square">
+            <a:spAutoFit/>
+          </a:bodyPr>
+          <a:lstStyle/>
+          <a:p>
+            <a:r>
+              <a:rPr lang="fr-FR" sz="1400" dirty="0"/>
+              <a:t>B0_32_classe_heritage.py</a:t>
+            </a:r>
+          </a:p>
+        </p:txBody>
+      </p:sp>
+      <p:pic>
+        <p:nvPicPr>
+          <p:cNvPr id="9" name="Picture 4" descr="Résultat de recherche d'images pour &quot;python logo&quot;">
+            <a:extLst>
+              <a:ext uri="{FF2B5EF4-FFF2-40B4-BE49-F238E27FC236}">
+                <a16:creationId xmlns:a16="http://schemas.microsoft.com/office/drawing/2014/main" xmlns="" id="{E8DAB57A-7268-2E35-EC9B-86B1CFD15E4C}"/>
+              </a:ext>
+            </a:extLst>
+          </p:cNvPr>
+          <p:cNvPicPr>
+            <a:picLocks noChangeAspect="1" noChangeArrowheads="1"/>
+          </p:cNvPicPr>
+          <p:nvPr/>
+        </p:nvPicPr>
+        <p:blipFill>
+          <a:blip r:embed="rId5" cstate="print">
+            <a:extLst>
+              <a:ext uri="{28A0092B-C50C-407E-A947-70E740481C1C}">
+                <a14:useLocalDpi xmlns:a14="http://schemas.microsoft.com/office/drawing/2010/main" val="0"/>
+              </a:ext>
+            </a:extLst>
+          </a:blip>
+          <a:srcRect/>
+          <a:stretch>
+            <a:fillRect/>
+          </a:stretch>
+        </p:blipFill>
+        <p:spPr bwMode="auto">
+          <a:xfrm>
+            <a:off x="7896167" y="56024"/>
+            <a:ext cx="272970" cy="300073"/>
+          </a:xfrm>
+          <a:prstGeom prst="rect">
+            <a:avLst/>
+          </a:prstGeom>
+          <a:noFill/>
+          <a:extLst>
+            <a:ext uri="{909E8E84-426E-40DD-AFC4-6F175D3DCCD1}">
+              <a14:hiddenFill xmlns:a14="http://schemas.microsoft.com/office/drawing/2010/main">
+                <a:solidFill>
+                  <a:srgbClr val="FFFFFF"/>
+                </a:solidFill>
+              </a14:hiddenFill>
+            </a:ext>
+          </a:extLst>
+        </p:spPr>
+      </p:pic>
+      <p:pic>
+        <p:nvPicPr>
+          <p:cNvPr id="15" name="Image 14">
+            <a:extLst>
+              <a:ext uri="{FF2B5EF4-FFF2-40B4-BE49-F238E27FC236}">
+                <a16:creationId xmlns:a16="http://schemas.microsoft.com/office/drawing/2014/main" xmlns="" id="{6878AEA6-2CEB-A25F-CD09-8848D4696FC8}"/>
+              </a:ext>
+            </a:extLst>
+          </p:cNvPr>
+          <p:cNvPicPr>
+            <a:picLocks noChangeAspect="1"/>
+          </p:cNvPicPr>
+          <p:nvPr/>
+        </p:nvPicPr>
+        <p:blipFill>
+          <a:blip r:embed="rId6"/>
+          <a:stretch>
+            <a:fillRect/>
+          </a:stretch>
+        </p:blipFill>
+        <p:spPr>
+          <a:xfrm>
+            <a:off x="538162" y="2236286"/>
+            <a:ext cx="7750432" cy="3513264"/>
+          </a:xfrm>
+          <a:prstGeom prst="rect">
+            <a:avLst/>
+          </a:prstGeom>
+        </p:spPr>
+      </p:pic>
+    </p:spTree>
+    <p:extLst>
+      <p:ext uri="{BB962C8B-B14F-4D97-AF65-F5344CB8AC3E}">
+        <p14:creationId xmlns:p14="http://schemas.microsoft.com/office/powerpoint/2010/main" val="2667257945"/>
+      </p:ext>
+    </p:extLst>
+  </p:cSld>
+  <p:clrMapOvr>
+    <a:masterClrMapping/>
+  </p:clrMapOvr>
+</p:sld>
+</file>
+
+<file path=ppt/slides/slide21.xml><?xml version="1.0" encoding="utf-8"?>
+<p:sld xmlns:a="http://schemas.openxmlformats.org/drawingml/2006/main" xmlns:r="http://schemas.openxmlformats.org/officeDocument/2006/relationships" xmlns:p="http://schemas.openxmlformats.org/presentationml/2006/main">
+  <p:cSld>
+    <p:spTree>
+      <p:nvGrpSpPr>
+        <p:cNvPr id="1" name=""/>
+        <p:cNvGrpSpPr/>
+        <p:nvPr/>
+      </p:nvGrpSpPr>
+      <p:grpSpPr>
+        <a:xfrm>
+          <a:off x="0" y="0"/>
+          <a:ext cx="0" cy="0"/>
+          <a:chOff x="0" y="0"/>
+          <a:chExt cx="0" cy="0"/>
+        </a:xfrm>
+      </p:grpSpPr>
+      <p:sp>
+        <p:nvSpPr>
+          <p:cNvPr id="2" name="Titre 1">
+            <a:extLst>
+              <a:ext uri="{FF2B5EF4-FFF2-40B4-BE49-F238E27FC236}">
+                <a16:creationId xmlns:a16="http://schemas.microsoft.com/office/drawing/2014/main" xmlns="" id="{90162AE8-C1B0-5C56-8313-DEE494F38273}"/>
+              </a:ext>
+            </a:extLst>
+          </p:cNvPr>
+          <p:cNvSpPr>
+            <a:spLocks noGrp="1"/>
+          </p:cNvSpPr>
+          <p:nvPr>
+            <p:ph type="title"/>
+          </p:nvPr>
+        </p:nvSpPr>
+        <p:spPr/>
+        <p:txBody>
+          <a:bodyPr/>
+          <a:lstStyle/>
+          <a:p>
+            <a:r>
+              <a:rPr lang="fr-FR" dirty="0"/>
+              <a:t>Exemple de classes héritées</a:t>
+            </a:r>
+          </a:p>
+        </p:txBody>
+      </p:sp>
+      <p:pic>
+        <p:nvPicPr>
+          <p:cNvPr id="5" name="Image 4" descr="Une image contenant texte&#10;&#10;Description générée automatiquement">
+            <a:extLst>
+              <a:ext uri="{FF2B5EF4-FFF2-40B4-BE49-F238E27FC236}">
+                <a16:creationId xmlns:a16="http://schemas.microsoft.com/office/drawing/2014/main" xmlns="" id="{66D2630B-81F4-A4EB-21BA-8B90CF30BD92}"/>
+              </a:ext>
+            </a:extLst>
+          </p:cNvPr>
+          <p:cNvPicPr>
+            <a:picLocks noChangeAspect="1"/>
+          </p:cNvPicPr>
+          <p:nvPr/>
+        </p:nvPicPr>
+        <p:blipFill>
+          <a:blip r:embed="rId3" cstate="print">
+            <a:extLst>
+              <a:ext uri="{28A0092B-C50C-407E-A947-70E740481C1C}">
+                <a14:useLocalDpi xmlns:a14="http://schemas.microsoft.com/office/drawing/2010/main" val="0"/>
+              </a:ext>
+            </a:extLst>
+          </a:blip>
+          <a:stretch>
+            <a:fillRect/>
+          </a:stretch>
+        </p:blipFill>
+        <p:spPr>
+          <a:xfrm>
+            <a:off x="202922" y="5934456"/>
+            <a:ext cx="1825291" cy="749808"/>
+          </a:xfrm>
+          <a:prstGeom prst="rect">
+            <a:avLst/>
+          </a:prstGeom>
+        </p:spPr>
+      </p:pic>
+      <p:pic>
+        <p:nvPicPr>
+          <p:cNvPr id="7" name="Image 6">
+            <a:extLst>
+              <a:ext uri="{FF2B5EF4-FFF2-40B4-BE49-F238E27FC236}">
+                <a16:creationId xmlns:a16="http://schemas.microsoft.com/office/drawing/2014/main" xmlns="" id="{96F3459D-2016-92EA-09A7-3F4D09B44BAC}"/>
+              </a:ext>
+            </a:extLst>
+          </p:cNvPr>
+          <p:cNvPicPr>
+            <a:picLocks noChangeAspect="1"/>
+          </p:cNvPicPr>
+          <p:nvPr/>
+        </p:nvPicPr>
+        <p:blipFill>
+          <a:blip r:embed="rId4"/>
+          <a:stretch>
+            <a:fillRect/>
+          </a:stretch>
+        </p:blipFill>
+        <p:spPr>
+          <a:xfrm>
+            <a:off x="9074293" y="2506625"/>
+            <a:ext cx="2311854" cy="3901254"/>
+          </a:xfrm>
+          <a:prstGeom prst="rect">
+            <a:avLst/>
+          </a:prstGeom>
+        </p:spPr>
+      </p:pic>
+      <p:sp>
+        <p:nvSpPr>
+          <p:cNvPr id="6" name="ZoneTexte 5">
+            <a:extLst>
+              <a:ext uri="{FF2B5EF4-FFF2-40B4-BE49-F238E27FC236}">
+                <a16:creationId xmlns:a16="http://schemas.microsoft.com/office/drawing/2014/main" xmlns="" id="{72334FF7-F2D3-207F-79ED-1D5B1DF061DE}"/>
+              </a:ext>
+            </a:extLst>
+          </p:cNvPr>
+          <p:cNvSpPr txBox="1"/>
+          <p:nvPr/>
+        </p:nvSpPr>
+        <p:spPr>
+          <a:xfrm>
+            <a:off x="1396180" y="1405050"/>
+            <a:ext cx="6096000" cy="646331"/>
+          </a:xfrm>
+          <a:prstGeom prst="rect">
+            <a:avLst/>
+          </a:prstGeom>
+          <a:noFill/>
+        </p:spPr>
+        <p:txBody>
+          <a:bodyPr wrap="square">
+            <a:spAutoFit/>
+          </a:bodyPr>
+          <a:lstStyle/>
+          <a:p>
+            <a:r>
+              <a:rPr lang="fr-FR" sz="1800" b="1" dirty="0"/>
+              <a:t>Héritage</a:t>
+            </a:r>
+            <a:r>
+              <a:rPr lang="fr-FR" sz="1800" dirty="0"/>
+              <a:t> : arborescence de classes permettant la spécialisation</a:t>
+            </a:r>
+          </a:p>
+        </p:txBody>
+      </p:sp>
+      <p:sp>
+        <p:nvSpPr>
+          <p:cNvPr id="8" name="ZoneTexte 7">
+            <a:extLst>
+              <a:ext uri="{FF2B5EF4-FFF2-40B4-BE49-F238E27FC236}">
+                <a16:creationId xmlns:a16="http://schemas.microsoft.com/office/drawing/2014/main" xmlns="" id="{70994535-A8CD-FB07-03D8-29D3B75CD766}"/>
+              </a:ext>
+            </a:extLst>
+          </p:cNvPr>
+          <p:cNvSpPr txBox="1"/>
+          <p:nvPr/>
+        </p:nvSpPr>
+        <p:spPr>
+          <a:xfrm>
+            <a:off x="8288594" y="48320"/>
+            <a:ext cx="3282565" cy="307777"/>
+          </a:xfrm>
+          <a:prstGeom prst="rect">
+            <a:avLst/>
+          </a:prstGeom>
+          <a:noFill/>
+        </p:spPr>
+        <p:txBody>
+          <a:bodyPr wrap="square">
+            <a:spAutoFit/>
+          </a:bodyPr>
+          <a:lstStyle/>
+          <a:p>
+            <a:r>
+              <a:rPr lang="fr-FR" sz="1400" dirty="0"/>
+              <a:t>B0_32_classe_heritage.py</a:t>
+            </a:r>
+          </a:p>
+        </p:txBody>
+      </p:sp>
+      <p:pic>
+        <p:nvPicPr>
+          <p:cNvPr id="9" name="Picture 4" descr="Résultat de recherche d'images pour &quot;python logo&quot;">
+            <a:extLst>
+              <a:ext uri="{FF2B5EF4-FFF2-40B4-BE49-F238E27FC236}">
+                <a16:creationId xmlns:a16="http://schemas.microsoft.com/office/drawing/2014/main" xmlns="" id="{E8DAB57A-7268-2E35-EC9B-86B1CFD15E4C}"/>
+              </a:ext>
+            </a:extLst>
+          </p:cNvPr>
+          <p:cNvPicPr>
+            <a:picLocks noChangeAspect="1" noChangeArrowheads="1"/>
+          </p:cNvPicPr>
+          <p:nvPr/>
+        </p:nvPicPr>
+        <p:blipFill>
+          <a:blip r:embed="rId5" cstate="print">
+            <a:extLst>
+              <a:ext uri="{28A0092B-C50C-407E-A947-70E740481C1C}">
+                <a14:useLocalDpi xmlns:a14="http://schemas.microsoft.com/office/drawing/2010/main" val="0"/>
+              </a:ext>
+            </a:extLst>
+          </a:blip>
+          <a:srcRect/>
+          <a:stretch>
+            <a:fillRect/>
+          </a:stretch>
+        </p:blipFill>
+        <p:spPr bwMode="auto">
+          <a:xfrm>
+            <a:off x="7896167" y="56024"/>
+            <a:ext cx="272970" cy="300073"/>
+          </a:xfrm>
+          <a:prstGeom prst="rect">
+            <a:avLst/>
+          </a:prstGeom>
+          <a:noFill/>
+          <a:extLst>
+            <a:ext uri="{909E8E84-426E-40DD-AFC4-6F175D3DCCD1}">
+              <a14:hiddenFill xmlns:a14="http://schemas.microsoft.com/office/drawing/2010/main">
+                <a:solidFill>
+                  <a:srgbClr val="FFFFFF"/>
+                </a:solidFill>
+              </a14:hiddenFill>
+            </a:ext>
+          </a:extLst>
+        </p:spPr>
+      </p:pic>
+      <p:pic>
+        <p:nvPicPr>
+          <p:cNvPr id="4" name="Image 3">
+            <a:extLst>
+              <a:ext uri="{FF2B5EF4-FFF2-40B4-BE49-F238E27FC236}">
+                <a16:creationId xmlns:a16="http://schemas.microsoft.com/office/drawing/2014/main" xmlns="" id="{5A694F4C-198C-A50E-E7E0-F7868BFCF06C}"/>
+              </a:ext>
+            </a:extLst>
+          </p:cNvPr>
+          <p:cNvPicPr>
+            <a:picLocks noChangeAspect="1"/>
+          </p:cNvPicPr>
+          <p:nvPr/>
+        </p:nvPicPr>
+        <p:blipFill>
+          <a:blip r:embed="rId6"/>
+          <a:stretch>
+            <a:fillRect/>
+          </a:stretch>
+        </p:blipFill>
+        <p:spPr>
+          <a:xfrm>
+            <a:off x="1280982" y="2506625"/>
+            <a:ext cx="3673451" cy="646331"/>
+          </a:xfrm>
+          <a:prstGeom prst="rect">
+            <a:avLst/>
+          </a:prstGeom>
+        </p:spPr>
+      </p:pic>
+      <p:sp>
+        <p:nvSpPr>
+          <p:cNvPr id="10" name="ZoneTexte 9">
+            <a:extLst>
+              <a:ext uri="{FF2B5EF4-FFF2-40B4-BE49-F238E27FC236}">
+                <a16:creationId xmlns:a16="http://schemas.microsoft.com/office/drawing/2014/main" xmlns="" id="{CF44459B-6AB1-FC2F-52FB-F6173BDFD56F}"/>
+              </a:ext>
+            </a:extLst>
+          </p:cNvPr>
+          <p:cNvSpPr txBox="1"/>
+          <p:nvPr/>
+        </p:nvSpPr>
+        <p:spPr>
+          <a:xfrm>
+            <a:off x="2702794" y="3806870"/>
+            <a:ext cx="5585800" cy="2800767"/>
+          </a:xfrm>
+          <a:prstGeom prst="rect">
+            <a:avLst/>
+          </a:prstGeom>
+          <a:solidFill>
+            <a:schemeClr val="bg1">
+              <a:lumMod val="95000"/>
+            </a:schemeClr>
+          </a:solidFill>
+          <a:ln>
+            <a:solidFill>
+              <a:schemeClr val="accent1"/>
+            </a:solidFill>
+          </a:ln>
+        </p:spPr>
+        <p:txBody>
+          <a:bodyPr wrap="square">
+            <a:spAutoFit/>
+          </a:bodyPr>
+          <a:lstStyle/>
+          <a:p>
+            <a:r>
+              <a:rPr lang="en-US" sz="1600" dirty="0"/>
+              <a:t>Animal 1 Name =  Hello</a:t>
+            </a:r>
+          </a:p>
+          <a:p>
+            <a:r>
+              <a:rPr lang="en-US" sz="1600" dirty="0"/>
+              <a:t>Animal 2 Name =  Garfield</a:t>
+            </a:r>
+          </a:p>
+          <a:p>
+            <a:r>
+              <a:rPr lang="en-US" sz="1600" dirty="0"/>
+              <a:t>Animal [ Garfield ] born in 2000</a:t>
+            </a:r>
+          </a:p>
+          <a:p>
+            <a:r>
+              <a:rPr lang="en-US" sz="1600" dirty="0"/>
+              <a:t>        [ Garfield ] is moving</a:t>
+            </a:r>
+          </a:p>
+          <a:p>
+            <a:r>
+              <a:rPr lang="en-US" sz="1600" dirty="0"/>
+              <a:t>        [ Garfield ] is saying ...</a:t>
+            </a:r>
+          </a:p>
+          <a:p>
+            <a:r>
+              <a:rPr lang="en-US" sz="1600" dirty="0"/>
+              <a:t>Animal/CAT [ </a:t>
+            </a:r>
+            <a:r>
+              <a:rPr lang="en-US" sz="1600" dirty="0" err="1"/>
+              <a:t>Tigrou</a:t>
+            </a:r>
+            <a:r>
+              <a:rPr lang="en-US" sz="1600" dirty="0"/>
+              <a:t> ] born in 2000</a:t>
+            </a:r>
+          </a:p>
+          <a:p>
+            <a:r>
+              <a:rPr lang="en-US" sz="1600" dirty="0"/>
+              <a:t>        [ </a:t>
+            </a:r>
+            <a:r>
+              <a:rPr lang="en-US" sz="1600" dirty="0" err="1"/>
+              <a:t>Tigrou</a:t>
+            </a:r>
+            <a:r>
+              <a:rPr lang="en-US" sz="1600" dirty="0"/>
+              <a:t> ] is moving</a:t>
+            </a:r>
+          </a:p>
+          <a:p>
+            <a:r>
+              <a:rPr lang="en-US" sz="1600" dirty="0"/>
+              <a:t>        [ </a:t>
+            </a:r>
+            <a:r>
+              <a:rPr lang="en-US" sz="1600" dirty="0" err="1"/>
+              <a:t>Tigrou</a:t>
+            </a:r>
+            <a:r>
+              <a:rPr lang="en-US" sz="1600" dirty="0"/>
+              <a:t> ] is saying </a:t>
+            </a:r>
+            <a:r>
+              <a:rPr lang="en-US" sz="1600" dirty="0" err="1"/>
+              <a:t>Miaouh</a:t>
+            </a:r>
+            <a:endParaRPr lang="en-US" sz="1600" dirty="0"/>
+          </a:p>
+          <a:p>
+            <a:r>
+              <a:rPr lang="en-US" sz="1600" dirty="0"/>
+              <a:t>Animal/DOG [ Ralph ] born in 2012</a:t>
+            </a:r>
+          </a:p>
+          <a:p>
+            <a:r>
+              <a:rPr lang="en-US" sz="1600" dirty="0"/>
+              <a:t>        [ Ralph ] is moving</a:t>
+            </a:r>
+          </a:p>
+          <a:p>
+            <a:r>
+              <a:rPr lang="en-US" sz="1600" dirty="0"/>
+              <a:t>        [ Ralph ] is saying </a:t>
+            </a:r>
+            <a:r>
+              <a:rPr lang="en-US" sz="1600" dirty="0" err="1"/>
+              <a:t>Wouaf</a:t>
+            </a:r>
+            <a:endParaRPr lang="fr-FR" sz="1600" dirty="0"/>
+          </a:p>
+        </p:txBody>
+      </p:sp>
+    </p:spTree>
+    <p:extLst>
+      <p:ext uri="{BB962C8B-B14F-4D97-AF65-F5344CB8AC3E}">
+        <p14:creationId xmlns:p14="http://schemas.microsoft.com/office/powerpoint/2010/main" val="2637479227"/>
       </p:ext>
     </p:extLst>
   </p:cSld>
@@ -7522,7 +10639,7 @@
           <p:cNvPr id="2" name="Titre 1">
             <a:extLst>
               <a:ext uri="{FF2B5EF4-FFF2-40B4-BE49-F238E27FC236}">
-                <a16:creationId xmlns:a16="http://schemas.microsoft.com/office/drawing/2014/main" id="{90162AE8-C1B0-5C56-8313-DEE494F38273}"/>
+                <a16:creationId xmlns:a16="http://schemas.microsoft.com/office/drawing/2014/main" xmlns="" id="{90162AE8-C1B0-5C56-8313-DEE494F38273}"/>
               </a:ext>
             </a:extLst>
           </p:cNvPr>
@@ -7550,7 +10667,7 @@
           <p:cNvPr id="3" name="Espace réservé du contenu 2">
             <a:extLst>
               <a:ext uri="{FF2B5EF4-FFF2-40B4-BE49-F238E27FC236}">
-                <a16:creationId xmlns:a16="http://schemas.microsoft.com/office/drawing/2014/main" id="{E0BBB9DE-019C-C741-F224-494739D4B752}"/>
+                <a16:creationId xmlns:a16="http://schemas.microsoft.com/office/drawing/2014/main" xmlns="" id="{E0BBB9DE-019C-C741-F224-494739D4B752}"/>
               </a:ext>
             </a:extLst>
           </p:cNvPr>
@@ -7583,7 +10700,7 @@
           <p:cNvPr id="5" name="Image 4" descr="Une image contenant texte&#10;&#10;Description générée automatiquement">
             <a:extLst>
               <a:ext uri="{FF2B5EF4-FFF2-40B4-BE49-F238E27FC236}">
-                <a16:creationId xmlns:a16="http://schemas.microsoft.com/office/drawing/2014/main" id="{66D2630B-81F4-A4EB-21BA-8B90CF30BD92}"/>
+                <a16:creationId xmlns:a16="http://schemas.microsoft.com/office/drawing/2014/main" xmlns="" id="{66D2630B-81F4-A4EB-21BA-8B90CF30BD92}"/>
               </a:ext>
             </a:extLst>
           </p:cNvPr>
@@ -7593,7 +10710,7 @@
           <p:nvPr/>
         </p:nvPicPr>
         <p:blipFill>
-          <a:blip r:embed="rId2">
+          <a:blip r:embed="rId2" cstate="print">
             <a:extLst>
               <a:ext uri="{28A0092B-C50C-407E-A947-70E740481C1C}">
                 <a14:useLocalDpi xmlns:a14="http://schemas.microsoft.com/office/drawing/2010/main" val="0"/>
@@ -7619,7 +10736,7 @@
           <p:cNvPr id="7" name="Image 6">
             <a:extLst>
               <a:ext uri="{FF2B5EF4-FFF2-40B4-BE49-F238E27FC236}">
-                <a16:creationId xmlns:a16="http://schemas.microsoft.com/office/drawing/2014/main" id="{3D475A45-3B7D-E197-3704-31483D81A7E5}"/>
+                <a16:creationId xmlns:a16="http://schemas.microsoft.com/office/drawing/2014/main" xmlns="" id="{3D475A45-3B7D-E197-3704-31483D81A7E5}"/>
               </a:ext>
             </a:extLst>
           </p:cNvPr>
@@ -7649,7 +10766,7 @@
           <p:cNvPr id="2050" name="Picture 2">
             <a:extLst>
               <a:ext uri="{FF2B5EF4-FFF2-40B4-BE49-F238E27FC236}">
-                <a16:creationId xmlns:a16="http://schemas.microsoft.com/office/drawing/2014/main" id="{9D885C64-E2BC-CBB0-EEDE-062889DD079C}"/>
+                <a16:creationId xmlns:a16="http://schemas.microsoft.com/office/drawing/2014/main" xmlns="" id="{9D885C64-E2BC-CBB0-EEDE-062889DD079C}"/>
               </a:ext>
             </a:extLst>
           </p:cNvPr>
@@ -7696,7 +10813,7 @@
           <p:cNvPr id="6" name="ZoneTexte 5">
             <a:extLst>
               <a:ext uri="{FF2B5EF4-FFF2-40B4-BE49-F238E27FC236}">
-                <a16:creationId xmlns:a16="http://schemas.microsoft.com/office/drawing/2014/main" id="{75CCEE1C-7657-3A68-2741-60D43D501772}"/>
+                <a16:creationId xmlns:a16="http://schemas.microsoft.com/office/drawing/2014/main" xmlns="" id="{75CCEE1C-7657-3A68-2741-60D43D501772}"/>
               </a:ext>
             </a:extLst>
           </p:cNvPr>
@@ -7748,6 +10865,14 @@
 <file path=ppt/slides/slide4.xml><?xml version="1.0" encoding="utf-8"?>
 <p:sld xmlns:a="http://schemas.openxmlformats.org/drawingml/2006/main" xmlns:r="http://schemas.openxmlformats.org/officeDocument/2006/relationships" xmlns:p="http://schemas.openxmlformats.org/presentationml/2006/main">
   <p:cSld>
+    <p:bg>
+      <p:bgPr>
+        <a:solidFill>
+          <a:schemeClr val="bg1"/>
+        </a:solidFill>
+        <a:effectLst/>
+      </p:bgPr>
+    </p:bg>
     <p:spTree>
       <p:nvGrpSpPr>
         <p:cNvPr id="1" name=""/>
@@ -7762,12 +10887,182 @@
           <a:chExt cx="0" cy="0"/>
         </a:xfrm>
       </p:grpSpPr>
+      <p:sp useBgFill="1">
+        <p:nvSpPr>
+          <p:cNvPr id="9" name="Rectangle 8">
+            <a:extLst>
+              <a:ext uri="{FF2B5EF4-FFF2-40B4-BE49-F238E27FC236}">
+                <a16:creationId xmlns:a16="http://schemas.microsoft.com/office/drawing/2014/main" xmlns="" id="{526E0BFB-CDF1-4990-8C11-AC849311E0A8}"/>
+              </a:ext>
+              <a:ext uri="{C183D7F6-B498-43B3-948B-1728B52AA6E4}">
+                <adec:decorative xmlns:adec="http://schemas.microsoft.com/office/drawing/2017/decorative" xmlns="" val="1"/>
+              </a:ext>
+            </a:extLst>
+          </p:cNvPr>
+          <p:cNvSpPr>
+            <a:spLocks noGrp="1" noRot="1" noChangeAspect="1" noMove="1" noResize="1" noEditPoints="1" noAdjustHandles="1" noChangeArrowheads="1" noChangeShapeType="1" noTextEdit="1"/>
+          </p:cNvSpPr>
+          <p:nvPr>
+            <p:extLst>
+              <p:ext uri="{386F3935-93C4-4BCD-93E2-E3B085C9AB24}">
+                <p16:designElem xmlns:p16="http://schemas.microsoft.com/office/powerpoint/2015/main" xmlns="" val="1"/>
+              </p:ext>
+            </p:extLst>
+          </p:nvPr>
+        </p:nvSpPr>
+        <p:spPr>
+          <a:xfrm>
+            <a:off x="0" y="0"/>
+            <a:ext cx="12192000" cy="6858000"/>
+          </a:xfrm>
+          <a:prstGeom prst="rect">
+            <a:avLst/>
+          </a:prstGeom>
+          <a:ln>
+            <a:noFill/>
+          </a:ln>
+        </p:spPr>
+        <p:style>
+          <a:lnRef idx="2">
+            <a:schemeClr val="accent1">
+              <a:shade val="50000"/>
+            </a:schemeClr>
+          </a:lnRef>
+          <a:fillRef idx="1">
+            <a:schemeClr val="accent1"/>
+          </a:fillRef>
+          <a:effectRef idx="0">
+            <a:schemeClr val="accent1"/>
+          </a:effectRef>
+          <a:fontRef idx="minor">
+            <a:schemeClr val="lt1"/>
+          </a:fontRef>
+        </p:style>
+        <p:txBody>
+          <a:bodyPr rtlCol="0" anchor="ctr"/>
+          <a:lstStyle/>
+          <a:p>
+            <a:pPr algn="ctr"/>
+            <a:endParaRPr lang="en-US"/>
+          </a:p>
+        </p:txBody>
+      </p:sp>
+      <p:pic>
+        <p:nvPicPr>
+          <p:cNvPr id="4" name="Picture 3">
+            <a:extLst>
+              <a:ext uri="{FF2B5EF4-FFF2-40B4-BE49-F238E27FC236}">
+                <a16:creationId xmlns:a16="http://schemas.microsoft.com/office/drawing/2014/main" xmlns="" id="{4C72F330-992B-B125-739B-F8303ED3A097}"/>
+              </a:ext>
+            </a:extLst>
+          </p:cNvPr>
+          <p:cNvPicPr>
+            <a:picLocks noChangeAspect="1"/>
+          </p:cNvPicPr>
+          <p:nvPr/>
+        </p:nvPicPr>
+        <p:blipFill rotWithShape="1">
+          <a:blip r:embed="rId2"/>
+          <a:srcRect t="11669" r="-1" b="426"/>
+          <a:stretch/>
+        </p:blipFill>
+        <p:spPr>
+          <a:xfrm>
+            <a:off x="-2" y="10"/>
+            <a:ext cx="8668512" cy="6857990"/>
+          </a:xfrm>
+          <a:prstGeom prst="rect">
+            <a:avLst/>
+          </a:prstGeom>
+        </p:spPr>
+      </p:pic>
+      <p:sp>
+        <p:nvSpPr>
+          <p:cNvPr id="11" name="Rectangle 10">
+            <a:extLst>
+              <a:ext uri="{FF2B5EF4-FFF2-40B4-BE49-F238E27FC236}">
+                <a16:creationId xmlns:a16="http://schemas.microsoft.com/office/drawing/2014/main" xmlns="" id="{6069A1F8-9BEB-4786-9694-FC48B2D75D21}"/>
+              </a:ext>
+              <a:ext uri="{C183D7F6-B498-43B3-948B-1728B52AA6E4}">
+                <adec:decorative xmlns:adec="http://schemas.microsoft.com/office/drawing/2017/decorative" xmlns="" val="1"/>
+              </a:ext>
+            </a:extLst>
+          </p:cNvPr>
+          <p:cNvSpPr>
+            <a:spLocks noGrp="1" noRot="1" noChangeAspect="1" noMove="1" noResize="1" noEditPoints="1" noAdjustHandles="1" noChangeArrowheads="1" noChangeShapeType="1" noTextEdit="1"/>
+          </p:cNvSpPr>
+          <p:nvPr>
+            <p:extLst>
+              <p:ext uri="{386F3935-93C4-4BCD-93E2-E3B085C9AB24}">
+                <p16:designElem xmlns:p16="http://schemas.microsoft.com/office/powerpoint/2015/main" xmlns="" val="1"/>
+              </p:ext>
+            </p:extLst>
+          </p:nvPr>
+        </p:nvSpPr>
+        <p:spPr>
+          <a:xfrm flipH="1">
+            <a:off x="2788244" y="0"/>
+            <a:ext cx="9403756" cy="6858000"/>
+          </a:xfrm>
+          <a:prstGeom prst="rect">
+            <a:avLst/>
+          </a:prstGeom>
+          <a:gradFill>
+            <a:gsLst>
+              <a:gs pos="58000">
+                <a:schemeClr val="bg1"/>
+              </a:gs>
+              <a:gs pos="30000">
+                <a:schemeClr val="bg1">
+                  <a:alpha val="64000"/>
+                </a:schemeClr>
+              </a:gs>
+              <a:gs pos="0">
+                <a:schemeClr val="bg1">
+                  <a:alpha val="0"/>
+                </a:schemeClr>
+              </a:gs>
+              <a:gs pos="100000">
+                <a:schemeClr val="bg1"/>
+              </a:gs>
+            </a:gsLst>
+            <a:lin ang="10800000" scaled="0"/>
+          </a:gradFill>
+          <a:ln>
+            <a:noFill/>
+          </a:ln>
+        </p:spPr>
+        <p:style>
+          <a:lnRef idx="2">
+            <a:schemeClr val="accent1">
+              <a:shade val="50000"/>
+            </a:schemeClr>
+          </a:lnRef>
+          <a:fillRef idx="1">
+            <a:schemeClr val="accent1"/>
+          </a:fillRef>
+          <a:effectRef idx="0">
+            <a:schemeClr val="accent1"/>
+          </a:effectRef>
+          <a:fontRef idx="minor">
+            <a:schemeClr val="lt1"/>
+          </a:fontRef>
+        </p:style>
+        <p:txBody>
+          <a:bodyPr rtlCol="0" anchor="ctr"/>
+          <a:lstStyle/>
+          <a:p>
+            <a:pPr algn="ctr"/>
+            <a:endParaRPr lang="en-US" dirty="0"/>
+          </a:p>
+        </p:txBody>
+      </p:sp>
       <p:sp>
         <p:nvSpPr>
           <p:cNvPr id="2" name="Titre 1">
             <a:extLst>
               <a:ext uri="{FF2B5EF4-FFF2-40B4-BE49-F238E27FC236}">
-                <a16:creationId xmlns:a16="http://schemas.microsoft.com/office/drawing/2014/main" id="{90162AE8-C1B0-5C56-8313-DEE494F38273}"/>
+                <a16:creationId xmlns:a16="http://schemas.microsoft.com/office/drawing/2014/main" xmlns="" id="{CF8D1EB8-F6E7-EB54-1CC8-28472070B9FC}"/>
               </a:ext>
             </a:extLst>
           </p:cNvPr>
@@ -7775,27 +11070,35 @@
             <a:spLocks noGrp="1"/>
           </p:cNvSpPr>
           <p:nvPr>
-            <p:ph type="title"/>
+            <p:ph type="ctrTitle"/>
           </p:nvPr>
         </p:nvSpPr>
-        <p:spPr/>
-        <p:txBody>
-          <a:bodyPr/>
-          <a:lstStyle/>
-          <a:p>
-            <a:r>
-              <a:rPr lang="fr-FR" dirty="0"/>
-              <a:t>Programmation orientée objet</a:t>
-            </a:r>
-          </a:p>
-        </p:txBody>
-      </p:sp>
-      <p:sp>
-        <p:nvSpPr>
-          <p:cNvPr id="3" name="Espace réservé du contenu 2">
-            <a:extLst>
-              <a:ext uri="{FF2B5EF4-FFF2-40B4-BE49-F238E27FC236}">
-                <a16:creationId xmlns:a16="http://schemas.microsoft.com/office/drawing/2014/main" id="{E0BBB9DE-019C-C741-F224-494739D4B752}"/>
+        <p:spPr>
+          <a:xfrm>
+            <a:off x="7848600" y="1122363"/>
+            <a:ext cx="4023360" cy="3204134"/>
+          </a:xfrm>
+        </p:spPr>
+        <p:txBody>
+          <a:bodyPr anchor="b">
+            <a:normAutofit/>
+          </a:bodyPr>
+          <a:lstStyle/>
+          <a:p>
+            <a:r>
+              <a:rPr lang="fr-FR" sz="4800" dirty="0" smtClean="0"/>
+              <a:t>Et avec Python ?</a:t>
+            </a:r>
+            <a:endParaRPr lang="fr-FR" sz="4800" dirty="0"/>
+          </a:p>
+        </p:txBody>
+      </p:sp>
+      <p:sp>
+        <p:nvSpPr>
+          <p:cNvPr id="3" name="Sous-titre 2">
+            <a:extLst>
+              <a:ext uri="{FF2B5EF4-FFF2-40B4-BE49-F238E27FC236}">
+                <a16:creationId xmlns:a16="http://schemas.microsoft.com/office/drawing/2014/main" xmlns="" id="{BDFEFAEF-AB6A-BE8F-01E7-845FB609FA07}"/>
               </a:ext>
             </a:extLst>
           </p:cNvPr>
@@ -7803,43 +11106,215 @@
             <a:spLocks noGrp="1"/>
           </p:cNvSpPr>
           <p:nvPr>
-            <p:ph sz="half" idx="1"/>
+            <p:ph type="subTitle" idx="1"/>
           </p:nvPr>
         </p:nvSpPr>
-        <p:spPr/>
+        <p:spPr>
+          <a:xfrm>
+            <a:off x="7848600" y="4872922"/>
+            <a:ext cx="4023360" cy="1208141"/>
+          </a:xfrm>
+        </p:spPr>
         <p:txBody>
           <a:bodyPr>
             <a:normAutofit/>
           </a:bodyPr>
           <a:lstStyle/>
           <a:p>
-            <a:pPr marL="0" indent="0">
+            <a:r>
+              <a:rPr lang="fr-FR" sz="2000" dirty="0"/>
+              <a:t>Outils Numériques / Semestre 5 / Institut d’Optique </a:t>
+            </a:r>
+            <a:r>
+              <a:rPr lang="fr-FR" sz="2000"/>
+              <a:t>/ B0_3</a:t>
+            </a:r>
+            <a:endParaRPr lang="fr-FR" sz="2000" dirty="0"/>
+          </a:p>
+        </p:txBody>
+      </p:sp>
+      <p:sp>
+        <p:nvSpPr>
+          <p:cNvPr id="32" name="Rectangle 12">
+            <a:extLst>
+              <a:ext uri="{FF2B5EF4-FFF2-40B4-BE49-F238E27FC236}">
+                <a16:creationId xmlns:a16="http://schemas.microsoft.com/office/drawing/2014/main" xmlns="" id="{AF2F604E-43BE-4DC3-B983-E071523364F8}"/>
+              </a:ext>
+              <a:ext uri="{C183D7F6-B498-43B3-948B-1728B52AA6E4}">
+                <adec:decorative xmlns:adec="http://schemas.microsoft.com/office/drawing/2017/decorative" xmlns="" val="1"/>
+              </a:ext>
+            </a:extLst>
+          </p:cNvPr>
+          <p:cNvSpPr>
+            <a:spLocks noGrp="1" noRot="1" noChangeAspect="1" noMove="1" noResize="1" noEditPoints="1" noAdjustHandles="1" noChangeArrowheads="1" noChangeShapeType="1" noTextEdit="1"/>
+          </p:cNvSpPr>
+          <p:nvPr>
+            <p:extLst>
+              <p:ext uri="{386F3935-93C4-4BCD-93E2-E3B085C9AB24}">
+                <p16:designElem xmlns:p16="http://schemas.microsoft.com/office/powerpoint/2015/main" xmlns="" val="1"/>
+              </p:ext>
+            </p:extLst>
+          </p:nvPr>
+        </p:nvSpPr>
+        <p:spPr>
+          <a:xfrm rot="5400000">
+            <a:off x="8130540" y="346791"/>
+            <a:ext cx="146304" cy="704088"/>
+          </a:xfrm>
+          <a:prstGeom prst="rect">
+            <a:avLst/>
+          </a:prstGeom>
+          <a:solidFill>
+            <a:schemeClr val="accent1"/>
+          </a:solidFill>
+          <a:ln>
+            <a:noFill/>
+          </a:ln>
+        </p:spPr>
+        <p:style>
+          <a:lnRef idx="2">
+            <a:schemeClr val="accent1">
+              <a:shade val="50000"/>
+            </a:schemeClr>
+          </a:lnRef>
+          <a:fillRef idx="1">
+            <a:schemeClr val="accent1"/>
+          </a:fillRef>
+          <a:effectRef idx="0">
+            <a:schemeClr val="accent1"/>
+          </a:effectRef>
+          <a:fontRef idx="minor">
+            <a:schemeClr val="lt1"/>
+          </a:fontRef>
+        </p:style>
+        <p:txBody>
+          <a:bodyPr rtlCol="0" anchor="ctr"/>
+          <a:lstStyle/>
+          <a:p>
+            <a:pPr marL="0" marR="0" lvl="0" indent="0" algn="ctr" defTabSz="914400" rtl="0" eaLnBrk="1" fontAlgn="auto" latinLnBrk="0" hangingPunct="1">
+              <a:lnSpc>
+                <a:spcPct val="100000"/>
+              </a:lnSpc>
+              <a:spcBef>
+                <a:spcPts val="0"/>
+              </a:spcBef>
+              <a:spcAft>
+                <a:spcPts val="0"/>
+              </a:spcAft>
+              <a:buClrTx/>
+              <a:buSzTx/>
+              <a:buFontTx/>
               <a:buNone/>
+              <a:tabLst/>
+              <a:defRPr/>
             </a:pPr>
-            <a:r>
-              <a:rPr lang="fr-FR" b="1" dirty="0"/>
-              <a:t>Eléments de base</a:t>
-            </a:r>
-          </a:p>
-          <a:p>
-            <a:r>
-              <a:rPr lang="fr-FR" sz="2000" b="1" dirty="0"/>
-              <a:t>Classe</a:t>
-            </a:r>
-            <a:r>
-              <a:rPr lang="fr-FR" sz="2000" dirty="0"/>
-              <a:t> : rassemblement de différentes données et fonctions</a:t>
-            </a:r>
-          </a:p>
-          <a:p>
-            <a:r>
-              <a:rPr lang="fr-FR" sz="2000" b="1" dirty="0"/>
-              <a:t>Objet</a:t>
-            </a:r>
-            <a:r>
-              <a:rPr lang="fr-FR" sz="2000" dirty="0"/>
-              <a:t> : instance d'une classe</a:t>
-            </a:r>
+            <a:endParaRPr kumimoji="0" lang="en-US" sz="1800" b="0" i="0" u="none" strike="noStrike" kern="1200" cap="none" spc="0" normalizeH="0" baseline="0" noProof="0">
+              <a:ln>
+                <a:noFill/>
+              </a:ln>
+              <a:solidFill>
+                <a:prstClr val="white"/>
+              </a:solidFill>
+              <a:effectLst/>
+              <a:uLnTx/>
+              <a:uFillTx/>
+              <a:latin typeface="Calibri" panose="020F0502020204030204"/>
+              <a:ea typeface="+mn-ea"/>
+              <a:cs typeface="+mn-cs"/>
+            </a:endParaRPr>
+          </a:p>
+        </p:txBody>
+      </p:sp>
+      <p:sp>
+        <p:nvSpPr>
+          <p:cNvPr id="33" name="Rectangle 14">
+            <a:extLst>
+              <a:ext uri="{FF2B5EF4-FFF2-40B4-BE49-F238E27FC236}">
+                <a16:creationId xmlns:a16="http://schemas.microsoft.com/office/drawing/2014/main" xmlns="" id="{08C9B587-E65E-4B52-B37C-ABEBB6E87928}"/>
+              </a:ext>
+              <a:ext uri="{C183D7F6-B498-43B3-948B-1728B52AA6E4}">
+                <adec:decorative xmlns:adec="http://schemas.microsoft.com/office/drawing/2017/decorative" xmlns="" val="1"/>
+              </a:ext>
+            </a:extLst>
+          </p:cNvPr>
+          <p:cNvSpPr>
+            <a:spLocks noGrp="1" noRot="1" noChangeAspect="1" noMove="1" noResize="1" noEditPoints="1" noAdjustHandles="1" noChangeArrowheads="1" noChangeShapeType="1" noTextEdit="1"/>
+          </p:cNvSpPr>
+          <p:nvPr>
+            <p:extLst>
+              <p:ext uri="{386F3935-93C4-4BCD-93E2-E3B085C9AB24}">
+                <p16:designElem xmlns:p16="http://schemas.microsoft.com/office/powerpoint/2015/main" xmlns="" val="1"/>
+              </p:ext>
+            </p:extLst>
+          </p:nvPr>
+        </p:nvSpPr>
+        <p:spPr>
+          <a:xfrm>
+            <a:off x="7851648" y="4546920"/>
+            <a:ext cx="4023360" cy="18288"/>
+          </a:xfrm>
+          <a:prstGeom prst="rect">
+            <a:avLst/>
+          </a:prstGeom>
+          <a:solidFill>
+            <a:schemeClr val="tx1"/>
+          </a:solidFill>
+          <a:ln w="3175">
+            <a:noFill/>
+          </a:ln>
+          <a:effectLst/>
+        </p:spPr>
+        <p:style>
+          <a:lnRef idx="2">
+            <a:schemeClr val="accent1">
+              <a:shade val="50000"/>
+            </a:schemeClr>
+          </a:lnRef>
+          <a:fillRef idx="1">
+            <a:schemeClr val="accent1"/>
+          </a:fillRef>
+          <a:effectRef idx="0">
+            <a:schemeClr val="accent1"/>
+          </a:effectRef>
+          <a:fontRef idx="minor">
+            <a:schemeClr val="lt1"/>
+          </a:fontRef>
+        </p:style>
+        <p:txBody>
+          <a:bodyPr rtlCol="0" anchor="ctr"/>
+          <a:lstStyle/>
+          <a:p>
+            <a:pPr marL="0" marR="0" lvl="0" indent="0" algn="ctr" defTabSz="914400" rtl="0" eaLnBrk="1" fontAlgn="auto" latinLnBrk="0" hangingPunct="1">
+              <a:lnSpc>
+                <a:spcPct val="100000"/>
+              </a:lnSpc>
+              <a:spcBef>
+                <a:spcPts val="0"/>
+              </a:spcBef>
+              <a:spcAft>
+                <a:spcPts val="0"/>
+              </a:spcAft>
+              <a:buClrTx/>
+              <a:buSzTx/>
+              <a:buFontTx/>
+              <a:buNone/>
+              <a:tabLst/>
+              <a:defRPr/>
+            </a:pPr>
+            <a:endParaRPr kumimoji="0" lang="en-US" sz="1800" b="0" i="0" u="none" strike="noStrike" kern="1200" cap="none" spc="0" normalizeH="0" baseline="0" noProof="0">
+              <a:ln>
+                <a:noFill/>
+              </a:ln>
+              <a:solidFill>
+                <a:prstClr val="white"/>
+              </a:solidFill>
+              <a:effectLst/>
+              <a:uLnTx/>
+              <a:uFillTx/>
+              <a:latin typeface="Calibri" panose="020F0502020204030204"/>
+              <a:ea typeface="+mn-ea"/>
+              <a:cs typeface="+mn-cs"/>
+            </a:endParaRPr>
           </a:p>
         </p:txBody>
       </p:sp>
@@ -7848,7 +11323,7 @@
           <p:cNvPr id="5" name="Image 4" descr="Une image contenant texte&#10;&#10;Description générée automatiquement">
             <a:extLst>
               <a:ext uri="{FF2B5EF4-FFF2-40B4-BE49-F238E27FC236}">
-                <a16:creationId xmlns:a16="http://schemas.microsoft.com/office/drawing/2014/main" id="{66D2630B-81F4-A4EB-21BA-8B90CF30BD92}"/>
+                <a16:creationId xmlns:a16="http://schemas.microsoft.com/office/drawing/2014/main" xmlns="" id="{3037BA79-FF20-6017-2C77-6E9611892AF9}"/>
               </a:ext>
             </a:extLst>
           </p:cNvPr>
@@ -7858,7 +11333,7 @@
           <p:nvPr/>
         </p:nvPicPr>
         <p:blipFill>
-          <a:blip r:embed="rId2">
+          <a:blip r:embed="rId3">
             <a:extLst>
               <a:ext uri="{28A0092B-C50C-407E-A947-70E740481C1C}">
                 <a14:useLocalDpi xmlns:a14="http://schemas.microsoft.com/office/drawing/2010/main" val="0"/>
@@ -7871,38 +11346,8 @@
         </p:blipFill>
         <p:spPr>
           <a:xfrm>
-            <a:off x="202922" y="5934456"/>
-            <a:ext cx="1825291" cy="749808"/>
-          </a:xfrm>
-          <a:prstGeom prst="rect">
-            <a:avLst/>
-          </a:prstGeom>
-        </p:spPr>
-      </p:pic>
-      <p:pic>
-        <p:nvPicPr>
-          <p:cNvPr id="6" name="Image 5">
-            <a:extLst>
-              <a:ext uri="{FF2B5EF4-FFF2-40B4-BE49-F238E27FC236}">
-                <a16:creationId xmlns:a16="http://schemas.microsoft.com/office/drawing/2014/main" id="{F53BA022-8508-E77A-0C30-0DCF4103FD21}"/>
-              </a:ext>
-            </a:extLst>
-          </p:cNvPr>
-          <p:cNvPicPr>
-            <a:picLocks noChangeAspect="1"/>
-          </p:cNvPicPr>
-          <p:nvPr/>
-        </p:nvPicPr>
-        <p:blipFill>
-          <a:blip r:embed="rId3"/>
-          <a:stretch>
-            <a:fillRect/>
-          </a:stretch>
-        </p:blipFill>
-        <p:spPr>
-          <a:xfrm>
-            <a:off x="7461853" y="2547887"/>
-            <a:ext cx="3821843" cy="3761473"/>
+            <a:off x="168033" y="195172"/>
+            <a:ext cx="2452178" cy="1007326"/>
           </a:xfrm>
           <a:prstGeom prst="rect">
             <a:avLst/>
@@ -7912,12 +11357,12 @@
     </p:spTree>
     <p:extLst>
       <p:ext uri="{BB962C8B-B14F-4D97-AF65-F5344CB8AC3E}">
-        <p14:creationId xmlns:p14="http://schemas.microsoft.com/office/powerpoint/2010/main" val="2547691626"/>
+        <p14:creationId xmlns:p14="http://schemas.microsoft.com/office/powerpoint/2010/main" val="1782768194"/>
       </p:ext>
     </p:extLst>
   </p:cSld>
   <p:clrMapOvr>
-    <a:masterClrMapping/>
+    <a:overrideClrMapping bg1="dk1" tx1="lt1" bg2="dk2" tx2="lt2" accent1="accent1" accent2="accent2" accent3="accent3" accent4="accent4" accent5="accent5" accent6="accent6" hlink="hlink" folHlink="folHlink"/>
   </p:clrMapOvr>
 </p:sld>
 </file>
@@ -7944,7 +11389,7 @@
           <p:cNvPr id="2" name="Titre 1">
             <a:extLst>
               <a:ext uri="{FF2B5EF4-FFF2-40B4-BE49-F238E27FC236}">
-                <a16:creationId xmlns:a16="http://schemas.microsoft.com/office/drawing/2014/main" id="{90162AE8-C1B0-5C56-8313-DEE494F38273}"/>
+                <a16:creationId xmlns:a16="http://schemas.microsoft.com/office/drawing/2014/main" xmlns="" id="{90162AE8-C1B0-5C56-8313-DEE494F38273}"/>
               </a:ext>
             </a:extLst>
           </p:cNvPr>
@@ -7961,9 +11406,10 @@
           <a:lstStyle/>
           <a:p>
             <a:r>
-              <a:rPr lang="fr-FR" dirty="0"/>
-              <a:t>Programmation orientée objet</a:t>
-            </a:r>
+              <a:rPr lang="fr-FR" dirty="0" smtClean="0"/>
+              <a:t>C’est quoi cette syntaxe ???</a:t>
+            </a:r>
+            <a:endParaRPr lang="fr-FR" dirty="0"/>
           </a:p>
         </p:txBody>
       </p:sp>
@@ -7972,7 +11418,7 @@
           <p:cNvPr id="3" name="Espace réservé du contenu 2">
             <a:extLst>
               <a:ext uri="{FF2B5EF4-FFF2-40B4-BE49-F238E27FC236}">
-                <a16:creationId xmlns:a16="http://schemas.microsoft.com/office/drawing/2014/main" id="{E0BBB9DE-019C-C741-F224-494739D4B752}"/>
+                <a16:creationId xmlns:a16="http://schemas.microsoft.com/office/drawing/2014/main" xmlns="" id="{E0BBB9DE-019C-C741-F224-494739D4B752}"/>
               </a:ext>
             </a:extLst>
           </p:cNvPr>
@@ -7983,77 +11429,21 @@
             <p:ph sz="half" idx="1"/>
           </p:nvPr>
         </p:nvSpPr>
-        <p:spPr/>
-        <p:txBody>
-          <a:bodyPr>
-            <a:normAutofit/>
-          </a:bodyPr>
-          <a:lstStyle/>
-          <a:p>
-            <a:pPr marL="0" indent="0">
-              <a:buNone/>
-            </a:pPr>
-            <a:r>
-              <a:rPr lang="fr-FR" b="1" dirty="0"/>
-              <a:t>Concepts fondamentaux</a:t>
-            </a:r>
-          </a:p>
-          <a:p>
-            <a:r>
-              <a:rPr lang="fr-FR" sz="2000" b="1" dirty="0"/>
-              <a:t>Encapsulation</a:t>
-            </a:r>
-            <a:r>
-              <a:rPr lang="fr-FR" sz="2000" dirty="0"/>
-              <a:t> : regroupement de différentes données et fonctions sous une même entité</a:t>
-            </a:r>
-          </a:p>
-          <a:p>
-            <a:r>
-              <a:rPr lang="fr-FR" sz="2000" b="1" dirty="0">
-                <a:solidFill>
-                  <a:schemeClr val="bg1">
-                    <a:lumMod val="75000"/>
-                  </a:schemeClr>
-                </a:solidFill>
-              </a:rPr>
-              <a:t>Héritage</a:t>
-            </a:r>
-            <a:r>
-              <a:rPr lang="fr-FR" sz="2000" dirty="0">
-                <a:solidFill>
-                  <a:schemeClr val="bg1">
-                    <a:lumMod val="75000"/>
-                  </a:schemeClr>
-                </a:solidFill>
-              </a:rPr>
-              <a:t> : arborescence de classes permettant la spécialisation</a:t>
-            </a:r>
-          </a:p>
-          <a:p>
-            <a:r>
-              <a:rPr lang="fr-FR" sz="2000" b="1" dirty="0">
-                <a:solidFill>
-                  <a:schemeClr val="bg1">
-                    <a:lumMod val="75000"/>
-                  </a:schemeClr>
-                </a:solidFill>
-              </a:rPr>
-              <a:t>Polymorphisme</a:t>
-            </a:r>
-            <a:r>
-              <a:rPr lang="fr-FR" sz="2000" dirty="0">
-                <a:solidFill>
-                  <a:schemeClr val="bg1">
-                    <a:lumMod val="75000"/>
-                  </a:schemeClr>
-                </a:solidFill>
-              </a:rPr>
-              <a:t> : réaction différente de deux objets (de classe différente) à une même procédure</a:t>
-            </a:r>
-          </a:p>
-          <a:p>
-            <a:endParaRPr lang="fr-FR" sz="2000" dirty="0"/>
+        <p:spPr>
+          <a:xfrm>
+            <a:off x="1115567" y="2976112"/>
+            <a:ext cx="10159158" cy="3196087"/>
+          </a:xfrm>
+        </p:spPr>
+        <p:txBody>
+          <a:bodyPr/>
+          <a:lstStyle/>
+          <a:p>
+            <a:r>
+              <a:rPr lang="fr-FR" dirty="0" smtClean="0"/>
+              <a:t>Que représentent ces différentes syntaxes ?</a:t>
+            </a:r>
+            <a:endParaRPr lang="fr-FR" dirty="0"/>
           </a:p>
         </p:txBody>
       </p:sp>
@@ -8062,7 +11452,7 @@
           <p:cNvPr id="5" name="Image 4" descr="Une image contenant texte&#10;&#10;Description générée automatiquement">
             <a:extLst>
               <a:ext uri="{FF2B5EF4-FFF2-40B4-BE49-F238E27FC236}">
-                <a16:creationId xmlns:a16="http://schemas.microsoft.com/office/drawing/2014/main" id="{66D2630B-81F4-A4EB-21BA-8B90CF30BD92}"/>
+                <a16:creationId xmlns:a16="http://schemas.microsoft.com/office/drawing/2014/main" xmlns="" id="{66D2630B-81F4-A4EB-21BA-8B90CF30BD92}"/>
               </a:ext>
             </a:extLst>
           </p:cNvPr>
@@ -8072,7 +11462,7 @@
           <p:nvPr/>
         </p:nvPicPr>
         <p:blipFill>
-          <a:blip r:embed="rId2">
+          <a:blip r:embed="rId2" cstate="print">
             <a:extLst>
               <a:ext uri="{28A0092B-C50C-407E-A947-70E740481C1C}">
                 <a14:useLocalDpi xmlns:a14="http://schemas.microsoft.com/office/drawing/2010/main" val="0"/>
@@ -8093,40 +11483,246 @@
           </a:prstGeom>
         </p:spPr>
       </p:pic>
-      <p:pic>
-        <p:nvPicPr>
-          <p:cNvPr id="9" name="Image 8">
-            <a:extLst>
-              <a:ext uri="{FF2B5EF4-FFF2-40B4-BE49-F238E27FC236}">
-                <a16:creationId xmlns:a16="http://schemas.microsoft.com/office/drawing/2014/main" id="{4BF373FE-89DD-0DD2-F7BB-15E160443678}"/>
-              </a:ext>
-            </a:extLst>
-          </p:cNvPr>
-          <p:cNvPicPr>
-            <a:picLocks noChangeAspect="1"/>
-          </p:cNvPicPr>
+      <p:sp>
+        <p:nvSpPr>
+          <p:cNvPr id="8" name="ZoneTexte 7">
+            <a:extLst>
+              <a:ext uri="{FF2B5EF4-FFF2-40B4-BE49-F238E27FC236}">
+                <a16:creationId xmlns:a16="http://schemas.microsoft.com/office/drawing/2014/main" xmlns="" id="{6791B4E9-865B-BC73-B7D5-34201D8E7E81}"/>
+              </a:ext>
+            </a:extLst>
+          </p:cNvPr>
+          <p:cNvSpPr txBox="1"/>
           <p:nvPr/>
-        </p:nvPicPr>
-        <p:blipFill>
-          <a:blip r:embed="rId3"/>
-          <a:stretch>
-            <a:fillRect/>
-          </a:stretch>
-        </p:blipFill>
-        <p:spPr>
-          <a:xfrm>
-            <a:off x="6676102" y="2888202"/>
-            <a:ext cx="5058390" cy="1436910"/>
-          </a:xfrm>
-          <a:prstGeom prst="rect">
-            <a:avLst/>
-          </a:prstGeom>
-        </p:spPr>
-      </p:pic>
+        </p:nvSpPr>
+        <p:spPr>
+          <a:xfrm>
+            <a:off x="822959" y="2301712"/>
+            <a:ext cx="4765173" cy="369332"/>
+          </a:xfrm>
+          <a:prstGeom prst="rect">
+            <a:avLst/>
+          </a:prstGeom>
+          <a:solidFill>
+            <a:schemeClr val="accent1">
+              <a:lumMod val="40000"/>
+              <a:lumOff val="60000"/>
+            </a:schemeClr>
+          </a:solidFill>
+        </p:spPr>
+        <p:txBody>
+          <a:bodyPr wrap="square" rtlCol="0">
+            <a:spAutoFit/>
+          </a:bodyPr>
+          <a:lstStyle/>
+          <a:p>
+            <a:r>
+              <a:rPr lang="fr-FR" b="1" dirty="0" smtClean="0"/>
+              <a:t>import</a:t>
+            </a:r>
+            <a:r>
+              <a:rPr lang="fr-FR" dirty="0" smtClean="0"/>
+              <a:t> </a:t>
+            </a:r>
+            <a:r>
+              <a:rPr lang="fr-FR" dirty="0" err="1" smtClean="0"/>
+              <a:t>numpy</a:t>
+            </a:r>
+            <a:endParaRPr lang="fr-FR" dirty="0" smtClean="0"/>
+          </a:p>
+        </p:txBody>
+      </p:sp>
+      <p:sp>
+        <p:nvSpPr>
+          <p:cNvPr id="10" name="ZoneTexte 9">
+            <a:extLst>
+              <a:ext uri="{FF2B5EF4-FFF2-40B4-BE49-F238E27FC236}">
+                <a16:creationId xmlns:a16="http://schemas.microsoft.com/office/drawing/2014/main" xmlns="" id="{8919C08D-4BD9-E355-43E2-5BD22F224950}"/>
+              </a:ext>
+            </a:extLst>
+          </p:cNvPr>
+          <p:cNvSpPr txBox="1"/>
+          <p:nvPr/>
+        </p:nvSpPr>
+        <p:spPr>
+          <a:xfrm>
+            <a:off x="6344971" y="3687046"/>
+            <a:ext cx="4765173" cy="369332"/>
+          </a:xfrm>
+          <a:prstGeom prst="rect">
+            <a:avLst/>
+          </a:prstGeom>
+          <a:solidFill>
+            <a:schemeClr val="accent1">
+              <a:lumMod val="40000"/>
+              <a:lumOff val="60000"/>
+            </a:schemeClr>
+          </a:solidFill>
+        </p:spPr>
+        <p:txBody>
+          <a:bodyPr wrap="square" rtlCol="0">
+            <a:spAutoFit/>
+          </a:bodyPr>
+          <a:lstStyle/>
+          <a:p>
+            <a:r>
+              <a:rPr lang="fr-FR" dirty="0" smtClean="0"/>
+              <a:t>a </a:t>
+            </a:r>
+            <a:r>
+              <a:rPr lang="fr-FR" b="1" dirty="0" smtClean="0"/>
+              <a:t>=</a:t>
+            </a:r>
+            <a:r>
+              <a:rPr lang="fr-FR" dirty="0" smtClean="0"/>
+              <a:t> </a:t>
+            </a:r>
+            <a:r>
+              <a:rPr lang="fr-FR" dirty="0" err="1" smtClean="0"/>
+              <a:t>v.</a:t>
+            </a:r>
+            <a:r>
+              <a:rPr lang="fr-FR" b="1" dirty="0" err="1" smtClean="0"/>
+              <a:t>max</a:t>
+            </a:r>
+            <a:r>
+              <a:rPr lang="fr-FR" dirty="0" smtClean="0"/>
+              <a:t>()</a:t>
+            </a:r>
+            <a:endParaRPr lang="fr-FR" b="1" dirty="0"/>
+          </a:p>
+        </p:txBody>
+      </p:sp>
+      <p:sp>
+        <p:nvSpPr>
+          <p:cNvPr id="12" name="ZoneTexte 11">
+            <a:extLst>
+              <a:ext uri="{FF2B5EF4-FFF2-40B4-BE49-F238E27FC236}">
+                <a16:creationId xmlns:a16="http://schemas.microsoft.com/office/drawing/2014/main" xmlns="" id="{6791B4E9-865B-BC73-B7D5-34201D8E7E81}"/>
+              </a:ext>
+            </a:extLst>
+          </p:cNvPr>
+          <p:cNvSpPr txBox="1"/>
+          <p:nvPr/>
+        </p:nvSpPr>
+        <p:spPr>
+          <a:xfrm>
+            <a:off x="822960" y="3687046"/>
+            <a:ext cx="4765173" cy="369332"/>
+          </a:xfrm>
+          <a:prstGeom prst="rect">
+            <a:avLst/>
+          </a:prstGeom>
+          <a:solidFill>
+            <a:schemeClr val="accent1">
+              <a:lumMod val="40000"/>
+              <a:lumOff val="60000"/>
+            </a:schemeClr>
+          </a:solidFill>
+        </p:spPr>
+        <p:txBody>
+          <a:bodyPr wrap="square" rtlCol="0">
+            <a:spAutoFit/>
+          </a:bodyPr>
+          <a:lstStyle/>
+          <a:p>
+            <a:r>
+              <a:rPr lang="fr-FR" dirty="0" smtClean="0"/>
+              <a:t>v </a:t>
+            </a:r>
+            <a:r>
+              <a:rPr lang="fr-FR" b="1" dirty="0" smtClean="0"/>
+              <a:t>=</a:t>
+            </a:r>
+            <a:r>
+              <a:rPr lang="fr-FR" dirty="0" smtClean="0"/>
+              <a:t> </a:t>
+            </a:r>
+            <a:r>
+              <a:rPr lang="fr-FR" b="1" dirty="0" err="1" smtClean="0"/>
+              <a:t>numpy</a:t>
+            </a:r>
+            <a:r>
+              <a:rPr lang="fr-FR" dirty="0" err="1" smtClean="0"/>
+              <a:t>.</a:t>
+            </a:r>
+            <a:r>
+              <a:rPr lang="fr-FR" b="1" dirty="0" err="1" smtClean="0"/>
+              <a:t>array</a:t>
+            </a:r>
+            <a:r>
+              <a:rPr lang="fr-FR" dirty="0" smtClean="0"/>
+              <a:t>([1, 2, 3])</a:t>
+            </a:r>
+            <a:endParaRPr lang="fr-FR" dirty="0"/>
+          </a:p>
+        </p:txBody>
+      </p:sp>
+      <p:sp>
+        <p:nvSpPr>
+          <p:cNvPr id="15" name="ZoneTexte 14">
+            <a:extLst>
+              <a:ext uri="{FF2B5EF4-FFF2-40B4-BE49-F238E27FC236}">
+                <a16:creationId xmlns:a16="http://schemas.microsoft.com/office/drawing/2014/main" xmlns="" id="{6791B4E9-865B-BC73-B7D5-34201D8E7E81}"/>
+              </a:ext>
+            </a:extLst>
+          </p:cNvPr>
+          <p:cNvSpPr txBox="1"/>
+          <p:nvPr/>
+        </p:nvSpPr>
+        <p:spPr>
+          <a:xfrm>
+            <a:off x="6344971" y="4870178"/>
+            <a:ext cx="4765173" cy="369332"/>
+          </a:xfrm>
+          <a:prstGeom prst="rect">
+            <a:avLst/>
+          </a:prstGeom>
+          <a:solidFill>
+            <a:schemeClr val="accent1">
+              <a:lumMod val="40000"/>
+              <a:lumOff val="60000"/>
+            </a:schemeClr>
+          </a:solidFill>
+        </p:spPr>
+        <p:txBody>
+          <a:bodyPr wrap="square" rtlCol="0">
+            <a:spAutoFit/>
+          </a:bodyPr>
+          <a:lstStyle/>
+          <a:p>
+            <a:r>
+              <a:rPr lang="fr-FR" b="1" dirty="0" err="1"/>
+              <a:t>p</a:t>
+            </a:r>
+            <a:r>
+              <a:rPr lang="fr-FR" b="1" dirty="0" err="1" smtClean="0"/>
+              <a:t>rint</a:t>
+            </a:r>
+            <a:r>
+              <a:rPr lang="fr-FR" dirty="0" smtClean="0"/>
+              <a:t>( </a:t>
+            </a:r>
+            <a:r>
+              <a:rPr lang="fr-FR" dirty="0" err="1" smtClean="0"/>
+              <a:t>v.</a:t>
+            </a:r>
+            <a:r>
+              <a:rPr lang="fr-FR" b="1" i="1" dirty="0" err="1" smtClean="0"/>
+              <a:t>shape</a:t>
+            </a:r>
+            <a:r>
+              <a:rPr lang="fr-FR" dirty="0" smtClean="0"/>
+              <a:t> )</a:t>
+            </a:r>
+            <a:endParaRPr lang="fr-FR" dirty="0"/>
+          </a:p>
+        </p:txBody>
+      </p:sp>
     </p:spTree>
     <p:extLst>
       <p:ext uri="{BB962C8B-B14F-4D97-AF65-F5344CB8AC3E}">
-        <p14:creationId xmlns:p14="http://schemas.microsoft.com/office/powerpoint/2010/main" val="4075081114"/>
+        <p14:creationId xmlns:p14="http://schemas.microsoft.com/office/powerpoint/2010/main" val="473499874"/>
       </p:ext>
     </p:extLst>
   </p:cSld>
@@ -8158,7 +11754,7 @@
           <p:cNvPr id="2" name="Titre 1">
             <a:extLst>
               <a:ext uri="{FF2B5EF4-FFF2-40B4-BE49-F238E27FC236}">
-                <a16:creationId xmlns:a16="http://schemas.microsoft.com/office/drawing/2014/main" id="{90162AE8-C1B0-5C56-8313-DEE494F38273}"/>
+                <a16:creationId xmlns:a16="http://schemas.microsoft.com/office/drawing/2014/main" xmlns="" id="{90162AE8-C1B0-5C56-8313-DEE494F38273}"/>
               </a:ext>
             </a:extLst>
           </p:cNvPr>
@@ -8175,9 +11771,10 @@
           <a:lstStyle/>
           <a:p>
             <a:r>
-              <a:rPr lang="fr-FR" dirty="0"/>
-              <a:t>Programmation orientée objet</a:t>
-            </a:r>
+              <a:rPr lang="fr-FR" dirty="0" smtClean="0"/>
+              <a:t>C’est quoi cette syntaxe ???</a:t>
+            </a:r>
+            <a:endParaRPr lang="fr-FR" dirty="0"/>
           </a:p>
         </p:txBody>
       </p:sp>
@@ -8186,7 +11783,7 @@
           <p:cNvPr id="3" name="Espace réservé du contenu 2">
             <a:extLst>
               <a:ext uri="{FF2B5EF4-FFF2-40B4-BE49-F238E27FC236}">
-                <a16:creationId xmlns:a16="http://schemas.microsoft.com/office/drawing/2014/main" id="{E0BBB9DE-019C-C741-F224-494739D4B752}"/>
+                <a16:creationId xmlns:a16="http://schemas.microsoft.com/office/drawing/2014/main" xmlns="" id="{E0BBB9DE-019C-C741-F224-494739D4B752}"/>
               </a:ext>
             </a:extLst>
           </p:cNvPr>
@@ -8197,65 +11794,21 @@
             <p:ph sz="half" idx="1"/>
           </p:nvPr>
         </p:nvSpPr>
-        <p:spPr/>
-        <p:txBody>
-          <a:bodyPr>
-            <a:normAutofit/>
-          </a:bodyPr>
-          <a:lstStyle/>
-          <a:p>
-            <a:pPr marL="0" indent="0">
-              <a:buNone/>
-            </a:pPr>
-            <a:r>
-              <a:rPr lang="fr-FR" b="1" dirty="0"/>
-              <a:t>Concepts fondamentaux</a:t>
-            </a:r>
-          </a:p>
-          <a:p>
-            <a:r>
-              <a:rPr lang="fr-FR" sz="2000" b="1" dirty="0"/>
-              <a:t>Encapsulation</a:t>
-            </a:r>
-            <a:r>
-              <a:rPr lang="fr-FR" sz="2000" dirty="0"/>
-              <a:t> : regroupement de différentes données et fonctions sous une même entité</a:t>
-            </a:r>
-          </a:p>
-          <a:p>
-            <a:r>
-              <a:rPr lang="fr-FR" sz="2000" b="1" dirty="0"/>
-              <a:t>Héritage</a:t>
-            </a:r>
-            <a:r>
-              <a:rPr lang="fr-FR" sz="2000" dirty="0"/>
-              <a:t> : arborescence de classes permettant la spécialisation</a:t>
-            </a:r>
-          </a:p>
-          <a:p>
-            <a:r>
-              <a:rPr lang="fr-FR" sz="2000" b="1" dirty="0">
-                <a:solidFill>
-                  <a:schemeClr val="bg1">
-                    <a:lumMod val="75000"/>
-                  </a:schemeClr>
-                </a:solidFill>
-              </a:rPr>
-              <a:t>Polymorphisme</a:t>
-            </a:r>
-            <a:r>
-              <a:rPr lang="fr-FR" sz="2000" dirty="0">
-                <a:solidFill>
-                  <a:schemeClr val="bg1">
-                    <a:lumMod val="75000"/>
-                  </a:schemeClr>
-                </a:solidFill>
-              </a:rPr>
-              <a:t> : réaction différente de deux objets (de classe différente) à une même procédure</a:t>
-            </a:r>
-          </a:p>
-          <a:p>
-            <a:endParaRPr lang="fr-FR" sz="2000" dirty="0"/>
+        <p:spPr>
+          <a:xfrm>
+            <a:off x="1115567" y="2976112"/>
+            <a:ext cx="10159158" cy="3196087"/>
+          </a:xfrm>
+        </p:spPr>
+        <p:txBody>
+          <a:bodyPr/>
+          <a:lstStyle/>
+          <a:p>
+            <a:r>
+              <a:rPr lang="fr-FR" dirty="0" smtClean="0"/>
+              <a:t>Que représentent ces différentes syntaxes ?</a:t>
+            </a:r>
+            <a:endParaRPr lang="fr-FR" dirty="0"/>
           </a:p>
         </p:txBody>
       </p:sp>
@@ -8264,7 +11817,7 @@
           <p:cNvPr id="5" name="Image 4" descr="Une image contenant texte&#10;&#10;Description générée automatiquement">
             <a:extLst>
               <a:ext uri="{FF2B5EF4-FFF2-40B4-BE49-F238E27FC236}">
-                <a16:creationId xmlns:a16="http://schemas.microsoft.com/office/drawing/2014/main" id="{66D2630B-81F4-A4EB-21BA-8B90CF30BD92}"/>
+                <a16:creationId xmlns:a16="http://schemas.microsoft.com/office/drawing/2014/main" xmlns="" id="{66D2630B-81F4-A4EB-21BA-8B90CF30BD92}"/>
               </a:ext>
             </a:extLst>
           </p:cNvPr>
@@ -8274,7 +11827,7 @@
           <p:nvPr/>
         </p:nvPicPr>
         <p:blipFill>
-          <a:blip r:embed="rId2">
+          <a:blip r:embed="rId2" cstate="print">
             <a:extLst>
               <a:ext uri="{28A0092B-C50C-407E-A947-70E740481C1C}">
                 <a14:useLocalDpi xmlns:a14="http://schemas.microsoft.com/office/drawing/2010/main" val="0"/>
@@ -8297,10 +11850,10 @@
       </p:pic>
       <p:sp>
         <p:nvSpPr>
-          <p:cNvPr id="7" name="ZoneTexte 6">
-            <a:extLst>
-              <a:ext uri="{FF2B5EF4-FFF2-40B4-BE49-F238E27FC236}">
-                <a16:creationId xmlns:a16="http://schemas.microsoft.com/office/drawing/2014/main" id="{6E4C2DD6-4167-D9AB-BAAA-16890A961374}"/>
+          <p:cNvPr id="8" name="ZoneTexte 7">
+            <a:extLst>
+              <a:ext uri="{FF2B5EF4-FFF2-40B4-BE49-F238E27FC236}">
+                <a16:creationId xmlns:a16="http://schemas.microsoft.com/office/drawing/2014/main" xmlns="" id="{6791B4E9-865B-BC73-B7D5-34201D8E7E81}"/>
               </a:ext>
             </a:extLst>
           </p:cNvPr>
@@ -8309,33 +11862,47 @@
         </p:nvSpPr>
         <p:spPr>
           <a:xfrm>
-            <a:off x="7516961" y="2108692"/>
-            <a:ext cx="1472519" cy="369332"/>
-          </a:xfrm>
-          <a:prstGeom prst="rect">
-            <a:avLst/>
-          </a:prstGeom>
-          <a:noFill/>
-        </p:spPr>
-        <p:txBody>
-          <a:bodyPr wrap="none" rtlCol="0">
+            <a:off x="822959" y="2301712"/>
+            <a:ext cx="4765173" cy="369332"/>
+          </a:xfrm>
+          <a:prstGeom prst="rect">
+            <a:avLst/>
+          </a:prstGeom>
+          <a:solidFill>
+            <a:schemeClr val="accent1">
+              <a:lumMod val="40000"/>
+              <a:lumOff val="60000"/>
+            </a:schemeClr>
+          </a:solidFill>
+        </p:spPr>
+        <p:txBody>
+          <a:bodyPr wrap="square" rtlCol="0">
             <a:spAutoFit/>
           </a:bodyPr>
           <a:lstStyle/>
           <a:p>
             <a:r>
-              <a:rPr lang="fr-FR" dirty="0"/>
-              <a:t>Classe mère</a:t>
-            </a:r>
-          </a:p>
-        </p:txBody>
-      </p:sp>
-      <p:sp>
-        <p:nvSpPr>
-          <p:cNvPr id="8" name="ZoneTexte 7">
-            <a:extLst>
-              <a:ext uri="{FF2B5EF4-FFF2-40B4-BE49-F238E27FC236}">
-                <a16:creationId xmlns:a16="http://schemas.microsoft.com/office/drawing/2014/main" id="{6B559E04-5610-A54B-CCEE-4889A94D486C}"/>
+              <a:rPr lang="fr-FR" b="1" dirty="0" smtClean="0"/>
+              <a:t>import</a:t>
+            </a:r>
+            <a:r>
+              <a:rPr lang="fr-FR" dirty="0" smtClean="0"/>
+              <a:t> </a:t>
+            </a:r>
+            <a:r>
+              <a:rPr lang="fr-FR" dirty="0" err="1" smtClean="0"/>
+              <a:t>numpy</a:t>
+            </a:r>
+            <a:endParaRPr lang="fr-FR" dirty="0" smtClean="0"/>
+          </a:p>
+        </p:txBody>
+      </p:sp>
+      <p:sp>
+        <p:nvSpPr>
+          <p:cNvPr id="10" name="ZoneTexte 9">
+            <a:extLst>
+              <a:ext uri="{FF2B5EF4-FFF2-40B4-BE49-F238E27FC236}">
+                <a16:creationId xmlns:a16="http://schemas.microsoft.com/office/drawing/2014/main" xmlns="" id="{8919C08D-4BD9-E355-43E2-5BD22F224950}"/>
               </a:ext>
             </a:extLst>
           </p:cNvPr>
@@ -8344,61 +11911,293 @@
         </p:nvSpPr>
         <p:spPr>
           <a:xfrm>
-            <a:off x="7516961" y="6400800"/>
-            <a:ext cx="1503938" cy="369332"/>
-          </a:xfrm>
-          <a:prstGeom prst="rect">
-            <a:avLst/>
-          </a:prstGeom>
-          <a:noFill/>
-        </p:spPr>
-        <p:txBody>
-          <a:bodyPr wrap="none" rtlCol="0">
+            <a:off x="6344971" y="3687046"/>
+            <a:ext cx="4765173" cy="369332"/>
+          </a:xfrm>
+          <a:prstGeom prst="rect">
+            <a:avLst/>
+          </a:prstGeom>
+          <a:solidFill>
+            <a:schemeClr val="accent1">
+              <a:lumMod val="40000"/>
+              <a:lumOff val="60000"/>
+            </a:schemeClr>
+          </a:solidFill>
+        </p:spPr>
+        <p:txBody>
+          <a:bodyPr wrap="square" rtlCol="0">
             <a:spAutoFit/>
           </a:bodyPr>
           <a:lstStyle/>
           <a:p>
             <a:r>
-              <a:rPr lang="fr-FR" dirty="0"/>
-              <a:t>Classes filles</a:t>
-            </a:r>
-          </a:p>
-        </p:txBody>
-      </p:sp>
-      <p:pic>
-        <p:nvPicPr>
-          <p:cNvPr id="9" name="Image 8">
-            <a:extLst>
-              <a:ext uri="{FF2B5EF4-FFF2-40B4-BE49-F238E27FC236}">
-                <a16:creationId xmlns:a16="http://schemas.microsoft.com/office/drawing/2014/main" id="{2646E89C-E18C-4EAB-4395-11A4B5212BF5}"/>
-              </a:ext>
-            </a:extLst>
-          </p:cNvPr>
-          <p:cNvPicPr>
-            <a:picLocks noChangeAspect="1"/>
-          </p:cNvPicPr>
+              <a:rPr lang="fr-FR" dirty="0" smtClean="0"/>
+              <a:t>a </a:t>
+            </a:r>
+            <a:r>
+              <a:rPr lang="fr-FR" b="1" dirty="0" smtClean="0"/>
+              <a:t>=</a:t>
+            </a:r>
+            <a:r>
+              <a:rPr lang="fr-FR" dirty="0" smtClean="0"/>
+              <a:t> </a:t>
+            </a:r>
+            <a:r>
+              <a:rPr lang="fr-FR" dirty="0" err="1" smtClean="0"/>
+              <a:t>v.</a:t>
+            </a:r>
+            <a:r>
+              <a:rPr lang="fr-FR" b="1" dirty="0" err="1" smtClean="0"/>
+              <a:t>max</a:t>
+            </a:r>
+            <a:r>
+              <a:rPr lang="fr-FR" dirty="0" smtClean="0"/>
+              <a:t>()</a:t>
+            </a:r>
+            <a:endParaRPr lang="fr-FR" b="1" dirty="0"/>
+          </a:p>
+        </p:txBody>
+      </p:sp>
+      <p:sp>
+        <p:nvSpPr>
+          <p:cNvPr id="12" name="ZoneTexte 11">
+            <a:extLst>
+              <a:ext uri="{FF2B5EF4-FFF2-40B4-BE49-F238E27FC236}">
+                <a16:creationId xmlns:a16="http://schemas.microsoft.com/office/drawing/2014/main" xmlns="" id="{6791B4E9-865B-BC73-B7D5-34201D8E7E81}"/>
+              </a:ext>
+            </a:extLst>
+          </p:cNvPr>
+          <p:cNvSpPr txBox="1"/>
           <p:nvPr/>
-        </p:nvPicPr>
-        <p:blipFill>
-          <a:blip r:embed="rId3"/>
-          <a:stretch>
-            <a:fillRect/>
-          </a:stretch>
-        </p:blipFill>
-        <p:spPr>
-          <a:xfrm>
-            <a:off x="7827202" y="2478025"/>
-            <a:ext cx="3628715" cy="3922776"/>
-          </a:xfrm>
-          <a:prstGeom prst="rect">
-            <a:avLst/>
-          </a:prstGeom>
-        </p:spPr>
-      </p:pic>
+        </p:nvSpPr>
+        <p:spPr>
+          <a:xfrm>
+            <a:off x="822960" y="3687046"/>
+            <a:ext cx="4765173" cy="369332"/>
+          </a:xfrm>
+          <a:prstGeom prst="rect">
+            <a:avLst/>
+          </a:prstGeom>
+          <a:solidFill>
+            <a:schemeClr val="accent1">
+              <a:lumMod val="40000"/>
+              <a:lumOff val="60000"/>
+            </a:schemeClr>
+          </a:solidFill>
+        </p:spPr>
+        <p:txBody>
+          <a:bodyPr wrap="square" rtlCol="0">
+            <a:spAutoFit/>
+          </a:bodyPr>
+          <a:lstStyle/>
+          <a:p>
+            <a:r>
+              <a:rPr lang="fr-FR" dirty="0" smtClean="0"/>
+              <a:t>v </a:t>
+            </a:r>
+            <a:r>
+              <a:rPr lang="fr-FR" b="1" dirty="0" smtClean="0"/>
+              <a:t>=</a:t>
+            </a:r>
+            <a:r>
+              <a:rPr lang="fr-FR" dirty="0" smtClean="0"/>
+              <a:t> </a:t>
+            </a:r>
+            <a:r>
+              <a:rPr lang="fr-FR" b="1" dirty="0" err="1" smtClean="0"/>
+              <a:t>numpy</a:t>
+            </a:r>
+            <a:r>
+              <a:rPr lang="fr-FR" dirty="0" err="1" smtClean="0"/>
+              <a:t>.</a:t>
+            </a:r>
+            <a:r>
+              <a:rPr lang="fr-FR" b="1" dirty="0" err="1" smtClean="0"/>
+              <a:t>array</a:t>
+            </a:r>
+            <a:r>
+              <a:rPr lang="fr-FR" dirty="0" smtClean="0"/>
+              <a:t>([1, 2, 3])</a:t>
+            </a:r>
+            <a:endParaRPr lang="fr-FR" dirty="0"/>
+          </a:p>
+        </p:txBody>
+      </p:sp>
+      <p:sp>
+        <p:nvSpPr>
+          <p:cNvPr id="13" name="ZoneTexte 12">
+            <a:extLst>
+              <a:ext uri="{FF2B5EF4-FFF2-40B4-BE49-F238E27FC236}">
+                <a16:creationId xmlns:a16="http://schemas.microsoft.com/office/drawing/2014/main" xmlns="" id="{6791B4E9-865B-BC73-B7D5-34201D8E7E81}"/>
+              </a:ext>
+            </a:extLst>
+          </p:cNvPr>
+          <p:cNvSpPr txBox="1"/>
+          <p:nvPr/>
+        </p:nvSpPr>
+        <p:spPr>
+          <a:xfrm>
+            <a:off x="6344971" y="4870178"/>
+            <a:ext cx="4765173" cy="369332"/>
+          </a:xfrm>
+          <a:prstGeom prst="rect">
+            <a:avLst/>
+          </a:prstGeom>
+          <a:solidFill>
+            <a:schemeClr val="accent1">
+              <a:lumMod val="40000"/>
+              <a:lumOff val="60000"/>
+            </a:schemeClr>
+          </a:solidFill>
+        </p:spPr>
+        <p:txBody>
+          <a:bodyPr wrap="square" rtlCol="0">
+            <a:spAutoFit/>
+          </a:bodyPr>
+          <a:lstStyle/>
+          <a:p>
+            <a:r>
+              <a:rPr lang="fr-FR" b="1" dirty="0" err="1"/>
+              <a:t>p</a:t>
+            </a:r>
+            <a:r>
+              <a:rPr lang="fr-FR" b="1" dirty="0" err="1" smtClean="0"/>
+              <a:t>rint</a:t>
+            </a:r>
+            <a:r>
+              <a:rPr lang="fr-FR" dirty="0" smtClean="0"/>
+              <a:t>( </a:t>
+            </a:r>
+            <a:r>
+              <a:rPr lang="fr-FR" dirty="0" err="1" smtClean="0"/>
+              <a:t>v.</a:t>
+            </a:r>
+            <a:r>
+              <a:rPr lang="fr-FR" b="1" i="1" dirty="0" err="1" smtClean="0"/>
+              <a:t>shape</a:t>
+            </a:r>
+            <a:r>
+              <a:rPr lang="fr-FR" dirty="0" smtClean="0"/>
+              <a:t> )</a:t>
+            </a:r>
+            <a:endParaRPr lang="fr-FR" dirty="0"/>
+          </a:p>
+        </p:txBody>
+      </p:sp>
+      <p:sp>
+        <p:nvSpPr>
+          <p:cNvPr id="14" name="ZoneTexte 13">
+            <a:extLst>
+              <a:ext uri="{FF2B5EF4-FFF2-40B4-BE49-F238E27FC236}">
+                <a16:creationId xmlns:a16="http://schemas.microsoft.com/office/drawing/2014/main" xmlns="" id="{E7888D5E-D8DF-E8FF-AF96-96B55D22CC5A}"/>
+              </a:ext>
+            </a:extLst>
+          </p:cNvPr>
+          <p:cNvSpPr txBox="1"/>
+          <p:nvPr/>
+        </p:nvSpPr>
+        <p:spPr>
+          <a:xfrm>
+            <a:off x="1391037" y="4153245"/>
+            <a:ext cx="4197096" cy="646331"/>
+          </a:xfrm>
+          <a:prstGeom prst="rect">
+            <a:avLst/>
+          </a:prstGeom>
+          <a:solidFill>
+            <a:schemeClr val="accent6">
+              <a:lumMod val="40000"/>
+              <a:lumOff val="60000"/>
+            </a:schemeClr>
+          </a:solidFill>
+        </p:spPr>
+        <p:txBody>
+          <a:bodyPr wrap="square" rtlCol="0">
+            <a:spAutoFit/>
+          </a:bodyPr>
+          <a:lstStyle/>
+          <a:p>
+            <a:r>
+              <a:rPr lang="fr-FR" b="1" i="1" dirty="0" err="1" smtClean="0"/>
+              <a:t>array</a:t>
+            </a:r>
+            <a:r>
+              <a:rPr lang="fr-FR" dirty="0" smtClean="0"/>
+              <a:t> est une méthode de la bibliothèque </a:t>
+            </a:r>
+            <a:r>
+              <a:rPr lang="fr-FR" dirty="0" err="1" smtClean="0"/>
+              <a:t>Numpy</a:t>
+            </a:r>
+            <a:endParaRPr lang="fr-FR" dirty="0"/>
+          </a:p>
+        </p:txBody>
+      </p:sp>
+      <p:sp>
+        <p:nvSpPr>
+          <p:cNvPr id="11" name="ZoneTexte 10">
+            <a:extLst>
+              <a:ext uri="{FF2B5EF4-FFF2-40B4-BE49-F238E27FC236}">
+                <a16:creationId xmlns:a16="http://schemas.microsoft.com/office/drawing/2014/main" xmlns="" id="{6791B4E9-865B-BC73-B7D5-34201D8E7E81}"/>
+              </a:ext>
+            </a:extLst>
+          </p:cNvPr>
+          <p:cNvSpPr txBox="1"/>
+          <p:nvPr/>
+        </p:nvSpPr>
+        <p:spPr>
+          <a:xfrm>
+            <a:off x="822960" y="4870178"/>
+            <a:ext cx="4765173" cy="369332"/>
+          </a:xfrm>
+          <a:prstGeom prst="rect">
+            <a:avLst/>
+          </a:prstGeom>
+          <a:solidFill>
+            <a:schemeClr val="accent1">
+              <a:lumMod val="40000"/>
+              <a:lumOff val="60000"/>
+            </a:schemeClr>
+          </a:solidFill>
+        </p:spPr>
+        <p:txBody>
+          <a:bodyPr wrap="square" rtlCol="0">
+            <a:spAutoFit/>
+          </a:bodyPr>
+          <a:lstStyle/>
+          <a:p>
+            <a:r>
+              <a:rPr lang="fr-FR" b="1" dirty="0" err="1" smtClean="0"/>
+              <a:t>print</a:t>
+            </a:r>
+            <a:r>
+              <a:rPr lang="fr-FR" dirty="0" smtClean="0"/>
+              <a:t>( </a:t>
+            </a:r>
+            <a:r>
+              <a:rPr lang="fr-FR" b="1" dirty="0" smtClean="0"/>
+              <a:t>type</a:t>
+            </a:r>
+            <a:r>
+              <a:rPr lang="fr-FR" dirty="0" smtClean="0"/>
+              <a:t>( </a:t>
+            </a:r>
+            <a:r>
+              <a:rPr lang="fr-FR" i="1" dirty="0" smtClean="0"/>
+              <a:t>v</a:t>
+            </a:r>
+            <a:r>
+              <a:rPr lang="fr-FR" dirty="0" smtClean="0"/>
+              <a:t> ) )</a:t>
+            </a:r>
+            <a:endParaRPr lang="fr-FR" dirty="0"/>
+          </a:p>
+        </p:txBody>
+      </p:sp>
     </p:spTree>
     <p:extLst>
       <p:ext uri="{BB962C8B-B14F-4D97-AF65-F5344CB8AC3E}">
-        <p14:creationId xmlns:p14="http://schemas.microsoft.com/office/powerpoint/2010/main" val="1826664692"/>
+        <p14:creationId xmlns:p14="http://schemas.microsoft.com/office/powerpoint/2010/main" val="2707266153"/>
       </p:ext>
     </p:extLst>
   </p:cSld>
@@ -8430,7 +12229,7 @@
           <p:cNvPr id="2" name="Titre 1">
             <a:extLst>
               <a:ext uri="{FF2B5EF4-FFF2-40B4-BE49-F238E27FC236}">
-                <a16:creationId xmlns:a16="http://schemas.microsoft.com/office/drawing/2014/main" id="{90162AE8-C1B0-5C56-8313-DEE494F38273}"/>
+                <a16:creationId xmlns:a16="http://schemas.microsoft.com/office/drawing/2014/main" xmlns="" id="{90162AE8-C1B0-5C56-8313-DEE494F38273}"/>
               </a:ext>
             </a:extLst>
           </p:cNvPr>
@@ -8447,75 +12246,10 @@
           <a:lstStyle/>
           <a:p>
             <a:r>
-              <a:rPr lang="fr-FR" dirty="0"/>
-              <a:t>Programmation orientée objet</a:t>
-            </a:r>
-          </a:p>
-        </p:txBody>
-      </p:sp>
-      <p:sp>
-        <p:nvSpPr>
-          <p:cNvPr id="3" name="Espace réservé du contenu 2">
-            <a:extLst>
-              <a:ext uri="{FF2B5EF4-FFF2-40B4-BE49-F238E27FC236}">
-                <a16:creationId xmlns:a16="http://schemas.microsoft.com/office/drawing/2014/main" id="{E0BBB9DE-019C-C741-F224-494739D4B752}"/>
-              </a:ext>
-            </a:extLst>
-          </p:cNvPr>
-          <p:cNvSpPr>
-            <a:spLocks noGrp="1"/>
-          </p:cNvSpPr>
-          <p:nvPr>
-            <p:ph sz="half" idx="1"/>
-          </p:nvPr>
-        </p:nvSpPr>
-        <p:spPr/>
-        <p:txBody>
-          <a:bodyPr>
-            <a:normAutofit/>
-          </a:bodyPr>
-          <a:lstStyle/>
-          <a:p>
-            <a:pPr marL="0" indent="0">
-              <a:buNone/>
-            </a:pPr>
-            <a:r>
-              <a:rPr lang="fr-FR" b="1" dirty="0"/>
-              <a:t>Concepts fondamentaux</a:t>
-            </a:r>
-          </a:p>
-          <a:p>
-            <a:r>
-              <a:rPr lang="fr-FR" sz="2000" b="1" dirty="0"/>
-              <a:t>Encapsulation</a:t>
-            </a:r>
-            <a:r>
-              <a:rPr lang="fr-FR" sz="2000" dirty="0"/>
-              <a:t> : regroupement de différentes données et fonctions sous une même entité</a:t>
-            </a:r>
-          </a:p>
-          <a:p>
-            <a:r>
-              <a:rPr lang="fr-FR" sz="2000" b="1" dirty="0"/>
-              <a:t>Héritage</a:t>
-            </a:r>
-            <a:r>
-              <a:rPr lang="fr-FR" sz="2000" dirty="0"/>
-              <a:t> : arborescence de classes permettant la spécialisation</a:t>
-            </a:r>
-          </a:p>
-          <a:p>
-            <a:r>
-              <a:rPr lang="fr-FR" sz="2000" b="1" dirty="0"/>
-              <a:t>Polymorphisme</a:t>
-            </a:r>
-            <a:r>
-              <a:rPr lang="fr-FR" sz="2000" dirty="0"/>
-              <a:t> : réaction différente de deux objets (de classe différente) à une même procédure</a:t>
-            </a:r>
-          </a:p>
-          <a:p>
-            <a:endParaRPr lang="fr-FR" sz="2000" dirty="0"/>
+              <a:rPr lang="fr-FR" dirty="0" smtClean="0"/>
+              <a:t>C’est quoi cette syntaxe ???</a:t>
+            </a:r>
+            <a:endParaRPr lang="fr-FR" dirty="0"/>
           </a:p>
         </p:txBody>
       </p:sp>
@@ -8524,7 +12258,7 @@
           <p:cNvPr id="5" name="Image 4" descr="Une image contenant texte&#10;&#10;Description générée automatiquement">
             <a:extLst>
               <a:ext uri="{FF2B5EF4-FFF2-40B4-BE49-F238E27FC236}">
-                <a16:creationId xmlns:a16="http://schemas.microsoft.com/office/drawing/2014/main" id="{66D2630B-81F4-A4EB-21BA-8B90CF30BD92}"/>
+                <a16:creationId xmlns:a16="http://schemas.microsoft.com/office/drawing/2014/main" xmlns="" id="{66D2630B-81F4-A4EB-21BA-8B90CF30BD92}"/>
               </a:ext>
             </a:extLst>
           </p:cNvPr>
@@ -8534,7 +12268,7 @@
           <p:nvPr/>
         </p:nvPicPr>
         <p:blipFill>
-          <a:blip r:embed="rId2">
+          <a:blip r:embed="rId2" cstate="print">
             <a:extLst>
               <a:ext uri="{28A0092B-C50C-407E-A947-70E740481C1C}">
                 <a14:useLocalDpi xmlns:a14="http://schemas.microsoft.com/office/drawing/2010/main" val="0"/>
@@ -8555,40 +12289,486 @@
           </a:prstGeom>
         </p:spPr>
       </p:pic>
-      <p:pic>
-        <p:nvPicPr>
-          <p:cNvPr id="7" name="Image 6">
-            <a:extLst>
-              <a:ext uri="{FF2B5EF4-FFF2-40B4-BE49-F238E27FC236}">
-                <a16:creationId xmlns:a16="http://schemas.microsoft.com/office/drawing/2014/main" id="{2E82BFEB-FB14-40C0-8182-623109DC55FC}"/>
-              </a:ext>
-            </a:extLst>
-          </p:cNvPr>
-          <p:cNvPicPr>
-            <a:picLocks noChangeAspect="1"/>
-          </p:cNvPicPr>
+      <p:sp>
+        <p:nvSpPr>
+          <p:cNvPr id="6" name="ZoneTexte 5">
+            <a:extLst>
+              <a:ext uri="{FF2B5EF4-FFF2-40B4-BE49-F238E27FC236}">
+                <a16:creationId xmlns:a16="http://schemas.microsoft.com/office/drawing/2014/main" xmlns="" id="{75CCEE1C-7657-3A68-2741-60D43D501772}"/>
+              </a:ext>
+            </a:extLst>
+          </p:cNvPr>
+          <p:cNvSpPr txBox="1"/>
           <p:nvPr/>
-        </p:nvPicPr>
-        <p:blipFill>
-          <a:blip r:embed="rId3"/>
-          <a:stretch>
-            <a:fillRect/>
-          </a:stretch>
-        </p:blipFill>
-        <p:spPr>
-          <a:xfrm>
-            <a:off x="7118556" y="2821065"/>
-            <a:ext cx="4422826" cy="3008093"/>
-          </a:xfrm>
-          <a:prstGeom prst="rect">
-            <a:avLst/>
-          </a:prstGeom>
-        </p:spPr>
-      </p:pic>
+        </p:nvSpPr>
+        <p:spPr>
+          <a:xfrm>
+            <a:off x="7272069" y="6596390"/>
+            <a:ext cx="4919932" cy="261610"/>
+          </a:xfrm>
+          <a:prstGeom prst="rect">
+            <a:avLst/>
+          </a:prstGeom>
+          <a:noFill/>
+        </p:spPr>
+        <p:txBody>
+          <a:bodyPr wrap="square">
+            <a:spAutoFit/>
+          </a:bodyPr>
+          <a:lstStyle/>
+          <a:p>
+            <a:r>
+              <a:rPr lang="fr-FR" sz="1100" dirty="0">
+                <a:solidFill>
+                  <a:schemeClr val="bg1">
+                    <a:lumMod val="65000"/>
+                  </a:schemeClr>
+                </a:solidFill>
+              </a:rPr>
+              <a:t>https://numpy.org/doc/stable/reference/generated/numpy.ndarray.html</a:t>
+            </a:r>
+            <a:endParaRPr lang="fr-FR" sz="1100" dirty="0">
+              <a:solidFill>
+                <a:schemeClr val="bg1">
+                  <a:lumMod val="65000"/>
+                </a:schemeClr>
+              </a:solidFill>
+            </a:endParaRPr>
+          </a:p>
+        </p:txBody>
+      </p:sp>
+      <p:sp>
+        <p:nvSpPr>
+          <p:cNvPr id="8" name="ZoneTexte 7">
+            <a:extLst>
+              <a:ext uri="{FF2B5EF4-FFF2-40B4-BE49-F238E27FC236}">
+                <a16:creationId xmlns:a16="http://schemas.microsoft.com/office/drawing/2014/main" xmlns="" id="{6791B4E9-865B-BC73-B7D5-34201D8E7E81}"/>
+              </a:ext>
+            </a:extLst>
+          </p:cNvPr>
+          <p:cNvSpPr txBox="1"/>
+          <p:nvPr/>
+        </p:nvSpPr>
+        <p:spPr>
+          <a:xfrm>
+            <a:off x="822959" y="2301712"/>
+            <a:ext cx="4765173" cy="369332"/>
+          </a:xfrm>
+          <a:prstGeom prst="rect">
+            <a:avLst/>
+          </a:prstGeom>
+          <a:solidFill>
+            <a:schemeClr val="accent1">
+              <a:lumMod val="40000"/>
+              <a:lumOff val="60000"/>
+            </a:schemeClr>
+          </a:solidFill>
+        </p:spPr>
+        <p:txBody>
+          <a:bodyPr wrap="square" rtlCol="0">
+            <a:spAutoFit/>
+          </a:bodyPr>
+          <a:lstStyle/>
+          <a:p>
+            <a:r>
+              <a:rPr lang="fr-FR" b="1" dirty="0" smtClean="0"/>
+              <a:t>import</a:t>
+            </a:r>
+            <a:r>
+              <a:rPr lang="fr-FR" dirty="0" smtClean="0"/>
+              <a:t> </a:t>
+            </a:r>
+            <a:r>
+              <a:rPr lang="fr-FR" dirty="0" err="1" smtClean="0"/>
+              <a:t>numpy</a:t>
+            </a:r>
+            <a:endParaRPr lang="fr-FR" dirty="0" smtClean="0"/>
+          </a:p>
+        </p:txBody>
+      </p:sp>
+      <p:sp>
+        <p:nvSpPr>
+          <p:cNvPr id="12" name="ZoneTexte 11">
+            <a:extLst>
+              <a:ext uri="{FF2B5EF4-FFF2-40B4-BE49-F238E27FC236}">
+                <a16:creationId xmlns:a16="http://schemas.microsoft.com/office/drawing/2014/main" xmlns="" id="{6791B4E9-865B-BC73-B7D5-34201D8E7E81}"/>
+              </a:ext>
+            </a:extLst>
+          </p:cNvPr>
+          <p:cNvSpPr txBox="1"/>
+          <p:nvPr/>
+        </p:nvSpPr>
+        <p:spPr>
+          <a:xfrm>
+            <a:off x="822960" y="3687046"/>
+            <a:ext cx="4765173" cy="369332"/>
+          </a:xfrm>
+          <a:prstGeom prst="rect">
+            <a:avLst/>
+          </a:prstGeom>
+          <a:solidFill>
+            <a:schemeClr val="accent1">
+              <a:lumMod val="40000"/>
+              <a:lumOff val="60000"/>
+            </a:schemeClr>
+          </a:solidFill>
+        </p:spPr>
+        <p:txBody>
+          <a:bodyPr wrap="square" rtlCol="0">
+            <a:spAutoFit/>
+          </a:bodyPr>
+          <a:lstStyle/>
+          <a:p>
+            <a:r>
+              <a:rPr lang="fr-FR" dirty="0" smtClean="0"/>
+              <a:t>v </a:t>
+            </a:r>
+            <a:r>
+              <a:rPr lang="fr-FR" b="1" dirty="0" smtClean="0"/>
+              <a:t>=</a:t>
+            </a:r>
+            <a:r>
+              <a:rPr lang="fr-FR" dirty="0" smtClean="0"/>
+              <a:t> </a:t>
+            </a:r>
+            <a:r>
+              <a:rPr lang="fr-FR" b="1" dirty="0" err="1" smtClean="0"/>
+              <a:t>numpy</a:t>
+            </a:r>
+            <a:r>
+              <a:rPr lang="fr-FR" dirty="0" err="1" smtClean="0"/>
+              <a:t>.</a:t>
+            </a:r>
+            <a:r>
+              <a:rPr lang="fr-FR" b="1" dirty="0" err="1" smtClean="0"/>
+              <a:t>array</a:t>
+            </a:r>
+            <a:r>
+              <a:rPr lang="fr-FR" dirty="0" smtClean="0"/>
+              <a:t>([1, 2, 3])</a:t>
+            </a:r>
+            <a:endParaRPr lang="fr-FR" dirty="0"/>
+          </a:p>
+        </p:txBody>
+      </p:sp>
+      <p:sp>
+        <p:nvSpPr>
+          <p:cNvPr id="14" name="ZoneTexte 13">
+            <a:extLst>
+              <a:ext uri="{FF2B5EF4-FFF2-40B4-BE49-F238E27FC236}">
+                <a16:creationId xmlns:a16="http://schemas.microsoft.com/office/drawing/2014/main" xmlns="" id="{E7888D5E-D8DF-E8FF-AF96-96B55D22CC5A}"/>
+              </a:ext>
+            </a:extLst>
+          </p:cNvPr>
+          <p:cNvSpPr txBox="1"/>
+          <p:nvPr/>
+        </p:nvSpPr>
+        <p:spPr>
+          <a:xfrm>
+            <a:off x="1391037" y="4153245"/>
+            <a:ext cx="4197096" cy="646331"/>
+          </a:xfrm>
+          <a:prstGeom prst="rect">
+            <a:avLst/>
+          </a:prstGeom>
+          <a:solidFill>
+            <a:schemeClr val="accent6">
+              <a:lumMod val="40000"/>
+              <a:lumOff val="60000"/>
+            </a:schemeClr>
+          </a:solidFill>
+        </p:spPr>
+        <p:txBody>
+          <a:bodyPr wrap="square" rtlCol="0">
+            <a:spAutoFit/>
+          </a:bodyPr>
+          <a:lstStyle/>
+          <a:p>
+            <a:r>
+              <a:rPr lang="fr-FR" b="1" i="1" dirty="0" err="1" smtClean="0"/>
+              <a:t>array</a:t>
+            </a:r>
+            <a:r>
+              <a:rPr lang="fr-FR" dirty="0" smtClean="0"/>
+              <a:t> est une méthode de la bibliothèque </a:t>
+            </a:r>
+            <a:r>
+              <a:rPr lang="fr-FR" dirty="0" err="1" smtClean="0"/>
+              <a:t>Numpy</a:t>
+            </a:r>
+            <a:endParaRPr lang="fr-FR" dirty="0"/>
+          </a:p>
+        </p:txBody>
+      </p:sp>
+      <p:sp>
+        <p:nvSpPr>
+          <p:cNvPr id="11" name="ZoneTexte 10">
+            <a:extLst>
+              <a:ext uri="{FF2B5EF4-FFF2-40B4-BE49-F238E27FC236}">
+                <a16:creationId xmlns:a16="http://schemas.microsoft.com/office/drawing/2014/main" xmlns="" id="{6791B4E9-865B-BC73-B7D5-34201D8E7E81}"/>
+              </a:ext>
+            </a:extLst>
+          </p:cNvPr>
+          <p:cNvSpPr txBox="1"/>
+          <p:nvPr/>
+        </p:nvSpPr>
+        <p:spPr>
+          <a:xfrm>
+            <a:off x="822960" y="4870178"/>
+            <a:ext cx="4765173" cy="369332"/>
+          </a:xfrm>
+          <a:prstGeom prst="rect">
+            <a:avLst/>
+          </a:prstGeom>
+          <a:solidFill>
+            <a:schemeClr val="accent1">
+              <a:lumMod val="40000"/>
+              <a:lumOff val="60000"/>
+            </a:schemeClr>
+          </a:solidFill>
+        </p:spPr>
+        <p:txBody>
+          <a:bodyPr wrap="square" rtlCol="0">
+            <a:spAutoFit/>
+          </a:bodyPr>
+          <a:lstStyle/>
+          <a:p>
+            <a:r>
+              <a:rPr lang="fr-FR" b="1" dirty="0" err="1" smtClean="0"/>
+              <a:t>print</a:t>
+            </a:r>
+            <a:r>
+              <a:rPr lang="fr-FR" dirty="0" smtClean="0"/>
+              <a:t>( </a:t>
+            </a:r>
+            <a:r>
+              <a:rPr lang="fr-FR" b="1" dirty="0" smtClean="0"/>
+              <a:t>type</a:t>
+            </a:r>
+            <a:r>
+              <a:rPr lang="fr-FR" dirty="0" smtClean="0"/>
+              <a:t>( </a:t>
+            </a:r>
+            <a:r>
+              <a:rPr lang="fr-FR" i="1" dirty="0" smtClean="0"/>
+              <a:t>v</a:t>
+            </a:r>
+            <a:r>
+              <a:rPr lang="fr-FR" dirty="0" smtClean="0"/>
+              <a:t> ) )</a:t>
+            </a:r>
+            <a:endParaRPr lang="fr-FR" dirty="0"/>
+          </a:p>
+        </p:txBody>
+      </p:sp>
+      <p:sp>
+        <p:nvSpPr>
+          <p:cNvPr id="7" name="Rectangle 6"/>
+          <p:cNvSpPr/>
+          <p:nvPr/>
+        </p:nvSpPr>
+        <p:spPr>
+          <a:xfrm>
+            <a:off x="6452559" y="3685498"/>
+            <a:ext cx="5515154" cy="2677656"/>
+          </a:xfrm>
+          <a:prstGeom prst="rect">
+            <a:avLst/>
+          </a:prstGeom>
+        </p:spPr>
+        <p:txBody>
+          <a:bodyPr wrap="square">
+            <a:spAutoFit/>
+          </a:bodyPr>
+          <a:lstStyle/>
+          <a:p>
+            <a:r>
+              <a:rPr lang="en-US" b="1" dirty="0" err="1">
+                <a:solidFill>
+                  <a:srgbClr val="002060"/>
+                </a:solidFill>
+              </a:rPr>
+              <a:t>numpy.ndarray</a:t>
+            </a:r>
+            <a:endParaRPr lang="en-US" b="1" dirty="0">
+              <a:solidFill>
+                <a:srgbClr val="002060"/>
+              </a:solidFill>
+            </a:endParaRPr>
+          </a:p>
+          <a:p>
+            <a:r>
+              <a:rPr lang="en-US" b="1" i="1" dirty="0">
+                <a:solidFill>
+                  <a:srgbClr val="FF0000"/>
+                </a:solidFill>
+              </a:rPr>
+              <a:t>class</a:t>
+            </a:r>
+            <a:r>
+              <a:rPr lang="en-US" dirty="0"/>
+              <a:t> </a:t>
+            </a:r>
+            <a:r>
+              <a:rPr lang="en-US" b="1" dirty="0" err="1">
+                <a:solidFill>
+                  <a:srgbClr val="002060"/>
+                </a:solidFill>
+              </a:rPr>
+              <a:t>numpy.ndarray</a:t>
+            </a:r>
+            <a:r>
+              <a:rPr lang="en-US" dirty="0"/>
+              <a:t>(shape, </a:t>
+            </a:r>
+            <a:r>
+              <a:rPr lang="en-US" dirty="0" err="1"/>
+              <a:t>dtype</a:t>
+            </a:r>
+            <a:r>
+              <a:rPr lang="en-US" dirty="0"/>
+              <a:t>=float, buffer=None, offset=0, strides=None, order=None</a:t>
+            </a:r>
+            <a:r>
+              <a:rPr lang="en-US" dirty="0" smtClean="0"/>
+              <a:t>)</a:t>
+            </a:r>
+            <a:endParaRPr lang="en-US" dirty="0"/>
+          </a:p>
+          <a:p>
+            <a:endParaRPr lang="en-US" dirty="0" smtClean="0"/>
+          </a:p>
+          <a:p>
+            <a:pPr algn="just"/>
+            <a:r>
+              <a:rPr lang="en-US" sz="1600" dirty="0" smtClean="0"/>
+              <a:t>An </a:t>
+            </a:r>
+            <a:r>
+              <a:rPr lang="en-US" sz="1600" dirty="0"/>
+              <a:t>array object represents a multidimensional, homogeneous array of fixed-size items. An associated data-type object describes the format of each element in the array (its byte-order, how many bytes it occupies in memory, whether it is an integer, a floating point number, or something else, etc.)</a:t>
+            </a:r>
+            <a:endParaRPr lang="fr-FR" sz="1600" dirty="0"/>
+          </a:p>
+        </p:txBody>
+      </p:sp>
+      <p:sp>
+        <p:nvSpPr>
+          <p:cNvPr id="9" name="Rectangle 8"/>
+          <p:cNvSpPr/>
+          <p:nvPr/>
+        </p:nvSpPr>
+        <p:spPr>
+          <a:xfrm>
+            <a:off x="6232584" y="3624584"/>
+            <a:ext cx="99203" cy="2860520"/>
+          </a:xfrm>
+          <a:prstGeom prst="rect">
+            <a:avLst/>
+          </a:prstGeom>
+          <a:solidFill>
+            <a:srgbClr val="0070C0"/>
+          </a:solidFill>
+          <a:ln>
+            <a:solidFill>
+              <a:schemeClr val="bg1"/>
+            </a:solidFill>
+          </a:ln>
+        </p:spPr>
+        <p:style>
+          <a:lnRef idx="2">
+            <a:schemeClr val="accent1">
+              <a:shade val="50000"/>
+            </a:schemeClr>
+          </a:lnRef>
+          <a:fillRef idx="1">
+            <a:schemeClr val="accent1"/>
+          </a:fillRef>
+          <a:effectRef idx="0">
+            <a:schemeClr val="accent1"/>
+          </a:effectRef>
+          <a:fontRef idx="minor">
+            <a:schemeClr val="lt1"/>
+          </a:fontRef>
+        </p:style>
+        <p:txBody>
+          <a:bodyPr rtlCol="0" anchor="ctr"/>
+          <a:lstStyle/>
+          <a:p>
+            <a:pPr algn="ctr"/>
+            <a:endParaRPr lang="fr-FR"/>
+          </a:p>
+        </p:txBody>
+      </p:sp>
+      <p:sp>
+        <p:nvSpPr>
+          <p:cNvPr id="16" name="ZoneTexte 15">
+            <a:extLst>
+              <a:ext uri="{FF2B5EF4-FFF2-40B4-BE49-F238E27FC236}">
+                <a16:creationId xmlns:a16="http://schemas.microsoft.com/office/drawing/2014/main" xmlns="" id="{E7888D5E-D8DF-E8FF-AF96-96B55D22CC5A}"/>
+              </a:ext>
+            </a:extLst>
+          </p:cNvPr>
+          <p:cNvSpPr txBox="1"/>
+          <p:nvPr/>
+        </p:nvSpPr>
+        <p:spPr>
+          <a:xfrm>
+            <a:off x="1391036" y="5349681"/>
+            <a:ext cx="4197096" cy="584775"/>
+          </a:xfrm>
+          <a:prstGeom prst="rect">
+            <a:avLst/>
+          </a:prstGeom>
+          <a:solidFill>
+            <a:schemeClr val="accent6">
+              <a:lumMod val="40000"/>
+              <a:lumOff val="60000"/>
+            </a:schemeClr>
+          </a:solidFill>
+        </p:spPr>
+        <p:txBody>
+          <a:bodyPr wrap="square" rtlCol="0">
+            <a:spAutoFit/>
+          </a:bodyPr>
+          <a:lstStyle/>
+          <a:p>
+            <a:r>
+              <a:rPr lang="fr-FR" b="1" i="1" dirty="0" smtClean="0"/>
+              <a:t>v</a:t>
+            </a:r>
+            <a:r>
+              <a:rPr lang="fr-FR" dirty="0" smtClean="0"/>
+              <a:t> est un objet de type </a:t>
+            </a:r>
+            <a:r>
+              <a:rPr lang="fr-FR" b="1" dirty="0" err="1" smtClean="0"/>
+              <a:t>ndarray</a:t>
+            </a:r>
+            <a:r>
+              <a:rPr lang="fr-FR" dirty="0" smtClean="0"/>
+              <a:t> </a:t>
+            </a:r>
+            <a:r>
+              <a:rPr lang="fr-FR" sz="1400" dirty="0" smtClean="0"/>
+              <a:t>(dont la définition est donnée dans la bibliothèque </a:t>
+            </a:r>
+            <a:r>
+              <a:rPr lang="fr-FR" sz="1400" dirty="0" err="1" smtClean="0"/>
+              <a:t>Numpy</a:t>
+            </a:r>
+            <a:r>
+              <a:rPr lang="fr-FR" sz="1400" dirty="0" smtClean="0"/>
+              <a:t>)</a:t>
+            </a:r>
+            <a:endParaRPr lang="fr-FR" sz="1400" dirty="0"/>
+          </a:p>
+        </p:txBody>
+      </p:sp>
     </p:spTree>
     <p:extLst>
       <p:ext uri="{BB962C8B-B14F-4D97-AF65-F5344CB8AC3E}">
-        <p14:creationId xmlns:p14="http://schemas.microsoft.com/office/powerpoint/2010/main" val="3887491323"/>
+        <p14:creationId xmlns:p14="http://schemas.microsoft.com/office/powerpoint/2010/main" val="502028382"/>
       </p:ext>
     </p:extLst>
   </p:cSld>
@@ -8620,7 +12800,7 @@
           <p:cNvPr id="2" name="Titre 1">
             <a:extLst>
               <a:ext uri="{FF2B5EF4-FFF2-40B4-BE49-F238E27FC236}">
-                <a16:creationId xmlns:a16="http://schemas.microsoft.com/office/drawing/2014/main" id="{90162AE8-C1B0-5C56-8313-DEE494F38273}"/>
+                <a16:creationId xmlns:a16="http://schemas.microsoft.com/office/drawing/2014/main" xmlns="" id="{90162AE8-C1B0-5C56-8313-DEE494F38273}"/>
               </a:ext>
             </a:extLst>
           </p:cNvPr>
@@ -8637,9 +12817,44 @@
           <a:lstStyle/>
           <a:p>
             <a:r>
-              <a:rPr lang="fr-FR" dirty="0"/>
-              <a:t>Exemple d’une classe</a:t>
-            </a:r>
+              <a:rPr lang="fr-FR" dirty="0" smtClean="0"/>
+              <a:t>C’est quoi cette syntaxe ???</a:t>
+            </a:r>
+            <a:endParaRPr lang="fr-FR" dirty="0"/>
+          </a:p>
+        </p:txBody>
+      </p:sp>
+      <p:sp>
+        <p:nvSpPr>
+          <p:cNvPr id="3" name="Espace réservé du contenu 2">
+            <a:extLst>
+              <a:ext uri="{FF2B5EF4-FFF2-40B4-BE49-F238E27FC236}">
+                <a16:creationId xmlns:a16="http://schemas.microsoft.com/office/drawing/2014/main" xmlns="" id="{E0BBB9DE-019C-C741-F224-494739D4B752}"/>
+              </a:ext>
+            </a:extLst>
+          </p:cNvPr>
+          <p:cNvSpPr>
+            <a:spLocks noGrp="1"/>
+          </p:cNvSpPr>
+          <p:nvPr>
+            <p:ph sz="half" idx="1"/>
+          </p:nvPr>
+        </p:nvSpPr>
+        <p:spPr>
+          <a:xfrm>
+            <a:off x="1115567" y="2976112"/>
+            <a:ext cx="10159158" cy="3196087"/>
+          </a:xfrm>
+        </p:spPr>
+        <p:txBody>
+          <a:bodyPr/>
+          <a:lstStyle/>
+          <a:p>
+            <a:r>
+              <a:rPr lang="fr-FR" dirty="0" smtClean="0"/>
+              <a:t>Que représentent ces différentes syntaxes ?</a:t>
+            </a:r>
+            <a:endParaRPr lang="fr-FR" dirty="0"/>
           </a:p>
         </p:txBody>
       </p:sp>
@@ -8648,7 +12863,7 @@
           <p:cNvPr id="5" name="Image 4" descr="Une image contenant texte&#10;&#10;Description générée automatiquement">
             <a:extLst>
               <a:ext uri="{FF2B5EF4-FFF2-40B4-BE49-F238E27FC236}">
-                <a16:creationId xmlns:a16="http://schemas.microsoft.com/office/drawing/2014/main" id="{66D2630B-81F4-A4EB-21BA-8B90CF30BD92}"/>
+                <a16:creationId xmlns:a16="http://schemas.microsoft.com/office/drawing/2014/main" xmlns="" id="{66D2630B-81F4-A4EB-21BA-8B90CF30BD92}"/>
               </a:ext>
             </a:extLst>
           </p:cNvPr>
@@ -8658,7 +12873,7 @@
           <p:nvPr/>
         </p:nvPicPr>
         <p:blipFill>
-          <a:blip r:embed="rId2">
+          <a:blip r:embed="rId2" cstate="print">
             <a:extLst>
               <a:ext uri="{28A0092B-C50C-407E-A947-70E740481C1C}">
                 <a14:useLocalDpi xmlns:a14="http://schemas.microsoft.com/office/drawing/2010/main" val="0"/>
@@ -8679,72 +12894,12 @@
           </a:prstGeom>
         </p:spPr>
       </p:pic>
-      <p:pic>
-        <p:nvPicPr>
-          <p:cNvPr id="7" name="Image 6">
-            <a:extLst>
-              <a:ext uri="{FF2B5EF4-FFF2-40B4-BE49-F238E27FC236}">
-                <a16:creationId xmlns:a16="http://schemas.microsoft.com/office/drawing/2014/main" id="{4EE9D1F9-48DE-00D5-8C6D-E8CA70E85E45}"/>
-              </a:ext>
-            </a:extLst>
-          </p:cNvPr>
-          <p:cNvPicPr>
-            <a:picLocks noChangeAspect="1"/>
-          </p:cNvPicPr>
-          <p:nvPr/>
-        </p:nvPicPr>
-        <p:blipFill>
-          <a:blip r:embed="rId3"/>
-          <a:stretch>
-            <a:fillRect/>
-          </a:stretch>
-        </p:blipFill>
-        <p:spPr>
-          <a:xfrm>
-            <a:off x="7805470" y="2805874"/>
-            <a:ext cx="3815183" cy="2877171"/>
-          </a:xfrm>
-          <a:prstGeom prst="rect">
-            <a:avLst/>
-          </a:prstGeom>
-        </p:spPr>
-      </p:pic>
-      <p:pic>
-        <p:nvPicPr>
-          <p:cNvPr id="11" name="Image 10">
-            <a:extLst>
-              <a:ext uri="{FF2B5EF4-FFF2-40B4-BE49-F238E27FC236}">
-                <a16:creationId xmlns:a16="http://schemas.microsoft.com/office/drawing/2014/main" id="{53BA09EB-64A4-1E81-5B3A-338E21CEF4FA}"/>
-              </a:ext>
-            </a:extLst>
-          </p:cNvPr>
-          <p:cNvPicPr>
-            <a:picLocks noChangeAspect="1"/>
-          </p:cNvPicPr>
-          <p:nvPr/>
-        </p:nvPicPr>
-        <p:blipFill>
-          <a:blip r:embed="rId4"/>
-          <a:stretch>
-            <a:fillRect/>
-          </a:stretch>
-        </p:blipFill>
-        <p:spPr>
-          <a:xfrm>
-            <a:off x="893214" y="2220751"/>
-            <a:ext cx="6750311" cy="3462294"/>
-          </a:xfrm>
-          <a:prstGeom prst="rect">
-            <a:avLst/>
-          </a:prstGeom>
-        </p:spPr>
-      </p:pic>
-      <p:sp>
-        <p:nvSpPr>
-          <p:cNvPr id="17" name="ZoneTexte 16">
-            <a:extLst>
-              <a:ext uri="{FF2B5EF4-FFF2-40B4-BE49-F238E27FC236}">
-                <a16:creationId xmlns:a16="http://schemas.microsoft.com/office/drawing/2014/main" id="{9D86079A-6EF2-7CE4-3999-FAC855F10BA8}"/>
+      <p:sp>
+        <p:nvSpPr>
+          <p:cNvPr id="8" name="ZoneTexte 7">
+            <a:extLst>
+              <a:ext uri="{FF2B5EF4-FFF2-40B4-BE49-F238E27FC236}">
+                <a16:creationId xmlns:a16="http://schemas.microsoft.com/office/drawing/2014/main" xmlns="" id="{6791B4E9-865B-BC73-B7D5-34201D8E7E81}"/>
               </a:ext>
             </a:extLst>
           </p:cNvPr>
@@ -8753,37 +12908,47 @@
         </p:nvSpPr>
         <p:spPr>
           <a:xfrm>
-            <a:off x="1572224" y="1361430"/>
-            <a:ext cx="6096000" cy="646331"/>
-          </a:xfrm>
-          <a:prstGeom prst="rect">
-            <a:avLst/>
-          </a:prstGeom>
-          <a:noFill/>
-        </p:spPr>
-        <p:txBody>
-          <a:bodyPr wrap="square">
+            <a:off x="822959" y="2301712"/>
+            <a:ext cx="4765173" cy="369332"/>
+          </a:xfrm>
+          <a:prstGeom prst="rect">
+            <a:avLst/>
+          </a:prstGeom>
+          <a:solidFill>
+            <a:schemeClr val="accent1">
+              <a:lumMod val="40000"/>
+              <a:lumOff val="60000"/>
+            </a:schemeClr>
+          </a:solidFill>
+        </p:spPr>
+        <p:txBody>
+          <a:bodyPr wrap="square" rtlCol="0">
             <a:spAutoFit/>
           </a:bodyPr>
           <a:lstStyle/>
           <a:p>
             <a:r>
-              <a:rPr lang="fr-FR" sz="1800" b="1" dirty="0"/>
-              <a:t>Encapsulation</a:t>
-            </a:r>
-            <a:r>
-              <a:rPr lang="fr-FR" sz="1800" dirty="0"/>
-              <a:t> : regroupement de différentes données et fonctions sous une même entité</a:t>
-            </a:r>
-          </a:p>
-        </p:txBody>
-      </p:sp>
-      <p:sp>
-        <p:nvSpPr>
-          <p:cNvPr id="18" name="ZoneTexte 17">
-            <a:extLst>
-              <a:ext uri="{FF2B5EF4-FFF2-40B4-BE49-F238E27FC236}">
-                <a16:creationId xmlns:a16="http://schemas.microsoft.com/office/drawing/2014/main" id="{F8564D49-2219-2F3F-E014-36FDAD769A33}"/>
+              <a:rPr lang="fr-FR" b="1" dirty="0" smtClean="0"/>
+              <a:t>import</a:t>
+            </a:r>
+            <a:r>
+              <a:rPr lang="fr-FR" dirty="0" smtClean="0"/>
+              <a:t> </a:t>
+            </a:r>
+            <a:r>
+              <a:rPr lang="fr-FR" dirty="0" err="1" smtClean="0"/>
+              <a:t>numpy</a:t>
+            </a:r>
+            <a:endParaRPr lang="fr-FR" dirty="0" smtClean="0"/>
+          </a:p>
+        </p:txBody>
+      </p:sp>
+      <p:sp>
+        <p:nvSpPr>
+          <p:cNvPr id="12" name="ZoneTexte 11">
+            <a:extLst>
+              <a:ext uri="{FF2B5EF4-FFF2-40B4-BE49-F238E27FC236}">
+                <a16:creationId xmlns:a16="http://schemas.microsoft.com/office/drawing/2014/main" xmlns="" id="{6791B4E9-865B-BC73-B7D5-34201D8E7E81}"/>
               </a:ext>
             </a:extLst>
           </p:cNvPr>
@@ -8792,78 +12957,358 @@
         </p:nvSpPr>
         <p:spPr>
           <a:xfrm>
-            <a:off x="8288594" y="48320"/>
-            <a:ext cx="3282565" cy="307777"/>
-          </a:xfrm>
-          <a:prstGeom prst="rect">
-            <a:avLst/>
-          </a:prstGeom>
-          <a:noFill/>
-        </p:spPr>
-        <p:txBody>
-          <a:bodyPr wrap="square">
+            <a:off x="822960" y="3687046"/>
+            <a:ext cx="4765173" cy="369332"/>
+          </a:xfrm>
+          <a:prstGeom prst="rect">
+            <a:avLst/>
+          </a:prstGeom>
+          <a:solidFill>
+            <a:schemeClr val="accent1">
+              <a:lumMod val="40000"/>
+              <a:lumOff val="60000"/>
+            </a:schemeClr>
+          </a:solidFill>
+        </p:spPr>
+        <p:txBody>
+          <a:bodyPr wrap="square" rtlCol="0">
             <a:spAutoFit/>
           </a:bodyPr>
           <a:lstStyle/>
           <a:p>
             <a:r>
-              <a:rPr lang="fr-FR" sz="1400" dirty="0"/>
-              <a:t>B0_30_classe_simple.py</a:t>
-            </a:r>
-          </a:p>
-        </p:txBody>
-      </p:sp>
-      <p:pic>
-        <p:nvPicPr>
-          <p:cNvPr id="19" name="Picture 4" descr="Résultat de recherche d'images pour &quot;python logo&quot;">
-            <a:extLst>
-              <a:ext uri="{FF2B5EF4-FFF2-40B4-BE49-F238E27FC236}">
-                <a16:creationId xmlns:a16="http://schemas.microsoft.com/office/drawing/2014/main" id="{8AC4168F-5DE7-5326-6D67-E7555E526E6B}"/>
-              </a:ext>
-            </a:extLst>
-          </p:cNvPr>
-          <p:cNvPicPr>
-            <a:picLocks noChangeAspect="1" noChangeArrowheads="1"/>
-          </p:cNvPicPr>
+              <a:rPr lang="fr-FR" dirty="0" smtClean="0"/>
+              <a:t>v </a:t>
+            </a:r>
+            <a:r>
+              <a:rPr lang="fr-FR" b="1" dirty="0" smtClean="0"/>
+              <a:t>=</a:t>
+            </a:r>
+            <a:r>
+              <a:rPr lang="fr-FR" dirty="0" smtClean="0"/>
+              <a:t> </a:t>
+            </a:r>
+            <a:r>
+              <a:rPr lang="fr-FR" b="1" dirty="0" err="1" smtClean="0"/>
+              <a:t>numpy</a:t>
+            </a:r>
+            <a:r>
+              <a:rPr lang="fr-FR" dirty="0" err="1" smtClean="0"/>
+              <a:t>.</a:t>
+            </a:r>
+            <a:r>
+              <a:rPr lang="fr-FR" b="1" dirty="0" err="1" smtClean="0"/>
+              <a:t>array</a:t>
+            </a:r>
+            <a:r>
+              <a:rPr lang="fr-FR" dirty="0" smtClean="0"/>
+              <a:t>([1, 2, 3])</a:t>
+            </a:r>
+            <a:endParaRPr lang="fr-FR" dirty="0"/>
+          </a:p>
+        </p:txBody>
+      </p:sp>
+      <p:sp>
+        <p:nvSpPr>
+          <p:cNvPr id="14" name="ZoneTexte 13">
+            <a:extLst>
+              <a:ext uri="{FF2B5EF4-FFF2-40B4-BE49-F238E27FC236}">
+                <a16:creationId xmlns:a16="http://schemas.microsoft.com/office/drawing/2014/main" xmlns="" id="{E7888D5E-D8DF-E8FF-AF96-96B55D22CC5A}"/>
+              </a:ext>
+            </a:extLst>
+          </p:cNvPr>
+          <p:cNvSpPr txBox="1"/>
           <p:nvPr/>
-        </p:nvPicPr>
-        <p:blipFill>
-          <a:blip r:embed="rId5">
-            <a:extLst>
-              <a:ext uri="{28A0092B-C50C-407E-A947-70E740481C1C}">
-                <a14:useLocalDpi xmlns:a14="http://schemas.microsoft.com/office/drawing/2010/main" val="0"/>
-              </a:ext>
-            </a:extLst>
-          </a:blip>
-          <a:srcRect/>
-          <a:stretch>
-            <a:fillRect/>
-          </a:stretch>
-        </p:blipFill>
-        <p:spPr bwMode="auto">
-          <a:xfrm>
-            <a:off x="7896167" y="56024"/>
-            <a:ext cx="272970" cy="300073"/>
-          </a:xfrm>
-          <a:prstGeom prst="rect">
-            <a:avLst/>
-          </a:prstGeom>
-          <a:noFill/>
-          <a:extLst>
-            <a:ext uri="{909E8E84-426E-40DD-AFC4-6F175D3DCCD1}">
-              <a14:hiddenFill xmlns:a14="http://schemas.microsoft.com/office/drawing/2010/main">
-                <a:solidFill>
-                  <a:srgbClr val="FFFFFF"/>
-                </a:solidFill>
-              </a14:hiddenFill>
-            </a:ext>
-          </a:extLst>
-        </p:spPr>
-      </p:pic>
+        </p:nvSpPr>
+        <p:spPr>
+          <a:xfrm>
+            <a:off x="1391037" y="4153245"/>
+            <a:ext cx="4197096" cy="646331"/>
+          </a:xfrm>
+          <a:prstGeom prst="rect">
+            <a:avLst/>
+          </a:prstGeom>
+          <a:solidFill>
+            <a:schemeClr val="accent6">
+              <a:lumMod val="40000"/>
+              <a:lumOff val="60000"/>
+            </a:schemeClr>
+          </a:solidFill>
+        </p:spPr>
+        <p:txBody>
+          <a:bodyPr wrap="square" rtlCol="0">
+            <a:spAutoFit/>
+          </a:bodyPr>
+          <a:lstStyle/>
+          <a:p>
+            <a:r>
+              <a:rPr lang="fr-FR" b="1" i="1" dirty="0" err="1" smtClean="0"/>
+              <a:t>array</a:t>
+            </a:r>
+            <a:r>
+              <a:rPr lang="fr-FR" dirty="0" smtClean="0"/>
+              <a:t> est une méthode de la bibliothèque </a:t>
+            </a:r>
+            <a:r>
+              <a:rPr lang="fr-FR" dirty="0" err="1" smtClean="0"/>
+              <a:t>Numpy</a:t>
+            </a:r>
+            <a:endParaRPr lang="fr-FR" dirty="0"/>
+          </a:p>
+        </p:txBody>
+      </p:sp>
+      <p:sp>
+        <p:nvSpPr>
+          <p:cNvPr id="11" name="ZoneTexte 10">
+            <a:extLst>
+              <a:ext uri="{FF2B5EF4-FFF2-40B4-BE49-F238E27FC236}">
+                <a16:creationId xmlns:a16="http://schemas.microsoft.com/office/drawing/2014/main" xmlns="" id="{6791B4E9-865B-BC73-B7D5-34201D8E7E81}"/>
+              </a:ext>
+            </a:extLst>
+          </p:cNvPr>
+          <p:cNvSpPr txBox="1"/>
+          <p:nvPr/>
+        </p:nvSpPr>
+        <p:spPr>
+          <a:xfrm>
+            <a:off x="822960" y="4870178"/>
+            <a:ext cx="4765173" cy="369332"/>
+          </a:xfrm>
+          <a:prstGeom prst="rect">
+            <a:avLst/>
+          </a:prstGeom>
+          <a:solidFill>
+            <a:schemeClr val="accent1">
+              <a:lumMod val="40000"/>
+              <a:lumOff val="60000"/>
+            </a:schemeClr>
+          </a:solidFill>
+        </p:spPr>
+        <p:txBody>
+          <a:bodyPr wrap="square" rtlCol="0">
+            <a:spAutoFit/>
+          </a:bodyPr>
+          <a:lstStyle/>
+          <a:p>
+            <a:r>
+              <a:rPr lang="fr-FR" b="1" dirty="0" err="1" smtClean="0"/>
+              <a:t>print</a:t>
+            </a:r>
+            <a:r>
+              <a:rPr lang="fr-FR" dirty="0" smtClean="0"/>
+              <a:t>( </a:t>
+            </a:r>
+            <a:r>
+              <a:rPr lang="fr-FR" b="1" dirty="0" smtClean="0"/>
+              <a:t>type</a:t>
+            </a:r>
+            <a:r>
+              <a:rPr lang="fr-FR" dirty="0" smtClean="0"/>
+              <a:t>( </a:t>
+            </a:r>
+            <a:r>
+              <a:rPr lang="fr-FR" i="1" dirty="0" smtClean="0"/>
+              <a:t>v</a:t>
+            </a:r>
+            <a:r>
+              <a:rPr lang="fr-FR" dirty="0" smtClean="0"/>
+              <a:t> ) )</a:t>
+            </a:r>
+            <a:endParaRPr lang="fr-FR" dirty="0"/>
+          </a:p>
+        </p:txBody>
+      </p:sp>
+      <p:sp>
+        <p:nvSpPr>
+          <p:cNvPr id="13" name="ZoneTexte 12">
+            <a:extLst>
+              <a:ext uri="{FF2B5EF4-FFF2-40B4-BE49-F238E27FC236}">
+                <a16:creationId xmlns:a16="http://schemas.microsoft.com/office/drawing/2014/main" xmlns="" id="{8919C08D-4BD9-E355-43E2-5BD22F224950}"/>
+              </a:ext>
+            </a:extLst>
+          </p:cNvPr>
+          <p:cNvSpPr txBox="1"/>
+          <p:nvPr/>
+        </p:nvSpPr>
+        <p:spPr>
+          <a:xfrm>
+            <a:off x="6344971" y="3687046"/>
+            <a:ext cx="4765173" cy="369332"/>
+          </a:xfrm>
+          <a:prstGeom prst="rect">
+            <a:avLst/>
+          </a:prstGeom>
+          <a:solidFill>
+            <a:schemeClr val="accent1">
+              <a:lumMod val="40000"/>
+              <a:lumOff val="60000"/>
+            </a:schemeClr>
+          </a:solidFill>
+        </p:spPr>
+        <p:txBody>
+          <a:bodyPr wrap="square" rtlCol="0">
+            <a:spAutoFit/>
+          </a:bodyPr>
+          <a:lstStyle/>
+          <a:p>
+            <a:r>
+              <a:rPr lang="fr-FR" dirty="0" smtClean="0"/>
+              <a:t>a </a:t>
+            </a:r>
+            <a:r>
+              <a:rPr lang="fr-FR" b="1" dirty="0" smtClean="0"/>
+              <a:t>=</a:t>
+            </a:r>
+            <a:r>
+              <a:rPr lang="fr-FR" dirty="0" smtClean="0"/>
+              <a:t> </a:t>
+            </a:r>
+            <a:r>
+              <a:rPr lang="fr-FR" dirty="0" err="1" smtClean="0"/>
+              <a:t>v.</a:t>
+            </a:r>
+            <a:r>
+              <a:rPr lang="fr-FR" b="1" dirty="0" err="1" smtClean="0"/>
+              <a:t>max</a:t>
+            </a:r>
+            <a:r>
+              <a:rPr lang="fr-FR" dirty="0" smtClean="0"/>
+              <a:t>()</a:t>
+            </a:r>
+            <a:endParaRPr lang="fr-FR" b="1" dirty="0"/>
+          </a:p>
+        </p:txBody>
+      </p:sp>
+      <p:sp>
+        <p:nvSpPr>
+          <p:cNvPr id="16" name="ZoneTexte 15">
+            <a:extLst>
+              <a:ext uri="{FF2B5EF4-FFF2-40B4-BE49-F238E27FC236}">
+                <a16:creationId xmlns:a16="http://schemas.microsoft.com/office/drawing/2014/main" xmlns="" id="{6791B4E9-865B-BC73-B7D5-34201D8E7E81}"/>
+              </a:ext>
+            </a:extLst>
+          </p:cNvPr>
+          <p:cNvSpPr txBox="1"/>
+          <p:nvPr/>
+        </p:nvSpPr>
+        <p:spPr>
+          <a:xfrm>
+            <a:off x="6344971" y="4870178"/>
+            <a:ext cx="4765173" cy="369332"/>
+          </a:xfrm>
+          <a:prstGeom prst="rect">
+            <a:avLst/>
+          </a:prstGeom>
+          <a:solidFill>
+            <a:schemeClr val="accent1">
+              <a:lumMod val="40000"/>
+              <a:lumOff val="60000"/>
+            </a:schemeClr>
+          </a:solidFill>
+        </p:spPr>
+        <p:txBody>
+          <a:bodyPr wrap="square" rtlCol="0">
+            <a:spAutoFit/>
+          </a:bodyPr>
+          <a:lstStyle/>
+          <a:p>
+            <a:r>
+              <a:rPr lang="fr-FR" b="1" dirty="0" err="1"/>
+              <a:t>p</a:t>
+            </a:r>
+            <a:r>
+              <a:rPr lang="fr-FR" b="1" dirty="0" err="1" smtClean="0"/>
+              <a:t>rint</a:t>
+            </a:r>
+            <a:r>
+              <a:rPr lang="fr-FR" dirty="0" smtClean="0"/>
+              <a:t>( </a:t>
+            </a:r>
+            <a:r>
+              <a:rPr lang="fr-FR" dirty="0" err="1" smtClean="0"/>
+              <a:t>v.</a:t>
+            </a:r>
+            <a:r>
+              <a:rPr lang="fr-FR" b="1" i="1" dirty="0" err="1" smtClean="0"/>
+              <a:t>shape</a:t>
+            </a:r>
+            <a:r>
+              <a:rPr lang="fr-FR" dirty="0" smtClean="0"/>
+              <a:t> )</a:t>
+            </a:r>
+            <a:endParaRPr lang="fr-FR" dirty="0"/>
+          </a:p>
+        </p:txBody>
+      </p:sp>
+      <p:sp>
+        <p:nvSpPr>
+          <p:cNvPr id="17" name="ZoneTexte 16">
+            <a:extLst>
+              <a:ext uri="{FF2B5EF4-FFF2-40B4-BE49-F238E27FC236}">
+                <a16:creationId xmlns:a16="http://schemas.microsoft.com/office/drawing/2014/main" xmlns="" id="{E7888D5E-D8DF-E8FF-AF96-96B55D22CC5A}"/>
+              </a:ext>
+            </a:extLst>
+          </p:cNvPr>
+          <p:cNvSpPr txBox="1"/>
+          <p:nvPr/>
+        </p:nvSpPr>
+        <p:spPr>
+          <a:xfrm>
+            <a:off x="1391036" y="5349681"/>
+            <a:ext cx="4197096" cy="584775"/>
+          </a:xfrm>
+          <a:prstGeom prst="rect">
+            <a:avLst/>
+          </a:prstGeom>
+          <a:solidFill>
+            <a:schemeClr val="accent6">
+              <a:lumMod val="40000"/>
+              <a:lumOff val="60000"/>
+            </a:schemeClr>
+          </a:solidFill>
+        </p:spPr>
+        <p:txBody>
+          <a:bodyPr wrap="square" rtlCol="0">
+            <a:spAutoFit/>
+          </a:bodyPr>
+          <a:lstStyle/>
+          <a:p>
+            <a:r>
+              <a:rPr lang="fr-FR" b="1" i="1" dirty="0" smtClean="0"/>
+              <a:t>v</a:t>
+            </a:r>
+            <a:r>
+              <a:rPr lang="fr-FR" dirty="0" smtClean="0"/>
+              <a:t> est un objet de type </a:t>
+            </a:r>
+            <a:r>
+              <a:rPr lang="fr-FR" b="1" dirty="0" err="1" smtClean="0"/>
+              <a:t>ndarray</a:t>
+            </a:r>
+            <a:r>
+              <a:rPr lang="fr-FR" dirty="0" smtClean="0"/>
+              <a:t> </a:t>
+            </a:r>
+            <a:r>
+              <a:rPr lang="fr-FR" sz="1400" dirty="0" smtClean="0"/>
+              <a:t>(dont la définition est donnée dans la bibliothèque </a:t>
+            </a:r>
+            <a:r>
+              <a:rPr lang="fr-FR" sz="1400" dirty="0" err="1" smtClean="0"/>
+              <a:t>Numpy</a:t>
+            </a:r>
+            <a:r>
+              <a:rPr lang="fr-FR" sz="1400" dirty="0" smtClean="0"/>
+              <a:t>)</a:t>
+            </a:r>
+            <a:endParaRPr lang="fr-FR" sz="1400" dirty="0"/>
+          </a:p>
+        </p:txBody>
+      </p:sp>
     </p:spTree>
     <p:extLst>
       <p:ext uri="{BB962C8B-B14F-4D97-AF65-F5344CB8AC3E}">
-        <p14:creationId xmlns:p14="http://schemas.microsoft.com/office/powerpoint/2010/main" val="851414231"/>
+        <p14:creationId xmlns:p14="http://schemas.microsoft.com/office/powerpoint/2010/main" val="2729096438"/>
       </p:ext>
     </p:extLst>
   </p:cSld>
@@ -8895,7 +13340,7 @@
           <p:cNvPr id="2" name="Titre 1">
             <a:extLst>
               <a:ext uri="{FF2B5EF4-FFF2-40B4-BE49-F238E27FC236}">
-                <a16:creationId xmlns:a16="http://schemas.microsoft.com/office/drawing/2014/main" id="{90162AE8-C1B0-5C56-8313-DEE494F38273}"/>
+                <a16:creationId xmlns:a16="http://schemas.microsoft.com/office/drawing/2014/main" xmlns="" id="{90162AE8-C1B0-5C56-8313-DEE494F38273}"/>
               </a:ext>
             </a:extLst>
           </p:cNvPr>
@@ -8912,9 +13357,10 @@
           <a:lstStyle/>
           <a:p>
             <a:r>
-              <a:rPr lang="fr-FR" dirty="0"/>
-              <a:t>Exemple d’une classe</a:t>
-            </a:r>
+              <a:rPr lang="fr-FR" dirty="0" smtClean="0"/>
+              <a:t>C’est quoi cette syntaxe ???</a:t>
+            </a:r>
+            <a:endParaRPr lang="fr-FR" dirty="0"/>
           </a:p>
         </p:txBody>
       </p:sp>
@@ -8923,7 +13369,7 @@
           <p:cNvPr id="5" name="Image 4" descr="Une image contenant texte&#10;&#10;Description générée automatiquement">
             <a:extLst>
               <a:ext uri="{FF2B5EF4-FFF2-40B4-BE49-F238E27FC236}">
-                <a16:creationId xmlns:a16="http://schemas.microsoft.com/office/drawing/2014/main" id="{66D2630B-81F4-A4EB-21BA-8B90CF30BD92}"/>
+                <a16:creationId xmlns:a16="http://schemas.microsoft.com/office/drawing/2014/main" xmlns="" id="{66D2630B-81F4-A4EB-21BA-8B90CF30BD92}"/>
               </a:ext>
             </a:extLst>
           </p:cNvPr>
@@ -8933,7 +13379,7 @@
           <p:nvPr/>
         </p:nvPicPr>
         <p:blipFill>
-          <a:blip r:embed="rId2">
+          <a:blip r:embed="rId3" cstate="print">
             <a:extLst>
               <a:ext uri="{28A0092B-C50C-407E-A947-70E740481C1C}">
                 <a14:useLocalDpi xmlns:a14="http://schemas.microsoft.com/office/drawing/2010/main" val="0"/>
@@ -8954,72 +13400,12 @@
           </a:prstGeom>
         </p:spPr>
       </p:pic>
-      <p:pic>
-        <p:nvPicPr>
-          <p:cNvPr id="7" name="Image 6">
-            <a:extLst>
-              <a:ext uri="{FF2B5EF4-FFF2-40B4-BE49-F238E27FC236}">
-                <a16:creationId xmlns:a16="http://schemas.microsoft.com/office/drawing/2014/main" id="{4EE9D1F9-48DE-00D5-8C6D-E8CA70E85E45}"/>
-              </a:ext>
-            </a:extLst>
-          </p:cNvPr>
-          <p:cNvPicPr>
-            <a:picLocks noChangeAspect="1"/>
-          </p:cNvPicPr>
-          <p:nvPr/>
-        </p:nvPicPr>
-        <p:blipFill>
-          <a:blip r:embed="rId3"/>
-          <a:stretch>
-            <a:fillRect/>
-          </a:stretch>
-        </p:blipFill>
-        <p:spPr>
-          <a:xfrm>
-            <a:off x="7805470" y="2805874"/>
-            <a:ext cx="3815183" cy="2877171"/>
-          </a:xfrm>
-          <a:prstGeom prst="rect">
-            <a:avLst/>
-          </a:prstGeom>
-        </p:spPr>
-      </p:pic>
-      <p:pic>
-        <p:nvPicPr>
-          <p:cNvPr id="9" name="Image 8">
-            <a:extLst>
-              <a:ext uri="{FF2B5EF4-FFF2-40B4-BE49-F238E27FC236}">
-                <a16:creationId xmlns:a16="http://schemas.microsoft.com/office/drawing/2014/main" id="{37D9B3BA-AEA6-1085-4FC3-B34FBD239F90}"/>
-              </a:ext>
-            </a:extLst>
-          </p:cNvPr>
-          <p:cNvPicPr>
-            <a:picLocks noChangeAspect="1"/>
-          </p:cNvPicPr>
-          <p:nvPr/>
-        </p:nvPicPr>
-        <p:blipFill>
-          <a:blip r:embed="rId4"/>
-          <a:stretch>
-            <a:fillRect/>
-          </a:stretch>
-        </p:blipFill>
-        <p:spPr>
-          <a:xfrm>
-            <a:off x="810767" y="2735935"/>
-            <a:ext cx="6430478" cy="2276537"/>
-          </a:xfrm>
-          <a:prstGeom prst="rect">
-            <a:avLst/>
-          </a:prstGeom>
-        </p:spPr>
-      </p:pic>
-      <p:sp>
-        <p:nvSpPr>
-          <p:cNvPr id="12" name="ZoneTexte 11">
-            <a:extLst>
-              <a:ext uri="{FF2B5EF4-FFF2-40B4-BE49-F238E27FC236}">
-                <a16:creationId xmlns:a16="http://schemas.microsoft.com/office/drawing/2014/main" id="{42848A34-1B6F-4BFE-4C5D-B3DEA92B3B79}"/>
+      <p:sp>
+        <p:nvSpPr>
+          <p:cNvPr id="8" name="ZoneTexte 7">
+            <a:extLst>
+              <a:ext uri="{FF2B5EF4-FFF2-40B4-BE49-F238E27FC236}">
+                <a16:creationId xmlns:a16="http://schemas.microsoft.com/office/drawing/2014/main" xmlns="" id="{6791B4E9-865B-BC73-B7D5-34201D8E7E81}"/>
               </a:ext>
             </a:extLst>
           </p:cNvPr>
@@ -9028,70 +13414,47 @@
         </p:nvSpPr>
         <p:spPr>
           <a:xfrm>
-            <a:off x="2702794" y="5822490"/>
-            <a:ext cx="6096000" cy="861774"/>
+            <a:off x="822959" y="2301712"/>
+            <a:ext cx="4765173" cy="369332"/>
           </a:xfrm>
           <a:prstGeom prst="rect">
             <a:avLst/>
           </a:prstGeom>
           <a:solidFill>
-            <a:schemeClr val="bg1">
-              <a:lumMod val="95000"/>
+            <a:schemeClr val="accent1">
+              <a:lumMod val="40000"/>
+              <a:lumOff val="60000"/>
             </a:schemeClr>
           </a:solidFill>
-          <a:ln>
-            <a:solidFill>
-              <a:schemeClr val="accent1"/>
-            </a:solidFill>
-          </a:ln>
-        </p:spPr>
-        <p:txBody>
-          <a:bodyPr wrap="square">
+        </p:spPr>
+        <p:txBody>
+          <a:bodyPr wrap="square" rtlCol="0">
             <a:spAutoFit/>
           </a:bodyPr>
           <a:lstStyle/>
           <a:p>
             <a:r>
-              <a:rPr lang="fr-FR" sz="1600" dirty="0"/>
-              <a:t>Animal 1 Name =  Hello</a:t>
-            </a:r>
-          </a:p>
-          <a:p>
-            <a:r>
-              <a:rPr lang="fr-FR" sz="1600" dirty="0"/>
-              <a:t>Animal 2 Name =  Garfield</a:t>
-            </a:r>
-          </a:p>
-          <a:p>
-            <a:r>
-              <a:rPr lang="fr-FR" sz="1600" dirty="0"/>
-              <a:t>&lt;__</a:t>
-            </a:r>
-            <a:r>
-              <a:rPr lang="fr-FR" sz="1600" dirty="0" err="1"/>
-              <a:t>main__.Animal</a:t>
-            </a:r>
-            <a:r>
-              <a:rPr lang="fr-FR" sz="1600" dirty="0"/>
+              <a:rPr lang="fr-FR" b="1" dirty="0" smtClean="0"/>
+              <a:t>import</a:t>
+            </a:r>
+            <a:r>
+              <a:rPr lang="fr-FR" dirty="0" smtClean="0"/>
               <a:t> </a:t>
             </a:r>
             <a:r>
-              <a:rPr lang="fr-FR" sz="1600" dirty="0" err="1"/>
-              <a:t>object</a:t>
-            </a:r>
-            <a:r>
-              <a:rPr lang="fr-FR" sz="1600" dirty="0"/>
-              <a:t> at 0x0000020C594D2F10&gt;</a:t>
-            </a:r>
-          </a:p>
-        </p:txBody>
-      </p:sp>
-      <p:sp>
-        <p:nvSpPr>
-          <p:cNvPr id="14" name="ZoneTexte 13">
-            <a:extLst>
-              <a:ext uri="{FF2B5EF4-FFF2-40B4-BE49-F238E27FC236}">
-                <a16:creationId xmlns:a16="http://schemas.microsoft.com/office/drawing/2014/main" id="{31680013-F002-2396-80D1-8E5E3F67061D}"/>
+              <a:rPr lang="fr-FR" dirty="0" err="1" smtClean="0"/>
+              <a:t>numpy</a:t>
+            </a:r>
+            <a:endParaRPr lang="fr-FR" dirty="0" smtClean="0"/>
+          </a:p>
+        </p:txBody>
+      </p:sp>
+      <p:sp>
+        <p:nvSpPr>
+          <p:cNvPr id="12" name="ZoneTexte 11">
+            <a:extLst>
+              <a:ext uri="{FF2B5EF4-FFF2-40B4-BE49-F238E27FC236}">
+                <a16:creationId xmlns:a16="http://schemas.microsoft.com/office/drawing/2014/main" xmlns="" id="{6791B4E9-865B-BC73-B7D5-34201D8E7E81}"/>
               </a:ext>
             </a:extLst>
           </p:cNvPr>
@@ -9100,37 +13463,63 @@
         </p:nvSpPr>
         <p:spPr>
           <a:xfrm>
-            <a:off x="1572224" y="1361430"/>
-            <a:ext cx="6096000" cy="646331"/>
-          </a:xfrm>
-          <a:prstGeom prst="rect">
-            <a:avLst/>
-          </a:prstGeom>
-          <a:noFill/>
-        </p:spPr>
-        <p:txBody>
-          <a:bodyPr wrap="square">
+            <a:off x="822960" y="3687046"/>
+            <a:ext cx="4765173" cy="369332"/>
+          </a:xfrm>
+          <a:prstGeom prst="rect">
+            <a:avLst/>
+          </a:prstGeom>
+          <a:solidFill>
+            <a:schemeClr val="accent1">
+              <a:lumMod val="40000"/>
+              <a:lumOff val="60000"/>
+            </a:schemeClr>
+          </a:solidFill>
+        </p:spPr>
+        <p:txBody>
+          <a:bodyPr wrap="square" rtlCol="0">
             <a:spAutoFit/>
           </a:bodyPr>
           <a:lstStyle/>
           <a:p>
             <a:r>
-              <a:rPr lang="fr-FR" sz="1800" b="1" dirty="0"/>
-              <a:t>Encapsulation</a:t>
-            </a:r>
-            <a:r>
-              <a:rPr lang="fr-FR" sz="1800" dirty="0"/>
-              <a:t> : regroupement de différentes données et fonctions sous une même entité</a:t>
-            </a:r>
-          </a:p>
-        </p:txBody>
-      </p:sp>
-      <p:sp>
-        <p:nvSpPr>
-          <p:cNvPr id="15" name="ZoneTexte 14">
-            <a:extLst>
-              <a:ext uri="{FF2B5EF4-FFF2-40B4-BE49-F238E27FC236}">
-                <a16:creationId xmlns:a16="http://schemas.microsoft.com/office/drawing/2014/main" id="{A6513F52-012B-663D-92DF-03EE8E063E1C}"/>
+              <a:rPr lang="fr-FR" dirty="0" smtClean="0"/>
+              <a:t>v </a:t>
+            </a:r>
+            <a:r>
+              <a:rPr lang="fr-FR" b="1" dirty="0" smtClean="0"/>
+              <a:t>=</a:t>
+            </a:r>
+            <a:r>
+              <a:rPr lang="fr-FR" dirty="0" smtClean="0"/>
+              <a:t> </a:t>
+            </a:r>
+            <a:r>
+              <a:rPr lang="fr-FR" b="1" dirty="0" err="1" smtClean="0"/>
+              <a:t>numpy</a:t>
+            </a:r>
+            <a:r>
+              <a:rPr lang="fr-FR" dirty="0" err="1" smtClean="0"/>
+              <a:t>.</a:t>
+            </a:r>
+            <a:r>
+              <a:rPr lang="fr-FR" b="1" dirty="0" err="1" smtClean="0"/>
+              <a:t>array</a:t>
+            </a:r>
+            <a:r>
+              <a:rPr lang="fr-FR" dirty="0" smtClean="0"/>
+              <a:t>([1, 2, 3])</a:t>
+            </a:r>
+            <a:endParaRPr lang="fr-FR" dirty="0"/>
+          </a:p>
+        </p:txBody>
+      </p:sp>
+      <p:sp>
+        <p:nvSpPr>
+          <p:cNvPr id="14" name="ZoneTexte 13">
+            <a:extLst>
+              <a:ext uri="{FF2B5EF4-FFF2-40B4-BE49-F238E27FC236}">
+                <a16:creationId xmlns:a16="http://schemas.microsoft.com/office/drawing/2014/main" xmlns="" id="{E7888D5E-D8DF-E8FF-AF96-96B55D22CC5A}"/>
               </a:ext>
             </a:extLst>
           </p:cNvPr>
@@ -9139,78 +13528,415 @@
         </p:nvSpPr>
         <p:spPr>
           <a:xfrm>
-            <a:off x="8288594" y="48320"/>
-            <a:ext cx="3282565" cy="307777"/>
-          </a:xfrm>
-          <a:prstGeom prst="rect">
-            <a:avLst/>
-          </a:prstGeom>
-          <a:noFill/>
-        </p:spPr>
-        <p:txBody>
-          <a:bodyPr wrap="square">
+            <a:off x="1391037" y="4153245"/>
+            <a:ext cx="4197096" cy="646331"/>
+          </a:xfrm>
+          <a:prstGeom prst="rect">
+            <a:avLst/>
+          </a:prstGeom>
+          <a:solidFill>
+            <a:schemeClr val="accent6">
+              <a:lumMod val="40000"/>
+              <a:lumOff val="60000"/>
+            </a:schemeClr>
+          </a:solidFill>
+        </p:spPr>
+        <p:txBody>
+          <a:bodyPr wrap="square" rtlCol="0">
             <a:spAutoFit/>
           </a:bodyPr>
           <a:lstStyle/>
           <a:p>
             <a:r>
-              <a:rPr lang="fr-FR" sz="1400" dirty="0"/>
-              <a:t>B0_30_classe_simple.py</a:t>
-            </a:r>
-          </a:p>
-        </p:txBody>
-      </p:sp>
-      <p:pic>
-        <p:nvPicPr>
-          <p:cNvPr id="16" name="Picture 4" descr="Résultat de recherche d'images pour &quot;python logo&quot;">
-            <a:extLst>
-              <a:ext uri="{FF2B5EF4-FFF2-40B4-BE49-F238E27FC236}">
-                <a16:creationId xmlns:a16="http://schemas.microsoft.com/office/drawing/2014/main" id="{DEBF61A3-B2AF-CC7F-0AB0-4ECBB5A2D49D}"/>
-              </a:ext>
-            </a:extLst>
-          </p:cNvPr>
-          <p:cNvPicPr>
-            <a:picLocks noChangeAspect="1" noChangeArrowheads="1"/>
-          </p:cNvPicPr>
+              <a:rPr lang="fr-FR" b="1" i="1" dirty="0" err="1" smtClean="0"/>
+              <a:t>array</a:t>
+            </a:r>
+            <a:r>
+              <a:rPr lang="fr-FR" dirty="0" smtClean="0"/>
+              <a:t> est une méthode de la bibliothèque </a:t>
+            </a:r>
+            <a:r>
+              <a:rPr lang="fr-FR" dirty="0" err="1" smtClean="0"/>
+              <a:t>Numpy</a:t>
+            </a:r>
+            <a:endParaRPr lang="fr-FR" dirty="0"/>
+          </a:p>
+        </p:txBody>
+      </p:sp>
+      <p:sp>
+        <p:nvSpPr>
+          <p:cNvPr id="11" name="ZoneTexte 10">
+            <a:extLst>
+              <a:ext uri="{FF2B5EF4-FFF2-40B4-BE49-F238E27FC236}">
+                <a16:creationId xmlns:a16="http://schemas.microsoft.com/office/drawing/2014/main" xmlns="" id="{6791B4E9-865B-BC73-B7D5-34201D8E7E81}"/>
+              </a:ext>
+            </a:extLst>
+          </p:cNvPr>
+          <p:cNvSpPr txBox="1"/>
           <p:nvPr/>
-        </p:nvPicPr>
-        <p:blipFill>
-          <a:blip r:embed="rId5">
-            <a:extLst>
-              <a:ext uri="{28A0092B-C50C-407E-A947-70E740481C1C}">
-                <a14:useLocalDpi xmlns:a14="http://schemas.microsoft.com/office/drawing/2010/main" val="0"/>
-              </a:ext>
-            </a:extLst>
-          </a:blip>
-          <a:srcRect/>
-          <a:stretch>
-            <a:fillRect/>
-          </a:stretch>
-        </p:blipFill>
-        <p:spPr bwMode="auto">
-          <a:xfrm>
-            <a:off x="7896167" y="56024"/>
-            <a:ext cx="272970" cy="300073"/>
-          </a:xfrm>
-          <a:prstGeom prst="rect">
-            <a:avLst/>
-          </a:prstGeom>
-          <a:noFill/>
-          <a:extLst>
-            <a:ext uri="{909E8E84-426E-40DD-AFC4-6F175D3DCCD1}">
-              <a14:hiddenFill xmlns:a14="http://schemas.microsoft.com/office/drawing/2010/main">
-                <a:solidFill>
-                  <a:srgbClr val="FFFFFF"/>
-                </a:solidFill>
-              </a14:hiddenFill>
-            </a:ext>
-          </a:extLst>
-        </p:spPr>
-      </p:pic>
+        </p:nvSpPr>
+        <p:spPr>
+          <a:xfrm>
+            <a:off x="822960" y="4870178"/>
+            <a:ext cx="4765173" cy="369332"/>
+          </a:xfrm>
+          <a:prstGeom prst="rect">
+            <a:avLst/>
+          </a:prstGeom>
+          <a:solidFill>
+            <a:schemeClr val="accent1">
+              <a:lumMod val="40000"/>
+              <a:lumOff val="60000"/>
+            </a:schemeClr>
+          </a:solidFill>
+        </p:spPr>
+        <p:txBody>
+          <a:bodyPr wrap="square" rtlCol="0">
+            <a:spAutoFit/>
+          </a:bodyPr>
+          <a:lstStyle/>
+          <a:p>
+            <a:r>
+              <a:rPr lang="fr-FR" b="1" dirty="0" err="1" smtClean="0"/>
+              <a:t>print</a:t>
+            </a:r>
+            <a:r>
+              <a:rPr lang="fr-FR" dirty="0" smtClean="0"/>
+              <a:t>( </a:t>
+            </a:r>
+            <a:r>
+              <a:rPr lang="fr-FR" b="1" dirty="0" smtClean="0"/>
+              <a:t>type</a:t>
+            </a:r>
+            <a:r>
+              <a:rPr lang="fr-FR" dirty="0" smtClean="0"/>
+              <a:t>( </a:t>
+            </a:r>
+            <a:r>
+              <a:rPr lang="fr-FR" i="1" dirty="0" smtClean="0"/>
+              <a:t>v</a:t>
+            </a:r>
+            <a:r>
+              <a:rPr lang="fr-FR" dirty="0" smtClean="0"/>
+              <a:t> ) )</a:t>
+            </a:r>
+            <a:endParaRPr lang="fr-FR" dirty="0"/>
+          </a:p>
+        </p:txBody>
+      </p:sp>
+      <p:sp>
+        <p:nvSpPr>
+          <p:cNvPr id="13" name="ZoneTexte 12">
+            <a:extLst>
+              <a:ext uri="{FF2B5EF4-FFF2-40B4-BE49-F238E27FC236}">
+                <a16:creationId xmlns:a16="http://schemas.microsoft.com/office/drawing/2014/main" xmlns="" id="{8919C08D-4BD9-E355-43E2-5BD22F224950}"/>
+              </a:ext>
+            </a:extLst>
+          </p:cNvPr>
+          <p:cNvSpPr txBox="1"/>
+          <p:nvPr/>
+        </p:nvSpPr>
+        <p:spPr>
+          <a:xfrm>
+            <a:off x="6344971" y="3687046"/>
+            <a:ext cx="4765173" cy="369332"/>
+          </a:xfrm>
+          <a:prstGeom prst="rect">
+            <a:avLst/>
+          </a:prstGeom>
+          <a:solidFill>
+            <a:schemeClr val="accent1">
+              <a:lumMod val="40000"/>
+              <a:lumOff val="60000"/>
+            </a:schemeClr>
+          </a:solidFill>
+        </p:spPr>
+        <p:txBody>
+          <a:bodyPr wrap="square" rtlCol="0">
+            <a:spAutoFit/>
+          </a:bodyPr>
+          <a:lstStyle/>
+          <a:p>
+            <a:r>
+              <a:rPr lang="fr-FR" dirty="0" smtClean="0"/>
+              <a:t>a </a:t>
+            </a:r>
+            <a:r>
+              <a:rPr lang="fr-FR" b="1" dirty="0" smtClean="0"/>
+              <a:t>=</a:t>
+            </a:r>
+            <a:r>
+              <a:rPr lang="fr-FR" dirty="0" smtClean="0"/>
+              <a:t> </a:t>
+            </a:r>
+            <a:r>
+              <a:rPr lang="fr-FR" dirty="0" err="1" smtClean="0"/>
+              <a:t>v.</a:t>
+            </a:r>
+            <a:r>
+              <a:rPr lang="fr-FR" b="1" dirty="0" err="1" smtClean="0"/>
+              <a:t>max</a:t>
+            </a:r>
+            <a:r>
+              <a:rPr lang="fr-FR" dirty="0" smtClean="0"/>
+              <a:t>()</a:t>
+            </a:r>
+            <a:endParaRPr lang="fr-FR" b="1" dirty="0"/>
+          </a:p>
+        </p:txBody>
+      </p:sp>
+      <p:sp>
+        <p:nvSpPr>
+          <p:cNvPr id="16" name="ZoneTexte 15">
+            <a:extLst>
+              <a:ext uri="{FF2B5EF4-FFF2-40B4-BE49-F238E27FC236}">
+                <a16:creationId xmlns:a16="http://schemas.microsoft.com/office/drawing/2014/main" xmlns="" id="{6791B4E9-865B-BC73-B7D5-34201D8E7E81}"/>
+              </a:ext>
+            </a:extLst>
+          </p:cNvPr>
+          <p:cNvSpPr txBox="1"/>
+          <p:nvPr/>
+        </p:nvSpPr>
+        <p:spPr>
+          <a:xfrm>
+            <a:off x="6344971" y="4870178"/>
+            <a:ext cx="4765173" cy="369332"/>
+          </a:xfrm>
+          <a:prstGeom prst="rect">
+            <a:avLst/>
+          </a:prstGeom>
+          <a:solidFill>
+            <a:schemeClr val="accent1">
+              <a:lumMod val="40000"/>
+              <a:lumOff val="60000"/>
+            </a:schemeClr>
+          </a:solidFill>
+        </p:spPr>
+        <p:txBody>
+          <a:bodyPr wrap="square" rtlCol="0">
+            <a:spAutoFit/>
+          </a:bodyPr>
+          <a:lstStyle/>
+          <a:p>
+            <a:r>
+              <a:rPr lang="fr-FR" b="1" dirty="0" err="1"/>
+              <a:t>p</a:t>
+            </a:r>
+            <a:r>
+              <a:rPr lang="fr-FR" b="1" dirty="0" err="1" smtClean="0"/>
+              <a:t>rint</a:t>
+            </a:r>
+            <a:r>
+              <a:rPr lang="fr-FR" dirty="0" smtClean="0"/>
+              <a:t>( </a:t>
+            </a:r>
+            <a:r>
+              <a:rPr lang="fr-FR" dirty="0" err="1" smtClean="0"/>
+              <a:t>v.</a:t>
+            </a:r>
+            <a:r>
+              <a:rPr lang="fr-FR" b="1" i="1" dirty="0" err="1" smtClean="0"/>
+              <a:t>shape</a:t>
+            </a:r>
+            <a:r>
+              <a:rPr lang="fr-FR" dirty="0" smtClean="0"/>
+              <a:t> )</a:t>
+            </a:r>
+            <a:endParaRPr lang="fr-FR" dirty="0"/>
+          </a:p>
+        </p:txBody>
+      </p:sp>
+      <p:sp>
+        <p:nvSpPr>
+          <p:cNvPr id="17" name="ZoneTexte 16">
+            <a:extLst>
+              <a:ext uri="{FF2B5EF4-FFF2-40B4-BE49-F238E27FC236}">
+                <a16:creationId xmlns:a16="http://schemas.microsoft.com/office/drawing/2014/main" xmlns="" id="{E7888D5E-D8DF-E8FF-AF96-96B55D22CC5A}"/>
+              </a:ext>
+            </a:extLst>
+          </p:cNvPr>
+          <p:cNvSpPr txBox="1"/>
+          <p:nvPr/>
+        </p:nvSpPr>
+        <p:spPr>
+          <a:xfrm>
+            <a:off x="6913048" y="4153243"/>
+            <a:ext cx="4197096" cy="646331"/>
+          </a:xfrm>
+          <a:prstGeom prst="rect">
+            <a:avLst/>
+          </a:prstGeom>
+          <a:solidFill>
+            <a:schemeClr val="accent6">
+              <a:lumMod val="40000"/>
+              <a:lumOff val="60000"/>
+            </a:schemeClr>
+          </a:solidFill>
+        </p:spPr>
+        <p:txBody>
+          <a:bodyPr wrap="square" rtlCol="0">
+            <a:spAutoFit/>
+          </a:bodyPr>
+          <a:lstStyle/>
+          <a:p>
+            <a:r>
+              <a:rPr lang="fr-FR" b="1" i="1" dirty="0" smtClean="0"/>
+              <a:t>max</a:t>
+            </a:r>
+            <a:r>
+              <a:rPr lang="fr-FR" dirty="0" smtClean="0"/>
+              <a:t> est une méthode de la classe </a:t>
+            </a:r>
+            <a:r>
+              <a:rPr lang="fr-FR" b="1" dirty="0" err="1" smtClean="0"/>
+              <a:t>ndarray</a:t>
+            </a:r>
+            <a:r>
+              <a:rPr lang="fr-FR" b="1" dirty="0" smtClean="0"/>
+              <a:t> </a:t>
+            </a:r>
+            <a:r>
+              <a:rPr lang="fr-FR" sz="1400" dirty="0" smtClean="0"/>
+              <a:t>qui retourne un flottant ou un entier </a:t>
+            </a:r>
+            <a:endParaRPr lang="fr-FR" sz="1400" dirty="0"/>
+          </a:p>
+        </p:txBody>
+      </p:sp>
+      <p:sp>
+        <p:nvSpPr>
+          <p:cNvPr id="18" name="ZoneTexte 17">
+            <a:extLst>
+              <a:ext uri="{FF2B5EF4-FFF2-40B4-BE49-F238E27FC236}">
+                <a16:creationId xmlns:a16="http://schemas.microsoft.com/office/drawing/2014/main" xmlns="" id="{E7888D5E-D8DF-E8FF-AF96-96B55D22CC5A}"/>
+              </a:ext>
+            </a:extLst>
+          </p:cNvPr>
+          <p:cNvSpPr txBox="1"/>
+          <p:nvPr/>
+        </p:nvSpPr>
+        <p:spPr>
+          <a:xfrm>
+            <a:off x="6913048" y="5318902"/>
+            <a:ext cx="4197096" cy="646331"/>
+          </a:xfrm>
+          <a:prstGeom prst="rect">
+            <a:avLst/>
+          </a:prstGeom>
+          <a:solidFill>
+            <a:schemeClr val="accent6">
+              <a:lumMod val="40000"/>
+              <a:lumOff val="60000"/>
+            </a:schemeClr>
+          </a:solidFill>
+        </p:spPr>
+        <p:txBody>
+          <a:bodyPr wrap="square" rtlCol="0">
+            <a:spAutoFit/>
+          </a:bodyPr>
+          <a:lstStyle/>
+          <a:p>
+            <a:r>
+              <a:rPr lang="fr-FR" b="1" i="1" dirty="0" smtClean="0"/>
+              <a:t>max</a:t>
+            </a:r>
+            <a:r>
+              <a:rPr lang="fr-FR" dirty="0" smtClean="0"/>
+              <a:t> est un attribut de la classe </a:t>
+            </a:r>
+            <a:r>
+              <a:rPr lang="fr-FR" b="1" dirty="0" err="1" smtClean="0"/>
+              <a:t>ndarray</a:t>
+            </a:r>
+            <a:r>
+              <a:rPr lang="fr-FR" b="1" dirty="0" smtClean="0"/>
+              <a:t> </a:t>
+            </a:r>
+            <a:r>
+              <a:rPr lang="fr-FR" sz="1400" dirty="0" smtClean="0"/>
+              <a:t>qui retourne un </a:t>
+            </a:r>
+            <a:r>
+              <a:rPr lang="fr-FR" sz="1400" b="1" i="1" dirty="0" err="1" smtClean="0"/>
+              <a:t>Tuple</a:t>
+            </a:r>
+            <a:r>
+              <a:rPr lang="fr-FR" sz="1400" dirty="0" smtClean="0"/>
+              <a:t> de nombres</a:t>
+            </a:r>
+            <a:endParaRPr lang="fr-FR" sz="1400" dirty="0"/>
+          </a:p>
+        </p:txBody>
+      </p:sp>
+      <p:sp>
+        <p:nvSpPr>
+          <p:cNvPr id="19" name="ZoneTexte 18">
+            <a:extLst>
+              <a:ext uri="{FF2B5EF4-FFF2-40B4-BE49-F238E27FC236}">
+                <a16:creationId xmlns:a16="http://schemas.microsoft.com/office/drawing/2014/main" xmlns="" id="{E7888D5E-D8DF-E8FF-AF96-96B55D22CC5A}"/>
+              </a:ext>
+            </a:extLst>
+          </p:cNvPr>
+          <p:cNvSpPr txBox="1"/>
+          <p:nvPr/>
+        </p:nvSpPr>
+        <p:spPr>
+          <a:xfrm>
+            <a:off x="1391036" y="5349681"/>
+            <a:ext cx="4197096" cy="584775"/>
+          </a:xfrm>
+          <a:prstGeom prst="rect">
+            <a:avLst/>
+          </a:prstGeom>
+          <a:solidFill>
+            <a:schemeClr val="accent6">
+              <a:lumMod val="40000"/>
+              <a:lumOff val="60000"/>
+            </a:schemeClr>
+          </a:solidFill>
+        </p:spPr>
+        <p:txBody>
+          <a:bodyPr wrap="square" rtlCol="0">
+            <a:spAutoFit/>
+          </a:bodyPr>
+          <a:lstStyle/>
+          <a:p>
+            <a:r>
+              <a:rPr lang="fr-FR" b="1" i="1" dirty="0" smtClean="0"/>
+              <a:t>v</a:t>
+            </a:r>
+            <a:r>
+              <a:rPr lang="fr-FR" dirty="0" smtClean="0"/>
+              <a:t> est un objet de type </a:t>
+            </a:r>
+            <a:r>
+              <a:rPr lang="fr-FR" b="1" dirty="0" err="1" smtClean="0"/>
+              <a:t>ndarray</a:t>
+            </a:r>
+            <a:r>
+              <a:rPr lang="fr-FR" dirty="0" smtClean="0"/>
+              <a:t> </a:t>
+            </a:r>
+            <a:r>
+              <a:rPr lang="fr-FR" sz="1400" dirty="0" smtClean="0"/>
+              <a:t>(dont la définition est donnée dans la bibliothèque </a:t>
+            </a:r>
+            <a:r>
+              <a:rPr lang="fr-FR" sz="1400" dirty="0" err="1" smtClean="0"/>
+              <a:t>Numpy</a:t>
+            </a:r>
+            <a:r>
+              <a:rPr lang="fr-FR" sz="1400" dirty="0" smtClean="0"/>
+              <a:t>)</a:t>
+            </a:r>
+            <a:endParaRPr lang="fr-FR" sz="1400" dirty="0"/>
+          </a:p>
+        </p:txBody>
+      </p:sp>
     </p:spTree>
     <p:extLst>
       <p:ext uri="{BB962C8B-B14F-4D97-AF65-F5344CB8AC3E}">
-        <p14:creationId xmlns:p14="http://schemas.microsoft.com/office/powerpoint/2010/main" val="1631121772"/>
+        <p14:creationId xmlns:p14="http://schemas.microsoft.com/office/powerpoint/2010/main" val="3599863242"/>
       </p:ext>
     </p:extLst>
   </p:cSld>
@@ -9415,7 +14141,7 @@
   <a:extraClrSchemeLst/>
   <a:extLst>
     <a:ext uri="{05A4C25C-085E-4340-85A3-A5531E510DB2}">
-      <thm15:themeFamily xmlns:thm15="http://schemas.microsoft.com/office/thememl/2012/main" name="AccentBoxVTI" id="{9F778A78-DC9A-453A-A82D-A75CAD503E15}" vid="{EA961113-7CC4-4569-8A6A-7BC2C1E2F401}"/>
+      <thm15:themeFamily xmlns:thm15="http://schemas.microsoft.com/office/thememl/2012/main" xmlns="" name="AccentBoxVTI" id="{9F778A78-DC9A-453A-A82D-A75CAD503E15}" vid="{EA961113-7CC4-4569-8A6A-7BC2C1E2F401}"/>
     </a:ext>
   </a:extLst>
 </a:theme>
@@ -9710,7 +14436,7 @@
   <a:extraClrSchemeLst/>
   <a:extLst>
     <a:ext uri="{05A4C25C-085E-4340-85A3-A5531E510DB2}">
-      <thm15:themeFamily xmlns:thm15="http://schemas.microsoft.com/office/thememl/2012/main" name="Office Theme" id="{62F939B6-93AF-4DB8-9C6B-D6C7DFDC589F}" vid="{4A3C46E8-61CC-4603-A589-7422A47A8E4A}"/>
+      <thm15:themeFamily xmlns:thm15="http://schemas.microsoft.com/office/thememl/2012/main" xmlns="" name="Office Theme" id="{62F939B6-93AF-4DB8-9C6B-D6C7DFDC589F}" vid="{4A3C46E8-61CC-4603-A589-7422A47A8E4A}"/>
     </a:ext>
   </a:extLst>
 </a:theme>
